--- a/overview_presentations/Parallel_Processing_Large_Data.pptx
+++ b/overview_presentations/Parallel_Processing_Large_Data.pptx
@@ -2,42 +2,43 @@
 <file path=ppt/presentation.xml><?xml version="1.0" encoding="utf-8"?>
 <p:presentation xmlns:a="http://schemas.openxmlformats.org/drawingml/2006/main" xmlns:r="http://schemas.openxmlformats.org/officeDocument/2006/relationships" xmlns:p="http://schemas.openxmlformats.org/presentationml/2006/main" saveSubsetFonts="1">
   <p:sldMasterIdLst>
-    <p:sldMasterId id="2147483648" r:id="rId1"/>
+    <p:sldMasterId id="2147483784" r:id="rId1"/>
+    <p:sldMasterId id="2147483796" r:id="rId2"/>
   </p:sldMasterIdLst>
   <p:notesMasterIdLst>
-    <p:notesMasterId r:id="rId29"/>
+    <p:notesMasterId r:id="rId30"/>
   </p:notesMasterIdLst>
   <p:handoutMasterIdLst>
-    <p:handoutMasterId r:id="rId30"/>
+    <p:handoutMasterId r:id="rId31"/>
   </p:handoutMasterIdLst>
   <p:sldIdLst>
-    <p:sldId id="256" r:id="rId2"/>
-    <p:sldId id="291" r:id="rId3"/>
-    <p:sldId id="265" r:id="rId4"/>
-    <p:sldId id="273" r:id="rId5"/>
-    <p:sldId id="314" r:id="rId6"/>
-    <p:sldId id="267" r:id="rId7"/>
-    <p:sldId id="292" r:id="rId8"/>
-    <p:sldId id="272" r:id="rId9"/>
-    <p:sldId id="293" r:id="rId10"/>
-    <p:sldId id="338" r:id="rId11"/>
-    <p:sldId id="344" r:id="rId12"/>
-    <p:sldId id="316" r:id="rId13"/>
-    <p:sldId id="318" r:id="rId14"/>
-    <p:sldId id="320" r:id="rId15"/>
-    <p:sldId id="342" r:id="rId16"/>
-    <p:sldId id="326" r:id="rId17"/>
-    <p:sldId id="347" r:id="rId18"/>
-    <p:sldId id="348" r:id="rId19"/>
-    <p:sldId id="349" r:id="rId20"/>
-    <p:sldId id="350" r:id="rId21"/>
-    <p:sldId id="340" r:id="rId22"/>
-    <p:sldId id="277" r:id="rId23"/>
-    <p:sldId id="313" r:id="rId24"/>
-    <p:sldId id="285" r:id="rId25"/>
-    <p:sldId id="282" r:id="rId26"/>
-    <p:sldId id="312" r:id="rId27"/>
-    <p:sldId id="289" r:id="rId28"/>
+    <p:sldId id="256" r:id="rId3"/>
+    <p:sldId id="291" r:id="rId4"/>
+    <p:sldId id="265" r:id="rId5"/>
+    <p:sldId id="273" r:id="rId6"/>
+    <p:sldId id="314" r:id="rId7"/>
+    <p:sldId id="267" r:id="rId8"/>
+    <p:sldId id="292" r:id="rId9"/>
+    <p:sldId id="272" r:id="rId10"/>
+    <p:sldId id="293" r:id="rId11"/>
+    <p:sldId id="338" r:id="rId12"/>
+    <p:sldId id="344" r:id="rId13"/>
+    <p:sldId id="316" r:id="rId14"/>
+    <p:sldId id="318" r:id="rId15"/>
+    <p:sldId id="320" r:id="rId16"/>
+    <p:sldId id="342" r:id="rId17"/>
+    <p:sldId id="326" r:id="rId18"/>
+    <p:sldId id="347" r:id="rId19"/>
+    <p:sldId id="348" r:id="rId20"/>
+    <p:sldId id="349" r:id="rId21"/>
+    <p:sldId id="350" r:id="rId22"/>
+    <p:sldId id="340" r:id="rId23"/>
+    <p:sldId id="277" r:id="rId24"/>
+    <p:sldId id="313" r:id="rId25"/>
+    <p:sldId id="285" r:id="rId26"/>
+    <p:sldId id="282" r:id="rId27"/>
+    <p:sldId id="312" r:id="rId28"/>
+    <p:sldId id="289" r:id="rId29"/>
   </p:sldIdLst>
   <p:sldSz cx="9144000" cy="6858000" type="screen4x3"/>
   <p:notesSz cx="6858000" cy="9144000"/>
@@ -166,6 +167,36 @@
       </a:defRPr>
     </a:lvl9pPr>
   </p:defaultTextStyle>
+  <p:extLst>
+    <p:ext uri="{EFAFB233-063F-42B5-8137-9DF3F51BA10A}">
+      <p15:sldGuideLst xmlns:p15="http://schemas.microsoft.com/office/powerpoint/2012/main">
+        <p15:guide id="1" orient="horz" pos="2160">
+          <p15:clr>
+            <a:srgbClr val="A4A3A4"/>
+          </p15:clr>
+        </p15:guide>
+        <p15:guide id="2" pos="2880">
+          <p15:clr>
+            <a:srgbClr val="A4A3A4"/>
+          </p15:clr>
+        </p15:guide>
+      </p15:sldGuideLst>
+    </p:ext>
+    <p:ext uri="{2D200454-40CA-4A62-9FC3-DE9A4176ACB9}">
+      <p15:notesGuideLst xmlns:p15="http://schemas.microsoft.com/office/powerpoint/2012/main">
+        <p15:guide id="1" orient="horz" pos="2880">
+          <p15:clr>
+            <a:srgbClr val="A4A3A4"/>
+          </p15:clr>
+        </p15:guide>
+        <p15:guide id="2" pos="2160">
+          <p15:clr>
+            <a:srgbClr val="A4A3A4"/>
+          </p15:clr>
+        </p15:guide>
+      </p15:notesGuideLst>
+    </p:ext>
+  </p:extLst>
 </p:presentation>
 </file>
 
@@ -273,7 +304,7 @@
               <a:pPr>
                 <a:defRPr/>
               </a:pPr>
-              <a:t>02/03/2017</a:t>
+              <a:t>07/11/2017</a:t>
             </a:fld>
             <a:endParaRPr lang="en-GB" altLang="en-US"/>
           </a:p>
@@ -7867,10 +7898,22 @@
               <a:buChar char="•"/>
             </a:pPr>
             <a:r>
-              <a:rPr lang="en-GB" altLang="en-US" smtClean="0">
-                <a:ea typeface="ＭＳ Ｐゴシック" pitchFamily="34" charset="-128"/>
-              </a:rPr>
-              <a:t>You could manually split the input list into chunks of 20,000 files. (The “linux” split command can easily do this). You want to perform the same task on each one so now you can run five processes in parallel.</a:t>
+              <a:rPr lang="en-GB" altLang="en-US" dirty="0" smtClean="0">
+                <a:ea typeface="ＭＳ Ｐゴシック" pitchFamily="34" charset="-128"/>
+              </a:rPr>
+              <a:t>You could manually split the input list into chunks of 20,000 files. (The “</a:t>
+            </a:r>
+            <a:r>
+              <a:rPr lang="en-GB" altLang="en-US" dirty="0" err="1" smtClean="0">
+                <a:ea typeface="ＭＳ Ｐゴシック" pitchFamily="34" charset="-128"/>
+              </a:rPr>
+              <a:t>linux</a:t>
+            </a:r>
+            <a:r>
+              <a:rPr lang="en-GB" altLang="en-US" dirty="0" smtClean="0">
+                <a:ea typeface="ＭＳ Ｐゴシック" pitchFamily="34" charset="-128"/>
+              </a:rPr>
+              <a:t>” split command can easily do this). You want to perform the same task on each one so now you can run five processes in parallel.</a:t>
             </a:r>
           </a:p>
           <a:p>
@@ -7881,7 +7924,7 @@
               <a:buFontTx/>
               <a:buChar char="•"/>
             </a:pPr>
-            <a:endParaRPr lang="en-GB" altLang="en-US" smtClean="0">
+            <a:endParaRPr lang="en-GB" altLang="en-US" dirty="0" smtClean="0">
               <a:ea typeface="ＭＳ Ｐゴシック" pitchFamily="34" charset="-128"/>
             </a:endParaRPr>
           </a:p>
@@ -7894,7 +7937,7 @@
               <a:buChar char="•"/>
             </a:pPr>
             <a:r>
-              <a:rPr lang="en-GB" altLang="en-US" smtClean="0">
+              <a:rPr lang="en-GB" altLang="en-US" dirty="0" smtClean="0">
                 <a:ea typeface="ＭＳ Ｐゴシック" pitchFamily="34" charset="-128"/>
               </a:rPr>
               <a:t>Each process writes its output to a separate file and then another bit of code collects the contents of those files together into a single list.</a:t>
@@ -7908,7 +7951,7 @@
               <a:buFontTx/>
               <a:buChar char="•"/>
             </a:pPr>
-            <a:endParaRPr lang="en-GB" altLang="en-US" smtClean="0">
+            <a:endParaRPr lang="en-GB" altLang="en-US" dirty="0" smtClean="0">
               <a:ea typeface="ＭＳ Ｐゴシック" pitchFamily="34" charset="-128"/>
             </a:endParaRPr>
           </a:p>
@@ -7921,7 +7964,7 @@
               <a:buChar char="•"/>
             </a:pPr>
             <a:r>
-              <a:rPr lang="en-GB" altLang="en-US" smtClean="0">
+              <a:rPr lang="en-GB" altLang="en-US" dirty="0" smtClean="0">
                 <a:ea typeface="ＭＳ Ｐゴシック" pitchFamily="34" charset="-128"/>
               </a:rPr>
               <a:t>The outcome of this approach is identical to the first, but by dividing the task into logical steps we have allowed the result to be achieved much faster. Each task could run on one core of your desktop computer.</a:t>
@@ -8280,112 +8323,10 @@
           </a:p>
         </p:txBody>
       </p:sp>
-      <p:sp>
-        <p:nvSpPr>
-          <p:cNvPr id="4" name="Date Placeholder 3"/>
-          <p:cNvSpPr>
-            <a:spLocks noGrp="1"/>
-          </p:cNvSpPr>
-          <p:nvPr>
-            <p:ph type="dt" sz="half" idx="10"/>
-          </p:nvPr>
-        </p:nvSpPr>
-        <p:spPr>
-          <a:xfrm>
-            <a:off x="395288" y="5805488"/>
-            <a:ext cx="2133600" cy="365125"/>
-          </a:xfrm>
-        </p:spPr>
-        <p:txBody>
-          <a:bodyPr/>
-          <a:lstStyle>
-            <a:lvl1pPr>
-              <a:defRPr smtClean="0"/>
-            </a:lvl1pPr>
-          </a:lstStyle>
-          <a:p>
-            <a:pPr>
-              <a:defRPr/>
-            </a:pPr>
-            <a:fld id="{2139B898-3493-4196-8903-DFC61BD99B95}" type="datetimeFigureOut">
-              <a:rPr lang="en-GB" altLang="en-US"/>
-              <a:pPr>
-                <a:defRPr/>
-              </a:pPr>
-              <a:t>02/03/2017</a:t>
-            </a:fld>
-            <a:endParaRPr lang="en-GB" altLang="en-US"/>
-          </a:p>
-        </p:txBody>
-      </p:sp>
-      <p:sp>
-        <p:nvSpPr>
-          <p:cNvPr id="5" name="Footer Placeholder 4"/>
-          <p:cNvSpPr>
-            <a:spLocks noGrp="1"/>
-          </p:cNvSpPr>
-          <p:nvPr>
-            <p:ph type="ftr" sz="quarter" idx="11"/>
-          </p:nvPr>
-        </p:nvSpPr>
-        <p:spPr/>
-        <p:txBody>
-          <a:bodyPr/>
-          <a:lstStyle>
-            <a:lvl1pPr>
-              <a:defRPr/>
-            </a:lvl1pPr>
-          </a:lstStyle>
-          <a:p>
-            <a:pPr>
-              <a:defRPr/>
-            </a:pPr>
-            <a:endParaRPr lang="en-GB"/>
-          </a:p>
-        </p:txBody>
-      </p:sp>
-      <p:sp>
-        <p:nvSpPr>
-          <p:cNvPr id="6" name="Slide Number Placeholder 5"/>
-          <p:cNvSpPr>
-            <a:spLocks noGrp="1"/>
-          </p:cNvSpPr>
-          <p:nvPr>
-            <p:ph type="sldNum" sz="quarter" idx="12"/>
-          </p:nvPr>
-        </p:nvSpPr>
-        <p:spPr>
-          <a:xfrm>
-            <a:off x="7010400" y="5732463"/>
-            <a:ext cx="2133600" cy="365125"/>
-          </a:xfrm>
-        </p:spPr>
-        <p:txBody>
-          <a:bodyPr/>
-          <a:lstStyle>
-            <a:lvl1pPr>
-              <a:defRPr smtClean="0"/>
-            </a:lvl1pPr>
-          </a:lstStyle>
-          <a:p>
-            <a:pPr>
-              <a:defRPr/>
-            </a:pPr>
-            <a:fld id="{886E69F0-AAD2-43FA-A04C-8D3F117AB357}" type="slidenum">
-              <a:rPr lang="en-GB" altLang="en-US"/>
-              <a:pPr>
-                <a:defRPr/>
-              </a:pPr>
-              <a:t>‹#›</a:t>
-            </a:fld>
-            <a:endParaRPr lang="en-GB" altLang="en-US"/>
-          </a:p>
-        </p:txBody>
-      </p:sp>
     </p:spTree>
     <p:extLst>
       <p:ext uri="{BB962C8B-B14F-4D97-AF65-F5344CB8AC3E}">
-        <p14:creationId xmlns:p14="http://schemas.microsoft.com/office/powerpoint/2010/main" val="231327421"/>
+        <p14:creationId xmlns:p14="http://schemas.microsoft.com/office/powerpoint/2010/main" val="3607093037"/>
       </p:ext>
     </p:extLst>
   </p:cSld>
@@ -8504,7 +8445,15 @@
             <p:ph type="dt" sz="half" idx="10"/>
           </p:nvPr>
         </p:nvSpPr>
-        <p:spPr/>
+        <p:spPr>
+          <a:xfrm>
+            <a:off x="457200" y="6356350"/>
+            <a:ext cx="2133600" cy="365125"/>
+          </a:xfrm>
+          <a:prstGeom prst="rect">
+            <a:avLst/>
+          </a:prstGeom>
+        </p:spPr>
         <p:txBody>
           <a:bodyPr/>
           <a:lstStyle>
@@ -8521,7 +8470,7 @@
               <a:pPr>
                 <a:defRPr/>
               </a:pPr>
-              <a:t>02/03/2017</a:t>
+              <a:t>11/11/2017</a:t>
             </a:fld>
             <a:endParaRPr lang="en-GB" altLang="en-US"/>
           </a:p>
@@ -8537,7 +8486,15 @@
             <p:ph type="ftr" sz="quarter" idx="11"/>
           </p:nvPr>
         </p:nvSpPr>
-        <p:spPr/>
+        <p:spPr>
+          <a:xfrm>
+            <a:off x="3124200" y="6356350"/>
+            <a:ext cx="2895600" cy="365125"/>
+          </a:xfrm>
+          <a:prstGeom prst="rect">
+            <a:avLst/>
+          </a:prstGeom>
+        </p:spPr>
         <p:txBody>
           <a:bodyPr/>
           <a:lstStyle>
@@ -8563,7 +8520,15 @@
             <p:ph type="sldNum" sz="quarter" idx="12"/>
           </p:nvPr>
         </p:nvSpPr>
-        <p:spPr/>
+        <p:spPr>
+          <a:xfrm>
+            <a:off x="6553200" y="6356350"/>
+            <a:ext cx="2133600" cy="365125"/>
+          </a:xfrm>
+          <a:prstGeom prst="rect">
+            <a:avLst/>
+          </a:prstGeom>
+        </p:spPr>
         <p:txBody>
           <a:bodyPr/>
           <a:lstStyle>
@@ -8589,7 +8554,7 @@
     </p:spTree>
     <p:extLst>
       <p:ext uri="{BB962C8B-B14F-4D97-AF65-F5344CB8AC3E}">
-        <p14:creationId xmlns:p14="http://schemas.microsoft.com/office/powerpoint/2010/main" val="364682670"/>
+        <p14:creationId xmlns:p14="http://schemas.microsoft.com/office/powerpoint/2010/main" val="1368905366"/>
       </p:ext>
     </p:extLst>
   </p:cSld>
@@ -8711,7 +8676,15 @@
             <p:ph type="dt" sz="half" idx="10"/>
           </p:nvPr>
         </p:nvSpPr>
-        <p:spPr/>
+        <p:spPr>
+          <a:xfrm>
+            <a:off x="457200" y="6356350"/>
+            <a:ext cx="2133600" cy="365125"/>
+          </a:xfrm>
+          <a:prstGeom prst="rect">
+            <a:avLst/>
+          </a:prstGeom>
+        </p:spPr>
         <p:txBody>
           <a:bodyPr/>
           <a:lstStyle>
@@ -8728,7 +8701,7 @@
               <a:pPr>
                 <a:defRPr/>
               </a:pPr>
-              <a:t>02/03/2017</a:t>
+              <a:t>11/11/2017</a:t>
             </a:fld>
             <a:endParaRPr lang="en-GB" altLang="en-US"/>
           </a:p>
@@ -8744,7 +8717,15 @@
             <p:ph type="ftr" sz="quarter" idx="11"/>
           </p:nvPr>
         </p:nvSpPr>
-        <p:spPr/>
+        <p:spPr>
+          <a:xfrm>
+            <a:off x="3124200" y="6356350"/>
+            <a:ext cx="2895600" cy="365125"/>
+          </a:xfrm>
+          <a:prstGeom prst="rect">
+            <a:avLst/>
+          </a:prstGeom>
+        </p:spPr>
         <p:txBody>
           <a:bodyPr/>
           <a:lstStyle>
@@ -8770,7 +8751,15 @@
             <p:ph type="sldNum" sz="quarter" idx="12"/>
           </p:nvPr>
         </p:nvSpPr>
-        <p:spPr/>
+        <p:spPr>
+          <a:xfrm>
+            <a:off x="6553200" y="6356350"/>
+            <a:ext cx="2133600" cy="365125"/>
+          </a:xfrm>
+          <a:prstGeom prst="rect">
+            <a:avLst/>
+          </a:prstGeom>
+        </p:spPr>
         <p:txBody>
           <a:bodyPr/>
           <a:lstStyle>
@@ -8796,7 +8785,1639 @@
     </p:spTree>
     <p:extLst>
       <p:ext uri="{BB962C8B-B14F-4D97-AF65-F5344CB8AC3E}">
-        <p14:creationId xmlns:p14="http://schemas.microsoft.com/office/powerpoint/2010/main" val="2999550250"/>
+        <p14:creationId xmlns:p14="http://schemas.microsoft.com/office/powerpoint/2010/main" val="4110597405"/>
+      </p:ext>
+    </p:extLst>
+  </p:cSld>
+  <p:clrMapOvr>
+    <a:masterClrMapping/>
+  </p:clrMapOvr>
+</p:sldLayout>
+</file>
+
+<file path=ppt/slideLayouts/slideLayout12.xml><?xml version="1.0" encoding="utf-8"?>
+<p:sldLayout xmlns:a="http://schemas.openxmlformats.org/drawingml/2006/main" xmlns:r="http://schemas.openxmlformats.org/officeDocument/2006/relationships" xmlns:p="http://schemas.openxmlformats.org/presentationml/2006/main" type="title" preserve="1">
+  <p:cSld name="Title Slide">
+    <p:spTree>
+      <p:nvGrpSpPr>
+        <p:cNvPr id="1" name=""/>
+        <p:cNvGrpSpPr/>
+        <p:nvPr/>
+      </p:nvGrpSpPr>
+      <p:grpSpPr>
+        <a:xfrm>
+          <a:off x="0" y="0"/>
+          <a:ext cx="0" cy="0"/>
+          <a:chOff x="0" y="0"/>
+          <a:chExt cx="0" cy="0"/>
+        </a:xfrm>
+      </p:grpSpPr>
+      <p:sp>
+        <p:nvSpPr>
+          <p:cNvPr id="2" name="Title 1"/>
+          <p:cNvSpPr>
+            <a:spLocks noGrp="1"/>
+          </p:cNvSpPr>
+          <p:nvPr>
+            <p:ph type="ctrTitle"/>
+          </p:nvPr>
+        </p:nvSpPr>
+        <p:spPr>
+          <a:xfrm>
+            <a:off x="1143000" y="1122363"/>
+            <a:ext cx="6858000" cy="2387600"/>
+          </a:xfrm>
+        </p:spPr>
+        <p:txBody>
+          <a:bodyPr anchor="b"/>
+          <a:lstStyle>
+            <a:lvl1pPr algn="ctr">
+              <a:defRPr sz="6000"/>
+            </a:lvl1pPr>
+          </a:lstStyle>
+          <a:p>
+            <a:r>
+              <a:rPr lang="en-US" smtClean="0"/>
+              <a:t>Click to edit Master title style</a:t>
+            </a:r>
+            <a:endParaRPr lang="en-GB"/>
+          </a:p>
+        </p:txBody>
+      </p:sp>
+      <p:sp>
+        <p:nvSpPr>
+          <p:cNvPr id="3" name="Subtitle 2"/>
+          <p:cNvSpPr>
+            <a:spLocks noGrp="1"/>
+          </p:cNvSpPr>
+          <p:nvPr>
+            <p:ph type="subTitle" idx="1"/>
+          </p:nvPr>
+        </p:nvSpPr>
+        <p:spPr>
+          <a:xfrm>
+            <a:off x="1143000" y="3602038"/>
+            <a:ext cx="6858000" cy="1655762"/>
+          </a:xfrm>
+        </p:spPr>
+        <p:txBody>
+          <a:bodyPr/>
+          <a:lstStyle>
+            <a:lvl1pPr marL="0" indent="0" algn="ctr">
+              <a:buNone/>
+              <a:defRPr sz="2400"/>
+            </a:lvl1pPr>
+            <a:lvl2pPr marL="457200" indent="0" algn="ctr">
+              <a:buNone/>
+              <a:defRPr sz="2000"/>
+            </a:lvl2pPr>
+            <a:lvl3pPr marL="914400" indent="0" algn="ctr">
+              <a:buNone/>
+              <a:defRPr sz="1800"/>
+            </a:lvl3pPr>
+            <a:lvl4pPr marL="1371600" indent="0" algn="ctr">
+              <a:buNone/>
+              <a:defRPr sz="1600"/>
+            </a:lvl4pPr>
+            <a:lvl5pPr marL="1828800" indent="0" algn="ctr">
+              <a:buNone/>
+              <a:defRPr sz="1600"/>
+            </a:lvl5pPr>
+            <a:lvl6pPr marL="2286000" indent="0" algn="ctr">
+              <a:buNone/>
+              <a:defRPr sz="1600"/>
+            </a:lvl6pPr>
+            <a:lvl7pPr marL="2743200" indent="0" algn="ctr">
+              <a:buNone/>
+              <a:defRPr sz="1600"/>
+            </a:lvl7pPr>
+            <a:lvl8pPr marL="3200400" indent="0" algn="ctr">
+              <a:buNone/>
+              <a:defRPr sz="1600"/>
+            </a:lvl8pPr>
+            <a:lvl9pPr marL="3657600" indent="0" algn="ctr">
+              <a:buNone/>
+              <a:defRPr sz="1600"/>
+            </a:lvl9pPr>
+          </a:lstStyle>
+          <a:p>
+            <a:r>
+              <a:rPr lang="en-US" smtClean="0"/>
+              <a:t>Click to edit Master subtitle style</a:t>
+            </a:r>
+            <a:endParaRPr lang="en-GB"/>
+          </a:p>
+        </p:txBody>
+      </p:sp>
+      <p:sp>
+        <p:nvSpPr>
+          <p:cNvPr id="4" name="Date Placeholder 3"/>
+          <p:cNvSpPr>
+            <a:spLocks noGrp="1"/>
+          </p:cNvSpPr>
+          <p:nvPr>
+            <p:ph type="dt" sz="half" idx="10"/>
+          </p:nvPr>
+        </p:nvSpPr>
+        <p:spPr/>
+        <p:txBody>
+          <a:bodyPr/>
+          <a:lstStyle/>
+          <a:p>
+            <a:fld id="{740E80E1-5322-41A5-BE1C-2FD07D6C3DE2}" type="datetimeFigureOut">
+              <a:rPr lang="en-GB" smtClean="0"/>
+              <a:t>11/11/2017</a:t>
+            </a:fld>
+            <a:endParaRPr lang="en-GB"/>
+          </a:p>
+        </p:txBody>
+      </p:sp>
+      <p:sp>
+        <p:nvSpPr>
+          <p:cNvPr id="5" name="Footer Placeholder 4"/>
+          <p:cNvSpPr>
+            <a:spLocks noGrp="1"/>
+          </p:cNvSpPr>
+          <p:nvPr>
+            <p:ph type="ftr" sz="quarter" idx="11"/>
+          </p:nvPr>
+        </p:nvSpPr>
+        <p:spPr/>
+        <p:txBody>
+          <a:bodyPr/>
+          <a:lstStyle/>
+          <a:p>
+            <a:endParaRPr lang="en-GB"/>
+          </a:p>
+        </p:txBody>
+      </p:sp>
+      <p:sp>
+        <p:nvSpPr>
+          <p:cNvPr id="6" name="Slide Number Placeholder 5"/>
+          <p:cNvSpPr>
+            <a:spLocks noGrp="1"/>
+          </p:cNvSpPr>
+          <p:nvPr>
+            <p:ph type="sldNum" sz="quarter" idx="12"/>
+          </p:nvPr>
+        </p:nvSpPr>
+        <p:spPr/>
+        <p:txBody>
+          <a:bodyPr/>
+          <a:lstStyle/>
+          <a:p>
+            <a:fld id="{4E09BF8B-825D-4AA9-BD1C-63FAB9889AFD}" type="slidenum">
+              <a:rPr lang="en-GB" smtClean="0"/>
+              <a:t>‹#›</a:t>
+            </a:fld>
+            <a:endParaRPr lang="en-GB"/>
+          </a:p>
+        </p:txBody>
+      </p:sp>
+    </p:spTree>
+    <p:extLst>
+      <p:ext uri="{BB962C8B-B14F-4D97-AF65-F5344CB8AC3E}">
+        <p14:creationId xmlns:p14="http://schemas.microsoft.com/office/powerpoint/2010/main" val="4085153232"/>
+      </p:ext>
+    </p:extLst>
+  </p:cSld>
+  <p:clrMapOvr>
+    <a:masterClrMapping/>
+  </p:clrMapOvr>
+</p:sldLayout>
+</file>
+
+<file path=ppt/slideLayouts/slideLayout13.xml><?xml version="1.0" encoding="utf-8"?>
+<p:sldLayout xmlns:a="http://schemas.openxmlformats.org/drawingml/2006/main" xmlns:r="http://schemas.openxmlformats.org/officeDocument/2006/relationships" xmlns:p="http://schemas.openxmlformats.org/presentationml/2006/main" type="obj" preserve="1">
+  <p:cSld name="Title and Content">
+    <p:spTree>
+      <p:nvGrpSpPr>
+        <p:cNvPr id="1" name=""/>
+        <p:cNvGrpSpPr/>
+        <p:nvPr/>
+      </p:nvGrpSpPr>
+      <p:grpSpPr>
+        <a:xfrm>
+          <a:off x="0" y="0"/>
+          <a:ext cx="0" cy="0"/>
+          <a:chOff x="0" y="0"/>
+          <a:chExt cx="0" cy="0"/>
+        </a:xfrm>
+      </p:grpSpPr>
+      <p:sp>
+        <p:nvSpPr>
+          <p:cNvPr id="2" name="Title 1"/>
+          <p:cNvSpPr>
+            <a:spLocks noGrp="1"/>
+          </p:cNvSpPr>
+          <p:nvPr>
+            <p:ph type="title"/>
+          </p:nvPr>
+        </p:nvSpPr>
+        <p:spPr/>
+        <p:txBody>
+          <a:bodyPr/>
+          <a:lstStyle/>
+          <a:p>
+            <a:r>
+              <a:rPr lang="en-US" smtClean="0"/>
+              <a:t>Click to edit Master title style</a:t>
+            </a:r>
+            <a:endParaRPr lang="en-GB"/>
+          </a:p>
+        </p:txBody>
+      </p:sp>
+      <p:sp>
+        <p:nvSpPr>
+          <p:cNvPr id="3" name="Content Placeholder 2"/>
+          <p:cNvSpPr>
+            <a:spLocks noGrp="1"/>
+          </p:cNvSpPr>
+          <p:nvPr>
+            <p:ph idx="1"/>
+          </p:nvPr>
+        </p:nvSpPr>
+        <p:spPr/>
+        <p:txBody>
+          <a:bodyPr/>
+          <a:lstStyle/>
+          <a:p>
+            <a:pPr lvl="0"/>
+            <a:r>
+              <a:rPr lang="en-US" smtClean="0"/>
+              <a:t>Edit Master text styles</a:t>
+            </a:r>
+          </a:p>
+          <a:p>
+            <a:pPr lvl="1"/>
+            <a:r>
+              <a:rPr lang="en-US" smtClean="0"/>
+              <a:t>Second level</a:t>
+            </a:r>
+          </a:p>
+          <a:p>
+            <a:pPr lvl="2"/>
+            <a:r>
+              <a:rPr lang="en-US" smtClean="0"/>
+              <a:t>Third level</a:t>
+            </a:r>
+          </a:p>
+          <a:p>
+            <a:pPr lvl="3"/>
+            <a:r>
+              <a:rPr lang="en-US" smtClean="0"/>
+              <a:t>Fourth level</a:t>
+            </a:r>
+          </a:p>
+          <a:p>
+            <a:pPr lvl="4"/>
+            <a:r>
+              <a:rPr lang="en-US" smtClean="0"/>
+              <a:t>Fifth level</a:t>
+            </a:r>
+            <a:endParaRPr lang="en-GB"/>
+          </a:p>
+        </p:txBody>
+      </p:sp>
+      <p:sp>
+        <p:nvSpPr>
+          <p:cNvPr id="4" name="Date Placeholder 3"/>
+          <p:cNvSpPr>
+            <a:spLocks noGrp="1"/>
+          </p:cNvSpPr>
+          <p:nvPr>
+            <p:ph type="dt" sz="half" idx="10"/>
+          </p:nvPr>
+        </p:nvSpPr>
+        <p:spPr/>
+        <p:txBody>
+          <a:bodyPr/>
+          <a:lstStyle/>
+          <a:p>
+            <a:fld id="{740E80E1-5322-41A5-BE1C-2FD07D6C3DE2}" type="datetimeFigureOut">
+              <a:rPr lang="en-GB" smtClean="0"/>
+              <a:t>11/11/2017</a:t>
+            </a:fld>
+            <a:endParaRPr lang="en-GB"/>
+          </a:p>
+        </p:txBody>
+      </p:sp>
+      <p:sp>
+        <p:nvSpPr>
+          <p:cNvPr id="5" name="Footer Placeholder 4"/>
+          <p:cNvSpPr>
+            <a:spLocks noGrp="1"/>
+          </p:cNvSpPr>
+          <p:nvPr>
+            <p:ph type="ftr" sz="quarter" idx="11"/>
+          </p:nvPr>
+        </p:nvSpPr>
+        <p:spPr/>
+        <p:txBody>
+          <a:bodyPr/>
+          <a:lstStyle/>
+          <a:p>
+            <a:endParaRPr lang="en-GB"/>
+          </a:p>
+        </p:txBody>
+      </p:sp>
+      <p:sp>
+        <p:nvSpPr>
+          <p:cNvPr id="6" name="Slide Number Placeholder 5"/>
+          <p:cNvSpPr>
+            <a:spLocks noGrp="1"/>
+          </p:cNvSpPr>
+          <p:nvPr>
+            <p:ph type="sldNum" sz="quarter" idx="12"/>
+          </p:nvPr>
+        </p:nvSpPr>
+        <p:spPr/>
+        <p:txBody>
+          <a:bodyPr/>
+          <a:lstStyle/>
+          <a:p>
+            <a:fld id="{4E09BF8B-825D-4AA9-BD1C-63FAB9889AFD}" type="slidenum">
+              <a:rPr lang="en-GB" smtClean="0"/>
+              <a:t>‹#›</a:t>
+            </a:fld>
+            <a:endParaRPr lang="en-GB"/>
+          </a:p>
+        </p:txBody>
+      </p:sp>
+    </p:spTree>
+    <p:extLst>
+      <p:ext uri="{BB962C8B-B14F-4D97-AF65-F5344CB8AC3E}">
+        <p14:creationId xmlns:p14="http://schemas.microsoft.com/office/powerpoint/2010/main" val="3890933428"/>
+      </p:ext>
+    </p:extLst>
+  </p:cSld>
+  <p:clrMapOvr>
+    <a:masterClrMapping/>
+  </p:clrMapOvr>
+</p:sldLayout>
+</file>
+
+<file path=ppt/slideLayouts/slideLayout14.xml><?xml version="1.0" encoding="utf-8"?>
+<p:sldLayout xmlns:a="http://schemas.openxmlformats.org/drawingml/2006/main" xmlns:r="http://schemas.openxmlformats.org/officeDocument/2006/relationships" xmlns:p="http://schemas.openxmlformats.org/presentationml/2006/main" type="secHead" preserve="1">
+  <p:cSld name="Section Header">
+    <p:spTree>
+      <p:nvGrpSpPr>
+        <p:cNvPr id="1" name=""/>
+        <p:cNvGrpSpPr/>
+        <p:nvPr/>
+      </p:nvGrpSpPr>
+      <p:grpSpPr>
+        <a:xfrm>
+          <a:off x="0" y="0"/>
+          <a:ext cx="0" cy="0"/>
+          <a:chOff x="0" y="0"/>
+          <a:chExt cx="0" cy="0"/>
+        </a:xfrm>
+      </p:grpSpPr>
+      <p:sp>
+        <p:nvSpPr>
+          <p:cNvPr id="2" name="Title 1"/>
+          <p:cNvSpPr>
+            <a:spLocks noGrp="1"/>
+          </p:cNvSpPr>
+          <p:nvPr>
+            <p:ph type="title"/>
+          </p:nvPr>
+        </p:nvSpPr>
+        <p:spPr>
+          <a:xfrm>
+            <a:off x="623888" y="1709738"/>
+            <a:ext cx="7886700" cy="2852737"/>
+          </a:xfrm>
+        </p:spPr>
+        <p:txBody>
+          <a:bodyPr anchor="b"/>
+          <a:lstStyle>
+            <a:lvl1pPr>
+              <a:defRPr sz="6000"/>
+            </a:lvl1pPr>
+          </a:lstStyle>
+          <a:p>
+            <a:r>
+              <a:rPr lang="en-US" smtClean="0"/>
+              <a:t>Click to edit Master title style</a:t>
+            </a:r>
+            <a:endParaRPr lang="en-GB"/>
+          </a:p>
+        </p:txBody>
+      </p:sp>
+      <p:sp>
+        <p:nvSpPr>
+          <p:cNvPr id="3" name="Text Placeholder 2"/>
+          <p:cNvSpPr>
+            <a:spLocks noGrp="1"/>
+          </p:cNvSpPr>
+          <p:nvPr>
+            <p:ph type="body" idx="1"/>
+          </p:nvPr>
+        </p:nvSpPr>
+        <p:spPr>
+          <a:xfrm>
+            <a:off x="623888" y="4589463"/>
+            <a:ext cx="7886700" cy="1500187"/>
+          </a:xfrm>
+        </p:spPr>
+        <p:txBody>
+          <a:bodyPr/>
+          <a:lstStyle>
+            <a:lvl1pPr marL="0" indent="0">
+              <a:buNone/>
+              <a:defRPr sz="2400">
+                <a:solidFill>
+                  <a:schemeClr val="tx1">
+                    <a:tint val="75000"/>
+                  </a:schemeClr>
+                </a:solidFill>
+              </a:defRPr>
+            </a:lvl1pPr>
+            <a:lvl2pPr marL="457200" indent="0">
+              <a:buNone/>
+              <a:defRPr sz="2000">
+                <a:solidFill>
+                  <a:schemeClr val="tx1">
+                    <a:tint val="75000"/>
+                  </a:schemeClr>
+                </a:solidFill>
+              </a:defRPr>
+            </a:lvl2pPr>
+            <a:lvl3pPr marL="914400" indent="0">
+              <a:buNone/>
+              <a:defRPr sz="1800">
+                <a:solidFill>
+                  <a:schemeClr val="tx1">
+                    <a:tint val="75000"/>
+                  </a:schemeClr>
+                </a:solidFill>
+              </a:defRPr>
+            </a:lvl3pPr>
+            <a:lvl4pPr marL="1371600" indent="0">
+              <a:buNone/>
+              <a:defRPr sz="1600">
+                <a:solidFill>
+                  <a:schemeClr val="tx1">
+                    <a:tint val="75000"/>
+                  </a:schemeClr>
+                </a:solidFill>
+              </a:defRPr>
+            </a:lvl4pPr>
+            <a:lvl5pPr marL="1828800" indent="0">
+              <a:buNone/>
+              <a:defRPr sz="1600">
+                <a:solidFill>
+                  <a:schemeClr val="tx1">
+                    <a:tint val="75000"/>
+                  </a:schemeClr>
+                </a:solidFill>
+              </a:defRPr>
+            </a:lvl5pPr>
+            <a:lvl6pPr marL="2286000" indent="0">
+              <a:buNone/>
+              <a:defRPr sz="1600">
+                <a:solidFill>
+                  <a:schemeClr val="tx1">
+                    <a:tint val="75000"/>
+                  </a:schemeClr>
+                </a:solidFill>
+              </a:defRPr>
+            </a:lvl6pPr>
+            <a:lvl7pPr marL="2743200" indent="0">
+              <a:buNone/>
+              <a:defRPr sz="1600">
+                <a:solidFill>
+                  <a:schemeClr val="tx1">
+                    <a:tint val="75000"/>
+                  </a:schemeClr>
+                </a:solidFill>
+              </a:defRPr>
+            </a:lvl7pPr>
+            <a:lvl8pPr marL="3200400" indent="0">
+              <a:buNone/>
+              <a:defRPr sz="1600">
+                <a:solidFill>
+                  <a:schemeClr val="tx1">
+                    <a:tint val="75000"/>
+                  </a:schemeClr>
+                </a:solidFill>
+              </a:defRPr>
+            </a:lvl8pPr>
+            <a:lvl9pPr marL="3657600" indent="0">
+              <a:buNone/>
+              <a:defRPr sz="1600">
+                <a:solidFill>
+                  <a:schemeClr val="tx1">
+                    <a:tint val="75000"/>
+                  </a:schemeClr>
+                </a:solidFill>
+              </a:defRPr>
+            </a:lvl9pPr>
+          </a:lstStyle>
+          <a:p>
+            <a:pPr lvl="0"/>
+            <a:r>
+              <a:rPr lang="en-US" smtClean="0"/>
+              <a:t>Edit Master text styles</a:t>
+            </a:r>
+          </a:p>
+        </p:txBody>
+      </p:sp>
+      <p:sp>
+        <p:nvSpPr>
+          <p:cNvPr id="4" name="Date Placeholder 3"/>
+          <p:cNvSpPr>
+            <a:spLocks noGrp="1"/>
+          </p:cNvSpPr>
+          <p:nvPr>
+            <p:ph type="dt" sz="half" idx="10"/>
+          </p:nvPr>
+        </p:nvSpPr>
+        <p:spPr/>
+        <p:txBody>
+          <a:bodyPr/>
+          <a:lstStyle/>
+          <a:p>
+            <a:fld id="{740E80E1-5322-41A5-BE1C-2FD07D6C3DE2}" type="datetimeFigureOut">
+              <a:rPr lang="en-GB" smtClean="0"/>
+              <a:t>11/11/2017</a:t>
+            </a:fld>
+            <a:endParaRPr lang="en-GB"/>
+          </a:p>
+        </p:txBody>
+      </p:sp>
+      <p:sp>
+        <p:nvSpPr>
+          <p:cNvPr id="5" name="Footer Placeholder 4"/>
+          <p:cNvSpPr>
+            <a:spLocks noGrp="1"/>
+          </p:cNvSpPr>
+          <p:nvPr>
+            <p:ph type="ftr" sz="quarter" idx="11"/>
+          </p:nvPr>
+        </p:nvSpPr>
+        <p:spPr/>
+        <p:txBody>
+          <a:bodyPr/>
+          <a:lstStyle/>
+          <a:p>
+            <a:endParaRPr lang="en-GB"/>
+          </a:p>
+        </p:txBody>
+      </p:sp>
+      <p:sp>
+        <p:nvSpPr>
+          <p:cNvPr id="6" name="Slide Number Placeholder 5"/>
+          <p:cNvSpPr>
+            <a:spLocks noGrp="1"/>
+          </p:cNvSpPr>
+          <p:nvPr>
+            <p:ph type="sldNum" sz="quarter" idx="12"/>
+          </p:nvPr>
+        </p:nvSpPr>
+        <p:spPr/>
+        <p:txBody>
+          <a:bodyPr/>
+          <a:lstStyle/>
+          <a:p>
+            <a:fld id="{4E09BF8B-825D-4AA9-BD1C-63FAB9889AFD}" type="slidenum">
+              <a:rPr lang="en-GB" smtClean="0"/>
+              <a:t>‹#›</a:t>
+            </a:fld>
+            <a:endParaRPr lang="en-GB"/>
+          </a:p>
+        </p:txBody>
+      </p:sp>
+    </p:spTree>
+    <p:extLst>
+      <p:ext uri="{BB962C8B-B14F-4D97-AF65-F5344CB8AC3E}">
+        <p14:creationId xmlns:p14="http://schemas.microsoft.com/office/powerpoint/2010/main" val="1312801387"/>
+      </p:ext>
+    </p:extLst>
+  </p:cSld>
+  <p:clrMapOvr>
+    <a:masterClrMapping/>
+  </p:clrMapOvr>
+</p:sldLayout>
+</file>
+
+<file path=ppt/slideLayouts/slideLayout15.xml><?xml version="1.0" encoding="utf-8"?>
+<p:sldLayout xmlns:a="http://schemas.openxmlformats.org/drawingml/2006/main" xmlns:r="http://schemas.openxmlformats.org/officeDocument/2006/relationships" xmlns:p="http://schemas.openxmlformats.org/presentationml/2006/main" type="twoObj" preserve="1">
+  <p:cSld name="Two Content">
+    <p:spTree>
+      <p:nvGrpSpPr>
+        <p:cNvPr id="1" name=""/>
+        <p:cNvGrpSpPr/>
+        <p:nvPr/>
+      </p:nvGrpSpPr>
+      <p:grpSpPr>
+        <a:xfrm>
+          <a:off x="0" y="0"/>
+          <a:ext cx="0" cy="0"/>
+          <a:chOff x="0" y="0"/>
+          <a:chExt cx="0" cy="0"/>
+        </a:xfrm>
+      </p:grpSpPr>
+      <p:sp>
+        <p:nvSpPr>
+          <p:cNvPr id="2" name="Title 1"/>
+          <p:cNvSpPr>
+            <a:spLocks noGrp="1"/>
+          </p:cNvSpPr>
+          <p:nvPr>
+            <p:ph type="title"/>
+          </p:nvPr>
+        </p:nvSpPr>
+        <p:spPr/>
+        <p:txBody>
+          <a:bodyPr/>
+          <a:lstStyle/>
+          <a:p>
+            <a:r>
+              <a:rPr lang="en-US" smtClean="0"/>
+              <a:t>Click to edit Master title style</a:t>
+            </a:r>
+            <a:endParaRPr lang="en-GB"/>
+          </a:p>
+        </p:txBody>
+      </p:sp>
+      <p:sp>
+        <p:nvSpPr>
+          <p:cNvPr id="3" name="Content Placeholder 2"/>
+          <p:cNvSpPr>
+            <a:spLocks noGrp="1"/>
+          </p:cNvSpPr>
+          <p:nvPr>
+            <p:ph sz="half" idx="1"/>
+          </p:nvPr>
+        </p:nvSpPr>
+        <p:spPr>
+          <a:xfrm>
+            <a:off x="628650" y="1825625"/>
+            <a:ext cx="3867150" cy="4351338"/>
+          </a:xfrm>
+        </p:spPr>
+        <p:txBody>
+          <a:bodyPr/>
+          <a:lstStyle/>
+          <a:p>
+            <a:pPr lvl="0"/>
+            <a:r>
+              <a:rPr lang="en-US" smtClean="0"/>
+              <a:t>Edit Master text styles</a:t>
+            </a:r>
+          </a:p>
+          <a:p>
+            <a:pPr lvl="1"/>
+            <a:r>
+              <a:rPr lang="en-US" smtClean="0"/>
+              <a:t>Second level</a:t>
+            </a:r>
+          </a:p>
+          <a:p>
+            <a:pPr lvl="2"/>
+            <a:r>
+              <a:rPr lang="en-US" smtClean="0"/>
+              <a:t>Third level</a:t>
+            </a:r>
+          </a:p>
+          <a:p>
+            <a:pPr lvl="3"/>
+            <a:r>
+              <a:rPr lang="en-US" smtClean="0"/>
+              <a:t>Fourth level</a:t>
+            </a:r>
+          </a:p>
+          <a:p>
+            <a:pPr lvl="4"/>
+            <a:r>
+              <a:rPr lang="en-US" smtClean="0"/>
+              <a:t>Fifth level</a:t>
+            </a:r>
+            <a:endParaRPr lang="en-GB"/>
+          </a:p>
+        </p:txBody>
+      </p:sp>
+      <p:sp>
+        <p:nvSpPr>
+          <p:cNvPr id="4" name="Content Placeholder 3"/>
+          <p:cNvSpPr>
+            <a:spLocks noGrp="1"/>
+          </p:cNvSpPr>
+          <p:nvPr>
+            <p:ph sz="half" idx="2"/>
+          </p:nvPr>
+        </p:nvSpPr>
+        <p:spPr>
+          <a:xfrm>
+            <a:off x="4648200" y="1825625"/>
+            <a:ext cx="3867150" cy="4351338"/>
+          </a:xfrm>
+        </p:spPr>
+        <p:txBody>
+          <a:bodyPr/>
+          <a:lstStyle/>
+          <a:p>
+            <a:pPr lvl="0"/>
+            <a:r>
+              <a:rPr lang="en-US" smtClean="0"/>
+              <a:t>Edit Master text styles</a:t>
+            </a:r>
+          </a:p>
+          <a:p>
+            <a:pPr lvl="1"/>
+            <a:r>
+              <a:rPr lang="en-US" smtClean="0"/>
+              <a:t>Second level</a:t>
+            </a:r>
+          </a:p>
+          <a:p>
+            <a:pPr lvl="2"/>
+            <a:r>
+              <a:rPr lang="en-US" smtClean="0"/>
+              <a:t>Third level</a:t>
+            </a:r>
+          </a:p>
+          <a:p>
+            <a:pPr lvl="3"/>
+            <a:r>
+              <a:rPr lang="en-US" smtClean="0"/>
+              <a:t>Fourth level</a:t>
+            </a:r>
+          </a:p>
+          <a:p>
+            <a:pPr lvl="4"/>
+            <a:r>
+              <a:rPr lang="en-US" smtClean="0"/>
+              <a:t>Fifth level</a:t>
+            </a:r>
+            <a:endParaRPr lang="en-GB"/>
+          </a:p>
+        </p:txBody>
+      </p:sp>
+      <p:sp>
+        <p:nvSpPr>
+          <p:cNvPr id="5" name="Date Placeholder 4"/>
+          <p:cNvSpPr>
+            <a:spLocks noGrp="1"/>
+          </p:cNvSpPr>
+          <p:nvPr>
+            <p:ph type="dt" sz="half" idx="10"/>
+          </p:nvPr>
+        </p:nvSpPr>
+        <p:spPr/>
+        <p:txBody>
+          <a:bodyPr/>
+          <a:lstStyle/>
+          <a:p>
+            <a:fld id="{740E80E1-5322-41A5-BE1C-2FD07D6C3DE2}" type="datetimeFigureOut">
+              <a:rPr lang="en-GB" smtClean="0"/>
+              <a:t>11/11/2017</a:t>
+            </a:fld>
+            <a:endParaRPr lang="en-GB"/>
+          </a:p>
+        </p:txBody>
+      </p:sp>
+      <p:sp>
+        <p:nvSpPr>
+          <p:cNvPr id="6" name="Footer Placeholder 5"/>
+          <p:cNvSpPr>
+            <a:spLocks noGrp="1"/>
+          </p:cNvSpPr>
+          <p:nvPr>
+            <p:ph type="ftr" sz="quarter" idx="11"/>
+          </p:nvPr>
+        </p:nvSpPr>
+        <p:spPr/>
+        <p:txBody>
+          <a:bodyPr/>
+          <a:lstStyle/>
+          <a:p>
+            <a:endParaRPr lang="en-GB"/>
+          </a:p>
+        </p:txBody>
+      </p:sp>
+      <p:sp>
+        <p:nvSpPr>
+          <p:cNvPr id="7" name="Slide Number Placeholder 6"/>
+          <p:cNvSpPr>
+            <a:spLocks noGrp="1"/>
+          </p:cNvSpPr>
+          <p:nvPr>
+            <p:ph type="sldNum" sz="quarter" idx="12"/>
+          </p:nvPr>
+        </p:nvSpPr>
+        <p:spPr/>
+        <p:txBody>
+          <a:bodyPr/>
+          <a:lstStyle/>
+          <a:p>
+            <a:fld id="{4E09BF8B-825D-4AA9-BD1C-63FAB9889AFD}" type="slidenum">
+              <a:rPr lang="en-GB" smtClean="0"/>
+              <a:t>‹#›</a:t>
+            </a:fld>
+            <a:endParaRPr lang="en-GB"/>
+          </a:p>
+        </p:txBody>
+      </p:sp>
+    </p:spTree>
+    <p:extLst>
+      <p:ext uri="{BB962C8B-B14F-4D97-AF65-F5344CB8AC3E}">
+        <p14:creationId xmlns:p14="http://schemas.microsoft.com/office/powerpoint/2010/main" val="782920721"/>
+      </p:ext>
+    </p:extLst>
+  </p:cSld>
+  <p:clrMapOvr>
+    <a:masterClrMapping/>
+  </p:clrMapOvr>
+</p:sldLayout>
+</file>
+
+<file path=ppt/slideLayouts/slideLayout16.xml><?xml version="1.0" encoding="utf-8"?>
+<p:sldLayout xmlns:a="http://schemas.openxmlformats.org/drawingml/2006/main" xmlns:r="http://schemas.openxmlformats.org/officeDocument/2006/relationships" xmlns:p="http://schemas.openxmlformats.org/presentationml/2006/main" type="twoTxTwoObj" preserve="1">
+  <p:cSld name="Comparison">
+    <p:spTree>
+      <p:nvGrpSpPr>
+        <p:cNvPr id="1" name=""/>
+        <p:cNvGrpSpPr/>
+        <p:nvPr/>
+      </p:nvGrpSpPr>
+      <p:grpSpPr>
+        <a:xfrm>
+          <a:off x="0" y="0"/>
+          <a:ext cx="0" cy="0"/>
+          <a:chOff x="0" y="0"/>
+          <a:chExt cx="0" cy="0"/>
+        </a:xfrm>
+      </p:grpSpPr>
+      <p:sp>
+        <p:nvSpPr>
+          <p:cNvPr id="2" name="Title 1"/>
+          <p:cNvSpPr>
+            <a:spLocks noGrp="1"/>
+          </p:cNvSpPr>
+          <p:nvPr>
+            <p:ph type="title"/>
+          </p:nvPr>
+        </p:nvSpPr>
+        <p:spPr>
+          <a:xfrm>
+            <a:off x="630238" y="365125"/>
+            <a:ext cx="7886700" cy="1325563"/>
+          </a:xfrm>
+        </p:spPr>
+        <p:txBody>
+          <a:bodyPr/>
+          <a:lstStyle/>
+          <a:p>
+            <a:r>
+              <a:rPr lang="en-US" smtClean="0"/>
+              <a:t>Click to edit Master title style</a:t>
+            </a:r>
+            <a:endParaRPr lang="en-GB"/>
+          </a:p>
+        </p:txBody>
+      </p:sp>
+      <p:sp>
+        <p:nvSpPr>
+          <p:cNvPr id="3" name="Text Placeholder 2"/>
+          <p:cNvSpPr>
+            <a:spLocks noGrp="1"/>
+          </p:cNvSpPr>
+          <p:nvPr>
+            <p:ph type="body" idx="1"/>
+          </p:nvPr>
+        </p:nvSpPr>
+        <p:spPr>
+          <a:xfrm>
+            <a:off x="630238" y="1681163"/>
+            <a:ext cx="3868737" cy="823912"/>
+          </a:xfrm>
+        </p:spPr>
+        <p:txBody>
+          <a:bodyPr anchor="b"/>
+          <a:lstStyle>
+            <a:lvl1pPr marL="0" indent="0">
+              <a:buNone/>
+              <a:defRPr sz="2400" b="1"/>
+            </a:lvl1pPr>
+            <a:lvl2pPr marL="457200" indent="0">
+              <a:buNone/>
+              <a:defRPr sz="2000" b="1"/>
+            </a:lvl2pPr>
+            <a:lvl3pPr marL="914400" indent="0">
+              <a:buNone/>
+              <a:defRPr sz="1800" b="1"/>
+            </a:lvl3pPr>
+            <a:lvl4pPr marL="1371600" indent="0">
+              <a:buNone/>
+              <a:defRPr sz="1600" b="1"/>
+            </a:lvl4pPr>
+            <a:lvl5pPr marL="1828800" indent="0">
+              <a:buNone/>
+              <a:defRPr sz="1600" b="1"/>
+            </a:lvl5pPr>
+            <a:lvl6pPr marL="2286000" indent="0">
+              <a:buNone/>
+              <a:defRPr sz="1600" b="1"/>
+            </a:lvl6pPr>
+            <a:lvl7pPr marL="2743200" indent="0">
+              <a:buNone/>
+              <a:defRPr sz="1600" b="1"/>
+            </a:lvl7pPr>
+            <a:lvl8pPr marL="3200400" indent="0">
+              <a:buNone/>
+              <a:defRPr sz="1600" b="1"/>
+            </a:lvl8pPr>
+            <a:lvl9pPr marL="3657600" indent="0">
+              <a:buNone/>
+              <a:defRPr sz="1600" b="1"/>
+            </a:lvl9pPr>
+          </a:lstStyle>
+          <a:p>
+            <a:pPr lvl="0"/>
+            <a:r>
+              <a:rPr lang="en-US" smtClean="0"/>
+              <a:t>Edit Master text styles</a:t>
+            </a:r>
+          </a:p>
+        </p:txBody>
+      </p:sp>
+      <p:sp>
+        <p:nvSpPr>
+          <p:cNvPr id="4" name="Content Placeholder 3"/>
+          <p:cNvSpPr>
+            <a:spLocks noGrp="1"/>
+          </p:cNvSpPr>
+          <p:nvPr>
+            <p:ph sz="half" idx="2"/>
+          </p:nvPr>
+        </p:nvSpPr>
+        <p:spPr>
+          <a:xfrm>
+            <a:off x="630238" y="2505075"/>
+            <a:ext cx="3868737" cy="3684588"/>
+          </a:xfrm>
+        </p:spPr>
+        <p:txBody>
+          <a:bodyPr/>
+          <a:lstStyle/>
+          <a:p>
+            <a:pPr lvl="0"/>
+            <a:r>
+              <a:rPr lang="en-US" smtClean="0"/>
+              <a:t>Edit Master text styles</a:t>
+            </a:r>
+          </a:p>
+          <a:p>
+            <a:pPr lvl="1"/>
+            <a:r>
+              <a:rPr lang="en-US" smtClean="0"/>
+              <a:t>Second level</a:t>
+            </a:r>
+          </a:p>
+          <a:p>
+            <a:pPr lvl="2"/>
+            <a:r>
+              <a:rPr lang="en-US" smtClean="0"/>
+              <a:t>Third level</a:t>
+            </a:r>
+          </a:p>
+          <a:p>
+            <a:pPr lvl="3"/>
+            <a:r>
+              <a:rPr lang="en-US" smtClean="0"/>
+              <a:t>Fourth level</a:t>
+            </a:r>
+          </a:p>
+          <a:p>
+            <a:pPr lvl="4"/>
+            <a:r>
+              <a:rPr lang="en-US" smtClean="0"/>
+              <a:t>Fifth level</a:t>
+            </a:r>
+            <a:endParaRPr lang="en-GB"/>
+          </a:p>
+        </p:txBody>
+      </p:sp>
+      <p:sp>
+        <p:nvSpPr>
+          <p:cNvPr id="5" name="Text Placeholder 4"/>
+          <p:cNvSpPr>
+            <a:spLocks noGrp="1"/>
+          </p:cNvSpPr>
+          <p:nvPr>
+            <p:ph type="body" sz="quarter" idx="3"/>
+          </p:nvPr>
+        </p:nvSpPr>
+        <p:spPr>
+          <a:xfrm>
+            <a:off x="4629150" y="1681163"/>
+            <a:ext cx="3887788" cy="823912"/>
+          </a:xfrm>
+        </p:spPr>
+        <p:txBody>
+          <a:bodyPr anchor="b"/>
+          <a:lstStyle>
+            <a:lvl1pPr marL="0" indent="0">
+              <a:buNone/>
+              <a:defRPr sz="2400" b="1"/>
+            </a:lvl1pPr>
+            <a:lvl2pPr marL="457200" indent="0">
+              <a:buNone/>
+              <a:defRPr sz="2000" b="1"/>
+            </a:lvl2pPr>
+            <a:lvl3pPr marL="914400" indent="0">
+              <a:buNone/>
+              <a:defRPr sz="1800" b="1"/>
+            </a:lvl3pPr>
+            <a:lvl4pPr marL="1371600" indent="0">
+              <a:buNone/>
+              <a:defRPr sz="1600" b="1"/>
+            </a:lvl4pPr>
+            <a:lvl5pPr marL="1828800" indent="0">
+              <a:buNone/>
+              <a:defRPr sz="1600" b="1"/>
+            </a:lvl5pPr>
+            <a:lvl6pPr marL="2286000" indent="0">
+              <a:buNone/>
+              <a:defRPr sz="1600" b="1"/>
+            </a:lvl6pPr>
+            <a:lvl7pPr marL="2743200" indent="0">
+              <a:buNone/>
+              <a:defRPr sz="1600" b="1"/>
+            </a:lvl7pPr>
+            <a:lvl8pPr marL="3200400" indent="0">
+              <a:buNone/>
+              <a:defRPr sz="1600" b="1"/>
+            </a:lvl8pPr>
+            <a:lvl9pPr marL="3657600" indent="0">
+              <a:buNone/>
+              <a:defRPr sz="1600" b="1"/>
+            </a:lvl9pPr>
+          </a:lstStyle>
+          <a:p>
+            <a:pPr lvl="0"/>
+            <a:r>
+              <a:rPr lang="en-US" smtClean="0"/>
+              <a:t>Edit Master text styles</a:t>
+            </a:r>
+          </a:p>
+        </p:txBody>
+      </p:sp>
+      <p:sp>
+        <p:nvSpPr>
+          <p:cNvPr id="6" name="Content Placeholder 5"/>
+          <p:cNvSpPr>
+            <a:spLocks noGrp="1"/>
+          </p:cNvSpPr>
+          <p:nvPr>
+            <p:ph sz="quarter" idx="4"/>
+          </p:nvPr>
+        </p:nvSpPr>
+        <p:spPr>
+          <a:xfrm>
+            <a:off x="4629150" y="2505075"/>
+            <a:ext cx="3887788" cy="3684588"/>
+          </a:xfrm>
+        </p:spPr>
+        <p:txBody>
+          <a:bodyPr/>
+          <a:lstStyle/>
+          <a:p>
+            <a:pPr lvl="0"/>
+            <a:r>
+              <a:rPr lang="en-US" smtClean="0"/>
+              <a:t>Edit Master text styles</a:t>
+            </a:r>
+          </a:p>
+          <a:p>
+            <a:pPr lvl="1"/>
+            <a:r>
+              <a:rPr lang="en-US" smtClean="0"/>
+              <a:t>Second level</a:t>
+            </a:r>
+          </a:p>
+          <a:p>
+            <a:pPr lvl="2"/>
+            <a:r>
+              <a:rPr lang="en-US" smtClean="0"/>
+              <a:t>Third level</a:t>
+            </a:r>
+          </a:p>
+          <a:p>
+            <a:pPr lvl="3"/>
+            <a:r>
+              <a:rPr lang="en-US" smtClean="0"/>
+              <a:t>Fourth level</a:t>
+            </a:r>
+          </a:p>
+          <a:p>
+            <a:pPr lvl="4"/>
+            <a:r>
+              <a:rPr lang="en-US" smtClean="0"/>
+              <a:t>Fifth level</a:t>
+            </a:r>
+            <a:endParaRPr lang="en-GB"/>
+          </a:p>
+        </p:txBody>
+      </p:sp>
+      <p:sp>
+        <p:nvSpPr>
+          <p:cNvPr id="7" name="Date Placeholder 6"/>
+          <p:cNvSpPr>
+            <a:spLocks noGrp="1"/>
+          </p:cNvSpPr>
+          <p:nvPr>
+            <p:ph type="dt" sz="half" idx="10"/>
+          </p:nvPr>
+        </p:nvSpPr>
+        <p:spPr/>
+        <p:txBody>
+          <a:bodyPr/>
+          <a:lstStyle/>
+          <a:p>
+            <a:fld id="{740E80E1-5322-41A5-BE1C-2FD07D6C3DE2}" type="datetimeFigureOut">
+              <a:rPr lang="en-GB" smtClean="0"/>
+              <a:t>11/11/2017</a:t>
+            </a:fld>
+            <a:endParaRPr lang="en-GB"/>
+          </a:p>
+        </p:txBody>
+      </p:sp>
+      <p:sp>
+        <p:nvSpPr>
+          <p:cNvPr id="8" name="Footer Placeholder 7"/>
+          <p:cNvSpPr>
+            <a:spLocks noGrp="1"/>
+          </p:cNvSpPr>
+          <p:nvPr>
+            <p:ph type="ftr" sz="quarter" idx="11"/>
+          </p:nvPr>
+        </p:nvSpPr>
+        <p:spPr/>
+        <p:txBody>
+          <a:bodyPr/>
+          <a:lstStyle/>
+          <a:p>
+            <a:endParaRPr lang="en-GB"/>
+          </a:p>
+        </p:txBody>
+      </p:sp>
+      <p:sp>
+        <p:nvSpPr>
+          <p:cNvPr id="9" name="Slide Number Placeholder 8"/>
+          <p:cNvSpPr>
+            <a:spLocks noGrp="1"/>
+          </p:cNvSpPr>
+          <p:nvPr>
+            <p:ph type="sldNum" sz="quarter" idx="12"/>
+          </p:nvPr>
+        </p:nvSpPr>
+        <p:spPr/>
+        <p:txBody>
+          <a:bodyPr/>
+          <a:lstStyle/>
+          <a:p>
+            <a:fld id="{4E09BF8B-825D-4AA9-BD1C-63FAB9889AFD}" type="slidenum">
+              <a:rPr lang="en-GB" smtClean="0"/>
+              <a:t>‹#›</a:t>
+            </a:fld>
+            <a:endParaRPr lang="en-GB"/>
+          </a:p>
+        </p:txBody>
+      </p:sp>
+    </p:spTree>
+    <p:extLst>
+      <p:ext uri="{BB962C8B-B14F-4D97-AF65-F5344CB8AC3E}">
+        <p14:creationId xmlns:p14="http://schemas.microsoft.com/office/powerpoint/2010/main" val="2319302258"/>
+      </p:ext>
+    </p:extLst>
+  </p:cSld>
+  <p:clrMapOvr>
+    <a:masterClrMapping/>
+  </p:clrMapOvr>
+</p:sldLayout>
+</file>
+
+<file path=ppt/slideLayouts/slideLayout17.xml><?xml version="1.0" encoding="utf-8"?>
+<p:sldLayout xmlns:a="http://schemas.openxmlformats.org/drawingml/2006/main" xmlns:r="http://schemas.openxmlformats.org/officeDocument/2006/relationships" xmlns:p="http://schemas.openxmlformats.org/presentationml/2006/main" type="titleOnly" preserve="1">
+  <p:cSld name="Title Only">
+    <p:spTree>
+      <p:nvGrpSpPr>
+        <p:cNvPr id="1" name=""/>
+        <p:cNvGrpSpPr/>
+        <p:nvPr/>
+      </p:nvGrpSpPr>
+      <p:grpSpPr>
+        <a:xfrm>
+          <a:off x="0" y="0"/>
+          <a:ext cx="0" cy="0"/>
+          <a:chOff x="0" y="0"/>
+          <a:chExt cx="0" cy="0"/>
+        </a:xfrm>
+      </p:grpSpPr>
+      <p:sp>
+        <p:nvSpPr>
+          <p:cNvPr id="2" name="Title 1"/>
+          <p:cNvSpPr>
+            <a:spLocks noGrp="1"/>
+          </p:cNvSpPr>
+          <p:nvPr>
+            <p:ph type="title"/>
+          </p:nvPr>
+        </p:nvSpPr>
+        <p:spPr/>
+        <p:txBody>
+          <a:bodyPr/>
+          <a:lstStyle/>
+          <a:p>
+            <a:r>
+              <a:rPr lang="en-US" smtClean="0"/>
+              <a:t>Click to edit Master title style</a:t>
+            </a:r>
+            <a:endParaRPr lang="en-GB"/>
+          </a:p>
+        </p:txBody>
+      </p:sp>
+      <p:sp>
+        <p:nvSpPr>
+          <p:cNvPr id="3" name="Date Placeholder 2"/>
+          <p:cNvSpPr>
+            <a:spLocks noGrp="1"/>
+          </p:cNvSpPr>
+          <p:nvPr>
+            <p:ph type="dt" sz="half" idx="10"/>
+          </p:nvPr>
+        </p:nvSpPr>
+        <p:spPr/>
+        <p:txBody>
+          <a:bodyPr/>
+          <a:lstStyle/>
+          <a:p>
+            <a:fld id="{740E80E1-5322-41A5-BE1C-2FD07D6C3DE2}" type="datetimeFigureOut">
+              <a:rPr lang="en-GB" smtClean="0"/>
+              <a:t>11/11/2017</a:t>
+            </a:fld>
+            <a:endParaRPr lang="en-GB"/>
+          </a:p>
+        </p:txBody>
+      </p:sp>
+      <p:sp>
+        <p:nvSpPr>
+          <p:cNvPr id="4" name="Footer Placeholder 3"/>
+          <p:cNvSpPr>
+            <a:spLocks noGrp="1"/>
+          </p:cNvSpPr>
+          <p:nvPr>
+            <p:ph type="ftr" sz="quarter" idx="11"/>
+          </p:nvPr>
+        </p:nvSpPr>
+        <p:spPr/>
+        <p:txBody>
+          <a:bodyPr/>
+          <a:lstStyle/>
+          <a:p>
+            <a:endParaRPr lang="en-GB"/>
+          </a:p>
+        </p:txBody>
+      </p:sp>
+      <p:sp>
+        <p:nvSpPr>
+          <p:cNvPr id="5" name="Slide Number Placeholder 4"/>
+          <p:cNvSpPr>
+            <a:spLocks noGrp="1"/>
+          </p:cNvSpPr>
+          <p:nvPr>
+            <p:ph type="sldNum" sz="quarter" idx="12"/>
+          </p:nvPr>
+        </p:nvSpPr>
+        <p:spPr/>
+        <p:txBody>
+          <a:bodyPr/>
+          <a:lstStyle/>
+          <a:p>
+            <a:fld id="{4E09BF8B-825D-4AA9-BD1C-63FAB9889AFD}" type="slidenum">
+              <a:rPr lang="en-GB" smtClean="0"/>
+              <a:t>‹#›</a:t>
+            </a:fld>
+            <a:endParaRPr lang="en-GB"/>
+          </a:p>
+        </p:txBody>
+      </p:sp>
+    </p:spTree>
+    <p:extLst>
+      <p:ext uri="{BB962C8B-B14F-4D97-AF65-F5344CB8AC3E}">
+        <p14:creationId xmlns:p14="http://schemas.microsoft.com/office/powerpoint/2010/main" val="3475592544"/>
+      </p:ext>
+    </p:extLst>
+  </p:cSld>
+  <p:clrMapOvr>
+    <a:masterClrMapping/>
+  </p:clrMapOvr>
+</p:sldLayout>
+</file>
+
+<file path=ppt/slideLayouts/slideLayout18.xml><?xml version="1.0" encoding="utf-8"?>
+<p:sldLayout xmlns:a="http://schemas.openxmlformats.org/drawingml/2006/main" xmlns:r="http://schemas.openxmlformats.org/officeDocument/2006/relationships" xmlns:p="http://schemas.openxmlformats.org/presentationml/2006/main" type="blank" preserve="1">
+  <p:cSld name="Blank">
+    <p:spTree>
+      <p:nvGrpSpPr>
+        <p:cNvPr id="1" name=""/>
+        <p:cNvGrpSpPr/>
+        <p:nvPr/>
+      </p:nvGrpSpPr>
+      <p:grpSpPr>
+        <a:xfrm>
+          <a:off x="0" y="0"/>
+          <a:ext cx="0" cy="0"/>
+          <a:chOff x="0" y="0"/>
+          <a:chExt cx="0" cy="0"/>
+        </a:xfrm>
+      </p:grpSpPr>
+    </p:spTree>
+    <p:extLst>
+      <p:ext uri="{BB962C8B-B14F-4D97-AF65-F5344CB8AC3E}">
+        <p14:creationId xmlns:p14="http://schemas.microsoft.com/office/powerpoint/2010/main" val="3287030543"/>
+      </p:ext>
+    </p:extLst>
+  </p:cSld>
+  <p:clrMapOvr>
+    <a:masterClrMapping/>
+  </p:clrMapOvr>
+</p:sldLayout>
+</file>
+
+<file path=ppt/slideLayouts/slideLayout19.xml><?xml version="1.0" encoding="utf-8"?>
+<p:sldLayout xmlns:a="http://schemas.openxmlformats.org/drawingml/2006/main" xmlns:r="http://schemas.openxmlformats.org/officeDocument/2006/relationships" xmlns:p="http://schemas.openxmlformats.org/presentationml/2006/main" type="objTx" preserve="1">
+  <p:cSld name="Content with Caption">
+    <p:spTree>
+      <p:nvGrpSpPr>
+        <p:cNvPr id="1" name=""/>
+        <p:cNvGrpSpPr/>
+        <p:nvPr/>
+      </p:nvGrpSpPr>
+      <p:grpSpPr>
+        <a:xfrm>
+          <a:off x="0" y="0"/>
+          <a:ext cx="0" cy="0"/>
+          <a:chOff x="0" y="0"/>
+          <a:chExt cx="0" cy="0"/>
+        </a:xfrm>
+      </p:grpSpPr>
+      <p:sp>
+        <p:nvSpPr>
+          <p:cNvPr id="2" name="Title 1"/>
+          <p:cNvSpPr>
+            <a:spLocks noGrp="1"/>
+          </p:cNvSpPr>
+          <p:nvPr>
+            <p:ph type="title"/>
+          </p:nvPr>
+        </p:nvSpPr>
+        <p:spPr>
+          <a:xfrm>
+            <a:off x="630238" y="457200"/>
+            <a:ext cx="2949575" cy="1600200"/>
+          </a:xfrm>
+        </p:spPr>
+        <p:txBody>
+          <a:bodyPr anchor="b"/>
+          <a:lstStyle>
+            <a:lvl1pPr>
+              <a:defRPr sz="3200"/>
+            </a:lvl1pPr>
+          </a:lstStyle>
+          <a:p>
+            <a:r>
+              <a:rPr lang="en-US" smtClean="0"/>
+              <a:t>Click to edit Master title style</a:t>
+            </a:r>
+            <a:endParaRPr lang="en-GB"/>
+          </a:p>
+        </p:txBody>
+      </p:sp>
+      <p:sp>
+        <p:nvSpPr>
+          <p:cNvPr id="3" name="Content Placeholder 2"/>
+          <p:cNvSpPr>
+            <a:spLocks noGrp="1"/>
+          </p:cNvSpPr>
+          <p:nvPr>
+            <p:ph idx="1"/>
+          </p:nvPr>
+        </p:nvSpPr>
+        <p:spPr>
+          <a:xfrm>
+            <a:off x="3887788" y="987425"/>
+            <a:ext cx="4629150" cy="4873625"/>
+          </a:xfrm>
+        </p:spPr>
+        <p:txBody>
+          <a:bodyPr/>
+          <a:lstStyle>
+            <a:lvl1pPr>
+              <a:defRPr sz="3200"/>
+            </a:lvl1pPr>
+            <a:lvl2pPr>
+              <a:defRPr sz="2800"/>
+            </a:lvl2pPr>
+            <a:lvl3pPr>
+              <a:defRPr sz="2400"/>
+            </a:lvl3pPr>
+            <a:lvl4pPr>
+              <a:defRPr sz="2000"/>
+            </a:lvl4pPr>
+            <a:lvl5pPr>
+              <a:defRPr sz="2000"/>
+            </a:lvl5pPr>
+            <a:lvl6pPr>
+              <a:defRPr sz="2000"/>
+            </a:lvl6pPr>
+            <a:lvl7pPr>
+              <a:defRPr sz="2000"/>
+            </a:lvl7pPr>
+            <a:lvl8pPr>
+              <a:defRPr sz="2000"/>
+            </a:lvl8pPr>
+            <a:lvl9pPr>
+              <a:defRPr sz="2000"/>
+            </a:lvl9pPr>
+          </a:lstStyle>
+          <a:p>
+            <a:pPr lvl="0"/>
+            <a:r>
+              <a:rPr lang="en-US" smtClean="0"/>
+              <a:t>Edit Master text styles</a:t>
+            </a:r>
+          </a:p>
+          <a:p>
+            <a:pPr lvl="1"/>
+            <a:r>
+              <a:rPr lang="en-US" smtClean="0"/>
+              <a:t>Second level</a:t>
+            </a:r>
+          </a:p>
+          <a:p>
+            <a:pPr lvl="2"/>
+            <a:r>
+              <a:rPr lang="en-US" smtClean="0"/>
+              <a:t>Third level</a:t>
+            </a:r>
+          </a:p>
+          <a:p>
+            <a:pPr lvl="3"/>
+            <a:r>
+              <a:rPr lang="en-US" smtClean="0"/>
+              <a:t>Fourth level</a:t>
+            </a:r>
+          </a:p>
+          <a:p>
+            <a:pPr lvl="4"/>
+            <a:r>
+              <a:rPr lang="en-US" smtClean="0"/>
+              <a:t>Fifth level</a:t>
+            </a:r>
+            <a:endParaRPr lang="en-GB"/>
+          </a:p>
+        </p:txBody>
+      </p:sp>
+      <p:sp>
+        <p:nvSpPr>
+          <p:cNvPr id="4" name="Text Placeholder 3"/>
+          <p:cNvSpPr>
+            <a:spLocks noGrp="1"/>
+          </p:cNvSpPr>
+          <p:nvPr>
+            <p:ph type="body" sz="half" idx="2"/>
+          </p:nvPr>
+        </p:nvSpPr>
+        <p:spPr>
+          <a:xfrm>
+            <a:off x="630238" y="2057400"/>
+            <a:ext cx="2949575" cy="3811588"/>
+          </a:xfrm>
+        </p:spPr>
+        <p:txBody>
+          <a:bodyPr/>
+          <a:lstStyle>
+            <a:lvl1pPr marL="0" indent="0">
+              <a:buNone/>
+              <a:defRPr sz="1600"/>
+            </a:lvl1pPr>
+            <a:lvl2pPr marL="457200" indent="0">
+              <a:buNone/>
+              <a:defRPr sz="1400"/>
+            </a:lvl2pPr>
+            <a:lvl3pPr marL="914400" indent="0">
+              <a:buNone/>
+              <a:defRPr sz="1200"/>
+            </a:lvl3pPr>
+            <a:lvl4pPr marL="1371600" indent="0">
+              <a:buNone/>
+              <a:defRPr sz="1000"/>
+            </a:lvl4pPr>
+            <a:lvl5pPr marL="1828800" indent="0">
+              <a:buNone/>
+              <a:defRPr sz="1000"/>
+            </a:lvl5pPr>
+            <a:lvl6pPr marL="2286000" indent="0">
+              <a:buNone/>
+              <a:defRPr sz="1000"/>
+            </a:lvl6pPr>
+            <a:lvl7pPr marL="2743200" indent="0">
+              <a:buNone/>
+              <a:defRPr sz="1000"/>
+            </a:lvl7pPr>
+            <a:lvl8pPr marL="3200400" indent="0">
+              <a:buNone/>
+              <a:defRPr sz="1000"/>
+            </a:lvl8pPr>
+            <a:lvl9pPr marL="3657600" indent="0">
+              <a:buNone/>
+              <a:defRPr sz="1000"/>
+            </a:lvl9pPr>
+          </a:lstStyle>
+          <a:p>
+            <a:pPr lvl="0"/>
+            <a:r>
+              <a:rPr lang="en-US" smtClean="0"/>
+              <a:t>Edit Master text styles</a:t>
+            </a:r>
+          </a:p>
+        </p:txBody>
+      </p:sp>
+      <p:sp>
+        <p:nvSpPr>
+          <p:cNvPr id="5" name="Date Placeholder 4"/>
+          <p:cNvSpPr>
+            <a:spLocks noGrp="1"/>
+          </p:cNvSpPr>
+          <p:nvPr>
+            <p:ph type="dt" sz="half" idx="10"/>
+          </p:nvPr>
+        </p:nvSpPr>
+        <p:spPr/>
+        <p:txBody>
+          <a:bodyPr/>
+          <a:lstStyle/>
+          <a:p>
+            <a:fld id="{740E80E1-5322-41A5-BE1C-2FD07D6C3DE2}" type="datetimeFigureOut">
+              <a:rPr lang="en-GB" smtClean="0"/>
+              <a:t>11/11/2017</a:t>
+            </a:fld>
+            <a:endParaRPr lang="en-GB"/>
+          </a:p>
+        </p:txBody>
+      </p:sp>
+      <p:sp>
+        <p:nvSpPr>
+          <p:cNvPr id="6" name="Footer Placeholder 5"/>
+          <p:cNvSpPr>
+            <a:spLocks noGrp="1"/>
+          </p:cNvSpPr>
+          <p:nvPr>
+            <p:ph type="ftr" sz="quarter" idx="11"/>
+          </p:nvPr>
+        </p:nvSpPr>
+        <p:spPr/>
+        <p:txBody>
+          <a:bodyPr/>
+          <a:lstStyle/>
+          <a:p>
+            <a:endParaRPr lang="en-GB"/>
+          </a:p>
+        </p:txBody>
+      </p:sp>
+      <p:sp>
+        <p:nvSpPr>
+          <p:cNvPr id="7" name="Slide Number Placeholder 6"/>
+          <p:cNvSpPr>
+            <a:spLocks noGrp="1"/>
+          </p:cNvSpPr>
+          <p:nvPr>
+            <p:ph type="sldNum" sz="quarter" idx="12"/>
+          </p:nvPr>
+        </p:nvSpPr>
+        <p:spPr/>
+        <p:txBody>
+          <a:bodyPr/>
+          <a:lstStyle/>
+          <a:p>
+            <a:fld id="{4E09BF8B-825D-4AA9-BD1C-63FAB9889AFD}" type="slidenum">
+              <a:rPr lang="en-GB" smtClean="0"/>
+              <a:t>‹#›</a:t>
+            </a:fld>
+            <a:endParaRPr lang="en-GB"/>
+          </a:p>
+        </p:txBody>
+      </p:sp>
+    </p:spTree>
+    <p:extLst>
+      <p:ext uri="{BB962C8B-B14F-4D97-AF65-F5344CB8AC3E}">
+        <p14:creationId xmlns:p14="http://schemas.microsoft.com/office/powerpoint/2010/main" val="1077597116"/>
       </p:ext>
     </p:extLst>
   </p:cSld>
@@ -8908,7 +10529,15 @@
             <p:ph type="dt" sz="half" idx="10"/>
           </p:nvPr>
         </p:nvSpPr>
-        <p:spPr/>
+        <p:spPr>
+          <a:xfrm>
+            <a:off x="457200" y="6356350"/>
+            <a:ext cx="2133600" cy="365125"/>
+          </a:xfrm>
+          <a:prstGeom prst="rect">
+            <a:avLst/>
+          </a:prstGeom>
+        </p:spPr>
         <p:txBody>
           <a:bodyPr/>
           <a:lstStyle>
@@ -8925,7 +10554,7 @@
               <a:pPr>
                 <a:defRPr/>
               </a:pPr>
-              <a:t>02/03/2017</a:t>
+              <a:t>11/11/2017</a:t>
             </a:fld>
             <a:endParaRPr lang="en-GB" altLang="en-US"/>
           </a:p>
@@ -8941,7 +10570,15 @@
             <p:ph type="ftr" sz="quarter" idx="11"/>
           </p:nvPr>
         </p:nvSpPr>
-        <p:spPr/>
+        <p:spPr>
+          <a:xfrm>
+            <a:off x="3124200" y="6356350"/>
+            <a:ext cx="2895600" cy="365125"/>
+          </a:xfrm>
+          <a:prstGeom prst="rect">
+            <a:avLst/>
+          </a:prstGeom>
+        </p:spPr>
         <p:txBody>
           <a:bodyPr/>
           <a:lstStyle>
@@ -8971,7 +10608,15 @@
             <p:ph type="sldNum" sz="quarter" idx="12"/>
           </p:nvPr>
         </p:nvSpPr>
-        <p:spPr/>
+        <p:spPr>
+          <a:xfrm>
+            <a:off x="6553200" y="6356350"/>
+            <a:ext cx="2133600" cy="365125"/>
+          </a:xfrm>
+          <a:prstGeom prst="rect">
+            <a:avLst/>
+          </a:prstGeom>
+        </p:spPr>
         <p:txBody>
           <a:bodyPr/>
           <a:lstStyle>
@@ -8997,7 +10642,7 @@
     </p:spTree>
     <p:extLst>
       <p:ext uri="{BB962C8B-B14F-4D97-AF65-F5344CB8AC3E}">
-        <p14:creationId xmlns:p14="http://schemas.microsoft.com/office/powerpoint/2010/main" val="1501005667"/>
+        <p14:creationId xmlns:p14="http://schemas.microsoft.com/office/powerpoint/2010/main" val="3788413207"/>
       </p:ext>
     </p:extLst>
   </p:cSld>
@@ -9011,6 +10656,609 @@
       </p:par>
     </p:tnLst>
   </p:timing>
+</p:sldLayout>
+</file>
+
+<file path=ppt/slideLayouts/slideLayout20.xml><?xml version="1.0" encoding="utf-8"?>
+<p:sldLayout xmlns:a="http://schemas.openxmlformats.org/drawingml/2006/main" xmlns:r="http://schemas.openxmlformats.org/officeDocument/2006/relationships" xmlns:p="http://schemas.openxmlformats.org/presentationml/2006/main" type="picTx" preserve="1">
+  <p:cSld name="Picture with Caption">
+    <p:spTree>
+      <p:nvGrpSpPr>
+        <p:cNvPr id="1" name=""/>
+        <p:cNvGrpSpPr/>
+        <p:nvPr/>
+      </p:nvGrpSpPr>
+      <p:grpSpPr>
+        <a:xfrm>
+          <a:off x="0" y="0"/>
+          <a:ext cx="0" cy="0"/>
+          <a:chOff x="0" y="0"/>
+          <a:chExt cx="0" cy="0"/>
+        </a:xfrm>
+      </p:grpSpPr>
+      <p:sp>
+        <p:nvSpPr>
+          <p:cNvPr id="2" name="Title 1"/>
+          <p:cNvSpPr>
+            <a:spLocks noGrp="1"/>
+          </p:cNvSpPr>
+          <p:nvPr>
+            <p:ph type="title"/>
+          </p:nvPr>
+        </p:nvSpPr>
+        <p:spPr>
+          <a:xfrm>
+            <a:off x="630238" y="457200"/>
+            <a:ext cx="2949575" cy="1600200"/>
+          </a:xfrm>
+        </p:spPr>
+        <p:txBody>
+          <a:bodyPr anchor="b"/>
+          <a:lstStyle>
+            <a:lvl1pPr>
+              <a:defRPr sz="3200"/>
+            </a:lvl1pPr>
+          </a:lstStyle>
+          <a:p>
+            <a:r>
+              <a:rPr lang="en-US" smtClean="0"/>
+              <a:t>Click to edit Master title style</a:t>
+            </a:r>
+            <a:endParaRPr lang="en-GB"/>
+          </a:p>
+        </p:txBody>
+      </p:sp>
+      <p:sp>
+        <p:nvSpPr>
+          <p:cNvPr id="3" name="Picture Placeholder 2"/>
+          <p:cNvSpPr>
+            <a:spLocks noGrp="1"/>
+          </p:cNvSpPr>
+          <p:nvPr>
+            <p:ph type="pic" idx="1"/>
+          </p:nvPr>
+        </p:nvSpPr>
+        <p:spPr>
+          <a:xfrm>
+            <a:off x="3887788" y="987425"/>
+            <a:ext cx="4629150" cy="4873625"/>
+          </a:xfrm>
+        </p:spPr>
+        <p:txBody>
+          <a:bodyPr/>
+          <a:lstStyle>
+            <a:lvl1pPr marL="0" indent="0">
+              <a:buNone/>
+              <a:defRPr sz="3200"/>
+            </a:lvl1pPr>
+            <a:lvl2pPr marL="457200" indent="0">
+              <a:buNone/>
+              <a:defRPr sz="2800"/>
+            </a:lvl2pPr>
+            <a:lvl3pPr marL="914400" indent="0">
+              <a:buNone/>
+              <a:defRPr sz="2400"/>
+            </a:lvl3pPr>
+            <a:lvl4pPr marL="1371600" indent="0">
+              <a:buNone/>
+              <a:defRPr sz="2000"/>
+            </a:lvl4pPr>
+            <a:lvl5pPr marL="1828800" indent="0">
+              <a:buNone/>
+              <a:defRPr sz="2000"/>
+            </a:lvl5pPr>
+            <a:lvl6pPr marL="2286000" indent="0">
+              <a:buNone/>
+              <a:defRPr sz="2000"/>
+            </a:lvl6pPr>
+            <a:lvl7pPr marL="2743200" indent="0">
+              <a:buNone/>
+              <a:defRPr sz="2000"/>
+            </a:lvl7pPr>
+            <a:lvl8pPr marL="3200400" indent="0">
+              <a:buNone/>
+              <a:defRPr sz="2000"/>
+            </a:lvl8pPr>
+            <a:lvl9pPr marL="3657600" indent="0">
+              <a:buNone/>
+              <a:defRPr sz="2000"/>
+            </a:lvl9pPr>
+          </a:lstStyle>
+          <a:p>
+            <a:endParaRPr lang="en-GB"/>
+          </a:p>
+        </p:txBody>
+      </p:sp>
+      <p:sp>
+        <p:nvSpPr>
+          <p:cNvPr id="4" name="Text Placeholder 3"/>
+          <p:cNvSpPr>
+            <a:spLocks noGrp="1"/>
+          </p:cNvSpPr>
+          <p:nvPr>
+            <p:ph type="body" sz="half" idx="2"/>
+          </p:nvPr>
+        </p:nvSpPr>
+        <p:spPr>
+          <a:xfrm>
+            <a:off x="630238" y="2057400"/>
+            <a:ext cx="2949575" cy="3811588"/>
+          </a:xfrm>
+        </p:spPr>
+        <p:txBody>
+          <a:bodyPr/>
+          <a:lstStyle>
+            <a:lvl1pPr marL="0" indent="0">
+              <a:buNone/>
+              <a:defRPr sz="1600"/>
+            </a:lvl1pPr>
+            <a:lvl2pPr marL="457200" indent="0">
+              <a:buNone/>
+              <a:defRPr sz="1400"/>
+            </a:lvl2pPr>
+            <a:lvl3pPr marL="914400" indent="0">
+              <a:buNone/>
+              <a:defRPr sz="1200"/>
+            </a:lvl3pPr>
+            <a:lvl4pPr marL="1371600" indent="0">
+              <a:buNone/>
+              <a:defRPr sz="1000"/>
+            </a:lvl4pPr>
+            <a:lvl5pPr marL="1828800" indent="0">
+              <a:buNone/>
+              <a:defRPr sz="1000"/>
+            </a:lvl5pPr>
+            <a:lvl6pPr marL="2286000" indent="0">
+              <a:buNone/>
+              <a:defRPr sz="1000"/>
+            </a:lvl6pPr>
+            <a:lvl7pPr marL="2743200" indent="0">
+              <a:buNone/>
+              <a:defRPr sz="1000"/>
+            </a:lvl7pPr>
+            <a:lvl8pPr marL="3200400" indent="0">
+              <a:buNone/>
+              <a:defRPr sz="1000"/>
+            </a:lvl8pPr>
+            <a:lvl9pPr marL="3657600" indent="0">
+              <a:buNone/>
+              <a:defRPr sz="1000"/>
+            </a:lvl9pPr>
+          </a:lstStyle>
+          <a:p>
+            <a:pPr lvl="0"/>
+            <a:r>
+              <a:rPr lang="en-US" smtClean="0"/>
+              <a:t>Edit Master text styles</a:t>
+            </a:r>
+          </a:p>
+        </p:txBody>
+      </p:sp>
+      <p:sp>
+        <p:nvSpPr>
+          <p:cNvPr id="5" name="Date Placeholder 4"/>
+          <p:cNvSpPr>
+            <a:spLocks noGrp="1"/>
+          </p:cNvSpPr>
+          <p:nvPr>
+            <p:ph type="dt" sz="half" idx="10"/>
+          </p:nvPr>
+        </p:nvSpPr>
+        <p:spPr/>
+        <p:txBody>
+          <a:bodyPr/>
+          <a:lstStyle/>
+          <a:p>
+            <a:fld id="{740E80E1-5322-41A5-BE1C-2FD07D6C3DE2}" type="datetimeFigureOut">
+              <a:rPr lang="en-GB" smtClean="0"/>
+              <a:t>11/11/2017</a:t>
+            </a:fld>
+            <a:endParaRPr lang="en-GB"/>
+          </a:p>
+        </p:txBody>
+      </p:sp>
+      <p:sp>
+        <p:nvSpPr>
+          <p:cNvPr id="6" name="Footer Placeholder 5"/>
+          <p:cNvSpPr>
+            <a:spLocks noGrp="1"/>
+          </p:cNvSpPr>
+          <p:nvPr>
+            <p:ph type="ftr" sz="quarter" idx="11"/>
+          </p:nvPr>
+        </p:nvSpPr>
+        <p:spPr/>
+        <p:txBody>
+          <a:bodyPr/>
+          <a:lstStyle/>
+          <a:p>
+            <a:endParaRPr lang="en-GB"/>
+          </a:p>
+        </p:txBody>
+      </p:sp>
+      <p:sp>
+        <p:nvSpPr>
+          <p:cNvPr id="7" name="Slide Number Placeholder 6"/>
+          <p:cNvSpPr>
+            <a:spLocks noGrp="1"/>
+          </p:cNvSpPr>
+          <p:nvPr>
+            <p:ph type="sldNum" sz="quarter" idx="12"/>
+          </p:nvPr>
+        </p:nvSpPr>
+        <p:spPr/>
+        <p:txBody>
+          <a:bodyPr/>
+          <a:lstStyle/>
+          <a:p>
+            <a:fld id="{4E09BF8B-825D-4AA9-BD1C-63FAB9889AFD}" type="slidenum">
+              <a:rPr lang="en-GB" smtClean="0"/>
+              <a:t>‹#›</a:t>
+            </a:fld>
+            <a:endParaRPr lang="en-GB"/>
+          </a:p>
+        </p:txBody>
+      </p:sp>
+    </p:spTree>
+    <p:extLst>
+      <p:ext uri="{BB962C8B-B14F-4D97-AF65-F5344CB8AC3E}">
+        <p14:creationId xmlns:p14="http://schemas.microsoft.com/office/powerpoint/2010/main" val="4096502429"/>
+      </p:ext>
+    </p:extLst>
+  </p:cSld>
+  <p:clrMapOvr>
+    <a:masterClrMapping/>
+  </p:clrMapOvr>
+</p:sldLayout>
+</file>
+
+<file path=ppt/slideLayouts/slideLayout21.xml><?xml version="1.0" encoding="utf-8"?>
+<p:sldLayout xmlns:a="http://schemas.openxmlformats.org/drawingml/2006/main" xmlns:r="http://schemas.openxmlformats.org/officeDocument/2006/relationships" xmlns:p="http://schemas.openxmlformats.org/presentationml/2006/main" type="vertTx" preserve="1">
+  <p:cSld name="Title and Vertical Text">
+    <p:spTree>
+      <p:nvGrpSpPr>
+        <p:cNvPr id="1" name=""/>
+        <p:cNvGrpSpPr/>
+        <p:nvPr/>
+      </p:nvGrpSpPr>
+      <p:grpSpPr>
+        <a:xfrm>
+          <a:off x="0" y="0"/>
+          <a:ext cx="0" cy="0"/>
+          <a:chOff x="0" y="0"/>
+          <a:chExt cx="0" cy="0"/>
+        </a:xfrm>
+      </p:grpSpPr>
+      <p:sp>
+        <p:nvSpPr>
+          <p:cNvPr id="2" name="Title 1"/>
+          <p:cNvSpPr>
+            <a:spLocks noGrp="1"/>
+          </p:cNvSpPr>
+          <p:nvPr>
+            <p:ph type="title"/>
+          </p:nvPr>
+        </p:nvSpPr>
+        <p:spPr/>
+        <p:txBody>
+          <a:bodyPr/>
+          <a:lstStyle/>
+          <a:p>
+            <a:r>
+              <a:rPr lang="en-US" smtClean="0"/>
+              <a:t>Click to edit Master title style</a:t>
+            </a:r>
+            <a:endParaRPr lang="en-GB"/>
+          </a:p>
+        </p:txBody>
+      </p:sp>
+      <p:sp>
+        <p:nvSpPr>
+          <p:cNvPr id="3" name="Vertical Text Placeholder 2"/>
+          <p:cNvSpPr>
+            <a:spLocks noGrp="1"/>
+          </p:cNvSpPr>
+          <p:nvPr>
+            <p:ph type="body" orient="vert" idx="1"/>
+          </p:nvPr>
+        </p:nvSpPr>
+        <p:spPr/>
+        <p:txBody>
+          <a:bodyPr vert="eaVert"/>
+          <a:lstStyle/>
+          <a:p>
+            <a:pPr lvl="0"/>
+            <a:r>
+              <a:rPr lang="en-US" smtClean="0"/>
+              <a:t>Edit Master text styles</a:t>
+            </a:r>
+          </a:p>
+          <a:p>
+            <a:pPr lvl="1"/>
+            <a:r>
+              <a:rPr lang="en-US" smtClean="0"/>
+              <a:t>Second level</a:t>
+            </a:r>
+          </a:p>
+          <a:p>
+            <a:pPr lvl="2"/>
+            <a:r>
+              <a:rPr lang="en-US" smtClean="0"/>
+              <a:t>Third level</a:t>
+            </a:r>
+          </a:p>
+          <a:p>
+            <a:pPr lvl="3"/>
+            <a:r>
+              <a:rPr lang="en-US" smtClean="0"/>
+              <a:t>Fourth level</a:t>
+            </a:r>
+          </a:p>
+          <a:p>
+            <a:pPr lvl="4"/>
+            <a:r>
+              <a:rPr lang="en-US" smtClean="0"/>
+              <a:t>Fifth level</a:t>
+            </a:r>
+            <a:endParaRPr lang="en-GB"/>
+          </a:p>
+        </p:txBody>
+      </p:sp>
+      <p:sp>
+        <p:nvSpPr>
+          <p:cNvPr id="4" name="Date Placeholder 3"/>
+          <p:cNvSpPr>
+            <a:spLocks noGrp="1"/>
+          </p:cNvSpPr>
+          <p:nvPr>
+            <p:ph type="dt" sz="half" idx="10"/>
+          </p:nvPr>
+        </p:nvSpPr>
+        <p:spPr/>
+        <p:txBody>
+          <a:bodyPr/>
+          <a:lstStyle/>
+          <a:p>
+            <a:fld id="{740E80E1-5322-41A5-BE1C-2FD07D6C3DE2}" type="datetimeFigureOut">
+              <a:rPr lang="en-GB" smtClean="0"/>
+              <a:t>11/11/2017</a:t>
+            </a:fld>
+            <a:endParaRPr lang="en-GB"/>
+          </a:p>
+        </p:txBody>
+      </p:sp>
+      <p:sp>
+        <p:nvSpPr>
+          <p:cNvPr id="5" name="Footer Placeholder 4"/>
+          <p:cNvSpPr>
+            <a:spLocks noGrp="1"/>
+          </p:cNvSpPr>
+          <p:nvPr>
+            <p:ph type="ftr" sz="quarter" idx="11"/>
+          </p:nvPr>
+        </p:nvSpPr>
+        <p:spPr/>
+        <p:txBody>
+          <a:bodyPr/>
+          <a:lstStyle/>
+          <a:p>
+            <a:endParaRPr lang="en-GB"/>
+          </a:p>
+        </p:txBody>
+      </p:sp>
+      <p:sp>
+        <p:nvSpPr>
+          <p:cNvPr id="6" name="Slide Number Placeholder 5"/>
+          <p:cNvSpPr>
+            <a:spLocks noGrp="1"/>
+          </p:cNvSpPr>
+          <p:nvPr>
+            <p:ph type="sldNum" sz="quarter" idx="12"/>
+          </p:nvPr>
+        </p:nvSpPr>
+        <p:spPr/>
+        <p:txBody>
+          <a:bodyPr/>
+          <a:lstStyle/>
+          <a:p>
+            <a:fld id="{4E09BF8B-825D-4AA9-BD1C-63FAB9889AFD}" type="slidenum">
+              <a:rPr lang="en-GB" smtClean="0"/>
+              <a:t>‹#›</a:t>
+            </a:fld>
+            <a:endParaRPr lang="en-GB"/>
+          </a:p>
+        </p:txBody>
+      </p:sp>
+    </p:spTree>
+    <p:extLst>
+      <p:ext uri="{BB962C8B-B14F-4D97-AF65-F5344CB8AC3E}">
+        <p14:creationId xmlns:p14="http://schemas.microsoft.com/office/powerpoint/2010/main" val="3764725263"/>
+      </p:ext>
+    </p:extLst>
+  </p:cSld>
+  <p:clrMapOvr>
+    <a:masterClrMapping/>
+  </p:clrMapOvr>
+</p:sldLayout>
+</file>
+
+<file path=ppt/slideLayouts/slideLayout22.xml><?xml version="1.0" encoding="utf-8"?>
+<p:sldLayout xmlns:a="http://schemas.openxmlformats.org/drawingml/2006/main" xmlns:r="http://schemas.openxmlformats.org/officeDocument/2006/relationships" xmlns:p="http://schemas.openxmlformats.org/presentationml/2006/main" type="vertTitleAndTx" preserve="1">
+  <p:cSld name="Vertical Title and Text">
+    <p:spTree>
+      <p:nvGrpSpPr>
+        <p:cNvPr id="1" name=""/>
+        <p:cNvGrpSpPr/>
+        <p:nvPr/>
+      </p:nvGrpSpPr>
+      <p:grpSpPr>
+        <a:xfrm>
+          <a:off x="0" y="0"/>
+          <a:ext cx="0" cy="0"/>
+          <a:chOff x="0" y="0"/>
+          <a:chExt cx="0" cy="0"/>
+        </a:xfrm>
+      </p:grpSpPr>
+      <p:sp>
+        <p:nvSpPr>
+          <p:cNvPr id="2" name="Vertical Title 1"/>
+          <p:cNvSpPr>
+            <a:spLocks noGrp="1"/>
+          </p:cNvSpPr>
+          <p:nvPr>
+            <p:ph type="title" orient="vert"/>
+          </p:nvPr>
+        </p:nvSpPr>
+        <p:spPr>
+          <a:xfrm>
+            <a:off x="6543675" y="365125"/>
+            <a:ext cx="1971675" cy="5811838"/>
+          </a:xfrm>
+        </p:spPr>
+        <p:txBody>
+          <a:bodyPr vert="eaVert"/>
+          <a:lstStyle/>
+          <a:p>
+            <a:r>
+              <a:rPr lang="en-US" smtClean="0"/>
+              <a:t>Click to edit Master title style</a:t>
+            </a:r>
+            <a:endParaRPr lang="en-GB"/>
+          </a:p>
+        </p:txBody>
+      </p:sp>
+      <p:sp>
+        <p:nvSpPr>
+          <p:cNvPr id="3" name="Vertical Text Placeholder 2"/>
+          <p:cNvSpPr>
+            <a:spLocks noGrp="1"/>
+          </p:cNvSpPr>
+          <p:nvPr>
+            <p:ph type="body" orient="vert" idx="1"/>
+          </p:nvPr>
+        </p:nvSpPr>
+        <p:spPr>
+          <a:xfrm>
+            <a:off x="628650" y="365125"/>
+            <a:ext cx="5762625" cy="5811838"/>
+          </a:xfrm>
+        </p:spPr>
+        <p:txBody>
+          <a:bodyPr vert="eaVert"/>
+          <a:lstStyle/>
+          <a:p>
+            <a:pPr lvl="0"/>
+            <a:r>
+              <a:rPr lang="en-US" smtClean="0"/>
+              <a:t>Edit Master text styles</a:t>
+            </a:r>
+          </a:p>
+          <a:p>
+            <a:pPr lvl="1"/>
+            <a:r>
+              <a:rPr lang="en-US" smtClean="0"/>
+              <a:t>Second level</a:t>
+            </a:r>
+          </a:p>
+          <a:p>
+            <a:pPr lvl="2"/>
+            <a:r>
+              <a:rPr lang="en-US" smtClean="0"/>
+              <a:t>Third level</a:t>
+            </a:r>
+          </a:p>
+          <a:p>
+            <a:pPr lvl="3"/>
+            <a:r>
+              <a:rPr lang="en-US" smtClean="0"/>
+              <a:t>Fourth level</a:t>
+            </a:r>
+          </a:p>
+          <a:p>
+            <a:pPr lvl="4"/>
+            <a:r>
+              <a:rPr lang="en-US" smtClean="0"/>
+              <a:t>Fifth level</a:t>
+            </a:r>
+            <a:endParaRPr lang="en-GB"/>
+          </a:p>
+        </p:txBody>
+      </p:sp>
+      <p:sp>
+        <p:nvSpPr>
+          <p:cNvPr id="4" name="Date Placeholder 3"/>
+          <p:cNvSpPr>
+            <a:spLocks noGrp="1"/>
+          </p:cNvSpPr>
+          <p:nvPr>
+            <p:ph type="dt" sz="half" idx="10"/>
+          </p:nvPr>
+        </p:nvSpPr>
+        <p:spPr/>
+        <p:txBody>
+          <a:bodyPr/>
+          <a:lstStyle/>
+          <a:p>
+            <a:fld id="{740E80E1-5322-41A5-BE1C-2FD07D6C3DE2}" type="datetimeFigureOut">
+              <a:rPr lang="en-GB" smtClean="0"/>
+              <a:t>11/11/2017</a:t>
+            </a:fld>
+            <a:endParaRPr lang="en-GB"/>
+          </a:p>
+        </p:txBody>
+      </p:sp>
+      <p:sp>
+        <p:nvSpPr>
+          <p:cNvPr id="5" name="Footer Placeholder 4"/>
+          <p:cNvSpPr>
+            <a:spLocks noGrp="1"/>
+          </p:cNvSpPr>
+          <p:nvPr>
+            <p:ph type="ftr" sz="quarter" idx="11"/>
+          </p:nvPr>
+        </p:nvSpPr>
+        <p:spPr/>
+        <p:txBody>
+          <a:bodyPr/>
+          <a:lstStyle/>
+          <a:p>
+            <a:endParaRPr lang="en-GB"/>
+          </a:p>
+        </p:txBody>
+      </p:sp>
+      <p:sp>
+        <p:nvSpPr>
+          <p:cNvPr id="6" name="Slide Number Placeholder 5"/>
+          <p:cNvSpPr>
+            <a:spLocks noGrp="1"/>
+          </p:cNvSpPr>
+          <p:nvPr>
+            <p:ph type="sldNum" sz="quarter" idx="12"/>
+          </p:nvPr>
+        </p:nvSpPr>
+        <p:spPr/>
+        <p:txBody>
+          <a:bodyPr/>
+          <a:lstStyle/>
+          <a:p>
+            <a:fld id="{4E09BF8B-825D-4AA9-BD1C-63FAB9889AFD}" type="slidenum">
+              <a:rPr lang="en-GB" smtClean="0"/>
+              <a:t>‹#›</a:t>
+            </a:fld>
+            <a:endParaRPr lang="en-GB"/>
+          </a:p>
+        </p:txBody>
+      </p:sp>
+    </p:spTree>
+    <p:extLst>
+      <p:ext uri="{BB962C8B-B14F-4D97-AF65-F5344CB8AC3E}">
+        <p14:creationId xmlns:p14="http://schemas.microsoft.com/office/powerpoint/2010/main" val="227847160"/>
+      </p:ext>
+    </p:extLst>
+  </p:cSld>
+  <p:clrMapOvr>
+    <a:masterClrMapping/>
+  </p:clrMapOvr>
 </p:sldLayout>
 </file>
 
@@ -9182,102 +11430,10 @@
           </a:p>
         </p:txBody>
       </p:sp>
-      <p:sp>
-        <p:nvSpPr>
-          <p:cNvPr id="4" name="Date Placeholder 3"/>
-          <p:cNvSpPr>
-            <a:spLocks noGrp="1"/>
-          </p:cNvSpPr>
-          <p:nvPr>
-            <p:ph type="dt" sz="half" idx="10"/>
-          </p:nvPr>
-        </p:nvSpPr>
-        <p:spPr/>
-        <p:txBody>
-          <a:bodyPr/>
-          <a:lstStyle>
-            <a:lvl1pPr>
-              <a:defRPr/>
-            </a:lvl1pPr>
-          </a:lstStyle>
-          <a:p>
-            <a:pPr>
-              <a:defRPr/>
-            </a:pPr>
-            <a:fld id="{597AFBB9-EB31-43FD-A2ED-A0D963936DF2}" type="datetimeFigureOut">
-              <a:rPr lang="en-GB" altLang="en-US"/>
-              <a:pPr>
-                <a:defRPr/>
-              </a:pPr>
-              <a:t>02/03/2017</a:t>
-            </a:fld>
-            <a:endParaRPr lang="en-GB" altLang="en-US"/>
-          </a:p>
-        </p:txBody>
-      </p:sp>
-      <p:sp>
-        <p:nvSpPr>
-          <p:cNvPr id="5" name="Footer Placeholder 4"/>
-          <p:cNvSpPr>
-            <a:spLocks noGrp="1"/>
-          </p:cNvSpPr>
-          <p:nvPr>
-            <p:ph type="ftr" sz="quarter" idx="11"/>
-          </p:nvPr>
-        </p:nvSpPr>
-        <p:spPr/>
-        <p:txBody>
-          <a:bodyPr/>
-          <a:lstStyle>
-            <a:lvl1pPr>
-              <a:defRPr/>
-            </a:lvl1pPr>
-          </a:lstStyle>
-          <a:p>
-            <a:pPr>
-              <a:defRPr/>
-            </a:pPr>
-            <a:endParaRPr lang="en-GB"/>
-          </a:p>
-        </p:txBody>
-      </p:sp>
-      <p:sp>
-        <p:nvSpPr>
-          <p:cNvPr id="6" name="Slide Number Placeholder 5"/>
-          <p:cNvSpPr>
-            <a:spLocks noGrp="1"/>
-          </p:cNvSpPr>
-          <p:nvPr>
-            <p:ph type="sldNum" sz="quarter" idx="12"/>
-          </p:nvPr>
-        </p:nvSpPr>
-        <p:spPr/>
-        <p:txBody>
-          <a:bodyPr/>
-          <a:lstStyle>
-            <a:lvl1pPr>
-              <a:defRPr/>
-            </a:lvl1pPr>
-          </a:lstStyle>
-          <a:p>
-            <a:pPr>
-              <a:defRPr/>
-            </a:pPr>
-            <a:fld id="{8CBC68A6-1A9A-46F1-B5DF-D7831729CD79}" type="slidenum">
-              <a:rPr lang="en-GB" altLang="en-US"/>
-              <a:pPr>
-                <a:defRPr/>
-              </a:pPr>
-              <a:t>‹#›</a:t>
-            </a:fld>
-            <a:endParaRPr lang="en-GB" altLang="en-US"/>
-          </a:p>
-        </p:txBody>
-      </p:sp>
     </p:spTree>
     <p:extLst>
       <p:ext uri="{BB962C8B-B14F-4D97-AF65-F5344CB8AC3E}">
-        <p14:creationId xmlns:p14="http://schemas.microsoft.com/office/powerpoint/2010/main" val="2812086024"/>
+        <p14:creationId xmlns:p14="http://schemas.microsoft.com/office/powerpoint/2010/main" val="169836606"/>
       </p:ext>
     </p:extLst>
   </p:cSld>
@@ -9507,7 +11663,15 @@
             <p:ph type="dt" sz="half" idx="10"/>
           </p:nvPr>
         </p:nvSpPr>
-        <p:spPr/>
+        <p:spPr>
+          <a:xfrm>
+            <a:off x="457200" y="6356350"/>
+            <a:ext cx="2133600" cy="365125"/>
+          </a:xfrm>
+          <a:prstGeom prst="rect">
+            <a:avLst/>
+          </a:prstGeom>
+        </p:spPr>
         <p:txBody>
           <a:bodyPr/>
           <a:lstStyle>
@@ -9524,7 +11688,7 @@
               <a:pPr>
                 <a:defRPr/>
               </a:pPr>
-              <a:t>02/03/2017</a:t>
+              <a:t>11/11/2017</a:t>
             </a:fld>
             <a:endParaRPr lang="en-GB" altLang="en-US"/>
           </a:p>
@@ -9540,7 +11704,15 @@
             <p:ph type="ftr" sz="quarter" idx="11"/>
           </p:nvPr>
         </p:nvSpPr>
-        <p:spPr/>
+        <p:spPr>
+          <a:xfrm>
+            <a:off x="3124200" y="6356350"/>
+            <a:ext cx="2895600" cy="365125"/>
+          </a:xfrm>
+          <a:prstGeom prst="rect">
+            <a:avLst/>
+          </a:prstGeom>
+        </p:spPr>
         <p:txBody>
           <a:bodyPr/>
           <a:lstStyle>
@@ -9566,7 +11738,15 @@
             <p:ph type="sldNum" sz="quarter" idx="12"/>
           </p:nvPr>
         </p:nvSpPr>
-        <p:spPr/>
+        <p:spPr>
+          <a:xfrm>
+            <a:off x="6553200" y="6356350"/>
+            <a:ext cx="2133600" cy="365125"/>
+          </a:xfrm>
+          <a:prstGeom prst="rect">
+            <a:avLst/>
+          </a:prstGeom>
+        </p:spPr>
         <p:txBody>
           <a:bodyPr/>
           <a:lstStyle>
@@ -9592,7 +11772,7 @@
     </p:spTree>
     <p:extLst>
       <p:ext uri="{BB962C8B-B14F-4D97-AF65-F5344CB8AC3E}">
-        <p14:creationId xmlns:p14="http://schemas.microsoft.com/office/powerpoint/2010/main" val="3507373173"/>
+        <p14:creationId xmlns:p14="http://schemas.microsoft.com/office/powerpoint/2010/main" val="1108502905"/>
       </p:ext>
     </p:extLst>
   </p:cSld>
@@ -9956,7 +12136,15 @@
             <p:ph type="dt" sz="half" idx="10"/>
           </p:nvPr>
         </p:nvSpPr>
-        <p:spPr/>
+        <p:spPr>
+          <a:xfrm>
+            <a:off x="457200" y="6356350"/>
+            <a:ext cx="2133600" cy="365125"/>
+          </a:xfrm>
+          <a:prstGeom prst="rect">
+            <a:avLst/>
+          </a:prstGeom>
+        </p:spPr>
         <p:txBody>
           <a:bodyPr/>
           <a:lstStyle>
@@ -9973,7 +12161,7 @@
               <a:pPr>
                 <a:defRPr/>
               </a:pPr>
-              <a:t>02/03/2017</a:t>
+              <a:t>11/11/2017</a:t>
             </a:fld>
             <a:endParaRPr lang="en-GB" altLang="en-US"/>
           </a:p>
@@ -9989,7 +12177,15 @@
             <p:ph type="ftr" sz="quarter" idx="11"/>
           </p:nvPr>
         </p:nvSpPr>
-        <p:spPr/>
+        <p:spPr>
+          <a:xfrm>
+            <a:off x="3124200" y="6356350"/>
+            <a:ext cx="2895600" cy="365125"/>
+          </a:xfrm>
+          <a:prstGeom prst="rect">
+            <a:avLst/>
+          </a:prstGeom>
+        </p:spPr>
         <p:txBody>
           <a:bodyPr/>
           <a:lstStyle>
@@ -10015,7 +12211,15 @@
             <p:ph type="sldNum" sz="quarter" idx="12"/>
           </p:nvPr>
         </p:nvSpPr>
-        <p:spPr/>
+        <p:spPr>
+          <a:xfrm>
+            <a:off x="6553200" y="6356350"/>
+            <a:ext cx="2133600" cy="365125"/>
+          </a:xfrm>
+          <a:prstGeom prst="rect">
+            <a:avLst/>
+          </a:prstGeom>
+        </p:spPr>
         <p:txBody>
           <a:bodyPr/>
           <a:lstStyle>
@@ -10041,7 +12245,7 @@
     </p:spTree>
     <p:extLst>
       <p:ext uri="{BB962C8B-B14F-4D97-AF65-F5344CB8AC3E}">
-        <p14:creationId xmlns:p14="http://schemas.microsoft.com/office/powerpoint/2010/main" val="2660008298"/>
+        <p14:creationId xmlns:p14="http://schemas.microsoft.com/office/powerpoint/2010/main" val="2625703896"/>
       </p:ext>
     </p:extLst>
   </p:cSld>
@@ -10101,7 +12305,15 @@
             <p:ph type="dt" sz="half" idx="10"/>
           </p:nvPr>
         </p:nvSpPr>
-        <p:spPr/>
+        <p:spPr>
+          <a:xfrm>
+            <a:off x="457200" y="6356350"/>
+            <a:ext cx="2133600" cy="365125"/>
+          </a:xfrm>
+          <a:prstGeom prst="rect">
+            <a:avLst/>
+          </a:prstGeom>
+        </p:spPr>
         <p:txBody>
           <a:bodyPr/>
           <a:lstStyle>
@@ -10118,7 +12330,7 @@
               <a:pPr>
                 <a:defRPr/>
               </a:pPr>
-              <a:t>02/03/2017</a:t>
+              <a:t>11/11/2017</a:t>
             </a:fld>
             <a:endParaRPr lang="en-GB" altLang="en-US"/>
           </a:p>
@@ -10134,7 +12346,15 @@
             <p:ph type="ftr" sz="quarter" idx="11"/>
           </p:nvPr>
         </p:nvSpPr>
-        <p:spPr/>
+        <p:spPr>
+          <a:xfrm>
+            <a:off x="3124200" y="6356350"/>
+            <a:ext cx="2895600" cy="365125"/>
+          </a:xfrm>
+          <a:prstGeom prst="rect">
+            <a:avLst/>
+          </a:prstGeom>
+        </p:spPr>
         <p:txBody>
           <a:bodyPr/>
           <a:lstStyle>
@@ -10160,7 +12380,15 @@
             <p:ph type="sldNum" sz="quarter" idx="12"/>
           </p:nvPr>
         </p:nvSpPr>
-        <p:spPr/>
+        <p:spPr>
+          <a:xfrm>
+            <a:off x="6553200" y="6356350"/>
+            <a:ext cx="2133600" cy="365125"/>
+          </a:xfrm>
+          <a:prstGeom prst="rect">
+            <a:avLst/>
+          </a:prstGeom>
+        </p:spPr>
         <p:txBody>
           <a:bodyPr/>
           <a:lstStyle>
@@ -10186,7 +12414,7 @@
     </p:spTree>
     <p:extLst>
       <p:ext uri="{BB962C8B-B14F-4D97-AF65-F5344CB8AC3E}">
-        <p14:creationId xmlns:p14="http://schemas.microsoft.com/office/powerpoint/2010/main" val="2960243946"/>
+        <p14:creationId xmlns:p14="http://schemas.microsoft.com/office/powerpoint/2010/main" val="890014813"/>
       </p:ext>
     </p:extLst>
   </p:cSld>
@@ -10223,7 +12451,15 @@
             <p:ph type="dt" sz="half" idx="10"/>
           </p:nvPr>
         </p:nvSpPr>
-        <p:spPr/>
+        <p:spPr>
+          <a:xfrm>
+            <a:off x="457200" y="6356350"/>
+            <a:ext cx="2133600" cy="365125"/>
+          </a:xfrm>
+          <a:prstGeom prst="rect">
+            <a:avLst/>
+          </a:prstGeom>
+        </p:spPr>
         <p:txBody>
           <a:bodyPr/>
           <a:lstStyle>
@@ -10240,7 +12476,7 @@
               <a:pPr>
                 <a:defRPr/>
               </a:pPr>
-              <a:t>02/03/2017</a:t>
+              <a:t>11/11/2017</a:t>
             </a:fld>
             <a:endParaRPr lang="en-GB" altLang="en-US"/>
           </a:p>
@@ -10256,7 +12492,15 @@
             <p:ph type="ftr" sz="quarter" idx="11"/>
           </p:nvPr>
         </p:nvSpPr>
-        <p:spPr/>
+        <p:spPr>
+          <a:xfrm>
+            <a:off x="3124200" y="6356350"/>
+            <a:ext cx="2895600" cy="365125"/>
+          </a:xfrm>
+          <a:prstGeom prst="rect">
+            <a:avLst/>
+          </a:prstGeom>
+        </p:spPr>
         <p:txBody>
           <a:bodyPr wrap="square" numCol="1" anchorCtr="0" compatLnSpc="1">
             <a:prstTxWarp prst="textNoShape">
@@ -10309,7 +12553,15 @@
             <p:ph type="sldNum" sz="quarter" idx="12"/>
           </p:nvPr>
         </p:nvSpPr>
-        <p:spPr/>
+        <p:spPr>
+          <a:xfrm>
+            <a:off x="6553200" y="6356350"/>
+            <a:ext cx="2133600" cy="365125"/>
+          </a:xfrm>
+          <a:prstGeom prst="rect">
+            <a:avLst/>
+          </a:prstGeom>
+        </p:spPr>
         <p:txBody>
           <a:bodyPr/>
           <a:lstStyle>
@@ -10335,7 +12587,7 @@
     </p:spTree>
     <p:extLst>
       <p:ext uri="{BB962C8B-B14F-4D97-AF65-F5344CB8AC3E}">
-        <p14:creationId xmlns:p14="http://schemas.microsoft.com/office/powerpoint/2010/main" val="1957083990"/>
+        <p14:creationId xmlns:p14="http://schemas.microsoft.com/office/powerpoint/2010/main" val="3791177401"/>
       </p:ext>
     </p:extLst>
   </p:cSld>
@@ -10554,7 +12806,15 @@
             <p:ph type="dt" sz="half" idx="10"/>
           </p:nvPr>
         </p:nvSpPr>
-        <p:spPr/>
+        <p:spPr>
+          <a:xfrm>
+            <a:off x="457200" y="6356350"/>
+            <a:ext cx="2133600" cy="365125"/>
+          </a:xfrm>
+          <a:prstGeom prst="rect">
+            <a:avLst/>
+          </a:prstGeom>
+        </p:spPr>
         <p:txBody>
           <a:bodyPr/>
           <a:lstStyle>
@@ -10571,7 +12831,7 @@
               <a:pPr>
                 <a:defRPr/>
               </a:pPr>
-              <a:t>02/03/2017</a:t>
+              <a:t>11/11/2017</a:t>
             </a:fld>
             <a:endParaRPr lang="en-GB" altLang="en-US"/>
           </a:p>
@@ -10587,7 +12847,15 @@
             <p:ph type="ftr" sz="quarter" idx="11"/>
           </p:nvPr>
         </p:nvSpPr>
-        <p:spPr/>
+        <p:spPr>
+          <a:xfrm>
+            <a:off x="3124200" y="6356350"/>
+            <a:ext cx="2895600" cy="365125"/>
+          </a:xfrm>
+          <a:prstGeom prst="rect">
+            <a:avLst/>
+          </a:prstGeom>
+        </p:spPr>
         <p:txBody>
           <a:bodyPr/>
           <a:lstStyle>
@@ -10613,7 +12881,15 @@
             <p:ph type="sldNum" sz="quarter" idx="12"/>
           </p:nvPr>
         </p:nvSpPr>
-        <p:spPr/>
+        <p:spPr>
+          <a:xfrm>
+            <a:off x="6553200" y="6356350"/>
+            <a:ext cx="2133600" cy="365125"/>
+          </a:xfrm>
+          <a:prstGeom prst="rect">
+            <a:avLst/>
+          </a:prstGeom>
+        </p:spPr>
         <p:txBody>
           <a:bodyPr/>
           <a:lstStyle>
@@ -10639,7 +12915,7 @@
     </p:spTree>
     <p:extLst>
       <p:ext uri="{BB962C8B-B14F-4D97-AF65-F5344CB8AC3E}">
-        <p14:creationId xmlns:p14="http://schemas.microsoft.com/office/powerpoint/2010/main" val="3932954447"/>
+        <p14:creationId xmlns:p14="http://schemas.microsoft.com/office/powerpoint/2010/main" val="1491630994"/>
       </p:ext>
     </p:extLst>
   </p:cSld>
@@ -10837,7 +13113,15 @@
             <p:ph type="dt" sz="half" idx="10"/>
           </p:nvPr>
         </p:nvSpPr>
-        <p:spPr/>
+        <p:spPr>
+          <a:xfrm>
+            <a:off x="457200" y="6356350"/>
+            <a:ext cx="2133600" cy="365125"/>
+          </a:xfrm>
+          <a:prstGeom prst="rect">
+            <a:avLst/>
+          </a:prstGeom>
+        </p:spPr>
         <p:txBody>
           <a:bodyPr/>
           <a:lstStyle>
@@ -10854,7 +13138,7 @@
               <a:pPr>
                 <a:defRPr/>
               </a:pPr>
-              <a:t>02/03/2017</a:t>
+              <a:t>11/11/2017</a:t>
             </a:fld>
             <a:endParaRPr lang="en-GB" altLang="en-US"/>
           </a:p>
@@ -10870,7 +13154,15 @@
             <p:ph type="ftr" sz="quarter" idx="11"/>
           </p:nvPr>
         </p:nvSpPr>
-        <p:spPr/>
+        <p:spPr>
+          <a:xfrm>
+            <a:off x="3124200" y="6356350"/>
+            <a:ext cx="2895600" cy="365125"/>
+          </a:xfrm>
+          <a:prstGeom prst="rect">
+            <a:avLst/>
+          </a:prstGeom>
+        </p:spPr>
         <p:txBody>
           <a:bodyPr/>
           <a:lstStyle>
@@ -10896,7 +13188,15 @@
             <p:ph type="sldNum" sz="quarter" idx="12"/>
           </p:nvPr>
         </p:nvSpPr>
-        <p:spPr/>
+        <p:spPr>
+          <a:xfrm>
+            <a:off x="6553200" y="6356350"/>
+            <a:ext cx="2133600" cy="365125"/>
+          </a:xfrm>
+          <a:prstGeom prst="rect">
+            <a:avLst/>
+          </a:prstGeom>
+        </p:spPr>
         <p:txBody>
           <a:bodyPr/>
           <a:lstStyle>
@@ -10922,7 +13222,7 @@
     </p:spTree>
     <p:extLst>
       <p:ext uri="{BB962C8B-B14F-4D97-AF65-F5344CB8AC3E}">
-        <p14:creationId xmlns:p14="http://schemas.microsoft.com/office/powerpoint/2010/main" val="660493633"/>
+        <p14:creationId xmlns:p14="http://schemas.microsoft.com/office/powerpoint/2010/main" val="2017144755"/>
       </p:ext>
     </p:extLst>
   </p:cSld>
@@ -10933,7 +13233,7 @@
 </file>
 
 <file path=ppt/slideMasters/slideMaster1.xml><?xml version="1.0" encoding="utf-8"?>
-<p:sldMaster xmlns:a="http://schemas.openxmlformats.org/drawingml/2006/main" xmlns:r="http://schemas.openxmlformats.org/officeDocument/2006/relationships" xmlns:p="http://schemas.openxmlformats.org/presentationml/2006/main">
+<p:sldMaster xmlns:a="http://schemas.openxmlformats.org/drawingml/2006/main" xmlns:r="http://schemas.openxmlformats.org/officeDocument/2006/relationships" xmlns:p="http://schemas.openxmlformats.org/presentationml/2006/main" preserve="1">
   <p:cSld>
     <p:bg>
       <p:bgPr>
@@ -10957,6 +13257,107 @@
           <a:chExt cx="0" cy="0"/>
         </a:xfrm>
       </p:grpSpPr>
+      <p:grpSp>
+        <p:nvGrpSpPr>
+          <p:cNvPr id="12" name="Group 11"/>
+          <p:cNvGrpSpPr/>
+          <p:nvPr userDrawn="1"/>
+        </p:nvGrpSpPr>
+        <p:grpSpPr>
+          <a:xfrm>
+            <a:off x="3161401" y="5447401"/>
+            <a:ext cx="5992368" cy="1420368"/>
+            <a:chOff x="3161401" y="5447401"/>
+            <a:chExt cx="5992368" cy="1420368"/>
+          </a:xfrm>
+        </p:grpSpPr>
+        <p:pic>
+          <p:nvPicPr>
+            <p:cNvPr id="13" name="Picture 12" descr="slide_footer_blank_2.png"/>
+            <p:cNvPicPr>
+              <a:picLocks noChangeAspect="1"/>
+            </p:cNvPicPr>
+            <p:nvPr userDrawn="1"/>
+          </p:nvPicPr>
+          <p:blipFill>
+            <a:blip r:embed="rId13">
+              <a:extLst>
+                <a:ext uri="{28A0092B-C50C-407E-A947-70E740481C1C}">
+                  <a14:useLocalDpi xmlns:a14="http://schemas.microsoft.com/office/drawing/2010/main" val="0"/>
+                </a:ext>
+              </a:extLst>
+            </a:blip>
+            <a:stretch>
+              <a:fillRect/>
+            </a:stretch>
+          </p:blipFill>
+          <p:spPr>
+            <a:xfrm>
+              <a:off x="3161401" y="5447401"/>
+              <a:ext cx="5992368" cy="1420368"/>
+            </a:xfrm>
+            <a:prstGeom prst="rect">
+              <a:avLst/>
+            </a:prstGeom>
+          </p:spPr>
+        </p:pic>
+        <p:pic>
+          <p:nvPicPr>
+            <p:cNvPr id="14" name="Picture 13" descr="ceda_logo_blue2bgd_white_1.png"/>
+            <p:cNvPicPr>
+              <a:picLocks noChangeAspect="1"/>
+            </p:cNvPicPr>
+            <p:nvPr userDrawn="1"/>
+          </p:nvPicPr>
+          <p:blipFill>
+            <a:blip r:embed="rId14" cstate="print">
+              <a:extLst>
+                <a:ext uri="{28A0092B-C50C-407E-A947-70E740481C1C}">
+                  <a14:useLocalDpi xmlns:a14="http://schemas.microsoft.com/office/drawing/2010/main" val="0"/>
+                </a:ext>
+              </a:extLst>
+            </a:blip>
+            <a:stretch>
+              <a:fillRect/>
+            </a:stretch>
+          </p:blipFill>
+          <p:spPr>
+            <a:xfrm>
+              <a:off x="7021533" y="6293373"/>
+              <a:ext cx="2129417" cy="568652"/>
+            </a:xfrm>
+            <a:prstGeom prst="rect">
+              <a:avLst/>
+            </a:prstGeom>
+          </p:spPr>
+        </p:pic>
+      </p:grpSp>
+      <p:pic>
+        <p:nvPicPr>
+          <p:cNvPr id="9" name="Picture 2" descr="RAL_Header_A0"/>
+          <p:cNvPicPr>
+            <a:picLocks noChangeAspect="1" noChangeArrowheads="1"/>
+          </p:cNvPicPr>
+          <p:nvPr userDrawn="1"/>
+        </p:nvPicPr>
+        <p:blipFill>
+          <a:blip r:embed="rId15" cstate="print"/>
+          <a:srcRect/>
+          <a:stretch>
+            <a:fillRect/>
+          </a:stretch>
+        </p:blipFill>
+        <p:spPr bwMode="auto">
+          <a:xfrm>
+            <a:off x="-4108" y="0"/>
+            <a:ext cx="5986918" cy="1417638"/>
+          </a:xfrm>
+          <a:prstGeom prst="rect">
+            <a:avLst/>
+          </a:prstGeom>
+          <a:noFill/>
+        </p:spPr>
+      </p:pic>
       <p:sp>
         <p:nvSpPr>
           <p:cNvPr id="1026" name="Title Placeholder 1"/>
@@ -11103,157 +13504,6 @@
           </a:p>
         </p:txBody>
       </p:sp>
-      <p:sp>
-        <p:nvSpPr>
-          <p:cNvPr id="4" name="Date Placeholder 3"/>
-          <p:cNvSpPr>
-            <a:spLocks noGrp="1"/>
-          </p:cNvSpPr>
-          <p:nvPr>
-            <p:ph type="dt" sz="half" idx="2"/>
-          </p:nvPr>
-        </p:nvSpPr>
-        <p:spPr>
-          <a:xfrm>
-            <a:off x="457200" y="6356350"/>
-            <a:ext cx="2133600" cy="365125"/>
-          </a:xfrm>
-          <a:prstGeom prst="rect">
-            <a:avLst/>
-          </a:prstGeom>
-        </p:spPr>
-        <p:txBody>
-          <a:bodyPr vert="horz" wrap="square" lIns="91440" tIns="45720" rIns="91440" bIns="45720" numCol="1" anchor="ctr" anchorCtr="0" compatLnSpc="1">
-            <a:prstTxWarp prst="textNoShape">
-              <a:avLst/>
-            </a:prstTxWarp>
-          </a:bodyPr>
-          <a:lstStyle>
-            <a:lvl1pPr>
-              <a:defRPr sz="1200" smtClean="0">
-                <a:solidFill>
-                  <a:srgbClr val="898989"/>
-                </a:solidFill>
-                <a:latin typeface="Calibri" pitchFamily="34" charset="0"/>
-                <a:cs typeface="Arial" pitchFamily="34" charset="0"/>
-              </a:defRPr>
-            </a:lvl1pPr>
-          </a:lstStyle>
-          <a:p>
-            <a:pPr>
-              <a:defRPr/>
-            </a:pPr>
-            <a:fld id="{3F1F4DB5-2D06-4C6A-A73E-D1897C75D63F}" type="datetimeFigureOut">
-              <a:rPr lang="en-GB" altLang="en-US"/>
-              <a:pPr>
-                <a:defRPr/>
-              </a:pPr>
-              <a:t>02/03/2017</a:t>
-            </a:fld>
-            <a:endParaRPr lang="en-GB" altLang="en-US"/>
-          </a:p>
-        </p:txBody>
-      </p:sp>
-      <p:sp>
-        <p:nvSpPr>
-          <p:cNvPr id="5" name="Footer Placeholder 4"/>
-          <p:cNvSpPr>
-            <a:spLocks noGrp="1"/>
-          </p:cNvSpPr>
-          <p:nvPr>
-            <p:ph type="ftr" sz="quarter" idx="3"/>
-          </p:nvPr>
-        </p:nvSpPr>
-        <p:spPr>
-          <a:xfrm>
-            <a:off x="3124200" y="6356350"/>
-            <a:ext cx="2895600" cy="365125"/>
-          </a:xfrm>
-          <a:prstGeom prst="rect">
-            <a:avLst/>
-          </a:prstGeom>
-        </p:spPr>
-        <p:txBody>
-          <a:bodyPr vert="horz" lIns="91440" tIns="45720" rIns="91440" bIns="45720" rtlCol="0" anchor="ctr"/>
-          <a:lstStyle>
-            <a:lvl1pPr algn="ctr" fontAlgn="auto">
-              <a:spcBef>
-                <a:spcPts val="0"/>
-              </a:spcBef>
-              <a:spcAft>
-                <a:spcPts val="0"/>
-              </a:spcAft>
-              <a:defRPr sz="1200">
-                <a:solidFill>
-                  <a:schemeClr val="tx1">
-                    <a:tint val="75000"/>
-                  </a:schemeClr>
-                </a:solidFill>
-                <a:latin typeface="+mn-lt"/>
-                <a:ea typeface="+mn-ea"/>
-                <a:cs typeface="+mn-cs"/>
-              </a:defRPr>
-            </a:lvl1pPr>
-          </a:lstStyle>
-          <a:p>
-            <a:pPr>
-              <a:defRPr/>
-            </a:pPr>
-            <a:endParaRPr lang="en-GB"/>
-          </a:p>
-        </p:txBody>
-      </p:sp>
-      <p:sp>
-        <p:nvSpPr>
-          <p:cNvPr id="6" name="Slide Number Placeholder 5"/>
-          <p:cNvSpPr>
-            <a:spLocks noGrp="1"/>
-          </p:cNvSpPr>
-          <p:nvPr>
-            <p:ph type="sldNum" sz="quarter" idx="4"/>
-          </p:nvPr>
-        </p:nvSpPr>
-        <p:spPr>
-          <a:xfrm>
-            <a:off x="6553200" y="6356350"/>
-            <a:ext cx="2133600" cy="365125"/>
-          </a:xfrm>
-          <a:prstGeom prst="rect">
-            <a:avLst/>
-          </a:prstGeom>
-        </p:spPr>
-        <p:txBody>
-          <a:bodyPr vert="horz" wrap="square" lIns="91440" tIns="45720" rIns="91440" bIns="45720" numCol="1" anchor="ctr" anchorCtr="0" compatLnSpc="1">
-            <a:prstTxWarp prst="textNoShape">
-              <a:avLst/>
-            </a:prstTxWarp>
-          </a:bodyPr>
-          <a:lstStyle>
-            <a:lvl1pPr algn="r">
-              <a:defRPr sz="1200" smtClean="0">
-                <a:solidFill>
-                  <a:srgbClr val="898989"/>
-                </a:solidFill>
-                <a:latin typeface="Calibri" pitchFamily="34" charset="0"/>
-                <a:cs typeface="Arial" pitchFamily="34" charset="0"/>
-              </a:defRPr>
-            </a:lvl1pPr>
-          </a:lstStyle>
-          <a:p>
-            <a:pPr>
-              <a:defRPr/>
-            </a:pPr>
-            <a:fld id="{AFE873FE-1484-4254-A16C-59AF69AE782B}" type="slidenum">
-              <a:rPr lang="en-GB" altLang="en-US"/>
-              <a:pPr>
-                <a:defRPr/>
-              </a:pPr>
-              <a:t>‹#›</a:t>
-            </a:fld>
-            <a:endParaRPr lang="en-GB" altLang="en-US"/>
-          </a:p>
-        </p:txBody>
-      </p:sp>
       <p:pic>
         <p:nvPicPr>
           <p:cNvPr id="1032" name="Picture 8" descr="NCAS national_centre_logo_transparent"/>
@@ -11263,7 +13513,7 @@
           <p:nvPr userDrawn="1"/>
         </p:nvPicPr>
         <p:blipFill>
-          <a:blip r:embed="rId13">
+          <a:blip r:embed="rId16">
             <a:extLst>
               <a:ext uri="{28A0092B-C50C-407E-A947-70E740481C1C}">
                 <a14:useLocalDpi xmlns:a14="http://schemas.microsoft.com/office/drawing/2010/main" val="0"/>
@@ -11277,7 +13527,7 @@
         </p:blipFill>
         <p:spPr bwMode="auto">
           <a:xfrm>
-            <a:off x="107950" y="6308725"/>
+            <a:off x="107950" y="6275488"/>
             <a:ext cx="1800225" cy="433388"/>
           </a:xfrm>
           <a:prstGeom prst="rect">
@@ -11310,49 +13560,78 @@
       </p:pic>
       <p:pic>
         <p:nvPicPr>
-          <p:cNvPr id="10" name="Picture 9"/>
+          <p:cNvPr id="11" name="Picture 6"/>
           <p:cNvPicPr>
-            <a:picLocks noChangeAspect="1"/>
+            <a:picLocks noChangeAspect="1" noChangeArrowheads="1"/>
           </p:cNvPicPr>
           <p:nvPr userDrawn="1"/>
         </p:nvPicPr>
         <p:blipFill>
-          <a:blip r:embed="rId14" cstate="print">
+          <a:blip r:embed="rId17">
             <a:extLst>
               <a:ext uri="{28A0092B-C50C-407E-A947-70E740481C1C}">
                 <a14:useLocalDpi xmlns:a14="http://schemas.microsoft.com/office/drawing/2010/main" val="0"/>
               </a:ext>
             </a:extLst>
           </a:blip>
+          <a:srcRect/>
           <a:stretch>
             <a:fillRect/>
           </a:stretch>
         </p:blipFill>
-        <p:spPr>
+        <p:spPr bwMode="auto">
           <a:xfrm>
-            <a:off x="6516216" y="6188917"/>
-            <a:ext cx="2160239" cy="576882"/>
+            <a:off x="2164451" y="6230938"/>
+            <a:ext cx="1993900" cy="511175"/>
           </a:xfrm>
           <a:prstGeom prst="rect">
             <a:avLst/>
           </a:prstGeom>
+          <a:noFill/>
+          <a:ln>
+            <a:noFill/>
+          </a:ln>
+          <a:extLst>
+            <a:ext uri="{909E8E84-426E-40DD-AFC4-6F175D3DCCD1}">
+              <a14:hiddenFill xmlns:a14="http://schemas.microsoft.com/office/drawing/2010/main">
+                <a:solidFill>
+                  <a:srgbClr val="FFFFFF"/>
+                </a:solidFill>
+              </a14:hiddenFill>
+            </a:ext>
+            <a:ext uri="{91240B29-F687-4F45-9708-019B960494DF}">
+              <a14:hiddenLine xmlns:a14="http://schemas.microsoft.com/office/drawing/2010/main" w="9525">
+                <a:solidFill>
+                  <a:srgbClr val="000000"/>
+                </a:solidFill>
+                <a:round/>
+                <a:headEnd/>
+                <a:tailEnd/>
+              </a14:hiddenLine>
+            </a:ext>
+          </a:extLst>
         </p:spPr>
       </p:pic>
     </p:spTree>
+    <p:extLst>
+      <p:ext uri="{BB962C8B-B14F-4D97-AF65-F5344CB8AC3E}">
+        <p14:creationId xmlns:p14="http://schemas.microsoft.com/office/powerpoint/2010/main" val="2064513146"/>
+      </p:ext>
+    </p:extLst>
   </p:cSld>
   <p:clrMap bg1="lt1" tx1="dk1" bg2="lt2" tx2="dk2" accent1="accent1" accent2="accent2" accent3="accent3" accent4="accent4" accent5="accent5" accent6="accent6" hlink="hlink" folHlink="folHlink"/>
   <p:sldLayoutIdLst>
-    <p:sldLayoutId id="2147483769" r:id="rId1"/>
-    <p:sldLayoutId id="2147483770" r:id="rId2"/>
-    <p:sldLayoutId id="2147483761" r:id="rId3"/>
-    <p:sldLayoutId id="2147483762" r:id="rId4"/>
-    <p:sldLayoutId id="2147483763" r:id="rId5"/>
-    <p:sldLayoutId id="2147483764" r:id="rId6"/>
-    <p:sldLayoutId id="2147483771" r:id="rId7"/>
-    <p:sldLayoutId id="2147483765" r:id="rId8"/>
-    <p:sldLayoutId id="2147483766" r:id="rId9"/>
-    <p:sldLayoutId id="2147483767" r:id="rId10"/>
-    <p:sldLayoutId id="2147483768" r:id="rId11"/>
+    <p:sldLayoutId id="2147483785" r:id="rId1"/>
+    <p:sldLayoutId id="2147483786" r:id="rId2"/>
+    <p:sldLayoutId id="2147483787" r:id="rId3"/>
+    <p:sldLayoutId id="2147483788" r:id="rId4"/>
+    <p:sldLayoutId id="2147483789" r:id="rId5"/>
+    <p:sldLayoutId id="2147483790" r:id="rId6"/>
+    <p:sldLayoutId id="2147483791" r:id="rId7"/>
+    <p:sldLayoutId id="2147483792" r:id="rId8"/>
+    <p:sldLayoutId id="2147483793" r:id="rId9"/>
+    <p:sldLayoutId id="2147483794" r:id="rId10"/>
+    <p:sldLayoutId id="2147483795" r:id="rId11"/>
   </p:sldLayoutIdLst>
   <p:timing>
     <p:tnLst>
@@ -11751,6 +14030,546 @@
 </p:sldMaster>
 </file>
 
+<file path=ppt/slideMasters/slideMaster2.xml><?xml version="1.0" encoding="utf-8"?>
+<p:sldMaster xmlns:a="http://schemas.openxmlformats.org/drawingml/2006/main" xmlns:r="http://schemas.openxmlformats.org/officeDocument/2006/relationships" xmlns:p="http://schemas.openxmlformats.org/presentationml/2006/main" preserve="1">
+  <p:cSld>
+    <p:bg>
+      <p:bgRef idx="1001">
+        <a:schemeClr val="bg1"/>
+      </p:bgRef>
+    </p:bg>
+    <p:spTree>
+      <p:nvGrpSpPr>
+        <p:cNvPr id="1" name=""/>
+        <p:cNvGrpSpPr/>
+        <p:nvPr/>
+      </p:nvGrpSpPr>
+      <p:grpSpPr>
+        <a:xfrm>
+          <a:off x="0" y="0"/>
+          <a:ext cx="0" cy="0"/>
+          <a:chOff x="0" y="0"/>
+          <a:chExt cx="0" cy="0"/>
+        </a:xfrm>
+      </p:grpSpPr>
+      <p:sp>
+        <p:nvSpPr>
+          <p:cNvPr id="2" name="Title Placeholder 1"/>
+          <p:cNvSpPr>
+            <a:spLocks noGrp="1"/>
+          </p:cNvSpPr>
+          <p:nvPr>
+            <p:ph type="title"/>
+          </p:nvPr>
+        </p:nvSpPr>
+        <p:spPr>
+          <a:xfrm>
+            <a:off x="628650" y="365125"/>
+            <a:ext cx="7886700" cy="1325563"/>
+          </a:xfrm>
+          <a:prstGeom prst="rect">
+            <a:avLst/>
+          </a:prstGeom>
+        </p:spPr>
+        <p:txBody>
+          <a:bodyPr vert="horz" lIns="91440" tIns="45720" rIns="91440" bIns="45720" rtlCol="0" anchor="ctr">
+            <a:normAutofit/>
+          </a:bodyPr>
+          <a:lstStyle/>
+          <a:p>
+            <a:r>
+              <a:rPr lang="en-US" smtClean="0"/>
+              <a:t>Click to edit Master title style</a:t>
+            </a:r>
+            <a:endParaRPr lang="en-GB"/>
+          </a:p>
+        </p:txBody>
+      </p:sp>
+      <p:sp>
+        <p:nvSpPr>
+          <p:cNvPr id="3" name="Text Placeholder 2"/>
+          <p:cNvSpPr>
+            <a:spLocks noGrp="1"/>
+          </p:cNvSpPr>
+          <p:nvPr>
+            <p:ph type="body" idx="1"/>
+          </p:nvPr>
+        </p:nvSpPr>
+        <p:spPr>
+          <a:xfrm>
+            <a:off x="628650" y="1825625"/>
+            <a:ext cx="7886700" cy="4351338"/>
+          </a:xfrm>
+          <a:prstGeom prst="rect">
+            <a:avLst/>
+          </a:prstGeom>
+        </p:spPr>
+        <p:txBody>
+          <a:bodyPr vert="horz" lIns="91440" tIns="45720" rIns="91440" bIns="45720" rtlCol="0">
+            <a:normAutofit/>
+          </a:bodyPr>
+          <a:lstStyle/>
+          <a:p>
+            <a:pPr lvl="0"/>
+            <a:r>
+              <a:rPr lang="en-US" smtClean="0"/>
+              <a:t>Edit Master text styles</a:t>
+            </a:r>
+          </a:p>
+          <a:p>
+            <a:pPr lvl="1"/>
+            <a:r>
+              <a:rPr lang="en-US" smtClean="0"/>
+              <a:t>Second level</a:t>
+            </a:r>
+          </a:p>
+          <a:p>
+            <a:pPr lvl="2"/>
+            <a:r>
+              <a:rPr lang="en-US" smtClean="0"/>
+              <a:t>Third level</a:t>
+            </a:r>
+          </a:p>
+          <a:p>
+            <a:pPr lvl="3"/>
+            <a:r>
+              <a:rPr lang="en-US" smtClean="0"/>
+              <a:t>Fourth level</a:t>
+            </a:r>
+          </a:p>
+          <a:p>
+            <a:pPr lvl="4"/>
+            <a:r>
+              <a:rPr lang="en-US" smtClean="0"/>
+              <a:t>Fifth level</a:t>
+            </a:r>
+            <a:endParaRPr lang="en-GB"/>
+          </a:p>
+        </p:txBody>
+      </p:sp>
+      <p:sp>
+        <p:nvSpPr>
+          <p:cNvPr id="4" name="Date Placeholder 3"/>
+          <p:cNvSpPr>
+            <a:spLocks noGrp="1"/>
+          </p:cNvSpPr>
+          <p:nvPr>
+            <p:ph type="dt" sz="half" idx="2"/>
+          </p:nvPr>
+        </p:nvSpPr>
+        <p:spPr>
+          <a:xfrm>
+            <a:off x="628650" y="6356350"/>
+            <a:ext cx="2057400" cy="365125"/>
+          </a:xfrm>
+          <a:prstGeom prst="rect">
+            <a:avLst/>
+          </a:prstGeom>
+        </p:spPr>
+        <p:txBody>
+          <a:bodyPr vert="horz" lIns="91440" tIns="45720" rIns="91440" bIns="45720" rtlCol="0" anchor="ctr"/>
+          <a:lstStyle>
+            <a:lvl1pPr algn="l">
+              <a:defRPr sz="1200">
+                <a:solidFill>
+                  <a:schemeClr val="tx1">
+                    <a:tint val="75000"/>
+                  </a:schemeClr>
+                </a:solidFill>
+              </a:defRPr>
+            </a:lvl1pPr>
+          </a:lstStyle>
+          <a:p>
+            <a:fld id="{740E80E1-5322-41A5-BE1C-2FD07D6C3DE2}" type="datetimeFigureOut">
+              <a:rPr lang="en-GB" smtClean="0"/>
+              <a:t>11/11/2017</a:t>
+            </a:fld>
+            <a:endParaRPr lang="en-GB"/>
+          </a:p>
+        </p:txBody>
+      </p:sp>
+      <p:sp>
+        <p:nvSpPr>
+          <p:cNvPr id="5" name="Footer Placeholder 4"/>
+          <p:cNvSpPr>
+            <a:spLocks noGrp="1"/>
+          </p:cNvSpPr>
+          <p:nvPr>
+            <p:ph type="ftr" sz="quarter" idx="3"/>
+          </p:nvPr>
+        </p:nvSpPr>
+        <p:spPr>
+          <a:xfrm>
+            <a:off x="3028950" y="6356350"/>
+            <a:ext cx="3086100" cy="365125"/>
+          </a:xfrm>
+          <a:prstGeom prst="rect">
+            <a:avLst/>
+          </a:prstGeom>
+        </p:spPr>
+        <p:txBody>
+          <a:bodyPr vert="horz" lIns="91440" tIns="45720" rIns="91440" bIns="45720" rtlCol="0" anchor="ctr"/>
+          <a:lstStyle>
+            <a:lvl1pPr algn="ctr">
+              <a:defRPr sz="1200">
+                <a:solidFill>
+                  <a:schemeClr val="tx1">
+                    <a:tint val="75000"/>
+                  </a:schemeClr>
+                </a:solidFill>
+              </a:defRPr>
+            </a:lvl1pPr>
+          </a:lstStyle>
+          <a:p>
+            <a:endParaRPr lang="en-GB"/>
+          </a:p>
+        </p:txBody>
+      </p:sp>
+      <p:sp>
+        <p:nvSpPr>
+          <p:cNvPr id="6" name="Slide Number Placeholder 5"/>
+          <p:cNvSpPr>
+            <a:spLocks noGrp="1"/>
+          </p:cNvSpPr>
+          <p:nvPr>
+            <p:ph type="sldNum" sz="quarter" idx="4"/>
+          </p:nvPr>
+        </p:nvSpPr>
+        <p:spPr>
+          <a:xfrm>
+            <a:off x="6457950" y="6356350"/>
+            <a:ext cx="2057400" cy="365125"/>
+          </a:xfrm>
+          <a:prstGeom prst="rect">
+            <a:avLst/>
+          </a:prstGeom>
+        </p:spPr>
+        <p:txBody>
+          <a:bodyPr vert="horz" lIns="91440" tIns="45720" rIns="91440" bIns="45720" rtlCol="0" anchor="ctr"/>
+          <a:lstStyle>
+            <a:lvl1pPr algn="r">
+              <a:defRPr sz="1200">
+                <a:solidFill>
+                  <a:schemeClr val="tx1">
+                    <a:tint val="75000"/>
+                  </a:schemeClr>
+                </a:solidFill>
+              </a:defRPr>
+            </a:lvl1pPr>
+          </a:lstStyle>
+          <a:p>
+            <a:fld id="{4E09BF8B-825D-4AA9-BD1C-63FAB9889AFD}" type="slidenum">
+              <a:rPr lang="en-GB" smtClean="0"/>
+              <a:t>‹#›</a:t>
+            </a:fld>
+            <a:endParaRPr lang="en-GB"/>
+          </a:p>
+        </p:txBody>
+      </p:sp>
+    </p:spTree>
+    <p:extLst>
+      <p:ext uri="{BB962C8B-B14F-4D97-AF65-F5344CB8AC3E}">
+        <p14:creationId xmlns:p14="http://schemas.microsoft.com/office/powerpoint/2010/main" val="217619193"/>
+      </p:ext>
+    </p:extLst>
+  </p:cSld>
+  <p:clrMap bg1="lt1" tx1="dk1" bg2="lt2" tx2="dk2" accent1="accent1" accent2="accent2" accent3="accent3" accent4="accent4" accent5="accent5" accent6="accent6" hlink="hlink" folHlink="folHlink"/>
+  <p:sldLayoutIdLst>
+    <p:sldLayoutId id="2147483797" r:id="rId1"/>
+    <p:sldLayoutId id="2147483798" r:id="rId2"/>
+    <p:sldLayoutId id="2147483799" r:id="rId3"/>
+    <p:sldLayoutId id="2147483800" r:id="rId4"/>
+    <p:sldLayoutId id="2147483801" r:id="rId5"/>
+    <p:sldLayoutId id="2147483802" r:id="rId6"/>
+    <p:sldLayoutId id="2147483803" r:id="rId7"/>
+    <p:sldLayoutId id="2147483804" r:id="rId8"/>
+    <p:sldLayoutId id="2147483805" r:id="rId9"/>
+    <p:sldLayoutId id="2147483806" r:id="rId10"/>
+    <p:sldLayoutId id="2147483807" r:id="rId11"/>
+  </p:sldLayoutIdLst>
+  <p:txStyles>
+    <p:titleStyle>
+      <a:lvl1pPr algn="l" defTabSz="914400" rtl="0" eaLnBrk="1" latinLnBrk="0" hangingPunct="1">
+        <a:lnSpc>
+          <a:spcPct val="90000"/>
+        </a:lnSpc>
+        <a:spcBef>
+          <a:spcPct val="0"/>
+        </a:spcBef>
+        <a:buNone/>
+        <a:defRPr sz="4400" kern="1200">
+          <a:solidFill>
+            <a:schemeClr val="tx1"/>
+          </a:solidFill>
+          <a:latin typeface="+mj-lt"/>
+          <a:ea typeface="+mj-ea"/>
+          <a:cs typeface="+mj-cs"/>
+        </a:defRPr>
+      </a:lvl1pPr>
+    </p:titleStyle>
+    <p:bodyStyle>
+      <a:lvl1pPr marL="228600" indent="-228600" algn="l" defTabSz="914400" rtl="0" eaLnBrk="1" latinLnBrk="0" hangingPunct="1">
+        <a:lnSpc>
+          <a:spcPct val="90000"/>
+        </a:lnSpc>
+        <a:spcBef>
+          <a:spcPts val="1000"/>
+        </a:spcBef>
+        <a:buFont typeface="Arial" panose="020B0604020202020204" pitchFamily="34" charset="0"/>
+        <a:buChar char="•"/>
+        <a:defRPr sz="2800" kern="1200">
+          <a:solidFill>
+            <a:schemeClr val="tx1"/>
+          </a:solidFill>
+          <a:latin typeface="+mn-lt"/>
+          <a:ea typeface="+mn-ea"/>
+          <a:cs typeface="+mn-cs"/>
+        </a:defRPr>
+      </a:lvl1pPr>
+      <a:lvl2pPr marL="685800" indent="-228600" algn="l" defTabSz="914400" rtl="0" eaLnBrk="1" latinLnBrk="0" hangingPunct="1">
+        <a:lnSpc>
+          <a:spcPct val="90000"/>
+        </a:lnSpc>
+        <a:spcBef>
+          <a:spcPts val="500"/>
+        </a:spcBef>
+        <a:buFont typeface="Arial" panose="020B0604020202020204" pitchFamily="34" charset="0"/>
+        <a:buChar char="•"/>
+        <a:defRPr sz="2400" kern="1200">
+          <a:solidFill>
+            <a:schemeClr val="tx1"/>
+          </a:solidFill>
+          <a:latin typeface="+mn-lt"/>
+          <a:ea typeface="+mn-ea"/>
+          <a:cs typeface="+mn-cs"/>
+        </a:defRPr>
+      </a:lvl2pPr>
+      <a:lvl3pPr marL="1143000" indent="-228600" algn="l" defTabSz="914400" rtl="0" eaLnBrk="1" latinLnBrk="0" hangingPunct="1">
+        <a:lnSpc>
+          <a:spcPct val="90000"/>
+        </a:lnSpc>
+        <a:spcBef>
+          <a:spcPts val="500"/>
+        </a:spcBef>
+        <a:buFont typeface="Arial" panose="020B0604020202020204" pitchFamily="34" charset="0"/>
+        <a:buChar char="•"/>
+        <a:defRPr sz="2000" kern="1200">
+          <a:solidFill>
+            <a:schemeClr val="tx1"/>
+          </a:solidFill>
+          <a:latin typeface="+mn-lt"/>
+          <a:ea typeface="+mn-ea"/>
+          <a:cs typeface="+mn-cs"/>
+        </a:defRPr>
+      </a:lvl3pPr>
+      <a:lvl4pPr marL="1600200" indent="-228600" algn="l" defTabSz="914400" rtl="0" eaLnBrk="1" latinLnBrk="0" hangingPunct="1">
+        <a:lnSpc>
+          <a:spcPct val="90000"/>
+        </a:lnSpc>
+        <a:spcBef>
+          <a:spcPts val="500"/>
+        </a:spcBef>
+        <a:buFont typeface="Arial" panose="020B0604020202020204" pitchFamily="34" charset="0"/>
+        <a:buChar char="•"/>
+        <a:defRPr sz="1800" kern="1200">
+          <a:solidFill>
+            <a:schemeClr val="tx1"/>
+          </a:solidFill>
+          <a:latin typeface="+mn-lt"/>
+          <a:ea typeface="+mn-ea"/>
+          <a:cs typeface="+mn-cs"/>
+        </a:defRPr>
+      </a:lvl4pPr>
+      <a:lvl5pPr marL="2057400" indent="-228600" algn="l" defTabSz="914400" rtl="0" eaLnBrk="1" latinLnBrk="0" hangingPunct="1">
+        <a:lnSpc>
+          <a:spcPct val="90000"/>
+        </a:lnSpc>
+        <a:spcBef>
+          <a:spcPts val="500"/>
+        </a:spcBef>
+        <a:buFont typeface="Arial" panose="020B0604020202020204" pitchFamily="34" charset="0"/>
+        <a:buChar char="•"/>
+        <a:defRPr sz="1800" kern="1200">
+          <a:solidFill>
+            <a:schemeClr val="tx1"/>
+          </a:solidFill>
+          <a:latin typeface="+mn-lt"/>
+          <a:ea typeface="+mn-ea"/>
+          <a:cs typeface="+mn-cs"/>
+        </a:defRPr>
+      </a:lvl5pPr>
+      <a:lvl6pPr marL="2514600" indent="-228600" algn="l" defTabSz="914400" rtl="0" eaLnBrk="1" latinLnBrk="0" hangingPunct="1">
+        <a:lnSpc>
+          <a:spcPct val="90000"/>
+        </a:lnSpc>
+        <a:spcBef>
+          <a:spcPts val="500"/>
+        </a:spcBef>
+        <a:buFont typeface="Arial" panose="020B0604020202020204" pitchFamily="34" charset="0"/>
+        <a:buChar char="•"/>
+        <a:defRPr sz="1800" kern="1200">
+          <a:solidFill>
+            <a:schemeClr val="tx1"/>
+          </a:solidFill>
+          <a:latin typeface="+mn-lt"/>
+          <a:ea typeface="+mn-ea"/>
+          <a:cs typeface="+mn-cs"/>
+        </a:defRPr>
+      </a:lvl6pPr>
+      <a:lvl7pPr marL="2971800" indent="-228600" algn="l" defTabSz="914400" rtl="0" eaLnBrk="1" latinLnBrk="0" hangingPunct="1">
+        <a:lnSpc>
+          <a:spcPct val="90000"/>
+        </a:lnSpc>
+        <a:spcBef>
+          <a:spcPts val="500"/>
+        </a:spcBef>
+        <a:buFont typeface="Arial" panose="020B0604020202020204" pitchFamily="34" charset="0"/>
+        <a:buChar char="•"/>
+        <a:defRPr sz="1800" kern="1200">
+          <a:solidFill>
+            <a:schemeClr val="tx1"/>
+          </a:solidFill>
+          <a:latin typeface="+mn-lt"/>
+          <a:ea typeface="+mn-ea"/>
+          <a:cs typeface="+mn-cs"/>
+        </a:defRPr>
+      </a:lvl7pPr>
+      <a:lvl8pPr marL="3429000" indent="-228600" algn="l" defTabSz="914400" rtl="0" eaLnBrk="1" latinLnBrk="0" hangingPunct="1">
+        <a:lnSpc>
+          <a:spcPct val="90000"/>
+        </a:lnSpc>
+        <a:spcBef>
+          <a:spcPts val="500"/>
+        </a:spcBef>
+        <a:buFont typeface="Arial" panose="020B0604020202020204" pitchFamily="34" charset="0"/>
+        <a:buChar char="•"/>
+        <a:defRPr sz="1800" kern="1200">
+          <a:solidFill>
+            <a:schemeClr val="tx1"/>
+          </a:solidFill>
+          <a:latin typeface="+mn-lt"/>
+          <a:ea typeface="+mn-ea"/>
+          <a:cs typeface="+mn-cs"/>
+        </a:defRPr>
+      </a:lvl8pPr>
+      <a:lvl9pPr marL="3886200" indent="-228600" algn="l" defTabSz="914400" rtl="0" eaLnBrk="1" latinLnBrk="0" hangingPunct="1">
+        <a:lnSpc>
+          <a:spcPct val="90000"/>
+        </a:lnSpc>
+        <a:spcBef>
+          <a:spcPts val="500"/>
+        </a:spcBef>
+        <a:buFont typeface="Arial" panose="020B0604020202020204" pitchFamily="34" charset="0"/>
+        <a:buChar char="•"/>
+        <a:defRPr sz="1800" kern="1200">
+          <a:solidFill>
+            <a:schemeClr val="tx1"/>
+          </a:solidFill>
+          <a:latin typeface="+mn-lt"/>
+          <a:ea typeface="+mn-ea"/>
+          <a:cs typeface="+mn-cs"/>
+        </a:defRPr>
+      </a:lvl9pPr>
+    </p:bodyStyle>
+    <p:otherStyle>
+      <a:defPPr>
+        <a:defRPr lang="en-US"/>
+      </a:defPPr>
+      <a:lvl1pPr marL="0" algn="l" defTabSz="914400" rtl="0" eaLnBrk="1" latinLnBrk="0" hangingPunct="1">
+        <a:defRPr sz="1800" kern="1200">
+          <a:solidFill>
+            <a:schemeClr val="tx1"/>
+          </a:solidFill>
+          <a:latin typeface="+mn-lt"/>
+          <a:ea typeface="+mn-ea"/>
+          <a:cs typeface="+mn-cs"/>
+        </a:defRPr>
+      </a:lvl1pPr>
+      <a:lvl2pPr marL="457200" algn="l" defTabSz="914400" rtl="0" eaLnBrk="1" latinLnBrk="0" hangingPunct="1">
+        <a:defRPr sz="1800" kern="1200">
+          <a:solidFill>
+            <a:schemeClr val="tx1"/>
+          </a:solidFill>
+          <a:latin typeface="+mn-lt"/>
+          <a:ea typeface="+mn-ea"/>
+          <a:cs typeface="+mn-cs"/>
+        </a:defRPr>
+      </a:lvl2pPr>
+      <a:lvl3pPr marL="914400" algn="l" defTabSz="914400" rtl="0" eaLnBrk="1" latinLnBrk="0" hangingPunct="1">
+        <a:defRPr sz="1800" kern="1200">
+          <a:solidFill>
+            <a:schemeClr val="tx1"/>
+          </a:solidFill>
+          <a:latin typeface="+mn-lt"/>
+          <a:ea typeface="+mn-ea"/>
+          <a:cs typeface="+mn-cs"/>
+        </a:defRPr>
+      </a:lvl3pPr>
+      <a:lvl4pPr marL="1371600" algn="l" defTabSz="914400" rtl="0" eaLnBrk="1" latinLnBrk="0" hangingPunct="1">
+        <a:defRPr sz="1800" kern="1200">
+          <a:solidFill>
+            <a:schemeClr val="tx1"/>
+          </a:solidFill>
+          <a:latin typeface="+mn-lt"/>
+          <a:ea typeface="+mn-ea"/>
+          <a:cs typeface="+mn-cs"/>
+        </a:defRPr>
+      </a:lvl4pPr>
+      <a:lvl5pPr marL="1828800" algn="l" defTabSz="914400" rtl="0" eaLnBrk="1" latinLnBrk="0" hangingPunct="1">
+        <a:defRPr sz="1800" kern="1200">
+          <a:solidFill>
+            <a:schemeClr val="tx1"/>
+          </a:solidFill>
+          <a:latin typeface="+mn-lt"/>
+          <a:ea typeface="+mn-ea"/>
+          <a:cs typeface="+mn-cs"/>
+        </a:defRPr>
+      </a:lvl5pPr>
+      <a:lvl6pPr marL="2286000" algn="l" defTabSz="914400" rtl="0" eaLnBrk="1" latinLnBrk="0" hangingPunct="1">
+        <a:defRPr sz="1800" kern="1200">
+          <a:solidFill>
+            <a:schemeClr val="tx1"/>
+          </a:solidFill>
+          <a:latin typeface="+mn-lt"/>
+          <a:ea typeface="+mn-ea"/>
+          <a:cs typeface="+mn-cs"/>
+        </a:defRPr>
+      </a:lvl6pPr>
+      <a:lvl7pPr marL="2743200" algn="l" defTabSz="914400" rtl="0" eaLnBrk="1" latinLnBrk="0" hangingPunct="1">
+        <a:defRPr sz="1800" kern="1200">
+          <a:solidFill>
+            <a:schemeClr val="tx1"/>
+          </a:solidFill>
+          <a:latin typeface="+mn-lt"/>
+          <a:ea typeface="+mn-ea"/>
+          <a:cs typeface="+mn-cs"/>
+        </a:defRPr>
+      </a:lvl7pPr>
+      <a:lvl8pPr marL="3200400" algn="l" defTabSz="914400" rtl="0" eaLnBrk="1" latinLnBrk="0" hangingPunct="1">
+        <a:defRPr sz="1800" kern="1200">
+          <a:solidFill>
+            <a:schemeClr val="tx1"/>
+          </a:solidFill>
+          <a:latin typeface="+mn-lt"/>
+          <a:ea typeface="+mn-ea"/>
+          <a:cs typeface="+mn-cs"/>
+        </a:defRPr>
+      </a:lvl8pPr>
+      <a:lvl9pPr marL="3657600" algn="l" defTabSz="914400" rtl="0" eaLnBrk="1" latinLnBrk="0" hangingPunct="1">
+        <a:defRPr sz="1800" kern="1200">
+          <a:solidFill>
+            <a:schemeClr val="tx1"/>
+          </a:solidFill>
+          <a:latin typeface="+mn-lt"/>
+          <a:ea typeface="+mn-ea"/>
+          <a:cs typeface="+mn-cs"/>
+        </a:defRPr>
+      </a:lvl9pPr>
+    </p:otherStyle>
+  </p:txStyles>
+</p:sldMaster>
+</file>
+
 <file path=ppt/slides/slide1.xml><?xml version="1.0" encoding="utf-8"?>
 <p:sld xmlns:a="http://schemas.openxmlformats.org/drawingml/2006/main" xmlns:r="http://schemas.openxmlformats.org/officeDocument/2006/relationships" xmlns:p="http://schemas.openxmlformats.org/presentationml/2006/main">
   <p:cSld>
@@ -11778,7 +14597,12 @@
             <p:ph type="ctrTitle"/>
           </p:nvPr>
         </p:nvSpPr>
-        <p:spPr/>
+        <p:spPr>
+          <a:xfrm>
+            <a:off x="683568" y="1556792"/>
+            <a:ext cx="7772400" cy="1470025"/>
+          </a:xfrm>
+        </p:spPr>
         <p:txBody>
           <a:bodyPr/>
           <a:lstStyle/>
@@ -11793,162 +14617,333 @@
           </a:p>
         </p:txBody>
       </p:sp>
-      <p:pic>
-        <p:nvPicPr>
-          <p:cNvPr id="5125" name="Picture 8" descr="NCAS national_centre_logo_transparent"/>
-          <p:cNvPicPr>
-            <a:picLocks noChangeAspect="1" noChangeArrowheads="1"/>
-          </p:cNvPicPr>
-          <p:nvPr/>
-        </p:nvPicPr>
-        <p:blipFill>
-          <a:blip r:embed="rId3">
-            <a:extLst>
-              <a:ext uri="{28A0092B-C50C-407E-A947-70E740481C1C}">
-                <a14:useLocalDpi xmlns:a14="http://schemas.microsoft.com/office/drawing/2010/main" val="0"/>
-              </a:ext>
-            </a:extLst>
-          </a:blip>
-          <a:srcRect/>
-          <a:stretch>
-            <a:fillRect/>
-          </a:stretch>
-        </p:blipFill>
-        <p:spPr bwMode="auto">
-          <a:xfrm>
-            <a:off x="323850" y="260350"/>
-            <a:ext cx="3900488" cy="936625"/>
-          </a:xfrm>
-          <a:prstGeom prst="rect">
-            <a:avLst/>
-          </a:prstGeom>
-          <a:noFill/>
-          <a:ln>
-            <a:noFill/>
-          </a:ln>
-          <a:extLst>
-            <a:ext uri="{909E8E84-426E-40DD-AFC4-6F175D3DCCD1}">
-              <a14:hiddenFill xmlns:a14="http://schemas.microsoft.com/office/drawing/2010/main">
-                <a:solidFill>
-                  <a:srgbClr val="FFFFFF"/>
-                </a:solidFill>
-              </a14:hiddenFill>
-            </a:ext>
-            <a:ext uri="{91240B29-F687-4F45-9708-019B960494DF}">
-              <a14:hiddenLine xmlns:a14="http://schemas.microsoft.com/office/drawing/2010/main" w="9525">
-                <a:solidFill>
-                  <a:srgbClr val="000000"/>
-                </a:solidFill>
-                <a:miter lim="800000"/>
-                <a:headEnd/>
-                <a:tailEnd/>
-              </a14:hiddenLine>
-            </a:ext>
-          </a:extLst>
-        </p:spPr>
-      </p:pic>
-      <p:sp>
-        <p:nvSpPr>
-          <p:cNvPr id="2" name="TextBox 1"/>
-          <p:cNvSpPr txBox="1"/>
-          <p:nvPr/>
+      <p:sp>
+        <p:nvSpPr>
+          <p:cNvPr id="7" name="Subtitle 1"/>
+          <p:cNvSpPr txBox="1">
+            <a:spLocks noGrp="1"/>
+          </p:cNvSpPr>
+          <p:nvPr>
+            <p:ph type="subTitle" idx="1"/>
+          </p:nvPr>
         </p:nvSpPr>
         <p:spPr>
           <a:xfrm>
-            <a:off x="323851" y="4149079"/>
-            <a:ext cx="8640762" cy="1446550"/>
+            <a:off x="107504" y="3294245"/>
+            <a:ext cx="8928992" cy="2520280"/>
           </a:xfrm>
-          <a:prstGeom prst="rect">
-            <a:avLst/>
-          </a:prstGeom>
-          <a:noFill/>
         </p:spPr>
         <p:txBody>
-          <a:bodyPr wrap="square" rtlCol="0">
-            <a:spAutoFit/>
+          <a:bodyPr tIns="0" anchor="ctr">
+            <a:normAutofit fontScale="92500" lnSpcReduction="20000"/>
           </a:bodyPr>
-          <a:lstStyle/>
-          <a:p>
-            <a:pPr algn="ctr"/>
-            <a:r>
-              <a:rPr lang="en-GB" sz="2000" dirty="0">
+          <a:lstStyle>
+            <a:defPPr lvl="0">
+              <a:buNone/>
+            </a:defPPr>
+            <a:lvl1pPr lvl="0">
+              <a:buNone/>
+            </a:lvl1pPr>
+            <a:lvl2pPr lvl="1">
+              <a:buClr>
+                <a:srgbClr val="000000"/>
+              </a:buClr>
+              <a:buSzPct val="100000"/>
+              <a:buFont typeface="Times New Roman" pitchFamily="18"/>
+              <a:buChar char="–"/>
+            </a:lvl2pPr>
+            <a:lvl3pPr lvl="2">
+              <a:buClr>
+                <a:srgbClr val="000000"/>
+              </a:buClr>
+              <a:buSzPct val="100000"/>
+              <a:buFont typeface="Times New Roman" pitchFamily="18"/>
+              <a:buChar char="•"/>
+            </a:lvl3pPr>
+            <a:lvl4pPr lvl="3">
+              <a:buClr>
+                <a:srgbClr val="000000"/>
+              </a:buClr>
+              <a:buSzPct val="100000"/>
+              <a:buFont typeface="Times New Roman" pitchFamily="18"/>
+              <a:buChar char="–"/>
+            </a:lvl4pPr>
+            <a:lvl5pPr lvl="4">
+              <a:buClr>
+                <a:srgbClr val="000000"/>
+              </a:buClr>
+              <a:buSzPct val="100000"/>
+              <a:buFont typeface="Times New Roman" pitchFamily="18"/>
+              <a:buChar char="»"/>
+            </a:lvl5pPr>
+            <a:lvl6pPr lvl="5">
+              <a:buClr>
+                <a:srgbClr val="000000"/>
+              </a:buClr>
+              <a:buSzPct val="100000"/>
+              <a:buFont typeface="Times New Roman" pitchFamily="18"/>
+              <a:buChar char="»"/>
+            </a:lvl6pPr>
+            <a:lvl7pPr lvl="6">
+              <a:buClr>
+                <a:srgbClr val="000000"/>
+              </a:buClr>
+              <a:buSzPct val="100000"/>
+              <a:buFont typeface="Times New Roman" pitchFamily="18"/>
+              <a:buChar char="»"/>
+            </a:lvl7pPr>
+            <a:lvl8pPr lvl="7">
+              <a:buClr>
+                <a:srgbClr val="000000"/>
+              </a:buClr>
+              <a:buSzPct val="100000"/>
+              <a:buFont typeface="Times New Roman" pitchFamily="18"/>
+              <a:buChar char="»"/>
+            </a:lvl8pPr>
+            <a:lvl9pPr lvl="8">
+              <a:buClr>
+                <a:srgbClr val="000000"/>
+              </a:buClr>
+              <a:buSzPct val="100000"/>
+              <a:buFont typeface="Times New Roman" pitchFamily="18"/>
+              <a:buChar char="»"/>
+            </a:lvl9pPr>
+          </a:lstStyle>
+          <a:p>
+            <a:r>
+              <a:rPr lang="en-GB" sz="2800" b="1" dirty="0" smtClean="0">
                 <a:solidFill>
                   <a:srgbClr val="0066FF"/>
                 </a:solidFill>
               </a:rPr>
-              <a:t>Thanks to all contributors</a:t>
-            </a:r>
-            <a:r>
-              <a:rPr lang="en-GB" sz="2000" dirty="0" smtClean="0">
+              <a:t>Thanks </a:t>
+            </a:r>
+            <a:r>
+              <a:rPr lang="en-GB" sz="2800" b="1" dirty="0">
                 <a:solidFill>
                   <a:srgbClr val="0066FF"/>
                 </a:solidFill>
               </a:rPr>
+              <a:t>to all contributors</a:t>
+            </a:r>
+            <a:r>
+              <a:rPr lang="en-GB" sz="2800" b="1" dirty="0" smtClean="0">
+                <a:solidFill>
+                  <a:srgbClr val="0066FF"/>
+                </a:solidFill>
+              </a:rPr>
               <a:t>:</a:t>
             </a:r>
-          </a:p>
-          <a:p>
-            <a:pPr algn="ctr"/>
-            <a:endParaRPr lang="en-GB" sz="2000" dirty="0">
+            <a:endParaRPr lang="en-GB" sz="2800" b="1" dirty="0">
               <a:solidFill>
                 <a:srgbClr val="0066FF"/>
               </a:solidFill>
             </a:endParaRPr>
           </a:p>
           <a:p>
-            <a:pPr algn="ctr"/>
-            <a:r>
-              <a:rPr lang="en-GB" sz="2400" dirty="0"/>
-              <a:t>Alison Pamment, Sam Pepler, Ag Stephens, Stephen Pascoe,</a:t>
-            </a:r>
-          </a:p>
-          <a:p>
-            <a:pPr algn="ctr"/>
-            <a:r>
-              <a:rPr lang="en-GB" sz="2400" dirty="0"/>
-              <a:t>Anabelle Guillory, </a:t>
-            </a:r>
-            <a:r>
-              <a:rPr lang="en-GB" sz="2400" dirty="0" smtClean="0"/>
-              <a:t>Esther Conway, Alan </a:t>
-            </a:r>
-            <a:r>
-              <a:rPr lang="en-GB" sz="2400" dirty="0"/>
-              <a:t>Iwi and Matt Pritchard.</a:t>
-            </a:r>
+            <a:r>
+              <a:rPr lang="en-GB" sz="2800" b="1" dirty="0"/>
+              <a:t>Alison Pamment, Sam </a:t>
+            </a:r>
+            <a:r>
+              <a:rPr lang="en-GB" sz="2800" b="1" dirty="0" err="1"/>
+              <a:t>Pepler</a:t>
+            </a:r>
+            <a:r>
+              <a:rPr lang="en-GB" sz="2800" b="1" dirty="0"/>
+              <a:t>, Ag Stephens, Stephen Pascoe,</a:t>
+            </a:r>
+          </a:p>
+          <a:p>
+            <a:r>
+              <a:rPr lang="en-GB" sz="2800" b="1" dirty="0"/>
+              <a:t>Anabelle Guillory, Esther Conway, Alan </a:t>
+            </a:r>
+            <a:r>
+              <a:rPr lang="en-GB" sz="2800" b="1" dirty="0" smtClean="0"/>
+              <a:t>Iwi, Matt Pritchard,</a:t>
+            </a:r>
+          </a:p>
+          <a:p>
+            <a:r>
+              <a:rPr lang="en-GB" sz="2800" b="1" dirty="0" smtClean="0"/>
+              <a:t>Sarah Callaghan, David Hooper, Charlotte Pascoe</a:t>
+            </a:r>
+            <a:endParaRPr lang="en-GB" sz="2800" b="1" dirty="0"/>
+          </a:p>
+          <a:p>
+            <a:pPr lvl="0" algn="ctr">
+              <a:spcBef>
+                <a:spcPts val="499"/>
+              </a:spcBef>
+              <a:tabLst>
+                <a:tab pos="0" algn="l"/>
+                <a:tab pos="448919" algn="l"/>
+                <a:tab pos="898199" algn="l"/>
+                <a:tab pos="1347480" algn="l"/>
+                <a:tab pos="1796760" algn="l"/>
+                <a:tab pos="2246040" algn="l"/>
+                <a:tab pos="2695320" algn="l"/>
+                <a:tab pos="3144600" algn="l"/>
+                <a:tab pos="3593880" algn="l"/>
+                <a:tab pos="4043159" algn="l"/>
+                <a:tab pos="4492440" algn="l"/>
+                <a:tab pos="4941719" algn="l"/>
+                <a:tab pos="5391000" algn="l"/>
+                <a:tab pos="5840280" algn="l"/>
+                <a:tab pos="6289560" algn="l"/>
+                <a:tab pos="6738840" algn="l"/>
+                <a:tab pos="7188120" algn="l"/>
+                <a:tab pos="7637400" algn="l"/>
+                <a:tab pos="8086679" algn="l"/>
+                <a:tab pos="8535960" algn="l"/>
+                <a:tab pos="8985240" algn="l"/>
+              </a:tabLst>
+            </a:pPr>
+            <a:endParaRPr lang="en-GB" sz="1200" b="1" dirty="0">
+              <a:solidFill>
+                <a:srgbClr val="000000"/>
+              </a:solidFill>
+              <a:latin typeface="+mj-lt"/>
+            </a:endParaRPr>
+          </a:p>
+          <a:p>
+            <a:pPr lvl="0" algn="ctr">
+              <a:spcBef>
+                <a:spcPts val="499"/>
+              </a:spcBef>
+              <a:tabLst>
+                <a:tab pos="0" algn="l"/>
+                <a:tab pos="448919" algn="l"/>
+                <a:tab pos="898199" algn="l"/>
+                <a:tab pos="1347480" algn="l"/>
+                <a:tab pos="1796760" algn="l"/>
+                <a:tab pos="2246040" algn="l"/>
+                <a:tab pos="2695320" algn="l"/>
+                <a:tab pos="3144600" algn="l"/>
+                <a:tab pos="3593880" algn="l"/>
+                <a:tab pos="4043159" algn="l"/>
+                <a:tab pos="4492440" algn="l"/>
+                <a:tab pos="4941719" algn="l"/>
+                <a:tab pos="5391000" algn="l"/>
+                <a:tab pos="5840280" algn="l"/>
+                <a:tab pos="6289560" algn="l"/>
+                <a:tab pos="6738840" algn="l"/>
+                <a:tab pos="7188120" algn="l"/>
+                <a:tab pos="7637400" algn="l"/>
+                <a:tab pos="8086679" algn="l"/>
+                <a:tab pos="8535960" algn="l"/>
+                <a:tab pos="8985240" algn="l"/>
+              </a:tabLst>
+            </a:pPr>
+            <a:r>
+              <a:rPr lang="en-GB" sz="2600" b="1" dirty="0">
+                <a:solidFill>
+                  <a:srgbClr val="000000"/>
+                </a:solidFill>
+                <a:latin typeface="+mj-lt"/>
+              </a:rPr>
+              <a:t>On behalf of the </a:t>
+            </a:r>
+            <a:r>
+              <a:rPr lang="en-GB" sz="2600" b="1" dirty="0" smtClean="0">
+                <a:solidFill>
+                  <a:srgbClr val="000000"/>
+                </a:solidFill>
+                <a:latin typeface="+mj-lt"/>
+              </a:rPr>
+              <a:t>course team</a:t>
+            </a:r>
+            <a:endParaRPr lang="en-GB" sz="2600" b="1" dirty="0">
+              <a:solidFill>
+                <a:srgbClr val="000000"/>
+              </a:solidFill>
+              <a:latin typeface="+mj-lt"/>
+            </a:endParaRPr>
+          </a:p>
+          <a:p>
+            <a:pPr lvl="0" algn="ctr">
+              <a:spcBef>
+                <a:spcPts val="499"/>
+              </a:spcBef>
+              <a:tabLst>
+                <a:tab pos="0" algn="l"/>
+                <a:tab pos="448919" algn="l"/>
+                <a:tab pos="898199" algn="l"/>
+                <a:tab pos="1347480" algn="l"/>
+                <a:tab pos="1796760" algn="l"/>
+                <a:tab pos="2246040" algn="l"/>
+                <a:tab pos="2695320" algn="l"/>
+                <a:tab pos="3144600" algn="l"/>
+                <a:tab pos="3593880" algn="l"/>
+                <a:tab pos="4043159" algn="l"/>
+                <a:tab pos="4492440" algn="l"/>
+                <a:tab pos="4941719" algn="l"/>
+                <a:tab pos="5391000" algn="l"/>
+                <a:tab pos="5840280" algn="l"/>
+                <a:tab pos="6289560" algn="l"/>
+                <a:tab pos="6738840" algn="l"/>
+                <a:tab pos="7188120" algn="l"/>
+                <a:tab pos="7637400" algn="l"/>
+                <a:tab pos="8086679" algn="l"/>
+                <a:tab pos="8535960" algn="l"/>
+                <a:tab pos="8985240" algn="l"/>
+              </a:tabLst>
+            </a:pPr>
+            <a:r>
+              <a:rPr lang="en-GB" sz="2600" b="1" dirty="0" smtClean="0">
+                <a:solidFill>
+                  <a:srgbClr val="000000"/>
+                </a:solidFill>
+                <a:latin typeface="+mj-lt"/>
+              </a:rPr>
+              <a:t>(STFC/NERC:CEDA</a:t>
+            </a:r>
+            <a:r>
+              <a:rPr lang="en-GB" sz="2600" b="1" dirty="0">
+                <a:solidFill>
+                  <a:srgbClr val="000000"/>
+                </a:solidFill>
+                <a:latin typeface="+mj-lt"/>
+              </a:rPr>
+              <a:t>, </a:t>
+            </a:r>
+            <a:r>
+              <a:rPr lang="en-GB" sz="2600" b="1" dirty="0" smtClean="0">
+                <a:solidFill>
+                  <a:srgbClr val="000000"/>
+                </a:solidFill>
+                <a:latin typeface="+mj-lt"/>
+              </a:rPr>
+              <a:t>NERC:NCAS</a:t>
+            </a:r>
+            <a:r>
+              <a:rPr lang="en-GB" sz="2600" b="1" dirty="0">
+                <a:solidFill>
+                  <a:srgbClr val="000000"/>
+                </a:solidFill>
+                <a:latin typeface="+mj-lt"/>
+              </a:rPr>
+              <a:t> </a:t>
+            </a:r>
+            <a:r>
+              <a:rPr lang="en-GB" sz="2600" b="1" dirty="0" smtClean="0">
+                <a:solidFill>
+                  <a:srgbClr val="000000"/>
+                </a:solidFill>
+                <a:latin typeface="+mj-lt"/>
+              </a:rPr>
+              <a:t>CMS, NERC:NCAS Leeds)</a:t>
+            </a:r>
+            <a:endParaRPr lang="en-GB" sz="2600" b="1" dirty="0">
+              <a:solidFill>
+                <a:srgbClr val="000000"/>
+              </a:solidFill>
+              <a:latin typeface="+mj-lt"/>
+            </a:endParaRPr>
           </a:p>
         </p:txBody>
       </p:sp>
-      <p:pic>
-        <p:nvPicPr>
-          <p:cNvPr id="6" name="Picture 5"/>
-          <p:cNvPicPr>
-            <a:picLocks noChangeAspect="1"/>
-          </p:cNvPicPr>
-          <p:nvPr/>
-        </p:nvPicPr>
-        <p:blipFill>
-          <a:blip r:embed="rId4" cstate="print">
-            <a:extLst>
-              <a:ext uri="{28A0092B-C50C-407E-A947-70E740481C1C}">
-                <a14:useLocalDpi xmlns:a14="http://schemas.microsoft.com/office/drawing/2010/main" val="0"/>
-              </a:ext>
-            </a:extLst>
-          </a:blip>
-          <a:stretch>
-            <a:fillRect/>
-          </a:stretch>
-        </p:blipFill>
-        <p:spPr>
-          <a:xfrm>
-            <a:off x="5220072" y="260351"/>
-            <a:ext cx="3596764" cy="960500"/>
-          </a:xfrm>
-          <a:prstGeom prst="rect">
-            <a:avLst/>
-          </a:prstGeom>
-        </p:spPr>
-      </p:pic>
     </p:spTree>
   </p:cSld>
   <p:clrMapOvr>
@@ -12081,11 +15076,12 @@
           <a:bodyPr/>
           <a:lstStyle/>
           <a:p>
-            <a:r>
-              <a:rPr lang="en-GB" sz="3600" b="1" dirty="0" smtClean="0"/>
+            <a:pPr algn="r"/>
+            <a:r>
+              <a:rPr lang="en-GB" sz="3200" b="1" dirty="0" smtClean="0"/>
               <a:t>Simple parallelism by hand (3)</a:t>
             </a:r>
-            <a:endParaRPr lang="en-GB" sz="3600" b="1" dirty="0"/>
+            <a:endParaRPr lang="en-GB" sz="3200" b="1" dirty="0"/>
           </a:p>
         </p:txBody>
       </p:sp>
@@ -12101,7 +15097,7 @@
         </p:nvSpPr>
         <p:spPr>
           <a:xfrm>
-            <a:off x="323528" y="1086272"/>
+            <a:off x="387152" y="1022090"/>
             <a:ext cx="7797552" cy="4838600"/>
           </a:xfrm>
         </p:spPr>
@@ -12224,7 +15220,11 @@
             </a:pPr>
             <a:r>
               <a:rPr lang="en-GB" sz="1800" dirty="0" smtClean="0"/>
-              <a:t>[6] 3329</a:t>
+              <a:t>[6] </a:t>
+            </a:r>
+            <a:r>
+              <a:rPr lang="en-GB" sz="1800" dirty="0" smtClean="0"/>
+              <a:t>3329</a:t>
             </a:r>
             <a:endParaRPr lang="en-GB" sz="1800" dirty="0"/>
           </a:p>
@@ -12304,7 +15304,11 @@
             </a:r>
             <a:r>
               <a:rPr lang="en-GB" sz="1800" dirty="0" smtClean="0"/>
-              <a:t>    3325   2669   </a:t>
+              <a:t>    </a:t>
+            </a:r>
+            <a:r>
+              <a:rPr lang="en-GB" sz="1800" dirty="0" smtClean="0"/>
+              <a:t>3325   2669   </a:t>
             </a:r>
             <a:r>
               <a:rPr lang="de-DE" sz="1800" dirty="0"/>
@@ -12512,7 +15516,7 @@
         </p:nvSpPr>
         <p:spPr>
           <a:xfrm>
-            <a:off x="454374" y="1795464"/>
+            <a:off x="555276" y="1996480"/>
             <a:ext cx="4968552" cy="519236"/>
           </a:xfrm>
           <a:prstGeom prst="rect">
@@ -12564,11 +15568,12 @@
           <a:bodyPr/>
           <a:lstStyle/>
           <a:p>
-            <a:r>
-              <a:rPr lang="en-GB" sz="3600" b="1" dirty="0" smtClean="0"/>
+            <a:pPr algn="r"/>
+            <a:r>
+              <a:rPr lang="en-GB" sz="3200" b="1" dirty="0" smtClean="0"/>
               <a:t>Simple parallelism by hand (4)</a:t>
             </a:r>
-            <a:endParaRPr lang="en-GB" sz="3600" b="1" dirty="0"/>
+            <a:endParaRPr lang="en-GB" sz="3200" b="1" dirty="0"/>
           </a:p>
         </p:txBody>
       </p:sp>
@@ -12584,7 +15589,7 @@
         </p:nvSpPr>
         <p:spPr>
           <a:xfrm>
-            <a:off x="427212" y="1052736"/>
+            <a:off x="455978" y="1340768"/>
             <a:ext cx="8170762" cy="4838600"/>
           </a:xfrm>
         </p:spPr>
@@ -12730,7 +15735,7 @@
         </p:nvSpPr>
         <p:spPr>
           <a:xfrm>
-            <a:off x="427212" y="1735932"/>
+            <a:off x="545939" y="1980311"/>
             <a:ext cx="5832648" cy="523220"/>
           </a:xfrm>
           <a:prstGeom prst="rect">
@@ -12858,7 +15863,7 @@
           <a:lstStyle/>
           <a:p>
             <a:r>
-              <a:rPr lang="en-GB" altLang="en-US" b="1" smtClean="0">
+              <a:rPr lang="en-GB" altLang="en-US" sz="3600" b="1" dirty="0" smtClean="0">
                 <a:ea typeface="ＭＳ Ｐゴシック" pitchFamily="34" charset="-128"/>
               </a:rPr>
               <a:t>JASMIN &amp; LOTUS</a:t>
@@ -13072,16 +16077,17 @@
         </p:nvSpPr>
         <p:spPr>
           <a:xfrm>
-            <a:off x="250825" y="0"/>
-            <a:ext cx="8229600" cy="1143000"/>
+            <a:off x="323528" y="188640"/>
+            <a:ext cx="8229600" cy="836712"/>
           </a:xfrm>
         </p:spPr>
         <p:txBody>
           <a:bodyPr/>
           <a:lstStyle/>
           <a:p>
-            <a:r>
-              <a:rPr lang="en-GB" altLang="en-US" sz="3600" b="1" smtClean="0">
+            <a:pPr algn="r"/>
+            <a:r>
+              <a:rPr lang="en-GB" altLang="en-US" sz="3200" b="1" dirty="0" smtClean="0">
                 <a:ea typeface="ＭＳ Ｐゴシック" pitchFamily="34" charset="-128"/>
               </a:rPr>
               <a:t>JASMIN in pictures</a:t>
@@ -13135,15 +16141,16 @@
         <p:spPr>
           <a:xfrm>
             <a:off x="457200" y="274638"/>
-            <a:ext cx="8229600" cy="994122"/>
+            <a:ext cx="8229600" cy="922114"/>
           </a:xfrm>
         </p:spPr>
         <p:txBody>
           <a:bodyPr/>
           <a:lstStyle/>
           <a:p>
-            <a:r>
-              <a:rPr lang="en-GB" altLang="en-US" sz="3600" b="1" dirty="0" smtClean="0">
+            <a:pPr algn="r"/>
+            <a:r>
+              <a:rPr lang="en-GB" altLang="en-US" sz="3200" b="1" dirty="0" smtClean="0">
                 <a:solidFill>
                   <a:srgbClr val="000000"/>
                 </a:solidFill>
@@ -13151,7 +16158,7 @@
               </a:rPr>
               <a:t>The LOTUS cluster on JASMIN</a:t>
             </a:r>
-            <a:endParaRPr lang="en-GB" altLang="en-US" sz="3600" b="1" dirty="0" smtClean="0">
+            <a:endParaRPr lang="en-GB" altLang="en-US" sz="3200" b="1" dirty="0" smtClean="0">
               <a:ea typeface="ＭＳ Ｐゴシック" pitchFamily="34" charset="-128"/>
             </a:endParaRPr>
           </a:p>
@@ -13211,10 +16218,8 @@
                 </a:solidFill>
                 <a:ea typeface="ＭＳ Ｐゴシック" pitchFamily="34" charset="-128"/>
               </a:rPr>
-              <a:t>compute intensive jobs than the JASMIN Scientific Analysis Servers.</a:t>
-            </a:r>
-          </a:p>
-          <a:p>
+              <a:t>compute intensive jobs than the JASMIN Scientific Analysis Servers</a:t>
+            </a:r>
             <a:r>
               <a:rPr lang="en-GB" altLang="en-US" sz="2800" dirty="0" smtClean="0">
                 <a:solidFill>
@@ -13222,6 +16227,25 @@
                 </a:solidFill>
                 <a:ea typeface="ＭＳ Ｐゴシック" pitchFamily="34" charset="-128"/>
               </a:rPr>
+              <a:t>.</a:t>
+            </a:r>
+          </a:p>
+          <a:p>
+            <a:endParaRPr lang="en-GB" altLang="en-US" sz="1000" dirty="0" smtClean="0">
+              <a:solidFill>
+                <a:srgbClr val="000000"/>
+              </a:solidFill>
+              <a:ea typeface="ＭＳ Ｐゴシック" pitchFamily="34" charset="-128"/>
+            </a:endParaRPr>
+          </a:p>
+          <a:p>
+            <a:r>
+              <a:rPr lang="en-GB" altLang="en-US" sz="2800" dirty="0" smtClean="0">
+                <a:solidFill>
+                  <a:srgbClr val="000000"/>
+                </a:solidFill>
+                <a:ea typeface="ＭＳ Ｐゴシック" pitchFamily="34" charset="-128"/>
+              </a:rPr>
               <a:t>Having the same software installed on the JASMIN-</a:t>
             </a:r>
             <a:r>
@@ -13241,6 +16265,44 @@
                 <a:ea typeface="ＭＳ Ｐゴシック" pitchFamily="34" charset="-128"/>
               </a:rPr>
               <a:t> machines and LOTUS means you can:</a:t>
+            </a:r>
+            <a:endParaRPr lang="en-GB" altLang="en-US" sz="2800" dirty="0">
+              <a:solidFill>
+                <a:srgbClr val="000000"/>
+              </a:solidFill>
+              <a:ea typeface="ＭＳ Ｐゴシック" pitchFamily="34" charset="-128"/>
+            </a:endParaRPr>
+          </a:p>
+          <a:p>
+            <a:pPr marL="971550" lvl="1" indent="-514350">
+              <a:buAutoNum type="arabicPeriod"/>
+            </a:pPr>
+            <a:r>
+              <a:rPr lang="en-GB" altLang="en-US" b="1" dirty="0" smtClean="0">
+                <a:solidFill>
+                  <a:srgbClr val="000000"/>
+                </a:solidFill>
+                <a:ea typeface="ＭＳ Ｐゴシック" pitchFamily="34" charset="-128"/>
+              </a:rPr>
+              <a:t>develop </a:t>
+            </a:r>
+            <a:r>
+              <a:rPr lang="en-GB" altLang="en-US" b="1" dirty="0">
+                <a:solidFill>
+                  <a:srgbClr val="000000"/>
+                </a:solidFill>
+                <a:ea typeface="ＭＳ Ｐゴシック" pitchFamily="34" charset="-128"/>
+              </a:rPr>
+              <a:t>code on the generic Analysis </a:t>
+            </a:r>
+            <a:r>
+              <a:rPr lang="en-GB" altLang="en-US" b="1" dirty="0" smtClean="0">
+                <a:solidFill>
+                  <a:srgbClr val="000000"/>
+                </a:solidFill>
+                <a:ea typeface="ＭＳ Ｐゴシック" pitchFamily="34" charset="-128"/>
+              </a:rPr>
+              <a:t>Servers</a:t>
             </a:r>
             <a:endParaRPr lang="en-GB" altLang="en-US" dirty="0">
               <a:solidFill>
@@ -13250,81 +16312,28 @@
             </a:endParaRPr>
           </a:p>
           <a:p>
-            <a:pPr marL="1371600" lvl="2" indent="-514350">
+            <a:pPr marL="971550" lvl="1" indent="-514350">
               <a:buAutoNum type="arabicPeriod"/>
             </a:pPr>
             <a:r>
-              <a:rPr lang="en-GB" altLang="en-US" sz="2800" b="1" dirty="0" smtClean="0">
+              <a:rPr lang="en-GB" altLang="en-US" b="1" dirty="0" smtClean="0">
                 <a:solidFill>
                   <a:srgbClr val="000000"/>
                 </a:solidFill>
                 <a:ea typeface="ＭＳ Ｐゴシック" pitchFamily="34" charset="-128"/>
               </a:rPr>
-              <a:t>develop </a:t>
-            </a:r>
-            <a:r>
-              <a:rPr lang="en-GB" altLang="en-US" sz="2800" b="1" dirty="0">
+              <a:t>run </a:t>
+            </a:r>
+            <a:r>
+              <a:rPr lang="en-GB" altLang="en-US" b="1" dirty="0">
                 <a:solidFill>
                   <a:srgbClr val="000000"/>
                 </a:solidFill>
                 <a:ea typeface="ＭＳ Ｐゴシック" pitchFamily="34" charset="-128"/>
               </a:rPr>
-              <a:t>code on the generic Analysis </a:t>
-            </a:r>
-            <a:r>
-              <a:rPr lang="en-GB" altLang="en-US" sz="2800" b="1" dirty="0" smtClean="0">
-                <a:solidFill>
-                  <a:srgbClr val="000000"/>
-                </a:solidFill>
-                <a:ea typeface="ＭＳ Ｐゴシック" pitchFamily="34" charset="-128"/>
-              </a:rPr>
-              <a:t>Servers</a:t>
-            </a:r>
-          </a:p>
-          <a:p>
-            <a:pPr marL="857250" lvl="2" indent="0">
-              <a:buNone/>
-            </a:pPr>
-            <a:r>
-              <a:rPr lang="en-GB" altLang="en-US" sz="2800" b="1" dirty="0" smtClean="0">
-                <a:solidFill>
-                  <a:srgbClr val="000000"/>
-                </a:solidFill>
-                <a:ea typeface="ＭＳ Ｐゴシック" pitchFamily="34" charset="-128"/>
-              </a:rPr>
-              <a:t>THEN</a:t>
-            </a:r>
-            <a:endParaRPr lang="en-GB" altLang="en-US" dirty="0">
-              <a:solidFill>
-                <a:srgbClr val="000000"/>
-              </a:solidFill>
-              <a:ea typeface="ＭＳ Ｐゴシック" pitchFamily="34" charset="-128"/>
-            </a:endParaRPr>
-          </a:p>
-          <a:p>
-            <a:pPr marL="1314450" lvl="2" indent="-514350">
-              <a:buFont typeface="+mj-lt"/>
-              <a:buAutoNum type="arabicPeriod" startAt="2"/>
-            </a:pPr>
-            <a:r>
-              <a:rPr lang="en-GB" altLang="en-US" sz="2800" dirty="0">
-                <a:solidFill>
-                  <a:srgbClr val="000000"/>
-                </a:solidFill>
-                <a:ea typeface="ＭＳ Ｐゴシック" pitchFamily="34" charset="-128"/>
-              </a:rPr>
-              <a:t>run in </a:t>
-            </a:r>
-            <a:r>
-              <a:rPr lang="en-GB" altLang="en-US" sz="2800" b="1" dirty="0">
-                <a:solidFill>
-                  <a:srgbClr val="000000"/>
-                </a:solidFill>
-                <a:ea typeface="ＭＳ Ｐゴシック" pitchFamily="34" charset="-128"/>
-              </a:rPr>
-              <a:t>batch mode via LOTUS</a:t>
-            </a:r>
-            <a:endParaRPr lang="en-GB" altLang="en-US" sz="2800" b="1" dirty="0">
+              <a:t>in batch mode via LOTUS</a:t>
+            </a:r>
+            <a:endParaRPr lang="en-GB" altLang="en-US" b="1" dirty="0">
               <a:ea typeface="ＭＳ Ｐゴシック" pitchFamily="34" charset="-128"/>
             </a:endParaRPr>
           </a:p>
@@ -13384,16 +16393,22 @@
             <p:ph type="title"/>
           </p:nvPr>
         </p:nvSpPr>
-        <p:spPr/>
+        <p:spPr>
+          <a:xfrm>
+            <a:off x="457200" y="274638"/>
+            <a:ext cx="8229600" cy="850106"/>
+          </a:xfrm>
+        </p:spPr>
         <p:txBody>
           <a:bodyPr/>
           <a:lstStyle/>
           <a:p>
-            <a:r>
-              <a:rPr lang="en-GB" dirty="0" smtClean="0"/>
+            <a:pPr algn="r"/>
+            <a:r>
+              <a:rPr lang="en-GB" sz="3200" b="1" dirty="0" smtClean="0"/>
               <a:t>What is a batch job?</a:t>
             </a:r>
-            <a:endParaRPr lang="en-GB" dirty="0"/>
+            <a:endParaRPr lang="en-GB" sz="3200" b="1" dirty="0"/>
           </a:p>
         </p:txBody>
       </p:sp>
@@ -13421,22 +16436,28 @@
           </a:p>
           <a:p>
             <a:r>
-              <a:rPr lang="en-GB" dirty="0" smtClean="0"/>
+              <a:rPr lang="en-GB" sz="2800" dirty="0" smtClean="0"/>
               <a:t>“Interactive processing” is when </a:t>
             </a:r>
             <a:r>
-              <a:rPr lang="en-GB" dirty="0"/>
+              <a:rPr lang="en-GB" sz="2800" dirty="0"/>
               <a:t>a user enters individual commands to be processed </a:t>
             </a:r>
             <a:r>
-              <a:rPr lang="en-GB" dirty="0" smtClean="0"/>
-              <a:t>immediately by the computer.</a:t>
-            </a:r>
-            <a:endParaRPr lang="en-GB" dirty="0"/>
-          </a:p>
-          <a:p>
-            <a:r>
-              <a:rPr lang="en-GB" dirty="0" smtClean="0"/>
+              <a:rPr lang="en-GB" sz="2800" dirty="0" smtClean="0"/>
+              <a:t>immediately by the computer</a:t>
+            </a:r>
+            <a:r>
+              <a:rPr lang="en-GB" sz="2800" dirty="0" smtClean="0"/>
+              <a:t>.</a:t>
+            </a:r>
+          </a:p>
+          <a:p>
+            <a:endParaRPr lang="en-GB" sz="1000" dirty="0"/>
+          </a:p>
+          <a:p>
+            <a:r>
+              <a:rPr lang="en-GB" sz="2800" dirty="0" smtClean="0"/>
               <a:t>A “batch job” is a program or a sequence of commands that are executed without user interaction.</a:t>
             </a:r>
           </a:p>
@@ -13502,8 +16523,9 @@
           <a:bodyPr/>
           <a:lstStyle/>
           <a:p>
-            <a:r>
-              <a:rPr lang="en-GB" altLang="en-US" sz="3600" b="1" dirty="0" smtClean="0">
+            <a:pPr algn="r"/>
+            <a:r>
+              <a:rPr lang="en-GB" altLang="en-US" sz="3200" b="1" dirty="0" smtClean="0">
                 <a:solidFill>
                   <a:srgbClr val="000000"/>
                 </a:solidFill>
@@ -13511,7 +16533,7 @@
               </a:rPr>
               <a:t>LOTUS: Job Control</a:t>
             </a:r>
-            <a:endParaRPr lang="en-GB" altLang="en-US" sz="3600" b="1" dirty="0" smtClean="0">
+            <a:endParaRPr lang="en-GB" altLang="en-US" sz="3200" b="1" dirty="0" smtClean="0">
               <a:ea typeface="ＭＳ Ｐゴシック" pitchFamily="34" charset="-128"/>
             </a:endParaRPr>
           </a:p>
@@ -13860,22 +16882,20 @@
               <a:buNone/>
             </a:pPr>
             <a:r>
-              <a:rPr lang="en-GB" altLang="en-US" dirty="0" smtClean="0">
-                <a:solidFill>
-                  <a:srgbClr val="000000"/>
-                </a:solidFill>
-                <a:ea typeface="ＭＳ Ｐゴシック" pitchFamily="34" charset="-128"/>
-              </a:rPr>
-              <a:t>	</a:t>
-            </a:r>
-            <a:r>
-              <a:rPr lang="en-GB" altLang="en-US" sz="2800" dirty="0" smtClean="0">
+              <a:rPr lang="en-GB" altLang="en-US" sz="2800" b="1" dirty="0" smtClean="0">
                 <a:ea typeface="ＭＳ Ｐゴシック" pitchFamily="34" charset="-128"/>
                 <a:hlinkClick r:id="rId3"/>
               </a:rPr>
-              <a:t>http://www.ceda.ac.uk/help/users-guide/lotus/</a:t>
-            </a:r>
-            <a:endParaRPr lang="en-GB" altLang="en-US" sz="2800" dirty="0" smtClean="0">
+              <a:t>http</a:t>
+            </a:r>
+            <a:r>
+              <a:rPr lang="en-GB" altLang="en-US" sz="2800" b="1" dirty="0" smtClean="0">
+                <a:ea typeface="ＭＳ Ｐゴシック" pitchFamily="34" charset="-128"/>
+                <a:hlinkClick r:id="rId3"/>
+              </a:rPr>
+              <a:t>://www.ceda.ac.uk/help/users-guide/lotus/</a:t>
+            </a:r>
+            <a:endParaRPr lang="en-GB" altLang="en-US" sz="2800" b="1" dirty="0" smtClean="0">
               <a:ea typeface="ＭＳ Ｐゴシック" pitchFamily="34" charset="-128"/>
             </a:endParaRPr>
           </a:p>
@@ -13932,20 +16952,73 @@
             <p:ph type="title"/>
           </p:nvPr>
         </p:nvSpPr>
-        <p:spPr/>
+        <p:spPr>
+          <a:xfrm>
+            <a:off x="457200" y="274638"/>
+            <a:ext cx="8435280" cy="1143000"/>
+          </a:xfrm>
+        </p:spPr>
         <p:txBody>
           <a:bodyPr/>
           <a:lstStyle/>
           <a:p>
-            <a:r>
-              <a:rPr lang="en-GB" altLang="en-US" sz="3200" b="1" dirty="0" smtClean="0">
+            <a:pPr algn="r"/>
+            <a:r>
+              <a:rPr lang="en-GB" altLang="en-US" sz="2800" b="1" dirty="0" smtClean="0">
                 <a:solidFill>
                   <a:srgbClr val="000000"/>
                 </a:solidFill>
               </a:rPr>
-              <a:t>Batch job example: extract spatial subsets from CMIP5 experiments (1)</a:t>
-            </a:r>
-            <a:endParaRPr lang="en-GB" altLang="en-US" sz="3200" b="1" dirty="0" smtClean="0"/>
+              <a:t>Batch job example: </a:t>
+            </a:r>
+            <a:r>
+              <a:rPr lang="en-GB" altLang="en-US" sz="2800" b="1" dirty="0" smtClean="0">
+                <a:solidFill>
+                  <a:srgbClr val="000000"/>
+                </a:solidFill>
+              </a:rPr>
+              <a:t/>
+            </a:r>
+            <a:br>
+              <a:rPr lang="en-GB" altLang="en-US" sz="2800" b="1" dirty="0" smtClean="0">
+                <a:solidFill>
+                  <a:srgbClr val="000000"/>
+                </a:solidFill>
+              </a:rPr>
+            </a:br>
+            <a:r>
+              <a:rPr lang="en-GB" altLang="en-US" sz="2800" b="1" dirty="0" smtClean="0">
+                <a:solidFill>
+                  <a:srgbClr val="000000"/>
+                </a:solidFill>
+              </a:rPr>
+              <a:t>extract </a:t>
+            </a:r>
+            <a:r>
+              <a:rPr lang="en-GB" altLang="en-US" sz="2800" b="1" dirty="0" smtClean="0">
+                <a:solidFill>
+                  <a:srgbClr val="000000"/>
+                </a:solidFill>
+              </a:rPr>
+              <a:t>spatial subsets </a:t>
+            </a:r>
+            <a:r>
+              <a:rPr lang="en-GB" altLang="en-US" sz="2800" b="1" dirty="0" smtClean="0">
+                <a:solidFill>
+                  <a:srgbClr val="000000"/>
+                </a:solidFill>
+              </a:rPr>
+              <a:t>from CMIP5 </a:t>
+            </a:r>
+            <a:r>
+              <a:rPr lang="en-GB" altLang="en-US" sz="2800" b="1" dirty="0" smtClean="0">
+                <a:solidFill>
+                  <a:srgbClr val="000000"/>
+                </a:solidFill>
+              </a:rPr>
+              <a:t>experiments (1)</a:t>
+            </a:r>
+            <a:endParaRPr lang="en-GB" altLang="en-US" sz="2800" b="1" dirty="0" smtClean="0"/>
           </a:p>
         </p:txBody>
       </p:sp>
@@ -13961,8 +17034,8 @@
         </p:nvSpPr>
         <p:spPr>
           <a:xfrm>
-            <a:off x="457200" y="1412776"/>
-            <a:ext cx="8291264" cy="5040412"/>
+            <a:off x="457200" y="1268760"/>
+            <a:ext cx="8291264" cy="4824536"/>
           </a:xfrm>
         </p:spPr>
         <p:txBody>
@@ -14174,15 +17247,47 @@
           <a:bodyPr/>
           <a:lstStyle/>
           <a:p>
-            <a:r>
-              <a:rPr lang="en-GB" altLang="en-US" sz="3200" b="1" dirty="0" smtClean="0">
+            <a:pPr algn="r"/>
+            <a:r>
+              <a:rPr lang="en-GB" altLang="en-US" sz="2800" b="1" dirty="0" smtClean="0">
                 <a:solidFill>
                   <a:srgbClr val="000000"/>
                 </a:solidFill>
               </a:rPr>
-              <a:t>Batch job example: extract spatial subsets from CMIP5 experiments (2)</a:t>
-            </a:r>
-            <a:endParaRPr lang="en-GB" altLang="en-US" sz="3200" b="1" dirty="0" smtClean="0"/>
+              <a:t>Batch job example: </a:t>
+            </a:r>
+            <a:r>
+              <a:rPr lang="en-GB" altLang="en-US" sz="2800" b="1" dirty="0" smtClean="0">
+                <a:solidFill>
+                  <a:srgbClr val="000000"/>
+                </a:solidFill>
+              </a:rPr>
+              <a:t/>
+            </a:r>
+            <a:br>
+              <a:rPr lang="en-GB" altLang="en-US" sz="2800" b="1" dirty="0" smtClean="0">
+                <a:solidFill>
+                  <a:srgbClr val="000000"/>
+                </a:solidFill>
+              </a:rPr>
+            </a:br>
+            <a:r>
+              <a:rPr lang="en-GB" altLang="en-US" sz="2800" b="1" dirty="0" smtClean="0">
+                <a:solidFill>
+                  <a:srgbClr val="000000"/>
+                </a:solidFill>
+              </a:rPr>
+              <a:t>extract </a:t>
+            </a:r>
+            <a:r>
+              <a:rPr lang="en-GB" altLang="en-US" sz="2800" b="1" dirty="0" smtClean="0">
+                <a:solidFill>
+                  <a:srgbClr val="000000"/>
+                </a:solidFill>
+              </a:rPr>
+              <a:t>spatial subsets from CMIP5 experiments (2)</a:t>
+            </a:r>
+            <a:endParaRPr lang="en-GB" altLang="en-US" sz="2800" b="1" dirty="0" smtClean="0"/>
           </a:p>
         </p:txBody>
       </p:sp>
@@ -14198,8 +17303,8 @@
         </p:nvSpPr>
         <p:spPr>
           <a:xfrm>
-            <a:off x="457200" y="1600200"/>
-            <a:ext cx="8229600" cy="4493096"/>
+            <a:off x="457200" y="1453164"/>
+            <a:ext cx="8229600" cy="4712139"/>
           </a:xfrm>
         </p:spPr>
         <p:txBody>
@@ -14338,10 +17443,10 @@
         </p:nvGrpSpPr>
         <p:grpSpPr>
           <a:xfrm>
-            <a:off x="323900" y="4855616"/>
-            <a:ext cx="8674150" cy="1081087"/>
-            <a:chOff x="0" y="6315075"/>
-            <a:chExt cx="8674150" cy="1081087"/>
+            <a:off x="323528" y="4304525"/>
+            <a:ext cx="8631559" cy="2143587"/>
+            <a:chOff x="-133672" y="5678432"/>
+            <a:chExt cx="8631559" cy="2143587"/>
           </a:xfrm>
         </p:grpSpPr>
         <p:sp>
@@ -14352,8 +17457,8 @@
           </p:nvSpPr>
           <p:spPr>
             <a:xfrm>
-              <a:off x="0" y="6319837"/>
-              <a:ext cx="8497887" cy="1076325"/>
+              <a:off x="-133672" y="5883027"/>
+              <a:ext cx="8631559" cy="1938992"/>
             </a:xfrm>
             <a:prstGeom prst="rect">
               <a:avLst/>
@@ -14374,7 +17479,7 @@
             </a:fontRef>
           </p:style>
           <p:txBody>
-            <a:bodyPr>
+            <a:bodyPr wrap="square">
               <a:spAutoFit/>
             </a:bodyPr>
             <a:lstStyle/>
@@ -14383,7 +17488,7 @@
                 <a:defRPr/>
               </a:pPr>
               <a:r>
-                <a:rPr lang="en-GB" sz="1600" dirty="0">
+                <a:rPr lang="en-GB" sz="2400" b="1" dirty="0">
                   <a:latin typeface="Arial Unicode MS" pitchFamily="34" charset="-128"/>
                   <a:ea typeface="Arial Unicode MS" pitchFamily="34" charset="-128"/>
                   <a:cs typeface="Arial Unicode MS" pitchFamily="34" charset="-128"/>
@@ -14391,14 +17496,14 @@
                 <a:t>import </a:t>
               </a:r>
               <a:r>
-                <a:rPr lang="en-GB" sz="1600" dirty="0" err="1">
+                <a:rPr lang="en-GB" sz="2400" b="1" dirty="0" err="1">
                   <a:latin typeface="Arial Unicode MS" pitchFamily="34" charset="-128"/>
                   <a:ea typeface="Arial Unicode MS" pitchFamily="34" charset="-128"/>
                   <a:cs typeface="Arial Unicode MS" pitchFamily="34" charset="-128"/>
                 </a:rPr>
                 <a:t>cf</a:t>
               </a:r>
-              <a:endParaRPr lang="en-GB" sz="1600" dirty="0">
+              <a:endParaRPr lang="en-GB" sz="2400" b="1" dirty="0">
                 <a:latin typeface="Arial Unicode MS" pitchFamily="34" charset="-128"/>
                 <a:ea typeface="Arial Unicode MS" pitchFamily="34" charset="-128"/>
                 <a:cs typeface="Arial Unicode MS" pitchFamily="34" charset="-128"/>
@@ -14409,7 +17514,7 @@
                 <a:defRPr/>
               </a:pPr>
               <a:r>
-                <a:rPr lang="en-GB" sz="1600" dirty="0">
+                <a:rPr lang="en-GB" sz="2400" b="1" dirty="0">
                   <a:latin typeface="Arial Unicode MS" pitchFamily="34" charset="-128"/>
                   <a:ea typeface="Arial Unicode MS" pitchFamily="34" charset="-128"/>
                   <a:cs typeface="Arial Unicode MS" pitchFamily="34" charset="-128"/>
@@ -14417,7 +17522,7 @@
                 <a:t>f = </a:t>
               </a:r>
               <a:r>
-                <a:rPr lang="en-GB" sz="1600" dirty="0" err="1">
+                <a:rPr lang="en-GB" sz="2400" b="1" dirty="0" err="1">
                   <a:latin typeface="Arial Unicode MS" pitchFamily="34" charset="-128"/>
                   <a:ea typeface="Arial Unicode MS" pitchFamily="34" charset="-128"/>
                   <a:cs typeface="Arial Unicode MS" pitchFamily="34" charset="-128"/>
@@ -14425,7 +17530,7 @@
                 <a:t>cf.read</a:t>
               </a:r>
               <a:r>
-                <a:rPr lang="en-GB" sz="1600" dirty="0">
+                <a:rPr lang="en-GB" sz="2400" b="1" dirty="0">
                   <a:latin typeface="Arial Unicode MS" pitchFamily="34" charset="-128"/>
                   <a:ea typeface="Arial Unicode MS" pitchFamily="34" charset="-128"/>
                   <a:cs typeface="Arial Unicode MS" pitchFamily="34" charset="-128"/>
@@ -14433,7 +17538,7 @@
                 <a:t>(</a:t>
               </a:r>
               <a:r>
-                <a:rPr lang="en-GB" sz="1600" dirty="0" err="1">
+                <a:rPr lang="en-GB" sz="2400" b="1" dirty="0" err="1">
                   <a:latin typeface="Arial Unicode MS" pitchFamily="34" charset="-128"/>
                   <a:ea typeface="Arial Unicode MS" pitchFamily="34" charset="-128"/>
                   <a:cs typeface="Arial Unicode MS" pitchFamily="34" charset="-128"/>
@@ -14441,7 +17546,7 @@
                 <a:t>infile</a:t>
               </a:r>
               <a:r>
-                <a:rPr lang="en-GB" sz="1600" dirty="0">
+                <a:rPr lang="en-GB" sz="2400" b="1" dirty="0">
                   <a:latin typeface="Arial Unicode MS" pitchFamily="34" charset="-128"/>
                   <a:ea typeface="Arial Unicode MS" pitchFamily="34" charset="-128"/>
                   <a:cs typeface="Arial Unicode MS" pitchFamily="34" charset="-128"/>
@@ -14454,7 +17559,7 @@
                 <a:defRPr/>
               </a:pPr>
               <a:r>
-                <a:rPr lang="en-GB" sz="1600" dirty="0">
+                <a:rPr lang="en-GB" sz="2400" b="1" dirty="0">
                   <a:latin typeface="Arial Unicode MS" pitchFamily="34" charset="-128"/>
                   <a:ea typeface="Arial Unicode MS" pitchFamily="34" charset="-128"/>
                   <a:cs typeface="Arial Unicode MS" pitchFamily="34" charset="-128"/>
@@ -14462,7 +17567,7 @@
                 <a:t>subset = f[2].subspace(latitude=</a:t>
               </a:r>
               <a:r>
-                <a:rPr lang="en-GB" sz="1600" dirty="0" err="1">
+                <a:rPr lang="en-GB" sz="2400" b="1" dirty="0" err="1">
                   <a:latin typeface="Arial Unicode MS" pitchFamily="34" charset="-128"/>
                   <a:ea typeface="Arial Unicode MS" pitchFamily="34" charset="-128"/>
                   <a:cs typeface="Arial Unicode MS" pitchFamily="34" charset="-128"/>
@@ -14470,7 +17575,7 @@
                 <a:t>cf.wi</a:t>
               </a:r>
               <a:r>
-                <a:rPr lang="en-GB" sz="1600" dirty="0">
+                <a:rPr lang="en-GB" sz="2400" b="1" dirty="0">
                   <a:latin typeface="Arial Unicode MS" pitchFamily="34" charset="-128"/>
                   <a:ea typeface="Arial Unicode MS" pitchFamily="34" charset="-128"/>
                   <a:cs typeface="Arial Unicode MS" pitchFamily="34" charset="-128"/>
@@ -14478,7 +17583,7 @@
                 <a:t>(</a:t>
               </a:r>
               <a:r>
-                <a:rPr lang="en-GB" sz="1600" dirty="0" err="1">
+                <a:rPr lang="en-GB" sz="2400" b="1" dirty="0" err="1">
                   <a:latin typeface="Arial Unicode MS" pitchFamily="34" charset="-128"/>
                   <a:ea typeface="Arial Unicode MS" pitchFamily="34" charset="-128"/>
                   <a:cs typeface="Arial Unicode MS" pitchFamily="34" charset="-128"/>
@@ -14486,7 +17591,7 @@
                 <a:t>bb.south</a:t>
               </a:r>
               <a:r>
-                <a:rPr lang="en-GB" sz="1600" dirty="0">
+                <a:rPr lang="en-GB" sz="2400" b="1" dirty="0">
                   <a:latin typeface="Arial Unicode MS" pitchFamily="34" charset="-128"/>
                   <a:ea typeface="Arial Unicode MS" pitchFamily="34" charset="-128"/>
                   <a:cs typeface="Arial Unicode MS" pitchFamily="34" charset="-128"/>
@@ -14494,7 +17599,7 @@
                 <a:t>, </a:t>
               </a:r>
               <a:r>
-                <a:rPr lang="en-GB" sz="1600" dirty="0" err="1">
+                <a:rPr lang="en-GB" sz="2400" b="1" dirty="0" err="1">
                   <a:latin typeface="Arial Unicode MS" pitchFamily="34" charset="-128"/>
                   <a:ea typeface="Arial Unicode MS" pitchFamily="34" charset="-128"/>
                   <a:cs typeface="Arial Unicode MS" pitchFamily="34" charset="-128"/>
@@ -14502,7 +17607,7 @@
                 <a:t>bb.north</a:t>
               </a:r>
               <a:r>
-                <a:rPr lang="en-GB" sz="1600" dirty="0">
+                <a:rPr lang="en-GB" sz="2400" b="1" dirty="0">
                   <a:latin typeface="Arial Unicode MS" pitchFamily="34" charset="-128"/>
                   <a:ea typeface="Arial Unicode MS" pitchFamily="34" charset="-128"/>
                   <a:cs typeface="Arial Unicode MS" pitchFamily="34" charset="-128"/>
@@ -14510,7 +17615,7 @@
                 <a:t>), longitude=</a:t>
               </a:r>
               <a:r>
-                <a:rPr lang="en-GB" sz="1600" dirty="0" err="1">
+                <a:rPr lang="en-GB" sz="2400" b="1" dirty="0" err="1">
                   <a:latin typeface="Arial Unicode MS" pitchFamily="34" charset="-128"/>
                   <a:ea typeface="Arial Unicode MS" pitchFamily="34" charset="-128"/>
                   <a:cs typeface="Arial Unicode MS" pitchFamily="34" charset="-128"/>
@@ -14518,7 +17623,7 @@
                 <a:t>cf.wi</a:t>
               </a:r>
               <a:r>
-                <a:rPr lang="en-GB" sz="1600" dirty="0">
+                <a:rPr lang="en-GB" sz="2400" b="1" dirty="0">
                   <a:latin typeface="Arial Unicode MS" pitchFamily="34" charset="-128"/>
                   <a:ea typeface="Arial Unicode MS" pitchFamily="34" charset="-128"/>
                   <a:cs typeface="Arial Unicode MS" pitchFamily="34" charset="-128"/>
@@ -14526,7 +17631,7 @@
                 <a:t>(</a:t>
               </a:r>
               <a:r>
-                <a:rPr lang="en-GB" sz="1600" dirty="0" err="1">
+                <a:rPr lang="en-GB" sz="2400" b="1" dirty="0" err="1">
                   <a:latin typeface="Arial Unicode MS" pitchFamily="34" charset="-128"/>
                   <a:ea typeface="Arial Unicode MS" pitchFamily="34" charset="-128"/>
                   <a:cs typeface="Arial Unicode MS" pitchFamily="34" charset="-128"/>
@@ -14534,7 +17639,7 @@
                 <a:t>bb.west</a:t>
               </a:r>
               <a:r>
-                <a:rPr lang="en-GB" sz="1600" dirty="0">
+                <a:rPr lang="en-GB" sz="2400" b="1" dirty="0">
                   <a:latin typeface="Arial Unicode MS" pitchFamily="34" charset="-128"/>
                   <a:ea typeface="Arial Unicode MS" pitchFamily="34" charset="-128"/>
                   <a:cs typeface="Arial Unicode MS" pitchFamily="34" charset="-128"/>
@@ -14542,7 +17647,7 @@
                 <a:t>, </a:t>
               </a:r>
               <a:r>
-                <a:rPr lang="en-GB" sz="1600" dirty="0" err="1">
+                <a:rPr lang="en-GB" sz="2400" b="1" dirty="0" err="1">
                   <a:latin typeface="Arial Unicode MS" pitchFamily="34" charset="-128"/>
                   <a:ea typeface="Arial Unicode MS" pitchFamily="34" charset="-128"/>
                   <a:cs typeface="Arial Unicode MS" pitchFamily="34" charset="-128"/>
@@ -14550,7 +17655,7 @@
                 <a:t>bb.east</a:t>
               </a:r>
               <a:r>
-                <a:rPr lang="en-GB" sz="1600" dirty="0">
+                <a:rPr lang="en-GB" sz="2400" b="1" dirty="0">
                   <a:latin typeface="Arial Unicode MS" pitchFamily="34" charset="-128"/>
                   <a:ea typeface="Arial Unicode MS" pitchFamily="34" charset="-128"/>
                   <a:cs typeface="Arial Unicode MS" pitchFamily="34" charset="-128"/>
@@ -14563,7 +17668,7 @@
                 <a:defRPr/>
               </a:pPr>
               <a:r>
-                <a:rPr lang="en-GB" sz="1600" dirty="0" err="1">
+                <a:rPr lang="en-GB" sz="2400" b="1" dirty="0" err="1">
                   <a:latin typeface="Arial Unicode MS" pitchFamily="34" charset="-128"/>
                   <a:ea typeface="Arial Unicode MS" pitchFamily="34" charset="-128"/>
                   <a:cs typeface="Arial Unicode MS" pitchFamily="34" charset="-128"/>
@@ -14571,7 +17676,7 @@
                 <a:t>cf.write</a:t>
               </a:r>
               <a:r>
-                <a:rPr lang="en-GB" sz="1600" dirty="0">
+                <a:rPr lang="en-GB" sz="2400" b="1" dirty="0">
                   <a:latin typeface="Arial Unicode MS" pitchFamily="34" charset="-128"/>
                   <a:ea typeface="Arial Unicode MS" pitchFamily="34" charset="-128"/>
                   <a:cs typeface="Arial Unicode MS" pitchFamily="34" charset="-128"/>
@@ -14579,7 +17684,7 @@
                 <a:t>(subset, </a:t>
               </a:r>
               <a:r>
-                <a:rPr lang="en-GB" sz="1600" dirty="0" err="1">
+                <a:rPr lang="en-GB" sz="2400" b="1" dirty="0" err="1">
                   <a:latin typeface="Arial Unicode MS" pitchFamily="34" charset="-128"/>
                   <a:ea typeface="Arial Unicode MS" pitchFamily="34" charset="-128"/>
                   <a:cs typeface="Arial Unicode MS" pitchFamily="34" charset="-128"/>
@@ -14587,7 +17692,7 @@
                 <a:t>outfile</a:t>
               </a:r>
               <a:r>
-                <a:rPr lang="en-GB" sz="1600" dirty="0">
+                <a:rPr lang="en-GB" sz="2400" b="1" dirty="0">
                   <a:latin typeface="Arial Unicode MS" pitchFamily="34" charset="-128"/>
                   <a:ea typeface="Arial Unicode MS" pitchFamily="34" charset="-128"/>
                   <a:cs typeface="Arial Unicode MS" pitchFamily="34" charset="-128"/>
@@ -14605,7 +17710,7 @@
           </p:nvSpPr>
           <p:spPr>
             <a:xfrm>
-              <a:off x="4499025" y="6315075"/>
+              <a:off x="4294162" y="5678432"/>
               <a:ext cx="4175125" cy="338137"/>
             </a:xfrm>
             <a:prstGeom prst="rect">
@@ -14772,7 +17877,7 @@
         </p:nvSpPr>
         <p:spPr>
           <a:xfrm>
-            <a:off x="510258" y="116632"/>
+            <a:off x="534875" y="260648"/>
             <a:ext cx="8229600" cy="1143000"/>
           </a:xfrm>
         </p:spPr>
@@ -14780,15 +17885,47 @@
           <a:bodyPr/>
           <a:lstStyle/>
           <a:p>
-            <a:r>
-              <a:rPr lang="en-GB" altLang="en-US" sz="3200" b="1" dirty="0" smtClean="0">
+            <a:pPr algn="r"/>
+            <a:r>
+              <a:rPr lang="en-GB" altLang="en-US" sz="2800" b="1" dirty="0" smtClean="0">
                 <a:solidFill>
                   <a:srgbClr val="000000"/>
                 </a:solidFill>
               </a:rPr>
-              <a:t>Batch job example: extract spatial subsets from CMIP5 experiments (3)</a:t>
-            </a:r>
-            <a:endParaRPr lang="en-GB" altLang="en-US" sz="3200" b="1" dirty="0" smtClean="0"/>
+              <a:t>Batch job </a:t>
+            </a:r>
+            <a:r>
+              <a:rPr lang="en-GB" altLang="en-US" sz="2800" b="1" dirty="0" smtClean="0">
+                <a:solidFill>
+                  <a:srgbClr val="000000"/>
+                </a:solidFill>
+              </a:rPr>
+              <a:t>example:</a:t>
+            </a:r>
+            <a:br>
+              <a:rPr lang="en-GB" altLang="en-US" sz="2800" b="1" dirty="0" smtClean="0">
+                <a:solidFill>
+                  <a:srgbClr val="000000"/>
+                </a:solidFill>
+              </a:rPr>
+            </a:br>
+            <a:r>
+              <a:rPr lang="en-GB" altLang="en-US" sz="2800" b="1" dirty="0" smtClean="0">
+                <a:solidFill>
+                  <a:srgbClr val="000000"/>
+                </a:solidFill>
+              </a:rPr>
+              <a:t>extract </a:t>
+            </a:r>
+            <a:r>
+              <a:rPr lang="en-GB" altLang="en-US" sz="2800" b="1" dirty="0" smtClean="0">
+                <a:solidFill>
+                  <a:srgbClr val="000000"/>
+                </a:solidFill>
+              </a:rPr>
+              <a:t>spatial subsets from CMIP5 experiments (3)</a:t>
+            </a:r>
+            <a:endParaRPr lang="en-GB" altLang="en-US" sz="2800" b="1" dirty="0" smtClean="0"/>
           </a:p>
         </p:txBody>
       </p:sp>
@@ -14804,8 +17941,8 @@
         </p:nvSpPr>
         <p:spPr>
           <a:xfrm>
-            <a:off x="510258" y="1268760"/>
-            <a:ext cx="8229600" cy="4924425"/>
+            <a:off x="514240" y="1628800"/>
+            <a:ext cx="8229600" cy="4789537"/>
           </a:xfrm>
         </p:spPr>
         <p:txBody>
@@ -14930,7 +18067,7 @@
         </p:nvSpPr>
         <p:spPr>
           <a:xfrm>
-            <a:off x="197818" y="4581128"/>
+            <a:off x="255477" y="4941168"/>
             <a:ext cx="8747125" cy="830997"/>
           </a:xfrm>
           <a:prstGeom prst="rect">
@@ -15187,10 +18324,15 @@
             <a:spLocks noGrp="1"/>
           </p:cNvSpPr>
           <p:nvPr>
-            <p:ph type="title"/>
+            <p:ph type="title" idx="4294967295"/>
           </p:nvPr>
         </p:nvSpPr>
-        <p:spPr/>
+        <p:spPr>
+          <a:xfrm>
+            <a:off x="0" y="274638"/>
+            <a:ext cx="8229600" cy="1143000"/>
+          </a:xfrm>
+        </p:spPr>
         <p:txBody>
           <a:bodyPr/>
           <a:lstStyle/>
@@ -15201,27 +18343,6 @@
               </a:rPr>
               <a:t>What is Big Data?</a:t>
             </a:r>
-          </a:p>
-        </p:txBody>
-      </p:sp>
-      <p:sp>
-        <p:nvSpPr>
-          <p:cNvPr id="7171" name="Content Placeholder 2"/>
-          <p:cNvSpPr>
-            <a:spLocks noGrp="1"/>
-          </p:cNvSpPr>
-          <p:nvPr>
-            <p:ph idx="1"/>
-          </p:nvPr>
-        </p:nvSpPr>
-        <p:spPr/>
-        <p:txBody>
-          <a:bodyPr/>
-          <a:lstStyle/>
-          <a:p>
-            <a:endParaRPr lang="en-GB" altLang="en-US" smtClean="0">
-              <a:ea typeface="ＭＳ Ｐゴシック" pitchFamily="34" charset="-128"/>
-            </a:endParaRPr>
           </a:p>
         </p:txBody>
       </p:sp>
@@ -15628,7 +18749,7 @@
         </p:nvSpPr>
         <p:spPr>
           <a:xfrm>
-            <a:off x="510258" y="116632"/>
+            <a:off x="510258" y="332656"/>
             <a:ext cx="8229600" cy="1143000"/>
           </a:xfrm>
         </p:spPr>
@@ -15636,15 +18757,47 @@
           <a:bodyPr/>
           <a:lstStyle/>
           <a:p>
-            <a:r>
-              <a:rPr lang="en-GB" altLang="en-US" sz="3200" b="1" dirty="0" smtClean="0">
+            <a:pPr algn="r"/>
+            <a:r>
+              <a:rPr lang="en-GB" altLang="en-US" sz="2800" b="1" dirty="0" smtClean="0">
                 <a:solidFill>
                   <a:srgbClr val="000000"/>
                 </a:solidFill>
               </a:rPr>
-              <a:t>Batch job example: extract spatial subsets from CMIP5 experiments (4)</a:t>
-            </a:r>
-            <a:endParaRPr lang="en-GB" altLang="en-US" sz="3200" b="1" dirty="0" smtClean="0"/>
+              <a:t>Batch job </a:t>
+            </a:r>
+            <a:r>
+              <a:rPr lang="en-GB" altLang="en-US" sz="2800" b="1" dirty="0" smtClean="0">
+                <a:solidFill>
+                  <a:srgbClr val="000000"/>
+                </a:solidFill>
+              </a:rPr>
+              <a:t>example:</a:t>
+            </a:r>
+            <a:br>
+              <a:rPr lang="en-GB" altLang="en-US" sz="2800" b="1" dirty="0" smtClean="0">
+                <a:solidFill>
+                  <a:srgbClr val="000000"/>
+                </a:solidFill>
+              </a:rPr>
+            </a:br>
+            <a:r>
+              <a:rPr lang="en-GB" altLang="en-US" sz="2800" b="1" dirty="0" smtClean="0">
+                <a:solidFill>
+                  <a:srgbClr val="000000"/>
+                </a:solidFill>
+              </a:rPr>
+              <a:t>extract </a:t>
+            </a:r>
+            <a:r>
+              <a:rPr lang="en-GB" altLang="en-US" sz="2800" b="1" dirty="0" smtClean="0">
+                <a:solidFill>
+                  <a:srgbClr val="000000"/>
+                </a:solidFill>
+              </a:rPr>
+              <a:t>spatial subsets from CMIP5 experiments (4)</a:t>
+            </a:r>
+            <a:endParaRPr lang="en-GB" altLang="en-US" sz="2800" b="1" dirty="0" smtClean="0"/>
           </a:p>
         </p:txBody>
       </p:sp>
@@ -16326,13 +19479,19 @@
             <p:ph type="title"/>
           </p:nvPr>
         </p:nvSpPr>
-        <p:spPr/>
+        <p:spPr>
+          <a:xfrm>
+            <a:off x="457200" y="274638"/>
+            <a:ext cx="8229600" cy="1066800"/>
+          </a:xfrm>
+        </p:spPr>
         <p:txBody>
           <a:bodyPr/>
           <a:lstStyle/>
           <a:p>
-            <a:r>
-              <a:rPr lang="en-GB" altLang="en-US" sz="3600" smtClean="0">
+            <a:pPr algn="r"/>
+            <a:r>
+              <a:rPr lang="en-GB" altLang="en-US" sz="3200" b="1" dirty="0" smtClean="0">
                 <a:solidFill>
                   <a:srgbClr val="000000"/>
                 </a:solidFill>
@@ -16340,7 +19499,7 @@
               </a:rPr>
               <a:t>Efficiency gains through re-factoring (1)</a:t>
             </a:r>
-            <a:endParaRPr lang="en-GB" altLang="en-US" sz="3600" smtClean="0">
+            <a:endParaRPr lang="en-GB" altLang="en-US" sz="3200" b="1" dirty="0" smtClean="0">
               <a:ea typeface="ＭＳ Ｐゴシック" pitchFamily="34" charset="-128"/>
             </a:endParaRPr>
           </a:p>
@@ -16768,13 +19927,19 @@
             <p:ph type="title"/>
           </p:nvPr>
         </p:nvSpPr>
-        <p:spPr/>
+        <p:spPr>
+          <a:xfrm>
+            <a:off x="457200" y="274638"/>
+            <a:ext cx="8229600" cy="1066800"/>
+          </a:xfrm>
+        </p:spPr>
         <p:txBody>
           <a:bodyPr/>
           <a:lstStyle/>
           <a:p>
-            <a:r>
-              <a:rPr lang="en-GB" altLang="en-US" sz="3600" smtClean="0">
+            <a:pPr algn="r"/>
+            <a:r>
+              <a:rPr lang="en-GB" altLang="en-US" sz="3200" b="1" dirty="0" smtClean="0">
                 <a:solidFill>
                   <a:srgbClr val="000000"/>
                 </a:solidFill>
@@ -16782,7 +19947,7 @@
               </a:rPr>
               <a:t>Efficiency gains through re-factoring (2)</a:t>
             </a:r>
-            <a:endParaRPr lang="en-GB" altLang="en-US" sz="3600" smtClean="0">
+            <a:endParaRPr lang="en-GB" altLang="en-US" sz="3200" b="1" dirty="0" smtClean="0">
               <a:ea typeface="ＭＳ Ｐゴシック" pitchFamily="34" charset="-128"/>
             </a:endParaRPr>
           </a:p>
@@ -16801,7 +19966,7 @@
         <p:spPr>
           <a:xfrm>
             <a:off x="468313" y="1341438"/>
-            <a:ext cx="8229600" cy="4525962"/>
+            <a:ext cx="8229600" cy="4751858"/>
           </a:xfrm>
         </p:spPr>
         <p:txBody>
@@ -16813,7 +19978,7 @@
               <a:buNone/>
             </a:pPr>
             <a:r>
-              <a:rPr lang="en-GB" altLang="en-US" sz="2800" smtClean="0">
+              <a:rPr lang="en-GB" altLang="en-US" sz="2800" dirty="0" smtClean="0">
                 <a:solidFill>
                   <a:srgbClr val="000000"/>
                 </a:solidFill>
@@ -16827,7 +19992,7 @@
               <a:buFont typeface="Arial" pitchFamily="34" charset="0"/>
               <a:buNone/>
             </a:pPr>
-            <a:endParaRPr lang="en-GB" altLang="en-US" sz="700" smtClean="0">
+            <a:endParaRPr lang="en-GB" altLang="en-US" sz="700" dirty="0" smtClean="0">
               <a:solidFill>
                 <a:srgbClr val="000000"/>
               </a:solidFill>
@@ -16840,7 +20005,7 @@
               <a:buNone/>
             </a:pPr>
             <a:r>
-              <a:rPr lang="en-GB" altLang="en-US" sz="2400" b="1" smtClean="0">
+              <a:rPr lang="en-GB" altLang="en-US" sz="2400" b="1" dirty="0" smtClean="0">
                 <a:solidFill>
                   <a:srgbClr val="000000"/>
                 </a:solidFill>
@@ -16849,13 +20014,31 @@
               <a:t>The Problem: </a:t>
             </a:r>
             <a:r>
-              <a:rPr lang="en-GB" altLang="en-US" sz="2400" smtClean="0">
+              <a:rPr lang="en-GB" altLang="en-US" sz="2400" dirty="0" smtClean="0">
                 <a:solidFill>
                   <a:srgbClr val="000000"/>
                 </a:solidFill>
                 <a:ea typeface="ＭＳ Ｐゴシック" pitchFamily="34" charset="-128"/>
               </a:rPr>
-              <a:t>Trying to run the NCO tool “ncea” to calculate an average from a large dataset. It will not run!</a:t>
+              <a:t>Trying to run the NCO tool “</a:t>
+            </a:r>
+            <a:r>
+              <a:rPr lang="en-GB" altLang="en-US" sz="2400" dirty="0" err="1" smtClean="0">
+                <a:solidFill>
+                  <a:srgbClr val="000000"/>
+                </a:solidFill>
+                <a:ea typeface="ＭＳ Ｐゴシック" pitchFamily="34" charset="-128"/>
+              </a:rPr>
+              <a:t>ncea</a:t>
+            </a:r>
+            <a:r>
+              <a:rPr lang="en-GB" altLang="en-US" sz="2400" dirty="0" smtClean="0">
+                <a:solidFill>
+                  <a:srgbClr val="000000"/>
+                </a:solidFill>
+                <a:ea typeface="ＭＳ Ｐゴシック" pitchFamily="34" charset="-128"/>
+              </a:rPr>
+              <a:t>” to calculate an average from a large dataset. It will not run!</a:t>
             </a:r>
           </a:p>
           <a:p>
@@ -16864,7 +20047,7 @@
               <a:buNone/>
             </a:pPr>
             <a:r>
-              <a:rPr lang="en-GB" altLang="en-US" sz="2400" b="1" smtClean="0">
+              <a:rPr lang="en-GB" altLang="en-US" sz="2400" b="1" dirty="0" smtClean="0">
                 <a:solidFill>
                   <a:srgbClr val="000000"/>
                 </a:solidFill>
@@ -16873,15 +20056,33 @@
               <a:t>Why? </a:t>
             </a:r>
             <a:r>
-              <a:rPr lang="en-GB" altLang="en-US" sz="2400" smtClean="0">
+              <a:rPr lang="en-GB" altLang="en-US" sz="2400" dirty="0" smtClean="0">
                 <a:solidFill>
                   <a:srgbClr val="000000"/>
                 </a:solidFill>
                 <a:ea typeface="ＭＳ Ｐゴシック" pitchFamily="34" charset="-128"/>
               </a:rPr>
-              <a:t>The “ncea” command reports this...and then exits:</a:t>
-            </a:r>
-            <a:endParaRPr lang="en-GB" altLang="en-US" sz="2400" b="1" smtClean="0">
+              <a:t>The “</a:t>
+            </a:r>
+            <a:r>
+              <a:rPr lang="en-GB" altLang="en-US" sz="2400" dirty="0" err="1" smtClean="0">
+                <a:solidFill>
+                  <a:srgbClr val="000000"/>
+                </a:solidFill>
+                <a:ea typeface="ＭＳ Ｐゴシック" pitchFamily="34" charset="-128"/>
+              </a:rPr>
+              <a:t>ncea</a:t>
+            </a:r>
+            <a:r>
+              <a:rPr lang="en-GB" altLang="en-US" sz="2400" dirty="0" smtClean="0">
+                <a:solidFill>
+                  <a:srgbClr val="000000"/>
+                </a:solidFill>
+                <a:ea typeface="ＭＳ Ｐゴシック" pitchFamily="34" charset="-128"/>
+              </a:rPr>
+              <a:t>” command reports this...and then exits:</a:t>
+            </a:r>
+            <a:endParaRPr lang="en-GB" altLang="en-US" sz="2400" b="1" dirty="0" smtClean="0">
               <a:solidFill>
                 <a:srgbClr val="000000"/>
               </a:solidFill>
@@ -16891,10 +20092,22 @@
           <a:p>
             <a:pPr lvl="1"/>
             <a:r>
-              <a:rPr lang="en-GB" altLang="en-US" sz="2000" smtClean="0">
-                <a:ea typeface="ＭＳ Ｐゴシック" pitchFamily="34" charset="-128"/>
-              </a:rPr>
-              <a:t>“unable to allocate 7932598800 bytes” (which is about 8 Gbytes)</a:t>
+              <a:rPr lang="en-GB" altLang="en-US" sz="2000" dirty="0" smtClean="0">
+                <a:ea typeface="ＭＳ Ｐゴシック" pitchFamily="34" charset="-128"/>
+              </a:rPr>
+              <a:t>“unable to allocate 7932598800 bytes” (which is about 8 </a:t>
+            </a:r>
+            <a:r>
+              <a:rPr lang="en-GB" altLang="en-US" sz="2000" dirty="0" err="1" smtClean="0">
+                <a:ea typeface="ＭＳ Ｐゴシック" pitchFamily="34" charset="-128"/>
+              </a:rPr>
+              <a:t>Gbytes</a:t>
+            </a:r>
+            <a:r>
+              <a:rPr lang="en-GB" altLang="en-US" sz="2000" dirty="0" smtClean="0">
+                <a:ea typeface="ＭＳ Ｐゴシック" pitchFamily="34" charset="-128"/>
+              </a:rPr>
+              <a:t>)</a:t>
             </a:r>
           </a:p>
           <a:p>
@@ -16902,7 +20115,7 @@
               <a:buFont typeface="Arial" pitchFamily="34" charset="0"/>
               <a:buNone/>
             </a:pPr>
-            <a:endParaRPr lang="en-GB" altLang="en-US" sz="1000" smtClean="0">
+            <a:endParaRPr lang="en-GB" altLang="en-US" sz="1000" dirty="0" smtClean="0">
               <a:ea typeface="ＭＳ Ｐゴシック" pitchFamily="34" charset="-128"/>
             </a:endParaRPr>
           </a:p>
@@ -16912,7 +20125,7 @@
               <a:buNone/>
             </a:pPr>
             <a:r>
-              <a:rPr lang="en-GB" altLang="en-US" sz="2800" smtClean="0">
+              <a:rPr lang="en-GB" altLang="en-US" sz="2800" dirty="0" smtClean="0">
                 <a:solidFill>
                   <a:srgbClr val="000000"/>
                 </a:solidFill>
@@ -16927,7 +20140,7 @@
               <a:buNone/>
             </a:pPr>
             <a:r>
-              <a:rPr lang="en-GB" altLang="en-US" sz="2400" b="1" smtClean="0">
+              <a:rPr lang="en-GB" altLang="en-US" sz="2400" b="1" dirty="0" smtClean="0">
                 <a:solidFill>
                   <a:srgbClr val="000000"/>
                 </a:solidFill>
@@ -16935,7 +20148,7 @@
               </a:rPr>
               <a:t>1. Data files hold multiple variables: Operate on one at a time:</a:t>
             </a:r>
-            <a:endParaRPr lang="en-GB" altLang="en-US" sz="2400" smtClean="0">
+            <a:endParaRPr lang="en-GB" altLang="en-US" sz="2400" dirty="0" smtClean="0">
               <a:ea typeface="ＭＳ Ｐゴシック" pitchFamily="34" charset="-128"/>
             </a:endParaRPr>
           </a:p>
@@ -16945,22 +20158,46 @@
               <a:buNone/>
             </a:pPr>
             <a:r>
-              <a:rPr lang="en-GB" altLang="en-US" sz="2000" smtClean="0">
-                <a:ea typeface="ＭＳ Ｐゴシック" pitchFamily="34" charset="-128"/>
-              </a:rPr>
-              <a:t>ncea </a:t>
-            </a:r>
-            <a:r>
-              <a:rPr lang="en-GB" altLang="en-US" sz="2000" b="1" smtClean="0">
+              <a:rPr lang="en-GB" altLang="en-US" sz="2000" dirty="0" err="1" smtClean="0">
+                <a:ea typeface="ＭＳ Ｐゴシック" pitchFamily="34" charset="-128"/>
+              </a:rPr>
+              <a:t>ncea</a:t>
+            </a:r>
+            <a:r>
+              <a:rPr lang="en-GB" altLang="en-US" sz="2000" dirty="0" smtClean="0">
+                <a:ea typeface="ＭＳ Ｐゴシック" pitchFamily="34" charset="-128"/>
+              </a:rPr>
+              <a:t> </a:t>
+            </a:r>
+            <a:r>
+              <a:rPr lang="en-GB" altLang="en-US" sz="2000" b="1" dirty="0" smtClean="0">
                 <a:solidFill>
                   <a:srgbClr val="0070C0"/>
                 </a:solidFill>
                 <a:ea typeface="ＭＳ Ｐゴシック" pitchFamily="34" charset="-128"/>
               </a:rPr>
-              <a:t>-v vosaline </a:t>
-            </a:r>
-            <a:r>
-              <a:rPr lang="en-GB" altLang="en-US" sz="2000" smtClean="0">
+              <a:t>-v </a:t>
+            </a:r>
+            <a:r>
+              <a:rPr lang="en-GB" altLang="en-US" sz="2000" b="1" dirty="0" err="1" smtClean="0">
+                <a:solidFill>
+                  <a:srgbClr val="0070C0"/>
+                </a:solidFill>
+                <a:ea typeface="ＭＳ Ｐゴシック" pitchFamily="34" charset="-128"/>
+              </a:rPr>
+              <a:t>vosaline</a:t>
+            </a:r>
+            <a:r>
+              <a:rPr lang="en-GB" altLang="en-US" sz="2000" b="1" dirty="0" smtClean="0">
+                <a:solidFill>
+                  <a:srgbClr val="0070C0"/>
+                </a:solidFill>
+                <a:ea typeface="ＭＳ Ｐゴシック" pitchFamily="34" charset="-128"/>
+              </a:rPr>
+              <a:t> </a:t>
+            </a:r>
+            <a:r>
+              <a:rPr lang="en-GB" altLang="en-US" sz="2000" dirty="0" smtClean="0">
                 <a:ea typeface="ＭＳ Ｐゴシック" pitchFamily="34" charset="-128"/>
               </a:rPr>
               <a:t>means/199[45678]/*y01T.nc -o test.nc</a:t>
@@ -16971,7 +20208,7 @@
               <a:buFont typeface="Arial" pitchFamily="34" charset="0"/>
               <a:buNone/>
             </a:pPr>
-            <a:endParaRPr lang="en-GB" altLang="en-US" sz="1000" smtClean="0">
+            <a:endParaRPr lang="en-GB" altLang="en-US" sz="1000" dirty="0" smtClean="0">
               <a:ea typeface="ＭＳ Ｐゴシック" pitchFamily="34" charset="-128"/>
             </a:endParaRPr>
           </a:p>
@@ -16981,7 +20218,7 @@
               <a:buNone/>
             </a:pPr>
             <a:r>
-              <a:rPr lang="en-GB" altLang="en-US" sz="2400" b="1" smtClean="0">
+              <a:rPr lang="en-GB" altLang="en-US" sz="2400" b="1" dirty="0" smtClean="0">
                 <a:solidFill>
                   <a:srgbClr val="000000"/>
                 </a:solidFill>
@@ -16989,7 +20226,7 @@
               </a:rPr>
               <a:t>2. Reduce the number of files (i.e. years) processed each time:</a:t>
             </a:r>
-            <a:endParaRPr lang="en-GB" altLang="en-US" sz="2400" smtClean="0">
+            <a:endParaRPr lang="en-GB" altLang="en-US" sz="2400" dirty="0" smtClean="0">
               <a:ea typeface="ＭＳ Ｐゴシック" pitchFamily="34" charset="-128"/>
             </a:endParaRPr>
           </a:p>
@@ -16999,13 +20236,19 @@
               <a:buNone/>
             </a:pPr>
             <a:r>
-              <a:rPr lang="en-GB" altLang="en-US" sz="2000" smtClean="0">
-                <a:ea typeface="ＭＳ Ｐゴシック" pitchFamily="34" charset="-128"/>
-              </a:rPr>
-              <a:t>ncea means/</a:t>
-            </a:r>
-            <a:r>
-              <a:rPr lang="en-GB" altLang="en-US" sz="2000" b="1" smtClean="0">
+              <a:rPr lang="en-GB" altLang="en-US" sz="2000" dirty="0" err="1" smtClean="0">
+                <a:ea typeface="ＭＳ Ｐゴシック" pitchFamily="34" charset="-128"/>
+              </a:rPr>
+              <a:t>ncea</a:t>
+            </a:r>
+            <a:r>
+              <a:rPr lang="en-GB" altLang="en-US" sz="2000" dirty="0" smtClean="0">
+                <a:ea typeface="ＭＳ Ｐゴシック" pitchFamily="34" charset="-128"/>
+              </a:rPr>
+              <a:t> means/</a:t>
+            </a:r>
+            <a:r>
+              <a:rPr lang="en-GB" altLang="en-US" sz="2000" b="1" dirty="0" smtClean="0">
                 <a:solidFill>
                   <a:srgbClr val="0070C0"/>
                 </a:solidFill>
@@ -17014,7 +20257,7 @@
               <a:t>199[45]</a:t>
             </a:r>
             <a:r>
-              <a:rPr lang="en-GB" altLang="en-US" sz="2000" smtClean="0">
+              <a:rPr lang="en-GB" altLang="en-US" sz="2000" dirty="0" smtClean="0">
                 <a:ea typeface="ＭＳ Ｐゴシック" pitchFamily="34" charset="-128"/>
               </a:rPr>
               <a:t>/*y01T.nc -o test.nc</a:t>
@@ -17283,8 +20526,9 @@
           <a:bodyPr/>
           <a:lstStyle/>
           <a:p>
-            <a:r>
-              <a:rPr lang="en-GB" altLang="en-US" sz="3600" dirty="0" smtClean="0">
+            <a:pPr algn="r"/>
+            <a:r>
+              <a:rPr lang="en-GB" altLang="en-US" sz="3200" b="1" dirty="0" smtClean="0">
                 <a:ea typeface="ＭＳ Ｐゴシック" pitchFamily="34" charset="-128"/>
               </a:rPr>
               <a:t>Many Python-based Parallel tools</a:t>
@@ -17302,49 +20546,67 @@
             <p:ph idx="1"/>
           </p:nvPr>
         </p:nvSpPr>
-        <p:spPr/>
+        <p:spPr>
+          <a:xfrm>
+            <a:off x="457200" y="2420888"/>
+            <a:ext cx="8229600" cy="2404864"/>
+          </a:xfrm>
+        </p:spPr>
         <p:txBody>
           <a:bodyPr/>
           <a:lstStyle/>
           <a:p>
+            <a:pPr indent="0">
+              <a:buFont typeface="Arial" pitchFamily="34" charset="0"/>
+              <a:buNone/>
+            </a:pPr>
+            <a:r>
+              <a:rPr lang="en-GB" altLang="en-US" sz="2800" dirty="0" smtClean="0">
+                <a:ea typeface="ＭＳ Ｐゴシック" pitchFamily="34" charset="-128"/>
+              </a:rPr>
+              <a:t>The following page brings together details of </a:t>
+            </a:r>
+            <a:r>
+              <a:rPr lang="en-GB" altLang="en-US" sz="2800" dirty="0" smtClean="0">
+                <a:ea typeface="ＭＳ Ｐゴシック" pitchFamily="34" charset="-128"/>
+              </a:rPr>
+              <a:t>many different </a:t>
+            </a:r>
+            <a:r>
+              <a:rPr lang="en-GB" altLang="en-US" sz="2800" dirty="0" smtClean="0">
+                <a:ea typeface="ＭＳ Ｐゴシック" pitchFamily="34" charset="-128"/>
+              </a:rPr>
+              <a:t>parallel tools available for python users:</a:t>
+            </a:r>
+          </a:p>
+          <a:p>
             <a:pPr>
               <a:buFont typeface="Arial" pitchFamily="34" charset="0"/>
               <a:buNone/>
             </a:pPr>
-            <a:r>
-              <a:rPr lang="en-GB" altLang="en-US" sz="2800" dirty="0" smtClean="0">
-                <a:ea typeface="ＭＳ Ｐゴシック" pitchFamily="34" charset="-128"/>
-              </a:rPr>
-              <a:t>The following page brings together details of many different parallel tools available for python users:</a:t>
-            </a:r>
-          </a:p>
-          <a:p>
-            <a:pPr>
-              <a:buFont typeface="Arial" pitchFamily="34" charset="0"/>
-              <a:buNone/>
-            </a:pPr>
-            <a:endParaRPr lang="en-GB" altLang="en-US" sz="2800" dirty="0" smtClean="0">
+            <a:endParaRPr lang="en-GB" altLang="en-US" sz="1200" dirty="0" smtClean="0">
               <a:ea typeface="ＭＳ Ｐゴシック" pitchFamily="34" charset="-128"/>
             </a:endParaRPr>
           </a:p>
           <a:p>
-            <a:r>
-              <a:rPr lang="en-GB" altLang="en-US" sz="2800" dirty="0" smtClean="0">
+            <a:pPr marL="0" indent="0" algn="ctr">
+              <a:buNone/>
+            </a:pPr>
+            <a:r>
+              <a:rPr lang="en-GB" altLang="en-US" sz="2800" b="1" dirty="0" smtClean="0">
                 <a:ea typeface="ＭＳ Ｐゴシック" pitchFamily="34" charset="-128"/>
                 <a:hlinkClick r:id="rId3"/>
               </a:rPr>
-              <a:t>https://wiki.python.org/moin/ParallelProcessing</a:t>
-            </a:r>
-            <a:endParaRPr lang="en-GB" altLang="en-US" sz="2800" dirty="0" smtClean="0">
-              <a:ea typeface="ＭＳ Ｐゴシック" pitchFamily="34" charset="-128"/>
-            </a:endParaRPr>
-          </a:p>
-          <a:p>
-            <a:pPr>
-              <a:buFont typeface="Arial" pitchFamily="34" charset="0"/>
-              <a:buNone/>
-            </a:pPr>
-            <a:endParaRPr lang="en-GB" altLang="en-US" sz="2800" dirty="0" smtClean="0">
+              <a:t>https://</a:t>
+            </a:r>
+            <a:r>
+              <a:rPr lang="en-GB" altLang="en-US" sz="2800" b="1" dirty="0" smtClean="0">
+                <a:ea typeface="ＭＳ Ｐゴシック" pitchFamily="34" charset="-128"/>
+                <a:hlinkClick r:id="rId3"/>
+              </a:rPr>
+              <a:t>wiki.python.org/moin/ParallelProcessing</a:t>
+            </a:r>
+            <a:endParaRPr lang="en-GB" altLang="en-US" sz="2800" b="1" dirty="0" smtClean="0">
               <a:ea typeface="ＭＳ Ｐゴシック" pitchFamily="34" charset="-128"/>
             </a:endParaRPr>
           </a:p>
@@ -17410,13 +20672,19 @@
             <p:ph type="title"/>
           </p:nvPr>
         </p:nvSpPr>
-        <p:spPr/>
+        <p:spPr>
+          <a:xfrm>
+            <a:off x="457200" y="476672"/>
+            <a:ext cx="8229600" cy="787397"/>
+          </a:xfrm>
+        </p:spPr>
         <p:txBody>
           <a:bodyPr/>
           <a:lstStyle/>
           <a:p>
-            <a:r>
-              <a:rPr lang="en-GB" altLang="en-US" sz="3200" b="1" smtClean="0">
+            <a:pPr algn="r"/>
+            <a:r>
+              <a:rPr lang="en-GB" altLang="en-US" sz="3200" b="1" dirty="0" smtClean="0">
                 <a:solidFill>
                   <a:srgbClr val="000000"/>
                 </a:solidFill>
@@ -17424,7 +20692,7 @@
               </a:rPr>
               <a:t>The future of parallel data analysis (1)</a:t>
             </a:r>
-            <a:endParaRPr lang="en-GB" altLang="en-US" sz="3200" b="1" smtClean="0">
+            <a:endParaRPr lang="en-GB" altLang="en-US" sz="3200" b="1" dirty="0" smtClean="0">
               <a:ea typeface="ＭＳ Ｐゴシック" pitchFamily="34" charset="-128"/>
             </a:endParaRPr>
           </a:p>
@@ -17478,8 +20746,20 @@
                 <a:tableStyleId>{5C22544A-7EE6-4342-B048-85BDC9FD1C3A}</a:tableStyleId>
               </a:tblPr>
               <a:tblGrid>
-                <a:gridCol w="6184900"/>
-                <a:gridCol w="1574800"/>
+                <a:gridCol w="6184900">
+                  <a:extLst>
+                    <a:ext uri="{9D8B030D-6E8A-4147-A177-3AD203B41FA5}">
+                      <a16:colId xmlns:a16="http://schemas.microsoft.com/office/drawing/2014/main" val="20000"/>
+                    </a:ext>
+                  </a:extLst>
+                </a:gridCol>
+                <a:gridCol w="1574800">
+                  <a:extLst>
+                    <a:ext uri="{9D8B030D-6E8A-4147-A177-3AD203B41FA5}">
+                      <a16:colId xmlns:a16="http://schemas.microsoft.com/office/drawing/2014/main" val="20001"/>
+                    </a:ext>
+                  </a:extLst>
+                </a:gridCol>
               </a:tblGrid>
               <a:tr h="396280">
                 <a:tc>
@@ -17557,6 +20837,11 @@
                     </a:lnT>
                   </a:tcPr>
                 </a:tc>
+                <a:extLst>
+                  <a:ext uri="{0D108BD9-81ED-4DB2-BD59-A6C34878D82A}">
+                    <a16:rowId xmlns:a16="http://schemas.microsoft.com/office/drawing/2014/main" val="10000"/>
+                  </a:ext>
+                </a:extLst>
               </a:tr>
               <a:tr h="396280">
                 <a:tc>
@@ -17616,6 +20901,11 @@
                     </a:lnR>
                   </a:tcPr>
                 </a:tc>
+                <a:extLst>
+                  <a:ext uri="{0D108BD9-81ED-4DB2-BD59-A6C34878D82A}">
+                    <a16:rowId xmlns:a16="http://schemas.microsoft.com/office/drawing/2014/main" val="10001"/>
+                  </a:ext>
+                </a:extLst>
               </a:tr>
               <a:tr h="396280">
                 <a:tc>
@@ -17667,6 +20957,11 @@
                     </a:lnR>
                   </a:tcPr>
                 </a:tc>
+                <a:extLst>
+                  <a:ext uri="{0D108BD9-81ED-4DB2-BD59-A6C34878D82A}">
+                    <a16:rowId xmlns:a16="http://schemas.microsoft.com/office/drawing/2014/main" val="10002"/>
+                  </a:ext>
+                </a:extLst>
               </a:tr>
               <a:tr h="396280">
                 <a:tc>
@@ -17718,6 +21013,11 @@
                     </a:lnR>
                   </a:tcPr>
                 </a:tc>
+                <a:extLst>
+                  <a:ext uri="{0D108BD9-81ED-4DB2-BD59-A6C34878D82A}">
+                    <a16:rowId xmlns:a16="http://schemas.microsoft.com/office/drawing/2014/main" val="10003"/>
+                  </a:ext>
+                </a:extLst>
               </a:tr>
               <a:tr h="396280">
                 <a:tc>
@@ -17785,6 +21085,11 @@
                     </a:lnR>
                   </a:tcPr>
                 </a:tc>
+                <a:extLst>
+                  <a:ext uri="{0D108BD9-81ED-4DB2-BD59-A6C34878D82A}">
+                    <a16:rowId xmlns:a16="http://schemas.microsoft.com/office/drawing/2014/main" val="10004"/>
+                  </a:ext>
+                </a:extLst>
               </a:tr>
               <a:tr h="396280">
                 <a:tc>
@@ -17836,6 +21141,11 @@
                     </a:lnR>
                   </a:tcPr>
                 </a:tc>
+                <a:extLst>
+                  <a:ext uri="{0D108BD9-81ED-4DB2-BD59-A6C34878D82A}">
+                    <a16:rowId xmlns:a16="http://schemas.microsoft.com/office/drawing/2014/main" val="10005"/>
+                  </a:ext>
+                </a:extLst>
               </a:tr>
               <a:tr h="396280">
                 <a:tc>
@@ -17903,6 +21213,11 @@
                     </a:lnR>
                   </a:tcPr>
                 </a:tc>
+                <a:extLst>
+                  <a:ext uri="{0D108BD9-81ED-4DB2-BD59-A6C34878D82A}">
+                    <a16:rowId xmlns:a16="http://schemas.microsoft.com/office/drawing/2014/main" val="10006"/>
+                  </a:ext>
+                </a:extLst>
               </a:tr>
               <a:tr h="396280">
                 <a:tc>
@@ -17972,6 +21287,11 @@
                     </a:lnB>
                   </a:tcPr>
                 </a:tc>
+                <a:extLst>
+                  <a:ext uri="{0D108BD9-81ED-4DB2-BD59-A6C34878D82A}">
+                    <a16:rowId xmlns:a16="http://schemas.microsoft.com/office/drawing/2014/main" val="10007"/>
+                  </a:ext>
+                </a:extLst>
               </a:tr>
             </a:tbl>
           </a:graphicData>
@@ -18172,8 +21492,9 @@
           <a:bodyPr/>
           <a:lstStyle/>
           <a:p>
-            <a:r>
-              <a:rPr lang="en-GB" altLang="en-US" sz="3200" b="1" smtClean="0">
+            <a:pPr algn="r"/>
+            <a:r>
+              <a:rPr lang="en-GB" altLang="en-US" sz="3200" b="1" dirty="0" smtClean="0">
                 <a:solidFill>
                   <a:srgbClr val="000000"/>
                 </a:solidFill>
@@ -18181,7 +21502,7 @@
               </a:rPr>
               <a:t>The future of parallel data analysis (2)</a:t>
             </a:r>
-            <a:endParaRPr lang="en-GB" altLang="en-US" sz="3200" b="1" smtClean="0">
+            <a:endParaRPr lang="en-GB" altLang="en-US" sz="3200" b="1" dirty="0" smtClean="0">
               <a:ea typeface="ＭＳ Ｐゴシック" pitchFamily="34" charset="-128"/>
             </a:endParaRPr>
           </a:p>
@@ -18292,15 +21613,16 @@
         <p:spPr>
           <a:xfrm>
             <a:off x="457200" y="44450"/>
-            <a:ext cx="8229600" cy="1143000"/>
+            <a:ext cx="8229600" cy="936278"/>
           </a:xfrm>
         </p:spPr>
         <p:txBody>
           <a:bodyPr/>
           <a:lstStyle/>
           <a:p>
-            <a:r>
-              <a:rPr lang="en-GB" altLang="en-US" sz="4000" b="1" smtClean="0">
+            <a:pPr algn="r"/>
+            <a:r>
+              <a:rPr lang="en-GB" altLang="en-US" sz="3200" b="1" dirty="0" smtClean="0">
                 <a:ea typeface="ＭＳ Ｐゴシック" pitchFamily="34" charset="-128"/>
               </a:rPr>
               <a:t>Further information</a:t>
@@ -18661,13 +21983,19 @@
             <p:ph type="title"/>
           </p:nvPr>
         </p:nvSpPr>
-        <p:spPr/>
+        <p:spPr>
+          <a:xfrm>
+            <a:off x="457200" y="274638"/>
+            <a:ext cx="8229600" cy="1066800"/>
+          </a:xfrm>
+        </p:spPr>
         <p:txBody>
           <a:bodyPr/>
           <a:lstStyle/>
           <a:p>
-            <a:r>
-              <a:rPr lang="en-GB" altLang="en-US" sz="3600" b="1" smtClean="0">
+            <a:pPr algn="r"/>
+            <a:r>
+              <a:rPr lang="en-GB" altLang="en-US" sz="3200" b="1" dirty="0" smtClean="0">
                 <a:ea typeface="ＭＳ Ｐゴシック" pitchFamily="34" charset="-128"/>
               </a:rPr>
               <a:t>Processing big data: the issues</a:t>
@@ -18688,7 +22016,7 @@
         <p:spPr>
           <a:xfrm>
             <a:off x="457200" y="1341438"/>
-            <a:ext cx="8229600" cy="5111750"/>
+            <a:ext cx="8229600" cy="4751858"/>
           </a:xfrm>
         </p:spPr>
         <p:txBody>
@@ -18696,7 +22024,7 @@
           <a:lstStyle/>
           <a:p>
             <a:r>
-              <a:rPr lang="en-GB" altLang="en-US" sz="2800" smtClean="0">
+              <a:rPr lang="en-GB" altLang="en-US" sz="2800" dirty="0" smtClean="0">
                 <a:solidFill>
                   <a:srgbClr val="000000"/>
                 </a:solidFill>
@@ -18707,7 +22035,7 @@
           </a:p>
           <a:p>
             <a:r>
-              <a:rPr lang="en-GB" altLang="en-US" sz="2800" smtClean="0">
+              <a:rPr lang="en-GB" altLang="en-US" sz="2800" dirty="0" smtClean="0">
                 <a:solidFill>
                   <a:srgbClr val="000000"/>
                 </a:solidFill>
@@ -18719,7 +22047,7 @@
           <a:p>
             <a:pPr lvl="1"/>
             <a:r>
-              <a:rPr lang="en-GB" altLang="en-US" sz="2000" smtClean="0">
+              <a:rPr lang="en-GB" altLang="en-US" sz="2000" dirty="0" smtClean="0">
                 <a:solidFill>
                   <a:srgbClr val="000000"/>
                 </a:solidFill>
@@ -18731,7 +22059,7 @@
           <a:p>
             <a:pPr lvl="1"/>
             <a:r>
-              <a:rPr lang="en-GB" altLang="en-US" sz="2000" smtClean="0">
+              <a:rPr lang="en-GB" altLang="en-US" sz="2000" dirty="0" smtClean="0">
                 <a:solidFill>
                   <a:srgbClr val="000000"/>
                 </a:solidFill>
@@ -18743,21 +22071,24 @@
           <a:p>
             <a:pPr lvl="1"/>
             <a:r>
-              <a:rPr lang="en-GB" altLang="en-US" sz="2000" smtClean="0">
+              <a:rPr lang="en-GB" altLang="en-US" sz="2000" dirty="0" smtClean="0">
                 <a:solidFill>
                   <a:srgbClr val="000000"/>
                 </a:solidFill>
                 <a:ea typeface="ＭＳ Ｐゴシック" pitchFamily="34" charset="-128"/>
               </a:rPr>
-              <a:t>The software/scientists were not equipped to work in parallel</a:t>
-            </a:r>
-          </a:p>
-          <a:p>
-            <a:pPr lvl="1">
-              <a:buFont typeface="Arial" pitchFamily="34" charset="0"/>
-              <a:buNone/>
-            </a:pPr>
-            <a:endParaRPr lang="en-GB" altLang="en-US" sz="1100" smtClean="0">
+              <a:t>The software/scientists were not equipped to work in </a:t>
+            </a:r>
+            <a:r>
+              <a:rPr lang="en-GB" altLang="en-US" sz="2000" dirty="0" smtClean="0">
+                <a:solidFill>
+                  <a:srgbClr val="000000"/>
+                </a:solidFill>
+                <a:ea typeface="ＭＳ Ｐゴシック" pitchFamily="34" charset="-128"/>
+              </a:rPr>
+              <a:t>parallel</a:t>
+            </a:r>
+            <a:endParaRPr lang="en-GB" altLang="en-US" sz="800" dirty="0" smtClean="0">
               <a:solidFill>
                 <a:srgbClr val="000000"/>
               </a:solidFill>
@@ -18766,7 +22097,7 @@
           </a:p>
           <a:p>
             <a:r>
-              <a:rPr lang="en-GB" altLang="en-US" sz="2800" smtClean="0">
+              <a:rPr lang="en-GB" altLang="en-US" sz="2800" dirty="0" smtClean="0">
                 <a:solidFill>
                   <a:srgbClr val="000000"/>
                 </a:solidFill>
@@ -18778,7 +22109,7 @@
           <a:p>
             <a:pPr lvl="1"/>
             <a:r>
-              <a:rPr lang="en-GB" altLang="en-US" sz="2000" smtClean="0">
+              <a:rPr lang="en-GB" altLang="en-US" sz="2000" dirty="0" smtClean="0">
                 <a:solidFill>
                   <a:srgbClr val="000000"/>
                 </a:solidFill>
@@ -18787,7 +22118,7 @@
               <a:t>Processing big data </a:t>
             </a:r>
             <a:r>
-              <a:rPr lang="en-GB" altLang="en-US" sz="2000" b="1" smtClean="0">
+              <a:rPr lang="en-GB" altLang="en-US" sz="2000" b="1" dirty="0" smtClean="0">
                 <a:solidFill>
                   <a:srgbClr val="000000"/>
                 </a:solidFill>
@@ -18796,7 +22127,7 @@
               <a:t>requires</a:t>
             </a:r>
             <a:r>
-              <a:rPr lang="en-GB" altLang="en-US" sz="2000" smtClean="0">
+              <a:rPr lang="en-GB" altLang="en-US" sz="2000" dirty="0" smtClean="0">
                 <a:solidFill>
                   <a:srgbClr val="000000"/>
                 </a:solidFill>
@@ -18808,7 +22139,7 @@
           <a:p>
             <a:pPr lvl="1"/>
             <a:r>
-              <a:rPr lang="en-GB" altLang="en-US" sz="2000" smtClean="0">
+              <a:rPr lang="en-GB" altLang="en-US" sz="2000" dirty="0" smtClean="0">
                 <a:solidFill>
                   <a:srgbClr val="000000"/>
                 </a:solidFill>
@@ -18816,7 +22147,7 @@
               </a:rPr>
               <a:t>Platforms, tools, and programmers are becoming better equipped</a:t>
             </a:r>
-            <a:endParaRPr lang="en-GB" altLang="en-US" sz="2400" smtClean="0">
+            <a:endParaRPr lang="en-GB" altLang="en-US" sz="2400" dirty="0" smtClean="0">
               <a:ea typeface="ＭＳ Ｐゴシック" pitchFamily="34" charset="-128"/>
             </a:endParaRPr>
           </a:p>
@@ -18864,13 +22195,19 @@
             <p:ph type="title"/>
           </p:nvPr>
         </p:nvSpPr>
-        <p:spPr/>
+        <p:spPr>
+          <a:xfrm>
+            <a:off x="5220072" y="274638"/>
+            <a:ext cx="3466728" cy="922337"/>
+          </a:xfrm>
+        </p:spPr>
         <p:txBody>
           <a:bodyPr/>
           <a:lstStyle/>
           <a:p>
-            <a:r>
-              <a:rPr lang="en-GB" altLang="en-US" sz="3600" b="1" smtClean="0">
+            <a:pPr algn="r"/>
+            <a:r>
+              <a:rPr lang="en-GB" altLang="en-US" sz="3200" b="1" dirty="0" smtClean="0">
                 <a:ea typeface="ＭＳ Ｐゴシック" pitchFamily="34" charset="-128"/>
               </a:rPr>
               <a:t>Some Terminology</a:t>
@@ -18903,13 +22240,13 @@
               <a:buNone/>
             </a:pPr>
             <a:r>
-              <a:rPr lang="en-GB" altLang="en-US" sz="2800" b="1" smtClean="0">
+              <a:rPr lang="en-GB" altLang="en-US" sz="2800" b="1" dirty="0" smtClean="0">
                 <a:ea typeface="ＭＳ Ｐゴシック" pitchFamily="34" charset="-128"/>
               </a:rPr>
               <a:t>Concurrency</a:t>
             </a:r>
             <a:r>
-              <a:rPr lang="en-GB" altLang="en-US" sz="2800" smtClean="0">
+              <a:rPr lang="en-GB" altLang="en-US" sz="2800" dirty="0" smtClean="0">
                 <a:ea typeface="ＭＳ Ｐゴシック" pitchFamily="34" charset="-128"/>
               </a:rPr>
               <a:t>: A property of a system in which multiple tasks that comprise the system remain active and make progress at the same time.</a:t>
@@ -18920,7 +22257,7 @@
               <a:buFont typeface="Arial" pitchFamily="34" charset="0"/>
               <a:buNone/>
             </a:pPr>
-            <a:endParaRPr lang="en-GB" altLang="en-US" sz="1600" smtClean="0">
+            <a:endParaRPr lang="en-GB" altLang="en-US" sz="1600" dirty="0" smtClean="0">
               <a:ea typeface="ＭＳ Ｐゴシック" pitchFamily="34" charset="-128"/>
             </a:endParaRPr>
           </a:p>
@@ -18930,13 +22267,13 @@
               <a:buNone/>
             </a:pPr>
             <a:r>
-              <a:rPr lang="en-GB" altLang="en-US" sz="2800" b="1" smtClean="0">
+              <a:rPr lang="en-GB" altLang="en-US" sz="2800" b="1" dirty="0" smtClean="0">
                 <a:ea typeface="ＭＳ Ｐゴシック" pitchFamily="34" charset="-128"/>
               </a:rPr>
               <a:t>Parallelism:</a:t>
             </a:r>
             <a:r>
-              <a:rPr lang="en-GB" altLang="en-US" sz="2800" smtClean="0">
+              <a:rPr lang="en-GB" altLang="en-US" sz="2800" dirty="0" smtClean="0">
                 <a:ea typeface="ＭＳ Ｐゴシック" pitchFamily="34" charset="-128"/>
               </a:rPr>
               <a:t> Exploiting concurrency in a programme with the goal of solving a problem in less time.</a:t>
@@ -18947,7 +22284,7 @@
               <a:buFont typeface="Arial" pitchFamily="34" charset="0"/>
               <a:buNone/>
             </a:pPr>
-            <a:endParaRPr lang="en-GB" altLang="en-US" sz="1400" smtClean="0">
+            <a:endParaRPr lang="en-GB" altLang="en-US" sz="1400" dirty="0" smtClean="0">
               <a:ea typeface="ＭＳ Ｐゴシック" pitchFamily="34" charset="-128"/>
             </a:endParaRPr>
           </a:p>
@@ -18957,13 +22294,13 @@
               <a:buNone/>
             </a:pPr>
             <a:r>
-              <a:rPr lang="en-GB" altLang="en-US" sz="2800" b="1" smtClean="0">
+              <a:rPr lang="en-GB" altLang="en-US" sz="2800" b="1" dirty="0" smtClean="0">
                 <a:ea typeface="ＭＳ Ｐゴシック" pitchFamily="34" charset="-128"/>
               </a:rPr>
               <a:t>Race condition: </a:t>
             </a:r>
             <a:r>
-              <a:rPr lang="en-GB" altLang="en-US" sz="2800" smtClean="0">
+              <a:rPr lang="en-GB" altLang="en-US" sz="2800" dirty="0" smtClean="0">
                 <a:ea typeface="ＭＳ Ｐゴシック" pitchFamily="34" charset="-128"/>
               </a:rPr>
               <a:t>A race condition occurs within concurrent environments. It is when a piece of code prevents code that is running elsewhere from accessing a shared resource, e.g., memory, and thus delays the other process.</a:t>
@@ -19026,7 +22363,7 @@
         </p:blipFill>
         <p:spPr bwMode="auto">
           <a:xfrm>
-            <a:off x="5003800" y="4210050"/>
+            <a:off x="5003800" y="4149080"/>
             <a:ext cx="3808413" cy="2314575"/>
           </a:xfrm>
           <a:prstGeom prst="rect">
@@ -19067,13 +22404,19 @@
             <p:ph type="title"/>
           </p:nvPr>
         </p:nvSpPr>
-        <p:spPr/>
+        <p:spPr>
+          <a:xfrm>
+            <a:off x="3563888" y="274638"/>
+            <a:ext cx="5122912" cy="1143000"/>
+          </a:xfrm>
+        </p:spPr>
         <p:txBody>
           <a:bodyPr/>
           <a:lstStyle/>
           <a:p>
-            <a:r>
-              <a:rPr lang="en-GB" altLang="en-US" sz="3600" b="1" smtClean="0">
+            <a:pPr algn="r"/>
+            <a:r>
+              <a:rPr lang="en-GB" altLang="en-US" sz="3200" b="1" dirty="0" smtClean="0">
                 <a:ea typeface="ＭＳ Ｐゴシック" pitchFamily="34" charset="-128"/>
               </a:rPr>
               <a:t>How does my computer do so many things at once?</a:t>
@@ -19106,7 +22449,7 @@
               <a:buNone/>
             </a:pPr>
             <a:r>
-              <a:rPr lang="en-GB" altLang="en-US" sz="2800" smtClean="0">
+              <a:rPr lang="en-GB" altLang="en-US" sz="2800" dirty="0" smtClean="0">
                 <a:ea typeface="ＭＳ Ｐゴシック" pitchFamily="34" charset="-128"/>
               </a:rPr>
               <a:t>These days most computers, and even phones, have multiple processors.</a:t>
@@ -19117,7 +22460,7 @@
               <a:buFont typeface="Arial" pitchFamily="34" charset="0"/>
               <a:buNone/>
             </a:pPr>
-            <a:endParaRPr lang="en-GB" altLang="en-US" sz="100" smtClean="0">
+            <a:endParaRPr lang="en-GB" altLang="en-US" sz="100" dirty="0" smtClean="0">
               <a:ea typeface="ＭＳ Ｐゴシック" pitchFamily="34" charset="-128"/>
             </a:endParaRPr>
           </a:p>
@@ -19127,13 +22470,13 @@
               <a:buNone/>
             </a:pPr>
             <a:r>
-              <a:rPr lang="en-GB" altLang="en-US" sz="2800" smtClean="0">
+              <a:rPr lang="en-GB" altLang="en-US" sz="2800" dirty="0" smtClean="0">
                 <a:ea typeface="ＭＳ Ｐゴシック" pitchFamily="34" charset="-128"/>
               </a:rPr>
               <a:t>However, even on a single processor modern operating systems can give the illusion that multiple tasks are running at the same time by rapidly switching between many active </a:t>
             </a:r>
             <a:r>
-              <a:rPr lang="en-GB" altLang="en-US" sz="2800" smtClean="0">
+              <a:rPr lang="en-GB" altLang="en-US" sz="2800" dirty="0" smtClean="0">
                 <a:solidFill>
                   <a:srgbClr val="FF0000"/>
                 </a:solidFill>
@@ -19142,7 +22485,7 @@
               <a:t>threads</a:t>
             </a:r>
             <a:r>
-              <a:rPr lang="en-GB" altLang="en-US" sz="2800" smtClean="0">
+              <a:rPr lang="en-GB" altLang="en-US" sz="2800" dirty="0" smtClean="0">
                 <a:ea typeface="ＭＳ Ｐゴシック" pitchFamily="34" charset="-128"/>
               </a:rPr>
               <a:t>.</a:t>
@@ -19153,7 +22496,7 @@
               <a:buFont typeface="Arial" pitchFamily="34" charset="0"/>
               <a:buNone/>
             </a:pPr>
-            <a:endParaRPr lang="en-GB" altLang="en-US" sz="1200" smtClean="0">
+            <a:endParaRPr lang="en-GB" altLang="en-US" sz="1200" dirty="0" smtClean="0">
               <a:ea typeface="ＭＳ Ｐゴシック" pitchFamily="34" charset="-128"/>
             </a:endParaRPr>
           </a:p>
@@ -19162,7 +22505,7 @@
               <a:buFont typeface="Arial" pitchFamily="34" charset="0"/>
               <a:buNone/>
             </a:pPr>
-            <a:endParaRPr lang="en-GB" altLang="en-US" sz="2800" smtClean="0">
+            <a:endParaRPr lang="en-GB" altLang="en-US" sz="2800" dirty="0" smtClean="0">
               <a:ea typeface="ＭＳ Ｐゴシック" pitchFamily="34" charset="-128"/>
             </a:endParaRPr>
           </a:p>
@@ -19176,7 +22519,7 @@
         </p:nvSpPr>
         <p:spPr>
           <a:xfrm>
-            <a:off x="420688" y="4221163"/>
+            <a:off x="420688" y="4077072"/>
             <a:ext cx="4438650" cy="2524125"/>
           </a:xfrm>
           <a:prstGeom prst="rect">
@@ -19462,8 +22805,9 @@
           <a:bodyPr/>
           <a:lstStyle/>
           <a:p>
-            <a:r>
-              <a:rPr lang="en-GB" altLang="en-US" sz="3600" b="1" smtClean="0">
+            <a:pPr algn="r"/>
+            <a:r>
+              <a:rPr lang="en-GB" altLang="en-US" sz="3200" b="1" dirty="0" smtClean="0">
                 <a:solidFill>
                   <a:srgbClr val="000000"/>
                 </a:solidFill>
@@ -19471,7 +22815,7 @@
               </a:rPr>
               <a:t>Parallel processing for data analysis</a:t>
             </a:r>
-            <a:endParaRPr lang="en-GB" altLang="en-US" sz="3600" b="1" smtClean="0">
+            <a:endParaRPr lang="en-GB" altLang="en-US" sz="3200" b="1" dirty="0" smtClean="0">
               <a:ea typeface="ＭＳ Ｐゴシック" pitchFamily="34" charset="-128"/>
             </a:endParaRPr>
           </a:p>
@@ -19629,13 +22973,19 @@
             <p:ph type="title"/>
           </p:nvPr>
         </p:nvSpPr>
-        <p:spPr/>
+        <p:spPr>
+          <a:xfrm>
+            <a:off x="611560" y="404664"/>
+            <a:ext cx="8229600" cy="1143000"/>
+          </a:xfrm>
+        </p:spPr>
         <p:txBody>
           <a:bodyPr/>
           <a:lstStyle/>
           <a:p>
-            <a:r>
-              <a:rPr lang="en-GB" altLang="en-US" sz="3600" b="1" smtClean="0">
+            <a:pPr algn="r"/>
+            <a:r>
+              <a:rPr lang="en-GB" altLang="en-US" sz="3200" b="1" dirty="0" smtClean="0">
                 <a:ea typeface="ＭＳ Ｐゴシック" pitchFamily="34" charset="-128"/>
               </a:rPr>
               <a:t>(Almost) everything is parallel these days</a:t>
@@ -19752,7 +23102,7 @@
         </p:nvSpPr>
         <p:spPr bwMode="auto">
           <a:xfrm>
-            <a:off x="1547813" y="1416050"/>
+            <a:off x="1547664" y="1547664"/>
             <a:ext cx="5616575" cy="1076325"/>
           </a:xfrm>
           <a:prstGeom prst="rect">
@@ -19984,13 +23334,19 @@
             <p:ph type="title"/>
           </p:nvPr>
         </p:nvSpPr>
-        <p:spPr/>
+        <p:spPr>
+          <a:xfrm>
+            <a:off x="457200" y="274638"/>
+            <a:ext cx="8229600" cy="993775"/>
+          </a:xfrm>
+        </p:spPr>
         <p:txBody>
           <a:bodyPr/>
           <a:lstStyle/>
           <a:p>
-            <a:r>
-              <a:rPr lang="en-GB" altLang="en-US" sz="3600" b="1" smtClean="0">
+            <a:pPr algn="r"/>
+            <a:r>
+              <a:rPr lang="en-GB" altLang="en-US" sz="3200" b="1" dirty="0" smtClean="0">
                 <a:ea typeface="ＭＳ Ｐゴシック" pitchFamily="34" charset="-128"/>
               </a:rPr>
               <a:t>Simple parallelism by hand (1)</a:t>
@@ -20019,7 +23375,7 @@
           <a:lstStyle/>
           <a:p>
             <a:r>
-              <a:rPr lang="en-GB" altLang="en-US" smtClean="0">
+              <a:rPr lang="en-GB" altLang="en-US" sz="2800" dirty="0" smtClean="0">
                 <a:ea typeface="ＭＳ Ｐゴシック" pitchFamily="34" charset="-128"/>
               </a:rPr>
               <a:t>Running on a multi-core machine you can exploit local processes, e.g.:</a:t>
@@ -20030,7 +23386,7 @@
               <a:buFont typeface="Arial" pitchFamily="34" charset="0"/>
               <a:buNone/>
             </a:pPr>
-            <a:endParaRPr lang="en-GB" altLang="en-US" smtClean="0">
+            <a:endParaRPr lang="en-GB" altLang="en-US" dirty="0" smtClean="0">
               <a:ea typeface="ＭＳ Ｐゴシック" pitchFamily="34" charset="-128"/>
             </a:endParaRPr>
           </a:p>
@@ -20044,8 +23400,8 @@
         </p:nvSpPr>
         <p:spPr>
           <a:xfrm>
-            <a:off x="827088" y="2924175"/>
-            <a:ext cx="1584325" cy="1016000"/>
+            <a:off x="1060070" y="2622172"/>
+            <a:ext cx="1965325" cy="1569660"/>
           </a:xfrm>
           <a:prstGeom prst="rect">
             <a:avLst/>
@@ -20066,7 +23422,7 @@
           </a:fontRef>
         </p:style>
         <p:txBody>
-          <a:bodyPr>
+          <a:bodyPr wrap="square">
             <a:spAutoFit/>
           </a:bodyPr>
           <a:lstStyle/>
@@ -20075,7 +23431,7 @@
               <a:defRPr/>
             </a:pPr>
             <a:r>
-              <a:rPr lang="en-GB" sz="1200" dirty="0">
+              <a:rPr lang="en-GB" sz="1600" dirty="0">
                 <a:latin typeface="Arial Rounded MT Bold" pitchFamily="34" charset="0"/>
               </a:rPr>
               <a:t>Long list (100,000) of text files: each file contains the text from a whole book.</a:t>
@@ -20091,8 +23447,8 @@
         </p:nvSpPr>
         <p:spPr>
           <a:xfrm>
-            <a:off x="6156325" y="2924175"/>
-            <a:ext cx="1584325" cy="1016000"/>
+            <a:off x="6156177" y="2636912"/>
+            <a:ext cx="1984524" cy="1261884"/>
           </a:xfrm>
           <a:prstGeom prst="rect">
             <a:avLst/>
@@ -20113,7 +23469,7 @@
           </a:fontRef>
         </p:style>
         <p:txBody>
-          <a:bodyPr>
+          <a:bodyPr wrap="square">
             <a:spAutoFit/>
           </a:bodyPr>
           <a:lstStyle>
@@ -20228,7 +23584,7 @@
               <a:defRPr/>
             </a:pPr>
             <a:r>
-              <a:rPr lang="en-GB" altLang="en-US" sz="1200" smtClean="0">
+              <a:rPr lang="en-GB" altLang="en-US" sz="1600" dirty="0" smtClean="0">
                 <a:solidFill>
                   <a:srgbClr val="000000"/>
                 </a:solidFill>
@@ -20242,7 +23598,7 @@
             <a:pPr eaLnBrk="1" hangingPunct="1">
               <a:defRPr/>
             </a:pPr>
-            <a:endParaRPr lang="en-GB" altLang="en-US" sz="1200" smtClean="0">
+            <a:endParaRPr lang="en-GB" altLang="en-US" sz="1200" dirty="0" smtClean="0">
               <a:solidFill>
                 <a:srgbClr val="000000"/>
               </a:solidFill>
@@ -20260,7 +23616,7 @@
         </p:nvSpPr>
         <p:spPr>
           <a:xfrm>
-            <a:off x="3492500" y="2708275"/>
+            <a:off x="3669890" y="2622172"/>
             <a:ext cx="1943100" cy="1655763"/>
           </a:xfrm>
           <a:prstGeom prst="rightArrow">
@@ -20292,7 +23648,9 @@
               <a:defRPr/>
             </a:pPr>
             <a:r>
-              <a:rPr lang="en-GB" dirty="0"/>
+              <a:rPr lang="en-GB" sz="1600" dirty="0">
+                <a:latin typeface="Arial Rounded MT Bold" panose="020F0704030504030204" pitchFamily="34" charset="0"/>
+              </a:rPr>
               <a:t>Some processing code</a:t>
             </a:r>
           </a:p>
@@ -20708,8 +24066,9 @@
           <a:bodyPr/>
           <a:lstStyle/>
           <a:p>
-            <a:r>
-              <a:rPr lang="en-GB" altLang="en-US" sz="3600" b="1" dirty="0" smtClean="0">
+            <a:pPr algn="r"/>
+            <a:r>
+              <a:rPr lang="en-GB" altLang="en-US" sz="3200" b="1" dirty="0" smtClean="0">
                 <a:ea typeface="ＭＳ Ｐゴシック" pitchFamily="34" charset="-128"/>
               </a:rPr>
               <a:t>Simple parallelism by hand (2)</a:t>
@@ -21019,7 +24378,7 @@
         </p:nvSpPr>
         <p:spPr bwMode="auto">
           <a:xfrm>
-            <a:off x="395288" y="5026025"/>
+            <a:off x="395288" y="4896716"/>
             <a:ext cx="8424862" cy="923925"/>
           </a:xfrm>
           <a:prstGeom prst="rect">
@@ -21825,7 +25184,7 @@
 </file>
 
 <file path=ppt/theme/theme1.xml><?xml version="1.0" encoding="utf-8"?>
-<a:theme xmlns:a="http://schemas.openxmlformats.org/drawingml/2006/main" name="Office Theme">
+<a:theme xmlns:a="http://schemas.openxmlformats.org/drawingml/2006/main" name="CEDA">
   <a:themeElements>
     <a:clrScheme name="Office">
       <a:dk1>
@@ -22108,6 +25467,267 @@
 </file>
 
 <file path=ppt/theme/theme2.xml><?xml version="1.0" encoding="utf-8"?>
+<a:theme xmlns:a="http://schemas.openxmlformats.org/drawingml/2006/main" name="Custom Design">
+  <a:themeElements>
+    <a:clrScheme name="Office">
+      <a:dk1>
+        <a:sysClr val="windowText" lastClr="000000"/>
+      </a:dk1>
+      <a:lt1>
+        <a:sysClr val="window" lastClr="FFFFFF"/>
+      </a:lt1>
+      <a:dk2>
+        <a:srgbClr val="44546A"/>
+      </a:dk2>
+      <a:lt2>
+        <a:srgbClr val="E7E6E6"/>
+      </a:lt2>
+      <a:accent1>
+        <a:srgbClr val="5B9BD5"/>
+      </a:accent1>
+      <a:accent2>
+        <a:srgbClr val="ED7D31"/>
+      </a:accent2>
+      <a:accent3>
+        <a:srgbClr val="A5A5A5"/>
+      </a:accent3>
+      <a:accent4>
+        <a:srgbClr val="FFC000"/>
+      </a:accent4>
+      <a:accent5>
+        <a:srgbClr val="4472C4"/>
+      </a:accent5>
+      <a:accent6>
+        <a:srgbClr val="70AD47"/>
+      </a:accent6>
+      <a:hlink>
+        <a:srgbClr val="0563C1"/>
+      </a:hlink>
+      <a:folHlink>
+        <a:srgbClr val="954F72"/>
+      </a:folHlink>
+    </a:clrScheme>
+    <a:fontScheme name="Office">
+      <a:majorFont>
+        <a:latin typeface="Calibri Light" panose="020F0302020204030204"/>
+        <a:ea typeface=""/>
+        <a:cs typeface=""/>
+        <a:font script="Jpan" typeface="游ゴシック Light"/>
+        <a:font script="Hang" typeface="맑은 고딕"/>
+        <a:font script="Hans" typeface="等线 Light"/>
+        <a:font script="Hant" typeface="新細明體"/>
+        <a:font script="Arab" typeface="Times New Roman"/>
+        <a:font script="Hebr" typeface="Times New Roman"/>
+        <a:font script="Thai" typeface="Angsana New"/>
+        <a:font script="Ethi" typeface="Nyala"/>
+        <a:font script="Beng" typeface="Vrinda"/>
+        <a:font script="Gujr" typeface="Shruti"/>
+        <a:font script="Khmr" typeface="MoolBoran"/>
+        <a:font script="Knda" typeface="Tunga"/>
+        <a:font script="Guru" typeface="Raavi"/>
+        <a:font script="Cans" typeface="Euphemia"/>
+        <a:font script="Cher" typeface="Plantagenet Cherokee"/>
+        <a:font script="Yiii" typeface="Microsoft Yi Baiti"/>
+        <a:font script="Tibt" typeface="Microsoft Himalaya"/>
+        <a:font script="Thaa" typeface="MV Boli"/>
+        <a:font script="Deva" typeface="Mangal"/>
+        <a:font script="Telu" typeface="Gautami"/>
+        <a:font script="Taml" typeface="Latha"/>
+        <a:font script="Syrc" typeface="Estrangelo Edessa"/>
+        <a:font script="Orya" typeface="Kalinga"/>
+        <a:font script="Mlym" typeface="Kartika"/>
+        <a:font script="Laoo" typeface="DokChampa"/>
+        <a:font script="Sinh" typeface="Iskoola Pota"/>
+        <a:font script="Mong" typeface="Mongolian Baiti"/>
+        <a:font script="Viet" typeface="Times New Roman"/>
+        <a:font script="Uigh" typeface="Microsoft Uighur"/>
+        <a:font script="Geor" typeface="Sylfaen"/>
+      </a:majorFont>
+      <a:minorFont>
+        <a:latin typeface="Calibri" panose="020F0502020204030204"/>
+        <a:ea typeface=""/>
+        <a:cs typeface=""/>
+        <a:font script="Jpan" typeface="游ゴシック"/>
+        <a:font script="Hang" typeface="맑은 고딕"/>
+        <a:font script="Hans" typeface="等线"/>
+        <a:font script="Hant" typeface="新細明體"/>
+        <a:font script="Arab" typeface="Arial"/>
+        <a:font script="Hebr" typeface="Arial"/>
+        <a:font script="Thai" typeface="Cordia New"/>
+        <a:font script="Ethi" typeface="Nyala"/>
+        <a:font script="Beng" typeface="Vrinda"/>
+        <a:font script="Gujr" typeface="Shruti"/>
+        <a:font script="Khmr" typeface="DaunPenh"/>
+        <a:font script="Knda" typeface="Tunga"/>
+        <a:font script="Guru" typeface="Raavi"/>
+        <a:font script="Cans" typeface="Euphemia"/>
+        <a:font script="Cher" typeface="Plantagenet Cherokee"/>
+        <a:font script="Yiii" typeface="Microsoft Yi Baiti"/>
+        <a:font script="Tibt" typeface="Microsoft Himalaya"/>
+        <a:font script="Thaa" typeface="MV Boli"/>
+        <a:font script="Deva" typeface="Mangal"/>
+        <a:font script="Telu" typeface="Gautami"/>
+        <a:font script="Taml" typeface="Latha"/>
+        <a:font script="Syrc" typeface="Estrangelo Edessa"/>
+        <a:font script="Orya" typeface="Kalinga"/>
+        <a:font script="Mlym" typeface="Kartika"/>
+        <a:font script="Laoo" typeface="DokChampa"/>
+        <a:font script="Sinh" typeface="Iskoola Pota"/>
+        <a:font script="Mong" typeface="Mongolian Baiti"/>
+        <a:font script="Viet" typeface="Arial"/>
+        <a:font script="Uigh" typeface="Microsoft Uighur"/>
+        <a:font script="Geor" typeface="Sylfaen"/>
+      </a:minorFont>
+    </a:fontScheme>
+    <a:fmtScheme name="Office">
+      <a:fillStyleLst>
+        <a:solidFill>
+          <a:schemeClr val="phClr"/>
+        </a:solidFill>
+        <a:gradFill rotWithShape="1">
+          <a:gsLst>
+            <a:gs pos="0">
+              <a:schemeClr val="phClr">
+                <a:lumMod val="110000"/>
+                <a:satMod val="105000"/>
+                <a:tint val="67000"/>
+              </a:schemeClr>
+            </a:gs>
+            <a:gs pos="50000">
+              <a:schemeClr val="phClr">
+                <a:lumMod val="105000"/>
+                <a:satMod val="103000"/>
+                <a:tint val="73000"/>
+              </a:schemeClr>
+            </a:gs>
+            <a:gs pos="100000">
+              <a:schemeClr val="phClr">
+                <a:lumMod val="105000"/>
+                <a:satMod val="109000"/>
+                <a:tint val="81000"/>
+              </a:schemeClr>
+            </a:gs>
+          </a:gsLst>
+          <a:lin ang="5400000" scaled="0"/>
+        </a:gradFill>
+        <a:gradFill rotWithShape="1">
+          <a:gsLst>
+            <a:gs pos="0">
+              <a:schemeClr val="phClr">
+                <a:satMod val="103000"/>
+                <a:lumMod val="102000"/>
+                <a:tint val="94000"/>
+              </a:schemeClr>
+            </a:gs>
+            <a:gs pos="50000">
+              <a:schemeClr val="phClr">
+                <a:satMod val="110000"/>
+                <a:lumMod val="100000"/>
+                <a:shade val="100000"/>
+              </a:schemeClr>
+            </a:gs>
+            <a:gs pos="100000">
+              <a:schemeClr val="phClr">
+                <a:lumMod val="99000"/>
+                <a:satMod val="120000"/>
+                <a:shade val="78000"/>
+              </a:schemeClr>
+            </a:gs>
+          </a:gsLst>
+          <a:lin ang="5400000" scaled="0"/>
+        </a:gradFill>
+      </a:fillStyleLst>
+      <a:lnStyleLst>
+        <a:ln w="6350" cap="flat" cmpd="sng" algn="ctr">
+          <a:solidFill>
+            <a:schemeClr val="phClr"/>
+          </a:solidFill>
+          <a:prstDash val="solid"/>
+          <a:miter lim="800000"/>
+        </a:ln>
+        <a:ln w="12700" cap="flat" cmpd="sng" algn="ctr">
+          <a:solidFill>
+            <a:schemeClr val="phClr"/>
+          </a:solidFill>
+          <a:prstDash val="solid"/>
+          <a:miter lim="800000"/>
+        </a:ln>
+        <a:ln w="19050" cap="flat" cmpd="sng" algn="ctr">
+          <a:solidFill>
+            <a:schemeClr val="phClr"/>
+          </a:solidFill>
+          <a:prstDash val="solid"/>
+          <a:miter lim="800000"/>
+        </a:ln>
+      </a:lnStyleLst>
+      <a:effectStyleLst>
+        <a:effectStyle>
+          <a:effectLst/>
+        </a:effectStyle>
+        <a:effectStyle>
+          <a:effectLst/>
+        </a:effectStyle>
+        <a:effectStyle>
+          <a:effectLst>
+            <a:outerShdw blurRad="57150" dist="19050" dir="5400000" algn="ctr" rotWithShape="0">
+              <a:srgbClr val="000000">
+                <a:alpha val="63000"/>
+              </a:srgbClr>
+            </a:outerShdw>
+          </a:effectLst>
+        </a:effectStyle>
+      </a:effectStyleLst>
+      <a:bgFillStyleLst>
+        <a:solidFill>
+          <a:schemeClr val="phClr"/>
+        </a:solidFill>
+        <a:solidFill>
+          <a:schemeClr val="phClr">
+            <a:tint val="95000"/>
+            <a:satMod val="170000"/>
+          </a:schemeClr>
+        </a:solidFill>
+        <a:gradFill rotWithShape="1">
+          <a:gsLst>
+            <a:gs pos="0">
+              <a:schemeClr val="phClr">
+                <a:tint val="93000"/>
+                <a:satMod val="150000"/>
+                <a:shade val="98000"/>
+                <a:lumMod val="102000"/>
+              </a:schemeClr>
+            </a:gs>
+            <a:gs pos="50000">
+              <a:schemeClr val="phClr">
+                <a:tint val="98000"/>
+                <a:satMod val="130000"/>
+                <a:shade val="90000"/>
+                <a:lumMod val="103000"/>
+              </a:schemeClr>
+            </a:gs>
+            <a:gs pos="100000">
+              <a:schemeClr val="phClr">
+                <a:shade val="63000"/>
+                <a:satMod val="120000"/>
+              </a:schemeClr>
+            </a:gs>
+          </a:gsLst>
+          <a:lin ang="5400000" scaled="0"/>
+        </a:gradFill>
+      </a:bgFillStyleLst>
+    </a:fmtScheme>
+  </a:themeElements>
+  <a:objectDefaults/>
+  <a:extraClrSchemeLst/>
+  <a:extLst>
+    <a:ext uri="{05A4C25C-085E-4340-85A3-A5531E510DB2}">
+      <thm15:themeFamily xmlns:thm15="http://schemas.microsoft.com/office/thememl/2012/main" name="Office Theme" id="{62F939B6-93AF-4DB8-9C6B-D6C7DFDC589F}" vid="{4A3C46E8-61CC-4603-A589-7422A47A8E4A}"/>
+    </a:ext>
+  </a:extLst>
+</a:theme>
+</file>
+
+<file path=ppt/theme/theme3.xml><?xml version="1.0" encoding="utf-8"?>
 <a:theme xmlns:a="http://schemas.openxmlformats.org/drawingml/2006/main" name="Office Theme">
   <a:themeElements>
     <a:clrScheme name="Office">
@@ -22392,7 +26012,7 @@
 </a:theme>
 </file>
 
-<file path=ppt/theme/theme3.xml><?xml version="1.0" encoding="utf-8"?>
+<file path=ppt/theme/theme4.xml><?xml version="1.0" encoding="utf-8"?>
 <a:theme xmlns:a="http://schemas.openxmlformats.org/drawingml/2006/main" name="Office Theme">
   <a:themeElements>
     <a:clrScheme name="Office">

--- a/overview_presentations/Parallel_Processing_Large_Data.pptx
+++ b/overview_presentations/Parallel_Processing_Large_Data.pptx
@@ -5,7 +5,7 @@
     <p:sldMasterId id="2147483666" r:id="rId1"/>
   </p:sldMasterIdLst>
   <p:notesMasterIdLst>
-    <p:notesMasterId r:id="rId34"/>
+    <p:notesMasterId r:id="rId35"/>
   </p:notesMasterIdLst>
   <p:sldIdLst>
     <p:sldId id="256" r:id="rId2"/>
@@ -21,62 +21,63 @@
     <p:sldId id="266" r:id="rId12"/>
     <p:sldId id="267" r:id="rId13"/>
     <p:sldId id="268" r:id="rId14"/>
-    <p:sldId id="269" r:id="rId15"/>
-    <p:sldId id="270" r:id="rId16"/>
-    <p:sldId id="271" r:id="rId17"/>
-    <p:sldId id="273" r:id="rId18"/>
-    <p:sldId id="274" r:id="rId19"/>
-    <p:sldId id="276" r:id="rId20"/>
-    <p:sldId id="277" r:id="rId21"/>
-    <p:sldId id="272" r:id="rId22"/>
-    <p:sldId id="278" r:id="rId23"/>
-    <p:sldId id="279" r:id="rId24"/>
-    <p:sldId id="280" r:id="rId25"/>
-    <p:sldId id="281" r:id="rId26"/>
-    <p:sldId id="275" r:id="rId27"/>
-    <p:sldId id="282" r:id="rId28"/>
-    <p:sldId id="283" r:id="rId29"/>
-    <p:sldId id="285" r:id="rId30"/>
-    <p:sldId id="286" r:id="rId31"/>
-    <p:sldId id="287" r:id="rId32"/>
-    <p:sldId id="288" r:id="rId33"/>
+    <p:sldId id="290" r:id="rId15"/>
+    <p:sldId id="269" r:id="rId16"/>
+    <p:sldId id="270" r:id="rId17"/>
+    <p:sldId id="271" r:id="rId18"/>
+    <p:sldId id="273" r:id="rId19"/>
+    <p:sldId id="274" r:id="rId20"/>
+    <p:sldId id="276" r:id="rId21"/>
+    <p:sldId id="277" r:id="rId22"/>
+    <p:sldId id="272" r:id="rId23"/>
+    <p:sldId id="278" r:id="rId24"/>
+    <p:sldId id="279" r:id="rId25"/>
+    <p:sldId id="280" r:id="rId26"/>
+    <p:sldId id="281" r:id="rId27"/>
+    <p:sldId id="275" r:id="rId28"/>
+    <p:sldId id="282" r:id="rId29"/>
+    <p:sldId id="283" r:id="rId30"/>
+    <p:sldId id="285" r:id="rId31"/>
+    <p:sldId id="286" r:id="rId32"/>
+    <p:sldId id="287" r:id="rId33"/>
+    <p:sldId id="288" r:id="rId34"/>
   </p:sldIdLst>
   <p:sldSz cx="9144000" cy="6858000" type="screen4x3"/>
   <p:notesSz cx="6858000" cy="9144000"/>
   <p:embeddedFontLst>
     <p:embeddedFont>
+      <p:font typeface="Calibri" panose="020F0502020204030204" pitchFamily="34" charset="0"/>
+      <p:regular r:id="rId36"/>
+      <p:bold r:id="rId37"/>
+      <p:italic r:id="rId38"/>
+      <p:boldItalic r:id="rId39"/>
+    </p:embeddedFont>
+    <p:embeddedFont>
+      <p:font typeface="Merriweather Sans" panose="020B0604020202020204" charset="0"/>
+      <p:regular r:id="rId40"/>
+      <p:bold r:id="rId41"/>
+      <p:italic r:id="rId42"/>
+      <p:boldItalic r:id="rId43"/>
+    </p:embeddedFont>
+    <p:embeddedFont>
+      <p:font typeface="ＭＳ Ｐゴシック" panose="020B0600070205080204" pitchFamily="34" charset="-128"/>
+      <p:regular r:id="rId44"/>
+    </p:embeddedFont>
+    <p:embeddedFont>
       <p:font typeface="Nunito" panose="020B0604020202020204" charset="0"/>
-      <p:bold r:id="rId35"/>
-      <p:boldItalic r:id="rId36"/>
+      <p:bold r:id="rId45"/>
+      <p:boldItalic r:id="rId46"/>
     </p:embeddedFont>
     <p:embeddedFont>
       <p:font typeface="Arimo" panose="020B0604020202020204" charset="0"/>
-      <p:regular r:id="rId37"/>
-      <p:bold r:id="rId38"/>
-      <p:italic r:id="rId39"/>
-      <p:boldItalic r:id="rId40"/>
-    </p:embeddedFont>
-    <p:embeddedFont>
-      <p:font typeface="Merriweather Sans" panose="020B0604020202020204" charset="0"/>
-      <p:regular r:id="rId41"/>
-      <p:bold r:id="rId42"/>
-      <p:italic r:id="rId43"/>
-      <p:boldItalic r:id="rId44"/>
+      <p:regular r:id="rId47"/>
+      <p:bold r:id="rId48"/>
+      <p:italic r:id="rId49"/>
+      <p:boldItalic r:id="rId50"/>
     </p:embeddedFont>
     <p:embeddedFont>
       <p:font typeface="Arial Rounded MT Bold" panose="020F0704030504030204" pitchFamily="34" charset="0"/>
-      <p:regular r:id="rId45"/>
-    </p:embeddedFont>
-    <p:embeddedFont>
-      <p:font typeface="Calibri" panose="020F0502020204030204" pitchFamily="34" charset="0"/>
-      <p:regular r:id="rId46"/>
-      <p:bold r:id="rId47"/>
-      <p:italic r:id="rId48"/>
-      <p:boldItalic r:id="rId49"/>
-    </p:embeddedFont>
-    <p:embeddedFont>
-      <p:font typeface="ＭＳ Ｐゴシック" panose="020B0600070205080204" pitchFamily="34" charset="-128"/>
-      <p:regular r:id="rId50"/>
+      <p:regular r:id="rId51"/>
     </p:embeddedFont>
   </p:embeddedFontLst>
   <p:defaultTextStyle>
@@ -2273,7 +2274,7 @@
             </a:pPr>
             <a:fld id="{00000000-1234-1234-1234-123412341234}" type="slidenum">
               <a:rPr lang="en-GB"/>
-              <a:t>17</a:t>
+              <a:t>18</a:t>
             </a:fld>
             <a:endParaRPr/>
           </a:p>
@@ -2823,7 +2824,7 @@
                 <a:cs typeface="Arial"/>
                 <a:sym typeface="Arial"/>
               </a:rPr>
-              <a:t>19</a:t>
+              <a:t>20</a:t>
             </a:fld>
             <a:endParaRPr sz="1200">
               <a:solidFill>
@@ -3742,7 +3743,7 @@
                 <a:cs typeface="Arial"/>
                 <a:sym typeface="Arial"/>
               </a:rPr>
-              <a:t>22</a:t>
+              <a:t>23</a:t>
             </a:fld>
             <a:endParaRPr sz="1200">
               <a:solidFill>
@@ -3986,7 +3987,7 @@
                 <a:cs typeface="Arial"/>
                 <a:sym typeface="Arial"/>
               </a:rPr>
-              <a:t>23</a:t>
+              <a:t>24</a:t>
             </a:fld>
             <a:endParaRPr sz="1200">
               <a:solidFill>
@@ -4289,7 +4290,7 @@
                 <a:cs typeface="Arial"/>
                 <a:sym typeface="Arial"/>
               </a:rPr>
-              <a:t>24</a:t>
+              <a:t>25</a:t>
             </a:fld>
             <a:endParaRPr sz="1200">
               <a:solidFill>
@@ -4592,7 +4593,7 @@
                 <a:cs typeface="Arial"/>
                 <a:sym typeface="Arial"/>
               </a:rPr>
-              <a:t>25</a:t>
+              <a:t>26</a:t>
             </a:fld>
             <a:endParaRPr sz="1200">
               <a:solidFill>
@@ -5132,7 +5133,7 @@
                 <a:cs typeface="Arial"/>
                 <a:sym typeface="Arial"/>
               </a:rPr>
-              <a:t>27</a:t>
+              <a:t>28</a:t>
             </a:fld>
             <a:endParaRPr sz="1200">
               <a:solidFill>
@@ -5435,7 +5436,7 @@
                 <a:cs typeface="Arial"/>
                 <a:sym typeface="Arial"/>
               </a:rPr>
-              <a:t>28</a:t>
+              <a:t>29</a:t>
             </a:fld>
             <a:endParaRPr sz="1200">
               <a:solidFill>
@@ -5619,7 +5620,7 @@
                 <a:cs typeface="Arial"/>
                 <a:sym typeface="Arial"/>
               </a:rPr>
-              <a:t>29</a:t>
+              <a:t>30</a:t>
             </a:fld>
             <a:endParaRPr sz="1200">
               <a:solidFill>
@@ -6094,7 +6095,7 @@
                 <a:cs typeface="Calibri"/>
                 <a:sym typeface="Calibri"/>
               </a:rPr>
-              <a:t>30</a:t>
+              <a:t>31</a:t>
             </a:fld>
             <a:endParaRPr sz="1200">
               <a:solidFill>
@@ -6278,7 +6279,7 @@
                 <a:cs typeface="Arial"/>
                 <a:sym typeface="Arial"/>
               </a:rPr>
-              <a:t>31</a:t>
+              <a:t>32</a:t>
             </a:fld>
             <a:endParaRPr sz="1200">
               <a:solidFill>
@@ -6462,7 +6463,7 @@
                 <a:cs typeface="Arial"/>
                 <a:sym typeface="Arial"/>
               </a:rPr>
-              <a:t>32</a:t>
+              <a:t>33</a:t>
             </a:fld>
             <a:endParaRPr sz="1200">
               <a:solidFill>
@@ -6775,10 +6776,10 @@
               <a:buNone/>
             </a:pPr>
             <a:r>
-              <a:rPr lang="en-GB"/>
+              <a:rPr lang="en-GB" dirty="0"/>
               <a:t>A “Thread” or a “Thread of Execution” is defined in computer science as the smallest unit that can be scheduled in an operating system. Threads are normally created by a computer program running on a single processor which then splits (forks) between two or more parallel tasks. The overall task is called a “process”. The threads share the memory and code of the process and the values of its variables.</a:t>
             </a:r>
-            <a:endParaRPr/>
+            <a:endParaRPr dirty="0"/>
           </a:p>
           <a:p>
             <a:pPr marL="0" lvl="0" indent="0" algn="l" rtl="0">
@@ -6790,7 +6791,7 @@
               </a:spcAft>
               <a:buNone/>
             </a:pPr>
-            <a:endParaRPr/>
+            <a:endParaRPr dirty="0"/>
           </a:p>
           <a:p>
             <a:pPr marL="0" lvl="0" indent="0" algn="l" rtl="0">
@@ -6803,10 +6804,10 @@
               <a:buNone/>
             </a:pPr>
             <a:r>
-              <a:rPr lang="en-GB"/>
+              <a:rPr lang="en-GB" dirty="0"/>
               <a:t>REVIEW: Paraphrased threads description from http://www.python-course.eu/threads.php</a:t>
             </a:r>
-            <a:endParaRPr/>
+            <a:endParaRPr dirty="0"/>
           </a:p>
           <a:p>
             <a:pPr marL="0" lvl="0" indent="0" algn="l" rtl="0">
@@ -6818,7 +6819,7 @@
               </a:spcAft>
               <a:buNone/>
             </a:pPr>
-            <a:endParaRPr/>
+            <a:endParaRPr dirty="0"/>
           </a:p>
           <a:p>
             <a:pPr marL="0" lvl="0" indent="0" algn="l" rtl="0">
@@ -6831,10 +6832,10 @@
               <a:buNone/>
             </a:pPr>
             <a:r>
-              <a:rPr lang="en-GB"/>
+              <a:rPr lang="en-GB" dirty="0"/>
               <a:t>REVIEW: Inserted threads graphic</a:t>
             </a:r>
-            <a:endParaRPr/>
+            <a:endParaRPr dirty="0"/>
           </a:p>
           <a:p>
             <a:pPr marL="0" lvl="0" indent="0" algn="l" rtl="0">
@@ -6846,7 +6847,7 @@
               </a:spcAft>
               <a:buNone/>
             </a:pPr>
-            <a:endParaRPr/>
+            <a:endParaRPr dirty="0"/>
           </a:p>
           <a:p>
             <a:pPr marL="0" lvl="0" indent="0" algn="l" rtl="0">
@@ -6859,10 +6860,10 @@
               <a:buNone/>
             </a:pPr>
             <a:r>
-              <a:rPr lang="en-GB"/>
+              <a:rPr lang="en-GB" dirty="0"/>
               <a:t>REVIEW: Highlighted the word “threads” in red.</a:t>
             </a:r>
-            <a:endParaRPr/>
+            <a:endParaRPr dirty="0"/>
           </a:p>
         </p:txBody>
       </p:sp>
@@ -7777,10 +7778,18 @@
               <a:buChar char="•"/>
             </a:pPr>
             <a:r>
-              <a:rPr lang="en-GB"/>
-              <a:t>You could manually split the input list into chunks of 20,000 files. (The “linux” split command can easily do this). You want to perform the same task on each one so now you can run five processes in parallel.</a:t>
-            </a:r>
-            <a:endParaRPr/>
+              <a:rPr lang="en-GB" dirty="0"/>
+              <a:t>You could manually split the input list into chunks of 20,000 files. (The “</a:t>
+            </a:r>
+            <a:r>
+              <a:rPr lang="en-GB" dirty="0" err="1"/>
+              <a:t>linux</a:t>
+            </a:r>
+            <a:r>
+              <a:rPr lang="en-GB" dirty="0"/>
+              <a:t>” split command can easily do this). You want to perform the same task on each one so now you can run five processes in parallel.</a:t>
+            </a:r>
+            <a:endParaRPr dirty="0"/>
           </a:p>
           <a:p>
             <a:pPr marL="171450" lvl="0" indent="-95250" algn="l" rtl="0">
@@ -7797,7 +7806,7 @@
               <a:buFont typeface="Calibri"/>
               <a:buNone/>
             </a:pPr>
-            <a:endParaRPr/>
+            <a:endParaRPr dirty="0"/>
           </a:p>
           <a:p>
             <a:pPr marL="171450" lvl="0" indent="-171450" algn="l" rtl="0">
@@ -7815,10 +7824,10 @@
               <a:buChar char="•"/>
             </a:pPr>
             <a:r>
-              <a:rPr lang="en-GB"/>
+              <a:rPr lang="en-GB" dirty="0"/>
               <a:t>Each process writes its output to a separate file and then another bit of code collects the contents of those files together into a single list.</a:t>
             </a:r>
-            <a:endParaRPr/>
+            <a:endParaRPr dirty="0"/>
           </a:p>
           <a:p>
             <a:pPr marL="171450" lvl="0" indent="-95250" algn="l" rtl="0">
@@ -7835,7 +7844,7 @@
               <a:buFont typeface="Calibri"/>
               <a:buNone/>
             </a:pPr>
-            <a:endParaRPr/>
+            <a:endParaRPr dirty="0"/>
           </a:p>
           <a:p>
             <a:pPr marL="171450" lvl="0" indent="-171450" algn="l" rtl="0">
@@ -7853,10 +7862,10 @@
               <a:buChar char="•"/>
             </a:pPr>
             <a:r>
-              <a:rPr lang="en-GB"/>
+              <a:rPr lang="en-GB" dirty="0"/>
               <a:t>The outcome of this approach is identical to the first, but by dividing the task into logical steps we have allowed the result to be achieved much faster. Each task could run on one core of your desktop computer.</a:t>
             </a:r>
-            <a:endParaRPr/>
+            <a:endParaRPr dirty="0"/>
           </a:p>
         </p:txBody>
       </p:sp>
@@ -13865,6 +13874,339 @@
   <p:cSld>
     <p:spTree>
       <p:nvGrpSpPr>
+        <p:cNvPr id="1" name=""/>
+        <p:cNvGrpSpPr/>
+        <p:nvPr/>
+      </p:nvGrpSpPr>
+      <p:grpSpPr>
+        <a:xfrm>
+          <a:off x="0" y="0"/>
+          <a:ext cx="0" cy="0"/>
+          <a:chOff x="0" y="0"/>
+          <a:chExt cx="0" cy="0"/>
+        </a:xfrm>
+      </p:grpSpPr>
+      <p:sp>
+        <p:nvSpPr>
+          <p:cNvPr id="2" name="Title 1"/>
+          <p:cNvSpPr>
+            <a:spLocks noGrp="1"/>
+          </p:cNvSpPr>
+          <p:nvPr>
+            <p:ph type="title"/>
+          </p:nvPr>
+        </p:nvSpPr>
+        <p:spPr>
+          <a:xfrm>
+            <a:off x="376518" y="130943"/>
+            <a:ext cx="8417858" cy="672621"/>
+          </a:xfrm>
+        </p:spPr>
+        <p:txBody>
+          <a:bodyPr/>
+          <a:lstStyle/>
+          <a:p>
+            <a:r>
+              <a:rPr lang="en-GB" b="1" dirty="0" smtClean="0">
+                <a:latin typeface="Arial Rounded MT Bold" panose="020F0704030504030204" pitchFamily="34" charset="0"/>
+              </a:rPr>
+              <a:t>Getting access to JASMIN</a:t>
+            </a:r>
+            <a:endParaRPr lang="en-GB" b="1" dirty="0">
+              <a:latin typeface="Arial Rounded MT Bold" panose="020F0704030504030204" pitchFamily="34" charset="0"/>
+            </a:endParaRPr>
+          </a:p>
+        </p:txBody>
+      </p:sp>
+      <p:sp>
+        <p:nvSpPr>
+          <p:cNvPr id="3" name="Text Placeholder 2"/>
+          <p:cNvSpPr>
+            <a:spLocks noGrp="1"/>
+          </p:cNvSpPr>
+          <p:nvPr>
+            <p:ph type="body" idx="1"/>
+          </p:nvPr>
+        </p:nvSpPr>
+        <p:spPr>
+          <a:xfrm>
+            <a:off x="263236" y="568029"/>
+            <a:ext cx="8531140" cy="5389426"/>
+          </a:xfrm>
+        </p:spPr>
+        <p:txBody>
+          <a:bodyPr/>
+          <a:lstStyle/>
+          <a:p>
+            <a:r>
+              <a:rPr lang="en-GB" sz="2800" dirty="0" smtClean="0"/>
+              <a:t>Apply for an account:</a:t>
+            </a:r>
+          </a:p>
+          <a:p>
+            <a:pPr marL="114300" indent="0">
+              <a:buNone/>
+            </a:pPr>
+            <a:r>
+              <a:rPr lang="en-GB" b="1" dirty="0" smtClean="0">
+                <a:solidFill>
+                  <a:srgbClr val="0070C0"/>
+                </a:solidFill>
+                <a:hlinkClick r:id="rId2"/>
+              </a:rPr>
+              <a:t>https://help.jasmin.ac.uk/article/189-get-started-with-jasmin</a:t>
+            </a:r>
+            <a:endParaRPr lang="en-GB" b="1" dirty="0" smtClean="0">
+              <a:solidFill>
+                <a:srgbClr val="0070C0"/>
+              </a:solidFill>
+            </a:endParaRPr>
+          </a:p>
+          <a:p>
+            <a:pPr>
+              <a:buFont typeface="Arial" panose="020B0604020202020204" pitchFamily="34" charset="0"/>
+              <a:buChar char="•"/>
+            </a:pPr>
+            <a:r>
+              <a:rPr lang="en-GB" sz="2800" dirty="0" smtClean="0">
+                <a:solidFill>
+                  <a:schemeClr val="tx1"/>
+                </a:solidFill>
+              </a:rPr>
+              <a:t>Generate an </a:t>
+            </a:r>
+            <a:r>
+              <a:rPr lang="en-GB" sz="2800" dirty="0" err="1" smtClean="0">
+                <a:solidFill>
+                  <a:schemeClr val="tx1"/>
+                </a:solidFill>
+              </a:rPr>
+              <a:t>ssh</a:t>
+            </a:r>
+            <a:r>
+              <a:rPr lang="en-GB" sz="2800" dirty="0" smtClean="0">
+                <a:solidFill>
+                  <a:schemeClr val="tx1"/>
+                </a:solidFill>
+              </a:rPr>
+              <a:t> key pair (required)</a:t>
+            </a:r>
+          </a:p>
+          <a:p>
+            <a:pPr>
+              <a:buFont typeface="Arial" panose="020B0604020202020204" pitchFamily="34" charset="0"/>
+              <a:buChar char="•"/>
+            </a:pPr>
+            <a:r>
+              <a:rPr lang="en-GB" sz="2800" dirty="0" smtClean="0">
+                <a:solidFill>
+                  <a:schemeClr val="tx1"/>
+                </a:solidFill>
+              </a:rPr>
+              <a:t>Apply for login access</a:t>
+            </a:r>
+          </a:p>
+          <a:p>
+            <a:pPr>
+              <a:buFont typeface="Arial" panose="020B0604020202020204" pitchFamily="34" charset="0"/>
+              <a:buChar char="•"/>
+            </a:pPr>
+            <a:r>
+              <a:rPr lang="en-GB" sz="2800" dirty="0" smtClean="0">
+                <a:solidFill>
+                  <a:schemeClr val="tx1"/>
+                </a:solidFill>
+              </a:rPr>
+              <a:t>(Optionally) apply for CEDA account, access to project resources, fast data transfer service, etc.</a:t>
+            </a:r>
+          </a:p>
+          <a:p>
+            <a:pPr>
+              <a:buFont typeface="Arial" panose="020B0604020202020204" pitchFamily="34" charset="0"/>
+              <a:buChar char="•"/>
+            </a:pPr>
+            <a:r>
+              <a:rPr lang="en-GB" sz="2800" dirty="0" smtClean="0">
+                <a:solidFill>
+                  <a:schemeClr val="tx1"/>
+                </a:solidFill>
+              </a:rPr>
+              <a:t>Login using your </a:t>
+            </a:r>
+            <a:r>
+              <a:rPr lang="en-GB" sz="2800" dirty="0" err="1" smtClean="0">
+                <a:solidFill>
+                  <a:schemeClr val="tx1"/>
+                </a:solidFill>
+              </a:rPr>
+              <a:t>ssh</a:t>
+            </a:r>
+            <a:r>
+              <a:rPr lang="en-GB" sz="2800" dirty="0" smtClean="0">
+                <a:solidFill>
+                  <a:schemeClr val="tx1"/>
+                </a:solidFill>
+              </a:rPr>
+              <a:t> key</a:t>
+            </a:r>
+          </a:p>
+          <a:p>
+            <a:pPr marL="114300" indent="0">
+              <a:buNone/>
+            </a:pPr>
+            <a:r>
+              <a:rPr lang="en-GB" b="1" dirty="0">
+                <a:solidFill>
+                  <a:srgbClr val="0070C0"/>
+                </a:solidFill>
+                <a:hlinkClick r:id="rId3"/>
+              </a:rPr>
+              <a:t>https://</a:t>
+            </a:r>
+            <a:r>
+              <a:rPr lang="en-GB" b="1" dirty="0" smtClean="0">
+                <a:solidFill>
+                  <a:srgbClr val="0070C0"/>
+                </a:solidFill>
+                <a:hlinkClick r:id="rId3"/>
+              </a:rPr>
+              <a:t>help.jasmin.ac.uk/article/187-login</a:t>
+            </a:r>
+            <a:endParaRPr lang="en-GB" b="1" dirty="0">
+              <a:solidFill>
+                <a:srgbClr val="0070C0"/>
+              </a:solidFill>
+            </a:endParaRPr>
+          </a:p>
+          <a:p>
+            <a:pPr>
+              <a:buFont typeface="Arial" panose="020B0604020202020204" pitchFamily="34" charset="0"/>
+              <a:buChar char="•"/>
+            </a:pPr>
+            <a:r>
+              <a:rPr lang="en-GB" sz="2800" dirty="0" smtClean="0">
+                <a:solidFill>
+                  <a:srgbClr val="0070C0"/>
+                </a:solidFill>
+              </a:rPr>
+              <a:t> </a:t>
+            </a:r>
+            <a:r>
+              <a:rPr lang="en-GB" sz="2800" dirty="0" smtClean="0">
+                <a:solidFill>
+                  <a:srgbClr val="FF0000"/>
+                </a:solidFill>
+              </a:rPr>
+              <a:t>From Windows use </a:t>
+            </a:r>
+            <a:r>
+              <a:rPr lang="en-GB" sz="2800" dirty="0" err="1" smtClean="0">
+                <a:solidFill>
+                  <a:srgbClr val="FF0000"/>
+                </a:solidFill>
+              </a:rPr>
+              <a:t>MobaXterm</a:t>
+            </a:r>
+            <a:r>
+              <a:rPr lang="en-GB" sz="2800" dirty="0" smtClean="0">
+                <a:solidFill>
+                  <a:srgbClr val="FF0000"/>
+                </a:solidFill>
+              </a:rPr>
+              <a:t> – free to download </a:t>
+            </a:r>
+            <a:r>
+              <a:rPr lang="en-GB" sz="2800" dirty="0" smtClean="0">
+                <a:solidFill>
+                  <a:schemeClr val="tx1"/>
+                </a:solidFill>
+              </a:rPr>
+              <a:t>(details on </a:t>
+            </a:r>
+            <a:r>
+              <a:rPr lang="en-GB" sz="2800" dirty="0" err="1" smtClean="0">
+                <a:solidFill>
+                  <a:schemeClr val="tx1"/>
+                </a:solidFill>
+              </a:rPr>
+              <a:t>jasmin</a:t>
+            </a:r>
+            <a:r>
+              <a:rPr lang="en-GB" sz="2800" dirty="0" smtClean="0">
+                <a:solidFill>
+                  <a:schemeClr val="tx1"/>
+                </a:solidFill>
+              </a:rPr>
+              <a:t> login help page)</a:t>
+            </a:r>
+          </a:p>
+          <a:p>
+            <a:r>
+              <a:rPr lang="en-GB" sz="2800" dirty="0" err="1">
+                <a:solidFill>
+                  <a:schemeClr val="tx1"/>
+                </a:solidFill>
+              </a:rPr>
+              <a:t>s</a:t>
+            </a:r>
+            <a:r>
+              <a:rPr lang="en-GB" sz="2800" dirty="0" err="1" smtClean="0">
+                <a:solidFill>
+                  <a:schemeClr val="tx1"/>
+                </a:solidFill>
+              </a:rPr>
+              <a:t>sh</a:t>
+            </a:r>
+            <a:r>
+              <a:rPr lang="en-GB" sz="2800" dirty="0" smtClean="0">
+                <a:solidFill>
+                  <a:schemeClr val="tx1"/>
+                </a:solidFill>
+              </a:rPr>
+              <a:t> to </a:t>
+            </a:r>
+            <a:r>
+              <a:rPr lang="en-GB" sz="2800" dirty="0" err="1" smtClean="0">
+                <a:solidFill>
+                  <a:schemeClr val="tx1"/>
+                </a:solidFill>
+              </a:rPr>
+              <a:t>sci</a:t>
+            </a:r>
+            <a:r>
+              <a:rPr lang="en-GB" sz="2800" dirty="0" smtClean="0">
+                <a:solidFill>
+                  <a:schemeClr val="tx1"/>
+                </a:solidFill>
+              </a:rPr>
+              <a:t> machine / project VM / lotus head node</a:t>
+            </a:r>
+            <a:endParaRPr lang="en-GB" sz="2800" dirty="0">
+              <a:solidFill>
+                <a:schemeClr val="tx1"/>
+              </a:solidFill>
+            </a:endParaRPr>
+          </a:p>
+        </p:txBody>
+      </p:sp>
+    </p:spTree>
+    <p:extLst>
+      <p:ext uri="{BB962C8B-B14F-4D97-AF65-F5344CB8AC3E}">
+        <p14:creationId xmlns:p14="http://schemas.microsoft.com/office/powerpoint/2010/main" val="1804760311"/>
+      </p:ext>
+    </p:extLst>
+  </p:cSld>
+  <p:clrMapOvr>
+    <a:masterClrMapping/>
+  </p:clrMapOvr>
+</p:sld>
+</file>
+
+<file path=ppt/slides/slide15.xml><?xml version="1.0" encoding="utf-8"?>
+<p:sld xmlns:a="http://schemas.openxmlformats.org/drawingml/2006/main" xmlns:r="http://schemas.openxmlformats.org/officeDocument/2006/relationships" xmlns:p="http://schemas.openxmlformats.org/presentationml/2006/main">
+  <p:cSld>
+    <p:spTree>
+      <p:nvGrpSpPr>
         <p:cNvPr id="1" name="Shape 237"/>
         <p:cNvGrpSpPr/>
         <p:nvPr/>
@@ -14196,7 +14538,7 @@
 </p:sld>
 </file>
 
-<file path=ppt/slides/slide15.xml><?xml version="1.0" encoding="utf-8"?>
+<file path=ppt/slides/slide16.xml><?xml version="1.0" encoding="utf-8"?>
 <p:sld xmlns:a="http://schemas.openxmlformats.org/drawingml/2006/main" xmlns:r="http://schemas.openxmlformats.org/officeDocument/2006/relationships" xmlns:p="http://schemas.openxmlformats.org/presentationml/2006/main">
   <p:cSld>
     <p:spTree>
@@ -14881,7 +15223,7 @@
 </p:sld>
 </file>
 
-<file path=ppt/slides/slide16.xml><?xml version="1.0" encoding="utf-8"?>
+<file path=ppt/slides/slide17.xml><?xml version="1.0" encoding="utf-8"?>
 <p:sld xmlns:a="http://schemas.openxmlformats.org/drawingml/2006/main" xmlns:r="http://schemas.openxmlformats.org/officeDocument/2006/relationships" xmlns:p="http://schemas.openxmlformats.org/presentationml/2006/main">
   <p:cSld>
     <p:spTree>
@@ -15010,7 +15352,15 @@
             </a:pPr>
             <a:r>
               <a:rPr lang="en-GB" sz="2800" b="1" dirty="0"/>
-              <a:t>What is a batch processing?</a:t>
+              <a:t>What </a:t>
+            </a:r>
+            <a:r>
+              <a:rPr lang="en-GB" sz="2800" b="1" dirty="0" smtClean="0"/>
+              <a:t>is </a:t>
+            </a:r>
+            <a:r>
+              <a:rPr lang="en-GB" sz="2800" b="1" dirty="0"/>
+              <a:t>batch processing?</a:t>
             </a:r>
             <a:endParaRPr sz="2800" b="1" dirty="0"/>
           </a:p>
@@ -15213,7 +15563,15 @@
                   <a:srgbClr val="032044"/>
                 </a:solidFill>
               </a:rPr>
-              <a:t>User does</a:t>
+              <a:t>User does </a:t>
+            </a:r>
+            <a:r>
+              <a:rPr lang="en-GB" dirty="0">
+                <a:solidFill>
+                  <a:srgbClr val="032044"/>
+                </a:solidFill>
+              </a:rPr>
+              <a:t>not login to </a:t>
             </a:r>
             <a:r>
               <a:rPr lang="en-GB" dirty="0" smtClean="0">
@@ -15221,7 +15579,7 @@
                   <a:srgbClr val="032044"/>
                 </a:solidFill>
               </a:rPr>
-              <a:t> </a:t>
+              <a:t>a compute </a:t>
             </a:r>
             <a:r>
               <a:rPr lang="en-GB" dirty="0">
@@ -15229,7 +15587,7 @@
                   <a:srgbClr val="032044"/>
                 </a:solidFill>
               </a:rPr>
-              <a:t>not login to </a:t>
+              <a:t>node directly </a:t>
             </a:r>
             <a:r>
               <a:rPr lang="en-GB" dirty="0" smtClean="0">
@@ -15237,31 +15595,7 @@
                   <a:srgbClr val="032044"/>
                 </a:solidFill>
               </a:rPr>
-              <a:t>a compute </a:t>
-            </a:r>
-            <a:r>
-              <a:rPr lang="en-GB" dirty="0">
-                <a:solidFill>
-                  <a:srgbClr val="032044"/>
-                </a:solidFill>
-              </a:rPr>
-              <a:t>node directly </a:t>
-            </a:r>
-            <a:r>
-              <a:rPr lang="en-GB" dirty="0" smtClean="0">
-                <a:solidFill>
-                  <a:srgbClr val="032044"/>
-                </a:solidFill>
-              </a:rPr>
-              <a:t>and </a:t>
-            </a:r>
-            <a:r>
-              <a:rPr lang="en-GB" dirty="0" smtClean="0">
-                <a:solidFill>
-                  <a:srgbClr val="032044"/>
-                </a:solidFill>
-              </a:rPr>
-              <a:t>type individual commands</a:t>
+              <a:t>and type individual commands</a:t>
             </a:r>
             <a:endParaRPr dirty="0">
               <a:solidFill>
@@ -15430,7 +15764,7 @@
 </p:sld>
 </file>
 
-<file path=ppt/slides/slide17.xml><?xml version="1.0" encoding="utf-8"?>
+<file path=ppt/slides/slide18.xml><?xml version="1.0" encoding="utf-8"?>
 <p:sld xmlns:a="http://schemas.openxmlformats.org/drawingml/2006/main" xmlns:r="http://schemas.openxmlformats.org/officeDocument/2006/relationships" xmlns:p="http://schemas.openxmlformats.org/presentationml/2006/main">
   <p:cSld>
     <p:spTree>
@@ -15716,7 +16050,7 @@
 </p:sld>
 </file>
 
-<file path=ppt/slides/slide18.xml><?xml version="1.0" encoding="utf-8"?>
+<file path=ppt/slides/slide19.xml><?xml version="1.0" encoding="utf-8"?>
 <p:sld xmlns:a="http://schemas.openxmlformats.org/drawingml/2006/main" xmlns:r="http://schemas.openxmlformats.org/officeDocument/2006/relationships" xmlns:p="http://schemas.openxmlformats.org/presentationml/2006/main">
   <p:cSld>
     <p:spTree>
@@ -16148,1578 +16482,6 @@
               <a:buNone/>
             </a:pPr>
             <a:endParaRPr sz="2400" dirty="0"/>
-          </a:p>
-        </p:txBody>
-      </p:sp>
-    </p:spTree>
-  </p:cSld>
-  <p:clrMapOvr>
-    <a:masterClrMapping/>
-  </p:clrMapOvr>
-  <p:timing>
-    <p:tnLst>
-      <p:par>
-        <p:cTn id="1" dur="indefinite" restart="never" nodeType="tmRoot"/>
-      </p:par>
-    </p:tnLst>
-  </p:timing>
-</p:sld>
-</file>
-
-<file path=ppt/slides/slide19.xml><?xml version="1.0" encoding="utf-8"?>
-<p:sld xmlns:a="http://schemas.openxmlformats.org/drawingml/2006/main" xmlns:r="http://schemas.openxmlformats.org/officeDocument/2006/relationships" xmlns:p="http://schemas.openxmlformats.org/presentationml/2006/main">
-  <p:cSld>
-    <p:spTree>
-      <p:nvGrpSpPr>
-        <p:cNvPr id="1" name="Shape 308"/>
-        <p:cNvGrpSpPr/>
-        <p:nvPr/>
-      </p:nvGrpSpPr>
-      <p:grpSpPr>
-        <a:xfrm>
-          <a:off x="0" y="0"/>
-          <a:ext cx="0" cy="0"/>
-          <a:chOff x="0" y="0"/>
-          <a:chExt cx="0" cy="0"/>
-        </a:xfrm>
-      </p:grpSpPr>
-      <p:sp>
-        <p:nvSpPr>
-          <p:cNvPr id="309" name="Google Shape;309;p42"/>
-          <p:cNvSpPr txBox="1">
-            <a:spLocks noGrp="1"/>
-          </p:cNvSpPr>
-          <p:nvPr>
-            <p:ph type="title"/>
-          </p:nvPr>
-        </p:nvSpPr>
-        <p:spPr>
-          <a:xfrm>
-            <a:off x="457200" y="122238"/>
-            <a:ext cx="8229600" cy="562200"/>
-          </a:xfrm>
-          <a:prstGeom prst="rect">
-            <a:avLst/>
-          </a:prstGeom>
-          <a:noFill/>
-          <a:ln>
-            <a:noFill/>
-          </a:ln>
-        </p:spPr>
-        <p:txBody>
-          <a:bodyPr spcFirstLastPara="1" wrap="square" lIns="91425" tIns="45700" rIns="91425" bIns="45700" anchor="ctr" anchorCtr="0">
-            <a:noAutofit/>
-          </a:bodyPr>
-          <a:lstStyle/>
-          <a:p>
-            <a:pPr marL="0" lvl="0" indent="0" algn="ctr" rtl="0">
-              <a:lnSpc>
-                <a:spcPct val="90000"/>
-              </a:lnSpc>
-              <a:spcBef>
-                <a:spcPts val="0"/>
-              </a:spcBef>
-              <a:spcAft>
-                <a:spcPts val="0"/>
-              </a:spcAft>
-              <a:buClr>
-                <a:srgbClr val="000000"/>
-              </a:buClr>
-              <a:buSzPts val="3200"/>
-              <a:buFont typeface="Calibri"/>
-              <a:buNone/>
-            </a:pPr>
-            <a:r>
-              <a:rPr lang="en-GB" sz="3200" b="1" dirty="0" smtClean="0">
-                <a:latin typeface="Arial Rounded MT Bold" panose="020F0704030504030204" pitchFamily="34" charset="0"/>
-              </a:rPr>
-              <a:t>LSF Scheduler comm</a:t>
-            </a:r>
-            <a:r>
-              <a:rPr lang="en-GB" sz="3200" b="1" dirty="0" smtClean="0"/>
-              <a:t>ands</a:t>
-            </a:r>
-            <a:endParaRPr sz="3200" b="1" dirty="0"/>
-          </a:p>
-        </p:txBody>
-      </p:sp>
-      <p:sp>
-        <p:nvSpPr>
-          <p:cNvPr id="310" name="Google Shape;310;p42"/>
-          <p:cNvSpPr txBox="1">
-            <a:spLocks noGrp="1"/>
-          </p:cNvSpPr>
-          <p:nvPr>
-            <p:ph type="body" idx="1"/>
-          </p:nvPr>
-        </p:nvSpPr>
-        <p:spPr>
-          <a:xfrm>
-            <a:off x="0" y="745292"/>
-            <a:ext cx="9033164" cy="5256600"/>
-          </a:xfrm>
-          <a:prstGeom prst="rect">
-            <a:avLst/>
-          </a:prstGeom>
-          <a:noFill/>
-          <a:ln>
-            <a:noFill/>
-          </a:ln>
-        </p:spPr>
-        <p:txBody>
-          <a:bodyPr spcFirstLastPara="1" wrap="square" lIns="91425" tIns="45700" rIns="91425" bIns="45700" anchor="t" anchorCtr="0">
-            <a:noAutofit/>
-          </a:bodyPr>
-          <a:lstStyle/>
-          <a:p>
-            <a:pPr marL="228600" lvl="0" indent="-228600" algn="l" rtl="0">
-              <a:lnSpc>
-                <a:spcPct val="90000"/>
-              </a:lnSpc>
-              <a:spcBef>
-                <a:spcPts val="0"/>
-              </a:spcBef>
-              <a:spcAft>
-                <a:spcPts val="0"/>
-              </a:spcAft>
-              <a:buClr>
-                <a:srgbClr val="000000"/>
-              </a:buClr>
-              <a:buSzPts val="2800"/>
-              <a:buFont typeface="Arial"/>
-              <a:buNone/>
-            </a:pPr>
-            <a:r>
-              <a:rPr lang="en-GB" b="1" dirty="0" smtClean="0">
-                <a:solidFill>
-                  <a:srgbClr val="000000"/>
-                </a:solidFill>
-              </a:rPr>
-              <a:t>To interact with the LOTUS LSF scheduler first login to one of</a:t>
-            </a:r>
-            <a:r>
-              <a:rPr lang="en-GB" b="1" dirty="0" smtClean="0">
-                <a:solidFill>
-                  <a:srgbClr val="000000"/>
-                </a:solidFill>
-              </a:rPr>
-              <a:t>:</a:t>
-            </a:r>
-          </a:p>
-          <a:p>
-            <a:pPr marL="342900" lvl="0" algn="l" rtl="0">
-              <a:lnSpc>
-                <a:spcPct val="90000"/>
-              </a:lnSpc>
-              <a:spcBef>
-                <a:spcPts val="0"/>
-              </a:spcBef>
-              <a:spcAft>
-                <a:spcPts val="0"/>
-              </a:spcAft>
-              <a:buClr>
-                <a:srgbClr val="000000"/>
-              </a:buClr>
-              <a:buSzPts val="2800"/>
-              <a:buFont typeface="Arial" panose="020B0604020202020204" pitchFamily="34" charset="0"/>
-              <a:buChar char="•"/>
-            </a:pPr>
-            <a:r>
-              <a:rPr lang="en-GB" dirty="0" smtClean="0">
-                <a:solidFill>
-                  <a:srgbClr val="000000"/>
-                </a:solidFill>
-              </a:rPr>
-              <a:t>JASMIN </a:t>
-            </a:r>
-            <a:r>
-              <a:rPr lang="en-GB" dirty="0">
-                <a:solidFill>
-                  <a:srgbClr val="000000"/>
-                </a:solidFill>
-              </a:rPr>
-              <a:t>scientific servers </a:t>
-            </a:r>
-            <a:r>
-              <a:rPr lang="en-GB" dirty="0" smtClean="0">
-                <a:solidFill>
-                  <a:srgbClr val="000000"/>
-                </a:solidFill>
-              </a:rPr>
-              <a:t>(</a:t>
-            </a:r>
-            <a:r>
-              <a:rPr lang="en-GB" dirty="0" err="1" smtClean="0">
-                <a:solidFill>
-                  <a:schemeClr val="tx1"/>
-                </a:solidFill>
-                <a:latin typeface="Calibri" panose="020F0502020204030204" pitchFamily="34" charset="0"/>
-                <a:ea typeface="Courier New"/>
-                <a:cs typeface="Calibri" panose="020F0502020204030204" pitchFamily="34" charset="0"/>
-                <a:sym typeface="Courier New"/>
-              </a:rPr>
-              <a:t>jasmin-sci</a:t>
-            </a:r>
-            <a:r>
-              <a:rPr lang="en-GB" b="1" dirty="0" smtClean="0">
-                <a:solidFill>
-                  <a:schemeClr val="tx1"/>
-                </a:solidFill>
-                <a:latin typeface="Calibri" panose="020F0502020204030204" pitchFamily="34" charset="0"/>
-                <a:ea typeface="Courier New"/>
-                <a:cs typeface="Calibri" panose="020F0502020204030204" pitchFamily="34" charset="0"/>
-                <a:sym typeface="Courier New"/>
-              </a:rPr>
-              <a:t>[</a:t>
-            </a:r>
-            <a:r>
-              <a:rPr lang="en-GB" dirty="0" smtClean="0">
-                <a:solidFill>
-                  <a:schemeClr val="tx1"/>
-                </a:solidFill>
-                <a:latin typeface="Calibri" panose="020F0502020204030204" pitchFamily="34" charset="0"/>
-                <a:ea typeface="Courier New"/>
-                <a:cs typeface="Calibri" panose="020F0502020204030204" pitchFamily="34" charset="0"/>
-                <a:sym typeface="Courier New"/>
-              </a:rPr>
-              <a:t>1-5</a:t>
-            </a:r>
-            <a:r>
-              <a:rPr lang="en-GB" b="1" dirty="0">
-                <a:solidFill>
-                  <a:schemeClr val="tx1"/>
-                </a:solidFill>
-                <a:latin typeface="Calibri" panose="020F0502020204030204" pitchFamily="34" charset="0"/>
-                <a:ea typeface="Courier New"/>
-                <a:cs typeface="Calibri" panose="020F0502020204030204" pitchFamily="34" charset="0"/>
-                <a:sym typeface="Courier New"/>
-              </a:rPr>
-              <a:t>]</a:t>
-            </a:r>
-            <a:r>
-              <a:rPr lang="en-GB" dirty="0">
-                <a:solidFill>
-                  <a:schemeClr val="tx1"/>
-                </a:solidFill>
-                <a:latin typeface="Calibri" panose="020F0502020204030204" pitchFamily="34" charset="0"/>
-                <a:ea typeface="Courier New"/>
-                <a:cs typeface="Calibri" panose="020F0502020204030204" pitchFamily="34" charset="0"/>
-                <a:sym typeface="Courier New"/>
-              </a:rPr>
-              <a:t>.</a:t>
-            </a:r>
-            <a:r>
-              <a:rPr lang="en-GB" dirty="0" smtClean="0">
-                <a:solidFill>
-                  <a:schemeClr val="tx1"/>
-                </a:solidFill>
-                <a:latin typeface="Calibri" panose="020F0502020204030204" pitchFamily="34" charset="0"/>
-                <a:ea typeface="Courier New"/>
-                <a:cs typeface="Calibri" panose="020F0502020204030204" pitchFamily="34" charset="0"/>
-                <a:sym typeface="Courier New"/>
-              </a:rPr>
-              <a:t>ceda.ac.uk)</a:t>
-            </a:r>
-          </a:p>
-          <a:p>
-            <a:pPr marL="342900" lvl="0" algn="l" rtl="0">
-              <a:lnSpc>
-                <a:spcPct val="90000"/>
-              </a:lnSpc>
-              <a:spcBef>
-                <a:spcPts val="0"/>
-              </a:spcBef>
-              <a:spcAft>
-                <a:spcPts val="0"/>
-              </a:spcAft>
-              <a:buClr>
-                <a:srgbClr val="000000"/>
-              </a:buClr>
-              <a:buSzPts val="2800"/>
-              <a:buFont typeface="Arial" panose="020B0604020202020204" pitchFamily="34" charset="0"/>
-              <a:buChar char="•"/>
-            </a:pPr>
-            <a:r>
-              <a:rPr lang="en-GB" dirty="0" smtClean="0">
-                <a:solidFill>
-                  <a:srgbClr val="000000"/>
-                </a:solidFill>
-              </a:rPr>
-              <a:t>LOTUS </a:t>
-            </a:r>
-            <a:r>
-              <a:rPr lang="en-GB" dirty="0">
-                <a:solidFill>
-                  <a:srgbClr val="000000"/>
-                </a:solidFill>
-              </a:rPr>
-              <a:t>head </a:t>
-            </a:r>
-            <a:r>
-              <a:rPr lang="en-GB" dirty="0" smtClean="0">
-                <a:solidFill>
-                  <a:srgbClr val="000000"/>
-                </a:solidFill>
-              </a:rPr>
-              <a:t>node</a:t>
-            </a:r>
-            <a:r>
-              <a:rPr lang="en-GB" dirty="0">
-                <a:solidFill>
-                  <a:srgbClr val="000000"/>
-                </a:solidFill>
-              </a:rPr>
-              <a:t> </a:t>
-            </a:r>
-            <a:r>
-              <a:rPr lang="en-GB" dirty="0" smtClean="0">
-                <a:solidFill>
-                  <a:srgbClr val="000000"/>
-                </a:solidFill>
-              </a:rPr>
-              <a:t>(</a:t>
-            </a:r>
-            <a:r>
-              <a:rPr lang="en-GB" dirty="0" smtClean="0">
-                <a:solidFill>
-                  <a:schemeClr val="tx1"/>
-                </a:solidFill>
-                <a:latin typeface="Calibri" panose="020F0502020204030204" pitchFamily="34" charset="0"/>
-                <a:cs typeface="Calibri" panose="020F0502020204030204" pitchFamily="34" charset="0"/>
-              </a:rPr>
-              <a:t>l</a:t>
-            </a:r>
-            <a:r>
-              <a:rPr lang="en-GB" dirty="0" smtClean="0">
-                <a:solidFill>
-                  <a:schemeClr val="tx1"/>
-                </a:solidFill>
-                <a:latin typeface="Calibri" panose="020F0502020204030204" pitchFamily="34" charset="0"/>
-                <a:ea typeface="Courier New"/>
-                <a:cs typeface="Calibri" panose="020F0502020204030204" pitchFamily="34" charset="0"/>
-                <a:sym typeface="Courier New"/>
-              </a:rPr>
-              <a:t>otus.jc.rl.ac.uk</a:t>
-            </a:r>
-            <a:r>
-              <a:rPr lang="en-GB" dirty="0" smtClean="0">
-                <a:solidFill>
-                  <a:schemeClr val="tx1"/>
-                </a:solidFill>
-                <a:latin typeface="Courier New"/>
-                <a:ea typeface="Courier New"/>
-                <a:cs typeface="Courier New"/>
-                <a:sym typeface="Courier New"/>
-              </a:rPr>
-              <a:t>)</a:t>
-            </a:r>
-            <a:endParaRPr dirty="0"/>
-          </a:p>
-          <a:p>
-            <a:pPr marL="228600" lvl="0" indent="-228600" algn="l" rtl="0">
-              <a:lnSpc>
-                <a:spcPct val="90000"/>
-              </a:lnSpc>
-              <a:spcBef>
-                <a:spcPts val="1000"/>
-              </a:spcBef>
-              <a:spcAft>
-                <a:spcPts val="0"/>
-              </a:spcAft>
-              <a:buClr>
-                <a:srgbClr val="000000"/>
-              </a:buClr>
-              <a:buSzPts val="2400"/>
-              <a:buFont typeface="Arial"/>
-              <a:buNone/>
-            </a:pPr>
-            <a:r>
-              <a:rPr lang="en-GB" b="1" dirty="0" smtClean="0"/>
-              <a:t>Job submission: </a:t>
-            </a:r>
-            <a:r>
-              <a:rPr lang="en-GB" b="1" dirty="0" err="1" smtClean="0">
-                <a:latin typeface="Courier New" panose="02070309020205020404" pitchFamily="49" charset="0"/>
-                <a:cs typeface="Courier New" panose="02070309020205020404" pitchFamily="49" charset="0"/>
-              </a:rPr>
-              <a:t>bsub</a:t>
-            </a:r>
-            <a:r>
-              <a:rPr lang="en-GB" b="1" dirty="0" smtClean="0">
-                <a:latin typeface="Courier New" panose="02070309020205020404" pitchFamily="49" charset="0"/>
-                <a:cs typeface="Courier New" panose="02070309020205020404" pitchFamily="49" charset="0"/>
-              </a:rPr>
-              <a:t> &lt;options&gt; command</a:t>
-            </a:r>
-            <a:endParaRPr lang="en-GB" sz="1000" b="1" dirty="0">
-              <a:latin typeface="Courier New" panose="02070309020205020404" pitchFamily="49" charset="0"/>
-              <a:cs typeface="Courier New" panose="02070309020205020404" pitchFamily="49" charset="0"/>
-            </a:endParaRPr>
-          </a:p>
-          <a:p>
-            <a:pPr marL="228600" lvl="0" indent="-228600" algn="l" rtl="0">
-              <a:lnSpc>
-                <a:spcPct val="90000"/>
-              </a:lnSpc>
-              <a:spcBef>
-                <a:spcPts val="1000"/>
-              </a:spcBef>
-              <a:spcAft>
-                <a:spcPts val="0"/>
-              </a:spcAft>
-              <a:buClr>
-                <a:srgbClr val="000000"/>
-              </a:buClr>
-              <a:buSzPts val="2400"/>
-              <a:buFont typeface="Arial"/>
-              <a:buNone/>
-            </a:pPr>
-            <a:endParaRPr sz="800" b="1" dirty="0">
-              <a:latin typeface="Courier New" panose="02070309020205020404" pitchFamily="49" charset="0"/>
-              <a:cs typeface="Courier New" panose="02070309020205020404" pitchFamily="49" charset="0"/>
-            </a:endParaRPr>
-          </a:p>
-          <a:p>
-            <a:pPr marL="0" lvl="0" indent="0" rtl="0">
-              <a:lnSpc>
-                <a:spcPct val="80000"/>
-              </a:lnSpc>
-              <a:spcBef>
-                <a:spcPts val="304"/>
-              </a:spcBef>
-              <a:spcAft>
-                <a:spcPts val="0"/>
-              </a:spcAft>
-              <a:buClr>
-                <a:schemeClr val="dk1"/>
-              </a:buClr>
-              <a:buSzPts val="1100"/>
-              <a:buFont typeface="Arial"/>
-              <a:buNone/>
-            </a:pPr>
-            <a:r>
-              <a:rPr lang="en-GB" sz="2000" dirty="0" smtClean="0">
-                <a:solidFill>
-                  <a:srgbClr val="032044"/>
-                </a:solidFill>
-                <a:latin typeface="Courier"/>
-                <a:ea typeface="Courier New"/>
-                <a:cs typeface="Courier New"/>
-                <a:sym typeface="Courier New"/>
-              </a:rPr>
-              <a:t>  </a:t>
-            </a:r>
-            <a:r>
-              <a:rPr lang="en-GB" sz="1800" dirty="0" smtClean="0">
-                <a:solidFill>
-                  <a:srgbClr val="032044"/>
-                </a:solidFill>
-                <a:latin typeface="Courier"/>
-                <a:ea typeface="Courier New"/>
-                <a:cs typeface="Courier New"/>
-                <a:sym typeface="Courier New"/>
-              </a:rPr>
-              <a:t>$ </a:t>
-            </a:r>
-            <a:r>
-              <a:rPr lang="en-GB" sz="1800" b="1" dirty="0" err="1">
-                <a:solidFill>
-                  <a:srgbClr val="032044"/>
-                </a:solidFill>
-                <a:latin typeface="Courier New" panose="02070309020205020404" pitchFamily="49" charset="0"/>
-                <a:ea typeface="Courier New"/>
-                <a:cs typeface="Courier New" panose="02070309020205020404" pitchFamily="49" charset="0"/>
-                <a:sym typeface="Courier New"/>
-              </a:rPr>
-              <a:t>bsub</a:t>
-            </a:r>
-            <a:r>
-              <a:rPr lang="en-GB" sz="1800" dirty="0">
-                <a:solidFill>
-                  <a:srgbClr val="032044"/>
-                </a:solidFill>
-                <a:latin typeface="Courier New" panose="02070309020205020404" pitchFamily="49" charset="0"/>
-                <a:ea typeface="Courier New"/>
-                <a:cs typeface="Courier New" panose="02070309020205020404" pitchFamily="49" charset="0"/>
-                <a:sym typeface="Courier New"/>
-              </a:rPr>
-              <a:t> -o %</a:t>
-            </a:r>
-            <a:r>
-              <a:rPr lang="en-GB" sz="1800" dirty="0" err="1">
-                <a:solidFill>
-                  <a:srgbClr val="032044"/>
-                </a:solidFill>
-                <a:latin typeface="Courier New" panose="02070309020205020404" pitchFamily="49" charset="0"/>
-                <a:ea typeface="Courier New"/>
-                <a:cs typeface="Courier New" panose="02070309020205020404" pitchFamily="49" charset="0"/>
-                <a:sym typeface="Courier New"/>
-              </a:rPr>
-              <a:t>J.out</a:t>
-            </a:r>
-            <a:r>
-              <a:rPr lang="en-GB" sz="1800" dirty="0">
-                <a:solidFill>
-                  <a:srgbClr val="032044"/>
-                </a:solidFill>
-                <a:latin typeface="Courier New" panose="02070309020205020404" pitchFamily="49" charset="0"/>
-                <a:ea typeface="Courier New"/>
-                <a:cs typeface="Courier New" panose="02070309020205020404" pitchFamily="49" charset="0"/>
-                <a:sym typeface="Courier New"/>
-              </a:rPr>
-              <a:t> -W 00:10 python2.7 </a:t>
-            </a:r>
-            <a:r>
-              <a:rPr lang="en-GB" sz="1800" b="1" dirty="0" smtClean="0">
-                <a:solidFill>
-                  <a:srgbClr val="032044"/>
-                </a:solidFill>
-                <a:latin typeface="Courier New" panose="02070309020205020404" pitchFamily="49" charset="0"/>
-                <a:ea typeface="Courier New"/>
-                <a:cs typeface="Courier New" panose="02070309020205020404" pitchFamily="49" charset="0"/>
-                <a:sym typeface="Courier New"/>
-              </a:rPr>
-              <a:t>mypythonscript.py</a:t>
-            </a:r>
-            <a:endParaRPr sz="1800" b="1" dirty="0">
-              <a:solidFill>
-                <a:srgbClr val="032044"/>
-              </a:solidFill>
-              <a:latin typeface="Courier New" panose="02070309020205020404" pitchFamily="49" charset="0"/>
-              <a:ea typeface="Courier New"/>
-              <a:cs typeface="Courier New" panose="02070309020205020404" pitchFamily="49" charset="0"/>
-              <a:sym typeface="Courier New"/>
-            </a:endParaRPr>
-          </a:p>
-          <a:p>
-            <a:pPr marL="0" lvl="0" indent="0" rtl="0">
-              <a:lnSpc>
-                <a:spcPct val="80000"/>
-              </a:lnSpc>
-              <a:spcBef>
-                <a:spcPts val="304"/>
-              </a:spcBef>
-              <a:spcAft>
-                <a:spcPts val="0"/>
-              </a:spcAft>
-              <a:buClr>
-                <a:schemeClr val="dk1"/>
-              </a:buClr>
-              <a:buSzPts val="1100"/>
-              <a:buFont typeface="Arial"/>
-              <a:buNone/>
-            </a:pPr>
-            <a:r>
-              <a:rPr lang="en-GB" sz="1800" dirty="0" smtClean="0">
-                <a:solidFill>
-                  <a:srgbClr val="032044"/>
-                </a:solidFill>
-                <a:latin typeface="Courier New" panose="02070309020205020404" pitchFamily="49" charset="0"/>
-                <a:ea typeface="Courier New"/>
-                <a:cs typeface="Courier New" panose="02070309020205020404" pitchFamily="49" charset="0"/>
-                <a:sym typeface="Courier New"/>
-              </a:rPr>
-              <a:t>  Job </a:t>
-            </a:r>
-            <a:r>
-              <a:rPr lang="en-GB" sz="1800" dirty="0">
-                <a:solidFill>
-                  <a:srgbClr val="032044"/>
-                </a:solidFill>
-                <a:latin typeface="Courier New" panose="02070309020205020404" pitchFamily="49" charset="0"/>
-                <a:ea typeface="Courier New"/>
-                <a:cs typeface="Courier New" panose="02070309020205020404" pitchFamily="49" charset="0"/>
-                <a:sym typeface="Courier New"/>
-              </a:rPr>
-              <a:t>&lt;6485340&gt; is submitted to default queue &lt;short-serial&gt;.</a:t>
-            </a:r>
-            <a:endParaRPr sz="1800" dirty="0">
-              <a:solidFill>
-                <a:srgbClr val="032044"/>
-              </a:solidFill>
-              <a:latin typeface="Courier New" panose="02070309020205020404" pitchFamily="49" charset="0"/>
-              <a:ea typeface="Courier New"/>
-              <a:cs typeface="Courier New" panose="02070309020205020404" pitchFamily="49" charset="0"/>
-              <a:sym typeface="Courier New"/>
-            </a:endParaRPr>
-          </a:p>
-          <a:p>
-            <a:pPr marL="228600" lvl="0" indent="-228600" algn="l" rtl="0">
-              <a:lnSpc>
-                <a:spcPct val="90000"/>
-              </a:lnSpc>
-              <a:spcBef>
-                <a:spcPts val="1000"/>
-              </a:spcBef>
-              <a:spcAft>
-                <a:spcPts val="0"/>
-              </a:spcAft>
-              <a:buClr>
-                <a:schemeClr val="dk1"/>
-              </a:buClr>
-              <a:buSzPts val="800"/>
-              <a:buFont typeface="Arial"/>
-              <a:buNone/>
-            </a:pPr>
-            <a:endParaRPr sz="800" dirty="0">
-              <a:solidFill>
-                <a:srgbClr val="000000"/>
-              </a:solidFill>
-              <a:latin typeface="Courier"/>
-            </a:endParaRPr>
-          </a:p>
-          <a:p>
-            <a:pPr marL="0" lvl="0" indent="0" algn="l" rtl="0">
-              <a:lnSpc>
-                <a:spcPct val="80000"/>
-              </a:lnSpc>
-              <a:spcBef>
-                <a:spcPts val="0"/>
-              </a:spcBef>
-              <a:spcAft>
-                <a:spcPts val="0"/>
-              </a:spcAft>
-              <a:buClr>
-                <a:srgbClr val="032044"/>
-              </a:buClr>
-              <a:buSzPts val="2400"/>
-              <a:buFont typeface="Arial"/>
-              <a:buNone/>
-            </a:pPr>
-            <a:r>
-              <a:rPr lang="en-GB" b="1" dirty="0">
-                <a:solidFill>
-                  <a:srgbClr val="032044"/>
-                </a:solidFill>
-              </a:rPr>
-              <a:t>Job information:</a:t>
-            </a:r>
-            <a:r>
-              <a:rPr lang="en-GB" sz="1520" b="1" dirty="0">
-                <a:solidFill>
-                  <a:srgbClr val="032044"/>
-                </a:solidFill>
-                <a:latin typeface="Courier New"/>
-                <a:ea typeface="Courier New"/>
-                <a:cs typeface="Courier New"/>
-                <a:sym typeface="Courier New"/>
-              </a:rPr>
-              <a:t> </a:t>
-            </a:r>
-            <a:r>
-              <a:rPr lang="en-GB" b="1" dirty="0" err="1">
-                <a:solidFill>
-                  <a:srgbClr val="032044"/>
-                </a:solidFill>
-                <a:latin typeface="Courier New"/>
-                <a:ea typeface="Courier New"/>
-                <a:cs typeface="Courier New"/>
-                <a:sym typeface="Courier New"/>
-              </a:rPr>
-              <a:t>bjobs</a:t>
-            </a:r>
-            <a:endParaRPr b="1" dirty="0">
-              <a:solidFill>
-                <a:srgbClr val="032044"/>
-              </a:solidFill>
-            </a:endParaRPr>
-          </a:p>
-          <a:p>
-            <a:pPr marL="0" lvl="0" indent="0" algn="l" rtl="0">
-              <a:lnSpc>
-                <a:spcPct val="80000"/>
-              </a:lnSpc>
-              <a:spcBef>
-                <a:spcPts val="400"/>
-              </a:spcBef>
-              <a:spcAft>
-                <a:spcPts val="0"/>
-              </a:spcAft>
-              <a:buClr>
-                <a:srgbClr val="032044"/>
-              </a:buClr>
-              <a:buSzPts val="2000"/>
-              <a:buNone/>
-            </a:pPr>
-            <a:r>
-              <a:rPr lang="en-GB" sz="1679" dirty="0" smtClean="0">
-                <a:solidFill>
-                  <a:srgbClr val="032044"/>
-                </a:solidFill>
-              </a:rPr>
-              <a:t> </a:t>
-            </a:r>
-            <a:endParaRPr sz="1040" dirty="0">
-              <a:solidFill>
-                <a:srgbClr val="032044"/>
-              </a:solidFill>
-            </a:endParaRPr>
-          </a:p>
-          <a:p>
-            <a:pPr marL="0" lvl="0" indent="0" rtl="0">
-              <a:lnSpc>
-                <a:spcPct val="80000"/>
-              </a:lnSpc>
-              <a:spcBef>
-                <a:spcPts val="304"/>
-              </a:spcBef>
-              <a:spcAft>
-                <a:spcPts val="0"/>
-              </a:spcAft>
-              <a:buNone/>
-            </a:pPr>
-            <a:r>
-              <a:rPr lang="en-GB" sz="1800" dirty="0" smtClean="0">
-                <a:solidFill>
-                  <a:srgbClr val="032044"/>
-                </a:solidFill>
-                <a:latin typeface="Courier New"/>
-                <a:ea typeface="Courier New"/>
-                <a:cs typeface="Courier New"/>
-                <a:sym typeface="Courier New"/>
-              </a:rPr>
-              <a:t>  $ </a:t>
-            </a:r>
-            <a:r>
-              <a:rPr lang="en-GB" sz="1800" b="1" dirty="0" err="1">
-                <a:solidFill>
-                  <a:srgbClr val="032044"/>
-                </a:solidFill>
-                <a:latin typeface="Courier New"/>
-                <a:ea typeface="Courier New"/>
-                <a:cs typeface="Courier New"/>
-                <a:sym typeface="Courier New"/>
-              </a:rPr>
-              <a:t>bjobs</a:t>
-            </a:r>
-            <a:endParaRPr sz="1800" b="1" dirty="0">
-              <a:solidFill>
-                <a:srgbClr val="032044"/>
-              </a:solidFill>
-              <a:latin typeface="Courier New"/>
-              <a:ea typeface="Courier New"/>
-              <a:cs typeface="Courier New"/>
-              <a:sym typeface="Courier New"/>
-            </a:endParaRPr>
-          </a:p>
-          <a:p>
-            <a:pPr marL="0" lvl="0" indent="0" rtl="0">
-              <a:lnSpc>
-                <a:spcPct val="80000"/>
-              </a:lnSpc>
-              <a:spcBef>
-                <a:spcPts val="264"/>
-              </a:spcBef>
-              <a:spcAft>
-                <a:spcPts val="0"/>
-              </a:spcAft>
-              <a:buClr>
-                <a:srgbClr val="032044"/>
-              </a:buClr>
-              <a:buSzPts val="1320"/>
-              <a:buFont typeface="Arial"/>
-              <a:buNone/>
-            </a:pPr>
-            <a:r>
-              <a:rPr lang="en-GB" sz="1400" dirty="0" smtClean="0">
-                <a:solidFill>
-                  <a:srgbClr val="032044"/>
-                </a:solidFill>
-                <a:latin typeface="Courier New"/>
-                <a:ea typeface="Courier New"/>
-                <a:cs typeface="Courier New"/>
-                <a:sym typeface="Courier New"/>
-              </a:rPr>
-              <a:t>  JOBID     </a:t>
-            </a:r>
-            <a:r>
-              <a:rPr lang="en-GB" sz="1400" dirty="0">
-                <a:solidFill>
-                  <a:srgbClr val="032044"/>
-                </a:solidFill>
-                <a:latin typeface="Courier New"/>
-                <a:ea typeface="Courier New"/>
-                <a:cs typeface="Courier New"/>
-                <a:sym typeface="Courier New"/>
-              </a:rPr>
-              <a:t>USER  </a:t>
-            </a:r>
-            <a:r>
-              <a:rPr lang="en-GB" sz="1400" dirty="0" smtClean="0">
-                <a:solidFill>
-                  <a:srgbClr val="032044"/>
-                </a:solidFill>
-                <a:latin typeface="Courier New"/>
-                <a:ea typeface="Courier New"/>
-                <a:cs typeface="Courier New"/>
-                <a:sym typeface="Courier New"/>
-              </a:rPr>
-              <a:t>STAT  </a:t>
-            </a:r>
-            <a:r>
-              <a:rPr lang="en-GB" sz="1400" dirty="0">
-                <a:solidFill>
-                  <a:srgbClr val="032044"/>
-                </a:solidFill>
-                <a:latin typeface="Courier New"/>
-                <a:ea typeface="Courier New"/>
-                <a:cs typeface="Courier New"/>
-                <a:sym typeface="Courier New"/>
-              </a:rPr>
-              <a:t>QUEUE      </a:t>
-            </a:r>
-            <a:r>
-              <a:rPr lang="en-GB" sz="1400" dirty="0" smtClean="0">
-                <a:solidFill>
-                  <a:srgbClr val="032044"/>
-                </a:solidFill>
-                <a:latin typeface="Courier New"/>
-                <a:ea typeface="Courier New"/>
-                <a:cs typeface="Courier New"/>
-                <a:sym typeface="Courier New"/>
-              </a:rPr>
-              <a:t>  FROM_HOST    </a:t>
-            </a:r>
-            <a:r>
-              <a:rPr lang="en-GB" sz="1400" dirty="0">
-                <a:solidFill>
-                  <a:srgbClr val="032044"/>
-                </a:solidFill>
-                <a:latin typeface="Courier New"/>
-                <a:ea typeface="Courier New"/>
-                <a:cs typeface="Courier New"/>
-                <a:sym typeface="Courier New"/>
-              </a:rPr>
-              <a:t>EXEC_HOST </a:t>
-            </a:r>
-            <a:r>
-              <a:rPr lang="en-GB" sz="1400" dirty="0" smtClean="0">
-                <a:solidFill>
-                  <a:srgbClr val="032044"/>
-                </a:solidFill>
-                <a:latin typeface="Courier New"/>
-                <a:ea typeface="Courier New"/>
-                <a:cs typeface="Courier New"/>
-                <a:sym typeface="Courier New"/>
-              </a:rPr>
-              <a:t>  JOB_NAME SUBMIT_TIME</a:t>
-            </a:r>
-            <a:endParaRPr lang="en-GB" sz="1400" dirty="0">
-              <a:solidFill>
-                <a:srgbClr val="032044"/>
-              </a:solidFill>
-              <a:ea typeface="Courier New"/>
-            </a:endParaRPr>
-          </a:p>
-          <a:p>
-            <a:pPr marL="0" lvl="0" indent="0" rtl="0">
-              <a:lnSpc>
-                <a:spcPct val="80000"/>
-              </a:lnSpc>
-              <a:spcBef>
-                <a:spcPts val="264"/>
-              </a:spcBef>
-              <a:spcAft>
-                <a:spcPts val="0"/>
-              </a:spcAft>
-              <a:buClr>
-                <a:srgbClr val="032044"/>
-              </a:buClr>
-              <a:buSzPts val="1320"/>
-              <a:buFont typeface="Arial"/>
-              <a:buNone/>
-            </a:pPr>
-            <a:r>
-              <a:rPr lang="en-GB" sz="1400" dirty="0" smtClean="0">
-                <a:solidFill>
-                  <a:srgbClr val="032044"/>
-                </a:solidFill>
-                <a:latin typeface="Courier New"/>
-                <a:ea typeface="Courier New"/>
-                <a:cs typeface="Courier New"/>
-                <a:sym typeface="Courier New"/>
-              </a:rPr>
-              <a:t>  6485340   </a:t>
-            </a:r>
-            <a:r>
-              <a:rPr lang="en-GB" sz="1400" dirty="0" err="1">
-                <a:solidFill>
-                  <a:srgbClr val="032044"/>
-                </a:solidFill>
-                <a:latin typeface="Courier New"/>
-                <a:ea typeface="Courier New"/>
-                <a:cs typeface="Courier New"/>
-                <a:sym typeface="Courier New"/>
-              </a:rPr>
-              <a:t>msmiz</a:t>
-            </a:r>
-            <a:r>
-              <a:rPr lang="en-GB" sz="1400" dirty="0">
-                <a:solidFill>
-                  <a:srgbClr val="032044"/>
-                </a:solidFill>
-                <a:latin typeface="Courier New"/>
-                <a:ea typeface="Courier New"/>
-                <a:cs typeface="Courier New"/>
-                <a:sym typeface="Courier New"/>
-              </a:rPr>
-              <a:t> </a:t>
-            </a:r>
-            <a:r>
-              <a:rPr lang="en-GB" sz="1400" dirty="0" smtClean="0">
-                <a:solidFill>
-                  <a:srgbClr val="032044"/>
-                </a:solidFill>
-                <a:latin typeface="Courier New"/>
-                <a:ea typeface="Courier New"/>
-                <a:cs typeface="Courier New"/>
-                <a:sym typeface="Courier New"/>
-              </a:rPr>
-              <a:t> RUN  </a:t>
-            </a:r>
-            <a:r>
-              <a:rPr lang="en-GB" sz="1400" dirty="0">
-                <a:solidFill>
-                  <a:srgbClr val="032044"/>
-                </a:solidFill>
-                <a:latin typeface="Courier New"/>
-                <a:ea typeface="Courier New"/>
-                <a:cs typeface="Courier New"/>
-                <a:sym typeface="Courier New"/>
-              </a:rPr>
-              <a:t>short-serial jasmin-sci1 </a:t>
-            </a:r>
-            <a:r>
-              <a:rPr lang="en-GB" sz="1400" dirty="0" smtClean="0">
-                <a:solidFill>
-                  <a:srgbClr val="032044"/>
-                </a:solidFill>
-                <a:latin typeface="Courier New"/>
-                <a:ea typeface="Courier New"/>
-                <a:cs typeface="Courier New"/>
-                <a:sym typeface="Courier New"/>
-              </a:rPr>
-              <a:t> host177.jc</a:t>
-            </a:r>
-            <a:r>
-              <a:rPr lang="en-GB" sz="1400" dirty="0">
-                <a:solidFill>
-                  <a:srgbClr val="032044"/>
-                </a:solidFill>
-                <a:latin typeface="Courier New"/>
-                <a:ea typeface="Courier New"/>
-                <a:cs typeface="Courier New"/>
-                <a:sym typeface="Courier New"/>
-              </a:rPr>
-              <a:t>. Myjob1  </a:t>
-            </a:r>
-            <a:r>
-              <a:rPr lang="en-GB" sz="1400" dirty="0" smtClean="0">
-                <a:solidFill>
-                  <a:srgbClr val="032044"/>
-                </a:solidFill>
-                <a:latin typeface="Courier New"/>
-                <a:ea typeface="Courier New"/>
-                <a:cs typeface="Courier New"/>
-                <a:sym typeface="Courier New"/>
-              </a:rPr>
-              <a:t> Jul </a:t>
-            </a:r>
-            <a:r>
-              <a:rPr lang="en-GB" sz="1400" dirty="0">
-                <a:solidFill>
-                  <a:srgbClr val="032044"/>
-                </a:solidFill>
-                <a:latin typeface="Courier New"/>
-                <a:ea typeface="Courier New"/>
-                <a:cs typeface="Courier New"/>
-                <a:sym typeface="Courier New"/>
-              </a:rPr>
-              <a:t>21 11:46</a:t>
-            </a:r>
-            <a:endParaRPr sz="1400" dirty="0">
-              <a:solidFill>
-                <a:srgbClr val="032044"/>
-              </a:solidFill>
-            </a:endParaRPr>
-          </a:p>
-          <a:p>
-            <a:pPr marL="0" lvl="0" indent="0" rtl="0">
-              <a:lnSpc>
-                <a:spcPct val="80000"/>
-              </a:lnSpc>
-              <a:spcBef>
-                <a:spcPts val="264"/>
-              </a:spcBef>
-              <a:spcAft>
-                <a:spcPts val="0"/>
-              </a:spcAft>
-              <a:buClr>
-                <a:srgbClr val="032044"/>
-              </a:buClr>
-              <a:buSzPts val="1320"/>
-              <a:buFont typeface="Arial"/>
-              <a:buNone/>
-            </a:pPr>
-            <a:r>
-              <a:rPr lang="en-GB" sz="1400" dirty="0" smtClean="0">
-                <a:solidFill>
-                  <a:srgbClr val="032044"/>
-                </a:solidFill>
-                <a:latin typeface="Courier New"/>
-                <a:ea typeface="Courier New"/>
-                <a:cs typeface="Courier New"/>
-                <a:sym typeface="Courier New"/>
-              </a:rPr>
-              <a:t>  6485346   </a:t>
-            </a:r>
-            <a:r>
-              <a:rPr lang="en-GB" sz="1400" dirty="0" err="1">
-                <a:solidFill>
-                  <a:srgbClr val="032044"/>
-                </a:solidFill>
-                <a:latin typeface="Courier New"/>
-                <a:ea typeface="Courier New"/>
-                <a:cs typeface="Courier New"/>
-                <a:sym typeface="Courier New"/>
-              </a:rPr>
-              <a:t>msmiz</a:t>
-            </a:r>
-            <a:r>
-              <a:rPr lang="en-GB" sz="1400" dirty="0">
-                <a:solidFill>
-                  <a:srgbClr val="032044"/>
-                </a:solidFill>
-                <a:latin typeface="Courier New"/>
-                <a:ea typeface="Courier New"/>
-                <a:cs typeface="Courier New"/>
-                <a:sym typeface="Courier New"/>
-              </a:rPr>
-              <a:t> </a:t>
-            </a:r>
-            <a:r>
-              <a:rPr lang="en-GB" sz="1400" dirty="0" smtClean="0">
-                <a:solidFill>
-                  <a:srgbClr val="032044"/>
-                </a:solidFill>
-                <a:latin typeface="Courier New"/>
-                <a:ea typeface="Courier New"/>
-                <a:cs typeface="Courier New"/>
-                <a:sym typeface="Courier New"/>
-              </a:rPr>
-              <a:t> RUN  </a:t>
-            </a:r>
-            <a:r>
-              <a:rPr lang="en-GB" sz="1400" dirty="0">
-                <a:solidFill>
-                  <a:srgbClr val="032044"/>
-                </a:solidFill>
-                <a:latin typeface="Courier New"/>
-                <a:ea typeface="Courier New"/>
-                <a:cs typeface="Courier New"/>
-                <a:sym typeface="Courier New"/>
-              </a:rPr>
-              <a:t>short-serial jasmin-sci1 </a:t>
-            </a:r>
-            <a:r>
-              <a:rPr lang="en-GB" sz="1400" dirty="0" smtClean="0">
-                <a:solidFill>
-                  <a:srgbClr val="032044"/>
-                </a:solidFill>
-                <a:latin typeface="Courier New"/>
-                <a:ea typeface="Courier New"/>
-                <a:cs typeface="Courier New"/>
-                <a:sym typeface="Courier New"/>
-              </a:rPr>
-              <a:t> host232.jc</a:t>
-            </a:r>
-            <a:r>
-              <a:rPr lang="en-GB" sz="1400" dirty="0">
-                <a:solidFill>
-                  <a:srgbClr val="032044"/>
-                </a:solidFill>
-                <a:latin typeface="Courier New"/>
-                <a:ea typeface="Courier New"/>
-                <a:cs typeface="Courier New"/>
-                <a:sym typeface="Courier New"/>
-              </a:rPr>
-              <a:t>. Myjob2  </a:t>
-            </a:r>
-            <a:r>
-              <a:rPr lang="en-GB" sz="1400" dirty="0" smtClean="0">
-                <a:solidFill>
-                  <a:srgbClr val="032044"/>
-                </a:solidFill>
-                <a:latin typeface="Courier New"/>
-                <a:ea typeface="Courier New"/>
-                <a:cs typeface="Courier New"/>
-                <a:sym typeface="Courier New"/>
-              </a:rPr>
-              <a:t> Jul </a:t>
-            </a:r>
-            <a:r>
-              <a:rPr lang="en-GB" sz="1400" dirty="0">
-                <a:solidFill>
-                  <a:srgbClr val="032044"/>
-                </a:solidFill>
-                <a:latin typeface="Courier New"/>
-                <a:ea typeface="Courier New"/>
-                <a:cs typeface="Courier New"/>
-                <a:sym typeface="Courier New"/>
-              </a:rPr>
-              <a:t>21 </a:t>
-            </a:r>
-            <a:r>
-              <a:rPr lang="en-GB" sz="1400" dirty="0" smtClean="0">
-                <a:solidFill>
-                  <a:srgbClr val="032044"/>
-                </a:solidFill>
-                <a:latin typeface="Courier New"/>
-                <a:ea typeface="Courier New"/>
-                <a:cs typeface="Courier New"/>
-                <a:sym typeface="Courier New"/>
-              </a:rPr>
-              <a:t>11:46</a:t>
-            </a:r>
-          </a:p>
-          <a:p>
-            <a:pPr marL="0" lvl="0" indent="0" rtl="0">
-              <a:lnSpc>
-                <a:spcPct val="80000"/>
-              </a:lnSpc>
-              <a:spcBef>
-                <a:spcPts val="264"/>
-              </a:spcBef>
-              <a:spcAft>
-                <a:spcPts val="0"/>
-              </a:spcAft>
-              <a:buClr>
-                <a:srgbClr val="032044"/>
-              </a:buClr>
-              <a:buSzPts val="1320"/>
-              <a:buFont typeface="Arial"/>
-              <a:buNone/>
-            </a:pPr>
-            <a:endParaRPr sz="800" dirty="0">
-              <a:solidFill>
-                <a:srgbClr val="000000"/>
-              </a:solidFill>
-            </a:endParaRPr>
-          </a:p>
-          <a:p>
-            <a:pPr marL="0" lvl="0" indent="0" algn="l" rtl="0">
-              <a:lnSpc>
-                <a:spcPct val="90000"/>
-              </a:lnSpc>
-              <a:spcBef>
-                <a:spcPts val="1000"/>
-              </a:spcBef>
-              <a:spcAft>
-                <a:spcPts val="0"/>
-              </a:spcAft>
-              <a:buClr>
-                <a:srgbClr val="000000"/>
-              </a:buClr>
-              <a:buSzPts val="2800"/>
-              <a:buFont typeface="Arial"/>
-              <a:buNone/>
-            </a:pPr>
-            <a:r>
-              <a:rPr lang="en-GB" b="1" dirty="0">
-                <a:solidFill>
-                  <a:srgbClr val="000000"/>
-                </a:solidFill>
-              </a:rPr>
-              <a:t>Cancel a job: </a:t>
-            </a:r>
-            <a:r>
-              <a:rPr lang="en-GB" b="1" dirty="0" err="1">
-                <a:solidFill>
-                  <a:srgbClr val="032044"/>
-                </a:solidFill>
-                <a:latin typeface="Courier New"/>
-                <a:ea typeface="Courier New"/>
-                <a:cs typeface="Courier New"/>
-                <a:sym typeface="Courier New"/>
-              </a:rPr>
-              <a:t>bkill</a:t>
-            </a:r>
-            <a:r>
-              <a:rPr lang="en-GB" b="1" dirty="0">
-                <a:solidFill>
-                  <a:srgbClr val="032044"/>
-                </a:solidFill>
-                <a:latin typeface="Courier New"/>
-                <a:ea typeface="Courier New"/>
-                <a:cs typeface="Courier New"/>
-                <a:sym typeface="Courier New"/>
-              </a:rPr>
-              <a:t> &lt;</a:t>
-            </a:r>
-            <a:r>
-              <a:rPr lang="en-GB" b="1" dirty="0" err="1">
-                <a:solidFill>
-                  <a:srgbClr val="032044"/>
-                </a:solidFill>
-                <a:latin typeface="Courier New"/>
-                <a:ea typeface="Courier New"/>
-                <a:cs typeface="Courier New"/>
-                <a:sym typeface="Courier New"/>
-              </a:rPr>
-              <a:t>job_id</a:t>
-            </a:r>
-            <a:r>
-              <a:rPr lang="en-GB" b="1" dirty="0">
-                <a:solidFill>
-                  <a:srgbClr val="032044"/>
-                </a:solidFill>
-                <a:latin typeface="Courier New"/>
-                <a:ea typeface="Courier New"/>
-                <a:cs typeface="Courier New"/>
-                <a:sym typeface="Courier New"/>
-              </a:rPr>
-              <a:t>&gt; </a:t>
-            </a:r>
-            <a:endParaRPr sz="2800" b="1" dirty="0">
-              <a:solidFill>
-                <a:srgbClr val="000000"/>
-              </a:solidFill>
-            </a:endParaRPr>
-          </a:p>
-          <a:p>
-            <a:pPr marL="0" lvl="0" indent="0" algn="l" rtl="0">
-              <a:lnSpc>
-                <a:spcPct val="100000"/>
-              </a:lnSpc>
-              <a:spcBef>
-                <a:spcPts val="360"/>
-              </a:spcBef>
-              <a:spcAft>
-                <a:spcPts val="0"/>
-              </a:spcAft>
-              <a:buClr>
-                <a:schemeClr val="dk1"/>
-              </a:buClr>
-              <a:buSzPts val="1100"/>
-              <a:buFont typeface="Arial"/>
-              <a:buNone/>
-            </a:pPr>
-            <a:r>
-              <a:rPr lang="en-GB" sz="1400" dirty="0" smtClean="0">
-                <a:latin typeface="Courier New"/>
-                <a:ea typeface="Courier New"/>
-                <a:cs typeface="Courier New"/>
-                <a:sym typeface="Courier New"/>
-              </a:rPr>
-              <a:t>   </a:t>
-            </a:r>
-            <a:r>
-              <a:rPr lang="en-GB" sz="1800" dirty="0" smtClean="0">
-                <a:latin typeface="Courier New"/>
-                <a:ea typeface="Courier New"/>
-                <a:cs typeface="Courier New"/>
-                <a:sym typeface="Courier New"/>
-              </a:rPr>
-              <a:t>$ </a:t>
-            </a:r>
-            <a:r>
-              <a:rPr lang="en-GB" sz="1800" b="1" dirty="0" err="1">
-                <a:latin typeface="Courier New"/>
-                <a:ea typeface="Courier New"/>
-                <a:cs typeface="Courier New"/>
-                <a:sym typeface="Courier New"/>
-              </a:rPr>
-              <a:t>bkill</a:t>
-            </a:r>
-            <a:r>
-              <a:rPr lang="en-GB" sz="1800" b="1" dirty="0">
-                <a:latin typeface="Courier New"/>
-                <a:ea typeface="Courier New"/>
-                <a:cs typeface="Courier New"/>
-                <a:sym typeface="Courier New"/>
-              </a:rPr>
-              <a:t> </a:t>
-            </a:r>
-            <a:r>
-              <a:rPr lang="en-GB" sz="1800" b="1" dirty="0">
-                <a:solidFill>
-                  <a:srgbClr val="032044"/>
-                </a:solidFill>
-                <a:latin typeface="Courier New"/>
-                <a:ea typeface="Courier New"/>
-                <a:cs typeface="Courier New"/>
-                <a:sym typeface="Courier New"/>
-              </a:rPr>
-              <a:t>6485346</a:t>
-            </a:r>
-            <a:endParaRPr sz="1800" b="1" dirty="0">
-              <a:latin typeface="Courier New"/>
-              <a:ea typeface="Courier New"/>
-              <a:cs typeface="Courier New"/>
-              <a:sym typeface="Courier New"/>
-            </a:endParaRPr>
-          </a:p>
-          <a:p>
-            <a:pPr marL="0" lvl="0" indent="0" algn="l" rtl="0">
-              <a:lnSpc>
-                <a:spcPct val="100000"/>
-              </a:lnSpc>
-              <a:spcBef>
-                <a:spcPts val="360"/>
-              </a:spcBef>
-              <a:spcAft>
-                <a:spcPts val="0"/>
-              </a:spcAft>
-              <a:buClr>
-                <a:schemeClr val="dk1"/>
-              </a:buClr>
-              <a:buSzPts val="1100"/>
-              <a:buFont typeface="Arial"/>
-              <a:buNone/>
-            </a:pPr>
-            <a:r>
-              <a:rPr lang="en-GB" sz="1800" dirty="0" smtClean="0">
-                <a:latin typeface="Courier New"/>
-                <a:ea typeface="Courier New"/>
-                <a:cs typeface="Courier New"/>
-                <a:sym typeface="Courier New"/>
-              </a:rPr>
-              <a:t>   Job </a:t>
-            </a:r>
-            <a:r>
-              <a:rPr lang="en-GB" sz="1800" dirty="0">
-                <a:latin typeface="Courier New"/>
-                <a:ea typeface="Courier New"/>
-                <a:cs typeface="Courier New"/>
-                <a:sym typeface="Courier New"/>
-              </a:rPr>
-              <a:t>&lt;</a:t>
-            </a:r>
-            <a:r>
-              <a:rPr lang="en-GB" sz="1800" dirty="0">
-                <a:solidFill>
-                  <a:srgbClr val="032044"/>
-                </a:solidFill>
-                <a:latin typeface="Courier New"/>
-                <a:ea typeface="Courier New"/>
-                <a:cs typeface="Courier New"/>
-                <a:sym typeface="Courier New"/>
-              </a:rPr>
-              <a:t>6485346</a:t>
-            </a:r>
-            <a:r>
-              <a:rPr lang="en-GB" sz="1800" dirty="0">
-                <a:latin typeface="Courier New"/>
-                <a:ea typeface="Courier New"/>
-                <a:cs typeface="Courier New"/>
-                <a:sym typeface="Courier New"/>
-              </a:rPr>
-              <a:t>&gt; is being killed</a:t>
-            </a:r>
-            <a:endParaRPr sz="1800" dirty="0">
-              <a:latin typeface="Courier New"/>
-              <a:ea typeface="Courier New"/>
-              <a:cs typeface="Courier New"/>
-              <a:sym typeface="Courier New"/>
-            </a:endParaRPr>
-          </a:p>
-          <a:p>
-            <a:pPr marL="228600" lvl="0" indent="-228600" algn="l" rtl="0">
-              <a:lnSpc>
-                <a:spcPct val="90000"/>
-              </a:lnSpc>
-              <a:spcBef>
-                <a:spcPts val="1000"/>
-              </a:spcBef>
-              <a:spcAft>
-                <a:spcPts val="0"/>
-              </a:spcAft>
-              <a:buClr>
-                <a:schemeClr val="dk1"/>
-              </a:buClr>
-              <a:buSzPts val="800"/>
-              <a:buFont typeface="Arial"/>
-              <a:buNone/>
-            </a:pPr>
-            <a:endParaRPr sz="800" b="1" dirty="0"/>
-          </a:p>
-          <a:p>
-            <a:pPr marL="228600" lvl="0" indent="-228600" algn="ctr" rtl="0">
-              <a:lnSpc>
-                <a:spcPct val="90000"/>
-              </a:lnSpc>
-              <a:spcBef>
-                <a:spcPts val="1000"/>
-              </a:spcBef>
-              <a:spcAft>
-                <a:spcPts val="0"/>
-              </a:spcAft>
-              <a:buClr>
-                <a:schemeClr val="dk1"/>
-              </a:buClr>
-              <a:buSzPts val="2800"/>
-              <a:buFont typeface="Arial"/>
-              <a:buNone/>
-            </a:pPr>
-            <a:endParaRPr sz="2800" b="1" dirty="0"/>
-          </a:p>
-          <a:p>
-            <a:pPr marL="228600" lvl="0" indent="-228600" algn="l" rtl="0">
-              <a:lnSpc>
-                <a:spcPct val="90000"/>
-              </a:lnSpc>
-              <a:spcBef>
-                <a:spcPts val="1000"/>
-              </a:spcBef>
-              <a:spcAft>
-                <a:spcPts val="0"/>
-              </a:spcAft>
-              <a:buClr>
-                <a:schemeClr val="dk1"/>
-              </a:buClr>
-              <a:buSzPts val="2400"/>
-              <a:buFont typeface="Arial"/>
-              <a:buNone/>
-            </a:pPr>
-            <a:endParaRPr dirty="0"/>
-          </a:p>
-        </p:txBody>
-      </p:sp>
-      <p:sp>
-        <p:nvSpPr>
-          <p:cNvPr id="2" name="Rectangle 1"/>
-          <p:cNvSpPr/>
-          <p:nvPr/>
-        </p:nvSpPr>
-        <p:spPr>
-          <a:xfrm>
-            <a:off x="138545" y="3726870"/>
-            <a:ext cx="8894619" cy="1094510"/>
-          </a:xfrm>
-          <a:prstGeom prst="rect">
-            <a:avLst/>
-          </a:prstGeom>
-          <a:noFill/>
-          <a:ln w="19050">
-            <a:solidFill>
-              <a:schemeClr val="tx1"/>
-            </a:solidFill>
-          </a:ln>
-        </p:spPr>
-        <p:style>
-          <a:lnRef idx="2">
-            <a:schemeClr val="accent1">
-              <a:shade val="50000"/>
-            </a:schemeClr>
-          </a:lnRef>
-          <a:fillRef idx="1">
-            <a:schemeClr val="accent1"/>
-          </a:fillRef>
-          <a:effectRef idx="0">
-            <a:schemeClr val="accent1"/>
-          </a:effectRef>
-          <a:fontRef idx="minor">
-            <a:schemeClr val="lt1"/>
-          </a:fontRef>
-        </p:style>
-        <p:txBody>
-          <a:bodyPr rtlCol="0" anchor="ctr"/>
-          <a:lstStyle/>
-          <a:p>
-            <a:pPr algn="ctr"/>
-            <a:endParaRPr lang="en-GB"/>
-          </a:p>
-        </p:txBody>
-      </p:sp>
-      <p:sp>
-        <p:nvSpPr>
-          <p:cNvPr id="5" name="Rectangle 4"/>
-          <p:cNvSpPr/>
-          <p:nvPr/>
-        </p:nvSpPr>
-        <p:spPr>
-          <a:xfrm>
-            <a:off x="138545" y="5306290"/>
-            <a:ext cx="8894619" cy="723312"/>
-          </a:xfrm>
-          <a:prstGeom prst="rect">
-            <a:avLst/>
-          </a:prstGeom>
-          <a:noFill/>
-          <a:ln w="19050">
-            <a:solidFill>
-              <a:schemeClr val="tx1"/>
-            </a:solidFill>
-          </a:ln>
-        </p:spPr>
-        <p:style>
-          <a:lnRef idx="2">
-            <a:schemeClr val="accent1">
-              <a:shade val="50000"/>
-            </a:schemeClr>
-          </a:lnRef>
-          <a:fillRef idx="1">
-            <a:schemeClr val="accent1"/>
-          </a:fillRef>
-          <a:effectRef idx="0">
-            <a:schemeClr val="accent1"/>
-          </a:effectRef>
-          <a:fontRef idx="minor">
-            <a:schemeClr val="lt1"/>
-          </a:fontRef>
-        </p:style>
-        <p:txBody>
-          <a:bodyPr rtlCol="0" anchor="ctr"/>
-          <a:lstStyle/>
-          <a:p>
-            <a:pPr algn="ctr"/>
-            <a:endParaRPr lang="en-GB"/>
-          </a:p>
-        </p:txBody>
-      </p:sp>
-      <p:sp>
-        <p:nvSpPr>
-          <p:cNvPr id="6" name="Rectangle 5"/>
-          <p:cNvSpPr/>
-          <p:nvPr/>
-        </p:nvSpPr>
-        <p:spPr>
-          <a:xfrm>
-            <a:off x="138545" y="2285998"/>
-            <a:ext cx="8894619" cy="900543"/>
-          </a:xfrm>
-          <a:prstGeom prst="rect">
-            <a:avLst/>
-          </a:prstGeom>
-          <a:noFill/>
-          <a:ln w="19050">
-            <a:solidFill>
-              <a:schemeClr val="tx1"/>
-            </a:solidFill>
-          </a:ln>
-        </p:spPr>
-        <p:style>
-          <a:lnRef idx="2">
-            <a:schemeClr val="accent1">
-              <a:shade val="50000"/>
-            </a:schemeClr>
-          </a:lnRef>
-          <a:fillRef idx="1">
-            <a:schemeClr val="accent1"/>
-          </a:fillRef>
-          <a:effectRef idx="0">
-            <a:schemeClr val="accent1"/>
-          </a:effectRef>
-          <a:fontRef idx="minor">
-            <a:schemeClr val="lt1"/>
-          </a:fontRef>
-        </p:style>
-        <p:txBody>
-          <a:bodyPr rtlCol="0" anchor="ctr"/>
-          <a:lstStyle/>
-          <a:p>
-            <a:pPr algn="ctr"/>
-            <a:endParaRPr lang="en-GB"/>
           </a:p>
         </p:txBody>
       </p:sp>
@@ -18165,6 +16927,1570 @@
 </file>
 
 <file path=ppt/slides/slide20.xml><?xml version="1.0" encoding="utf-8"?>
+<p:sld xmlns:a="http://schemas.openxmlformats.org/drawingml/2006/main" xmlns:r="http://schemas.openxmlformats.org/officeDocument/2006/relationships" xmlns:p="http://schemas.openxmlformats.org/presentationml/2006/main">
+  <p:cSld>
+    <p:spTree>
+      <p:nvGrpSpPr>
+        <p:cNvPr id="1" name="Shape 308"/>
+        <p:cNvGrpSpPr/>
+        <p:nvPr/>
+      </p:nvGrpSpPr>
+      <p:grpSpPr>
+        <a:xfrm>
+          <a:off x="0" y="0"/>
+          <a:ext cx="0" cy="0"/>
+          <a:chOff x="0" y="0"/>
+          <a:chExt cx="0" cy="0"/>
+        </a:xfrm>
+      </p:grpSpPr>
+      <p:sp>
+        <p:nvSpPr>
+          <p:cNvPr id="309" name="Google Shape;309;p42"/>
+          <p:cNvSpPr txBox="1">
+            <a:spLocks noGrp="1"/>
+          </p:cNvSpPr>
+          <p:nvPr>
+            <p:ph type="title"/>
+          </p:nvPr>
+        </p:nvSpPr>
+        <p:spPr>
+          <a:xfrm>
+            <a:off x="457200" y="122238"/>
+            <a:ext cx="8229600" cy="562200"/>
+          </a:xfrm>
+          <a:prstGeom prst="rect">
+            <a:avLst/>
+          </a:prstGeom>
+          <a:noFill/>
+          <a:ln>
+            <a:noFill/>
+          </a:ln>
+        </p:spPr>
+        <p:txBody>
+          <a:bodyPr spcFirstLastPara="1" wrap="square" lIns="91425" tIns="45700" rIns="91425" bIns="45700" anchor="ctr" anchorCtr="0">
+            <a:noAutofit/>
+          </a:bodyPr>
+          <a:lstStyle/>
+          <a:p>
+            <a:pPr marL="0" lvl="0" indent="0" algn="ctr" rtl="0">
+              <a:lnSpc>
+                <a:spcPct val="90000"/>
+              </a:lnSpc>
+              <a:spcBef>
+                <a:spcPts val="0"/>
+              </a:spcBef>
+              <a:spcAft>
+                <a:spcPts val="0"/>
+              </a:spcAft>
+              <a:buClr>
+                <a:srgbClr val="000000"/>
+              </a:buClr>
+              <a:buSzPts val="3200"/>
+              <a:buFont typeface="Calibri"/>
+              <a:buNone/>
+            </a:pPr>
+            <a:r>
+              <a:rPr lang="en-GB" sz="3200" b="1" dirty="0" smtClean="0">
+                <a:latin typeface="Arial Rounded MT Bold" panose="020F0704030504030204" pitchFamily="34" charset="0"/>
+              </a:rPr>
+              <a:t>LSF Scheduler comm</a:t>
+            </a:r>
+            <a:r>
+              <a:rPr lang="en-GB" sz="3200" b="1" dirty="0" smtClean="0"/>
+              <a:t>ands</a:t>
+            </a:r>
+            <a:endParaRPr sz="3200" b="1" dirty="0"/>
+          </a:p>
+        </p:txBody>
+      </p:sp>
+      <p:sp>
+        <p:nvSpPr>
+          <p:cNvPr id="310" name="Google Shape;310;p42"/>
+          <p:cNvSpPr txBox="1">
+            <a:spLocks noGrp="1"/>
+          </p:cNvSpPr>
+          <p:nvPr>
+            <p:ph type="body" idx="1"/>
+          </p:nvPr>
+        </p:nvSpPr>
+        <p:spPr>
+          <a:xfrm>
+            <a:off x="0" y="745292"/>
+            <a:ext cx="9033164" cy="5256600"/>
+          </a:xfrm>
+          <a:prstGeom prst="rect">
+            <a:avLst/>
+          </a:prstGeom>
+          <a:noFill/>
+          <a:ln>
+            <a:noFill/>
+          </a:ln>
+        </p:spPr>
+        <p:txBody>
+          <a:bodyPr spcFirstLastPara="1" wrap="square" lIns="91425" tIns="45700" rIns="91425" bIns="45700" anchor="t" anchorCtr="0">
+            <a:noAutofit/>
+          </a:bodyPr>
+          <a:lstStyle/>
+          <a:p>
+            <a:pPr marL="228600" lvl="0" indent="-228600" algn="l" rtl="0">
+              <a:lnSpc>
+                <a:spcPct val="90000"/>
+              </a:lnSpc>
+              <a:spcBef>
+                <a:spcPts val="0"/>
+              </a:spcBef>
+              <a:spcAft>
+                <a:spcPts val="0"/>
+              </a:spcAft>
+              <a:buClr>
+                <a:srgbClr val="000000"/>
+              </a:buClr>
+              <a:buSzPts val="2800"/>
+              <a:buFont typeface="Arial"/>
+              <a:buNone/>
+            </a:pPr>
+            <a:r>
+              <a:rPr lang="en-GB" b="1" dirty="0" smtClean="0">
+                <a:solidFill>
+                  <a:srgbClr val="000000"/>
+                </a:solidFill>
+              </a:rPr>
+              <a:t>To interact with the LOTUS LSF scheduler first login to one of:</a:t>
+            </a:r>
+          </a:p>
+          <a:p>
+            <a:pPr marL="342900" lvl="0" algn="l" rtl="0">
+              <a:lnSpc>
+                <a:spcPct val="90000"/>
+              </a:lnSpc>
+              <a:spcBef>
+                <a:spcPts val="0"/>
+              </a:spcBef>
+              <a:spcAft>
+                <a:spcPts val="0"/>
+              </a:spcAft>
+              <a:buClr>
+                <a:srgbClr val="000000"/>
+              </a:buClr>
+              <a:buSzPts val="2800"/>
+              <a:buFont typeface="Arial" panose="020B0604020202020204" pitchFamily="34" charset="0"/>
+              <a:buChar char="•"/>
+            </a:pPr>
+            <a:r>
+              <a:rPr lang="en-GB" dirty="0" smtClean="0">
+                <a:solidFill>
+                  <a:srgbClr val="000000"/>
+                </a:solidFill>
+              </a:rPr>
+              <a:t>JASMIN </a:t>
+            </a:r>
+            <a:r>
+              <a:rPr lang="en-GB" dirty="0">
+                <a:solidFill>
+                  <a:srgbClr val="000000"/>
+                </a:solidFill>
+              </a:rPr>
+              <a:t>scientific servers </a:t>
+            </a:r>
+            <a:r>
+              <a:rPr lang="en-GB" dirty="0" smtClean="0">
+                <a:solidFill>
+                  <a:srgbClr val="000000"/>
+                </a:solidFill>
+              </a:rPr>
+              <a:t>(</a:t>
+            </a:r>
+            <a:r>
+              <a:rPr lang="en-GB" dirty="0" err="1" smtClean="0">
+                <a:solidFill>
+                  <a:schemeClr val="tx1"/>
+                </a:solidFill>
+                <a:latin typeface="Calibri" panose="020F0502020204030204" pitchFamily="34" charset="0"/>
+                <a:ea typeface="Courier New"/>
+                <a:cs typeface="Calibri" panose="020F0502020204030204" pitchFamily="34" charset="0"/>
+                <a:sym typeface="Courier New"/>
+              </a:rPr>
+              <a:t>jasmin-sci</a:t>
+            </a:r>
+            <a:r>
+              <a:rPr lang="en-GB" b="1" dirty="0" smtClean="0">
+                <a:solidFill>
+                  <a:schemeClr val="tx1"/>
+                </a:solidFill>
+                <a:latin typeface="Calibri" panose="020F0502020204030204" pitchFamily="34" charset="0"/>
+                <a:ea typeface="Courier New"/>
+                <a:cs typeface="Calibri" panose="020F0502020204030204" pitchFamily="34" charset="0"/>
+                <a:sym typeface="Courier New"/>
+              </a:rPr>
+              <a:t>[</a:t>
+            </a:r>
+            <a:r>
+              <a:rPr lang="en-GB" dirty="0" smtClean="0">
+                <a:solidFill>
+                  <a:schemeClr val="tx1"/>
+                </a:solidFill>
+                <a:latin typeface="Calibri" panose="020F0502020204030204" pitchFamily="34" charset="0"/>
+                <a:ea typeface="Courier New"/>
+                <a:cs typeface="Calibri" panose="020F0502020204030204" pitchFamily="34" charset="0"/>
+                <a:sym typeface="Courier New"/>
+              </a:rPr>
+              <a:t>1-5</a:t>
+            </a:r>
+            <a:r>
+              <a:rPr lang="en-GB" b="1" dirty="0">
+                <a:solidFill>
+                  <a:schemeClr val="tx1"/>
+                </a:solidFill>
+                <a:latin typeface="Calibri" panose="020F0502020204030204" pitchFamily="34" charset="0"/>
+                <a:ea typeface="Courier New"/>
+                <a:cs typeface="Calibri" panose="020F0502020204030204" pitchFamily="34" charset="0"/>
+                <a:sym typeface="Courier New"/>
+              </a:rPr>
+              <a:t>]</a:t>
+            </a:r>
+            <a:r>
+              <a:rPr lang="en-GB" dirty="0">
+                <a:solidFill>
+                  <a:schemeClr val="tx1"/>
+                </a:solidFill>
+                <a:latin typeface="Calibri" panose="020F0502020204030204" pitchFamily="34" charset="0"/>
+                <a:ea typeface="Courier New"/>
+                <a:cs typeface="Calibri" panose="020F0502020204030204" pitchFamily="34" charset="0"/>
+                <a:sym typeface="Courier New"/>
+              </a:rPr>
+              <a:t>.</a:t>
+            </a:r>
+            <a:r>
+              <a:rPr lang="en-GB" dirty="0" smtClean="0">
+                <a:solidFill>
+                  <a:schemeClr val="tx1"/>
+                </a:solidFill>
+                <a:latin typeface="Calibri" panose="020F0502020204030204" pitchFamily="34" charset="0"/>
+                <a:ea typeface="Courier New"/>
+                <a:cs typeface="Calibri" panose="020F0502020204030204" pitchFamily="34" charset="0"/>
+                <a:sym typeface="Courier New"/>
+              </a:rPr>
+              <a:t>ceda.ac.uk)</a:t>
+            </a:r>
+          </a:p>
+          <a:p>
+            <a:pPr marL="342900" lvl="0" algn="l" rtl="0">
+              <a:lnSpc>
+                <a:spcPct val="90000"/>
+              </a:lnSpc>
+              <a:spcBef>
+                <a:spcPts val="0"/>
+              </a:spcBef>
+              <a:spcAft>
+                <a:spcPts val="0"/>
+              </a:spcAft>
+              <a:buClr>
+                <a:srgbClr val="000000"/>
+              </a:buClr>
+              <a:buSzPts val="2800"/>
+              <a:buFont typeface="Arial" panose="020B0604020202020204" pitchFamily="34" charset="0"/>
+              <a:buChar char="•"/>
+            </a:pPr>
+            <a:r>
+              <a:rPr lang="en-GB" dirty="0" smtClean="0">
+                <a:solidFill>
+                  <a:srgbClr val="000000"/>
+                </a:solidFill>
+              </a:rPr>
+              <a:t>LOTUS </a:t>
+            </a:r>
+            <a:r>
+              <a:rPr lang="en-GB" dirty="0">
+                <a:solidFill>
+                  <a:srgbClr val="000000"/>
+                </a:solidFill>
+              </a:rPr>
+              <a:t>head </a:t>
+            </a:r>
+            <a:r>
+              <a:rPr lang="en-GB" dirty="0" smtClean="0">
+                <a:solidFill>
+                  <a:srgbClr val="000000"/>
+                </a:solidFill>
+              </a:rPr>
+              <a:t>node</a:t>
+            </a:r>
+            <a:r>
+              <a:rPr lang="en-GB" dirty="0">
+                <a:solidFill>
+                  <a:srgbClr val="000000"/>
+                </a:solidFill>
+              </a:rPr>
+              <a:t> </a:t>
+            </a:r>
+            <a:r>
+              <a:rPr lang="en-GB" dirty="0" smtClean="0">
+                <a:solidFill>
+                  <a:srgbClr val="000000"/>
+                </a:solidFill>
+              </a:rPr>
+              <a:t>(</a:t>
+            </a:r>
+            <a:r>
+              <a:rPr lang="en-GB" dirty="0" smtClean="0">
+                <a:solidFill>
+                  <a:schemeClr val="tx1"/>
+                </a:solidFill>
+                <a:latin typeface="Calibri" panose="020F0502020204030204" pitchFamily="34" charset="0"/>
+                <a:cs typeface="Calibri" panose="020F0502020204030204" pitchFamily="34" charset="0"/>
+              </a:rPr>
+              <a:t>l</a:t>
+            </a:r>
+            <a:r>
+              <a:rPr lang="en-GB" dirty="0" smtClean="0">
+                <a:solidFill>
+                  <a:schemeClr val="tx1"/>
+                </a:solidFill>
+                <a:latin typeface="Calibri" panose="020F0502020204030204" pitchFamily="34" charset="0"/>
+                <a:ea typeface="Courier New"/>
+                <a:cs typeface="Calibri" panose="020F0502020204030204" pitchFamily="34" charset="0"/>
+                <a:sym typeface="Courier New"/>
+              </a:rPr>
+              <a:t>otus.jc.rl.ac.uk</a:t>
+            </a:r>
+            <a:r>
+              <a:rPr lang="en-GB" dirty="0" smtClean="0">
+                <a:solidFill>
+                  <a:schemeClr val="tx1"/>
+                </a:solidFill>
+                <a:latin typeface="Courier New"/>
+                <a:ea typeface="Courier New"/>
+                <a:cs typeface="Courier New"/>
+                <a:sym typeface="Courier New"/>
+              </a:rPr>
+              <a:t>)</a:t>
+            </a:r>
+            <a:endParaRPr dirty="0"/>
+          </a:p>
+          <a:p>
+            <a:pPr marL="228600" lvl="0" indent="-228600" algn="l" rtl="0">
+              <a:lnSpc>
+                <a:spcPct val="90000"/>
+              </a:lnSpc>
+              <a:spcBef>
+                <a:spcPts val="1000"/>
+              </a:spcBef>
+              <a:spcAft>
+                <a:spcPts val="0"/>
+              </a:spcAft>
+              <a:buClr>
+                <a:srgbClr val="000000"/>
+              </a:buClr>
+              <a:buSzPts val="2400"/>
+              <a:buFont typeface="Arial"/>
+              <a:buNone/>
+            </a:pPr>
+            <a:r>
+              <a:rPr lang="en-GB" b="1" dirty="0" smtClean="0"/>
+              <a:t>Job submission: </a:t>
+            </a:r>
+            <a:r>
+              <a:rPr lang="en-GB" b="1" dirty="0" err="1" smtClean="0">
+                <a:latin typeface="Courier New" panose="02070309020205020404" pitchFamily="49" charset="0"/>
+                <a:cs typeface="Courier New" panose="02070309020205020404" pitchFamily="49" charset="0"/>
+              </a:rPr>
+              <a:t>bsub</a:t>
+            </a:r>
+            <a:r>
+              <a:rPr lang="en-GB" b="1" dirty="0" smtClean="0">
+                <a:latin typeface="Courier New" panose="02070309020205020404" pitchFamily="49" charset="0"/>
+                <a:cs typeface="Courier New" panose="02070309020205020404" pitchFamily="49" charset="0"/>
+              </a:rPr>
+              <a:t> &lt;options&gt; command</a:t>
+            </a:r>
+            <a:endParaRPr lang="en-GB" sz="1000" b="1" dirty="0">
+              <a:latin typeface="Courier New" panose="02070309020205020404" pitchFamily="49" charset="0"/>
+              <a:cs typeface="Courier New" panose="02070309020205020404" pitchFamily="49" charset="0"/>
+            </a:endParaRPr>
+          </a:p>
+          <a:p>
+            <a:pPr marL="228600" lvl="0" indent="-228600" algn="l" rtl="0">
+              <a:lnSpc>
+                <a:spcPct val="90000"/>
+              </a:lnSpc>
+              <a:spcBef>
+                <a:spcPts val="1000"/>
+              </a:spcBef>
+              <a:spcAft>
+                <a:spcPts val="0"/>
+              </a:spcAft>
+              <a:buClr>
+                <a:srgbClr val="000000"/>
+              </a:buClr>
+              <a:buSzPts val="2400"/>
+              <a:buFont typeface="Arial"/>
+              <a:buNone/>
+            </a:pPr>
+            <a:endParaRPr sz="800" b="1" dirty="0">
+              <a:latin typeface="Courier New" panose="02070309020205020404" pitchFamily="49" charset="0"/>
+              <a:cs typeface="Courier New" panose="02070309020205020404" pitchFamily="49" charset="0"/>
+            </a:endParaRPr>
+          </a:p>
+          <a:p>
+            <a:pPr marL="0" lvl="0" indent="0" rtl="0">
+              <a:lnSpc>
+                <a:spcPct val="80000"/>
+              </a:lnSpc>
+              <a:spcBef>
+                <a:spcPts val="304"/>
+              </a:spcBef>
+              <a:spcAft>
+                <a:spcPts val="0"/>
+              </a:spcAft>
+              <a:buClr>
+                <a:schemeClr val="dk1"/>
+              </a:buClr>
+              <a:buSzPts val="1100"/>
+              <a:buFont typeface="Arial"/>
+              <a:buNone/>
+            </a:pPr>
+            <a:r>
+              <a:rPr lang="en-GB" sz="2000" dirty="0" smtClean="0">
+                <a:solidFill>
+                  <a:srgbClr val="032044"/>
+                </a:solidFill>
+                <a:latin typeface="Courier"/>
+                <a:ea typeface="Courier New"/>
+                <a:cs typeface="Courier New"/>
+                <a:sym typeface="Courier New"/>
+              </a:rPr>
+              <a:t>  </a:t>
+            </a:r>
+            <a:r>
+              <a:rPr lang="en-GB" sz="1800" dirty="0" smtClean="0">
+                <a:solidFill>
+                  <a:srgbClr val="032044"/>
+                </a:solidFill>
+                <a:latin typeface="Courier"/>
+                <a:ea typeface="Courier New"/>
+                <a:cs typeface="Courier New"/>
+                <a:sym typeface="Courier New"/>
+              </a:rPr>
+              <a:t>$ </a:t>
+            </a:r>
+            <a:r>
+              <a:rPr lang="en-GB" sz="1800" b="1" dirty="0" err="1">
+                <a:solidFill>
+                  <a:srgbClr val="032044"/>
+                </a:solidFill>
+                <a:latin typeface="Courier New" panose="02070309020205020404" pitchFamily="49" charset="0"/>
+                <a:ea typeface="Courier New"/>
+                <a:cs typeface="Courier New" panose="02070309020205020404" pitchFamily="49" charset="0"/>
+                <a:sym typeface="Courier New"/>
+              </a:rPr>
+              <a:t>bsub</a:t>
+            </a:r>
+            <a:r>
+              <a:rPr lang="en-GB" sz="1800" dirty="0">
+                <a:solidFill>
+                  <a:srgbClr val="032044"/>
+                </a:solidFill>
+                <a:latin typeface="Courier New" panose="02070309020205020404" pitchFamily="49" charset="0"/>
+                <a:ea typeface="Courier New"/>
+                <a:cs typeface="Courier New" panose="02070309020205020404" pitchFamily="49" charset="0"/>
+                <a:sym typeface="Courier New"/>
+              </a:rPr>
+              <a:t> -o %</a:t>
+            </a:r>
+            <a:r>
+              <a:rPr lang="en-GB" sz="1800" dirty="0" err="1">
+                <a:solidFill>
+                  <a:srgbClr val="032044"/>
+                </a:solidFill>
+                <a:latin typeface="Courier New" panose="02070309020205020404" pitchFamily="49" charset="0"/>
+                <a:ea typeface="Courier New"/>
+                <a:cs typeface="Courier New" panose="02070309020205020404" pitchFamily="49" charset="0"/>
+                <a:sym typeface="Courier New"/>
+              </a:rPr>
+              <a:t>J.out</a:t>
+            </a:r>
+            <a:r>
+              <a:rPr lang="en-GB" sz="1800" dirty="0">
+                <a:solidFill>
+                  <a:srgbClr val="032044"/>
+                </a:solidFill>
+                <a:latin typeface="Courier New" panose="02070309020205020404" pitchFamily="49" charset="0"/>
+                <a:ea typeface="Courier New"/>
+                <a:cs typeface="Courier New" panose="02070309020205020404" pitchFamily="49" charset="0"/>
+                <a:sym typeface="Courier New"/>
+              </a:rPr>
+              <a:t> -W 00:10 python2.7 </a:t>
+            </a:r>
+            <a:r>
+              <a:rPr lang="en-GB" sz="1800" b="1" dirty="0" smtClean="0">
+                <a:solidFill>
+                  <a:srgbClr val="032044"/>
+                </a:solidFill>
+                <a:latin typeface="Courier New" panose="02070309020205020404" pitchFamily="49" charset="0"/>
+                <a:ea typeface="Courier New"/>
+                <a:cs typeface="Courier New" panose="02070309020205020404" pitchFamily="49" charset="0"/>
+                <a:sym typeface="Courier New"/>
+              </a:rPr>
+              <a:t>mypythonscript.py</a:t>
+            </a:r>
+            <a:endParaRPr sz="1800" b="1" dirty="0">
+              <a:solidFill>
+                <a:srgbClr val="032044"/>
+              </a:solidFill>
+              <a:latin typeface="Courier New" panose="02070309020205020404" pitchFamily="49" charset="0"/>
+              <a:ea typeface="Courier New"/>
+              <a:cs typeface="Courier New" panose="02070309020205020404" pitchFamily="49" charset="0"/>
+              <a:sym typeface="Courier New"/>
+            </a:endParaRPr>
+          </a:p>
+          <a:p>
+            <a:pPr marL="0" lvl="0" indent="0" rtl="0">
+              <a:lnSpc>
+                <a:spcPct val="80000"/>
+              </a:lnSpc>
+              <a:spcBef>
+                <a:spcPts val="304"/>
+              </a:spcBef>
+              <a:spcAft>
+                <a:spcPts val="0"/>
+              </a:spcAft>
+              <a:buClr>
+                <a:schemeClr val="dk1"/>
+              </a:buClr>
+              <a:buSzPts val="1100"/>
+              <a:buFont typeface="Arial"/>
+              <a:buNone/>
+            </a:pPr>
+            <a:r>
+              <a:rPr lang="en-GB" sz="1800" dirty="0" smtClean="0">
+                <a:solidFill>
+                  <a:srgbClr val="032044"/>
+                </a:solidFill>
+                <a:latin typeface="Courier New" panose="02070309020205020404" pitchFamily="49" charset="0"/>
+                <a:ea typeface="Courier New"/>
+                <a:cs typeface="Courier New" panose="02070309020205020404" pitchFamily="49" charset="0"/>
+                <a:sym typeface="Courier New"/>
+              </a:rPr>
+              <a:t>  Job </a:t>
+            </a:r>
+            <a:r>
+              <a:rPr lang="en-GB" sz="1800" dirty="0">
+                <a:solidFill>
+                  <a:srgbClr val="032044"/>
+                </a:solidFill>
+                <a:latin typeface="Courier New" panose="02070309020205020404" pitchFamily="49" charset="0"/>
+                <a:ea typeface="Courier New"/>
+                <a:cs typeface="Courier New" panose="02070309020205020404" pitchFamily="49" charset="0"/>
+                <a:sym typeface="Courier New"/>
+              </a:rPr>
+              <a:t>&lt;6485340&gt; is submitted to default queue &lt;short-serial&gt;.</a:t>
+            </a:r>
+            <a:endParaRPr sz="1800" dirty="0">
+              <a:solidFill>
+                <a:srgbClr val="032044"/>
+              </a:solidFill>
+              <a:latin typeface="Courier New" panose="02070309020205020404" pitchFamily="49" charset="0"/>
+              <a:ea typeface="Courier New"/>
+              <a:cs typeface="Courier New" panose="02070309020205020404" pitchFamily="49" charset="0"/>
+              <a:sym typeface="Courier New"/>
+            </a:endParaRPr>
+          </a:p>
+          <a:p>
+            <a:pPr marL="228600" lvl="0" indent="-228600" algn="l" rtl="0">
+              <a:lnSpc>
+                <a:spcPct val="90000"/>
+              </a:lnSpc>
+              <a:spcBef>
+                <a:spcPts val="1000"/>
+              </a:spcBef>
+              <a:spcAft>
+                <a:spcPts val="0"/>
+              </a:spcAft>
+              <a:buClr>
+                <a:schemeClr val="dk1"/>
+              </a:buClr>
+              <a:buSzPts val="800"/>
+              <a:buFont typeface="Arial"/>
+              <a:buNone/>
+            </a:pPr>
+            <a:endParaRPr sz="800" dirty="0">
+              <a:solidFill>
+                <a:srgbClr val="000000"/>
+              </a:solidFill>
+              <a:latin typeface="Courier"/>
+            </a:endParaRPr>
+          </a:p>
+          <a:p>
+            <a:pPr marL="0" lvl="0" indent="0" algn="l" rtl="0">
+              <a:lnSpc>
+                <a:spcPct val="80000"/>
+              </a:lnSpc>
+              <a:spcBef>
+                <a:spcPts val="0"/>
+              </a:spcBef>
+              <a:spcAft>
+                <a:spcPts val="0"/>
+              </a:spcAft>
+              <a:buClr>
+                <a:srgbClr val="032044"/>
+              </a:buClr>
+              <a:buSzPts val="2400"/>
+              <a:buFont typeface="Arial"/>
+              <a:buNone/>
+            </a:pPr>
+            <a:r>
+              <a:rPr lang="en-GB" b="1" dirty="0">
+                <a:solidFill>
+                  <a:srgbClr val="032044"/>
+                </a:solidFill>
+              </a:rPr>
+              <a:t>Job information:</a:t>
+            </a:r>
+            <a:r>
+              <a:rPr lang="en-GB" sz="1520" b="1" dirty="0">
+                <a:solidFill>
+                  <a:srgbClr val="032044"/>
+                </a:solidFill>
+                <a:latin typeface="Courier New"/>
+                <a:ea typeface="Courier New"/>
+                <a:cs typeface="Courier New"/>
+                <a:sym typeface="Courier New"/>
+              </a:rPr>
+              <a:t> </a:t>
+            </a:r>
+            <a:r>
+              <a:rPr lang="en-GB" b="1" dirty="0" err="1">
+                <a:solidFill>
+                  <a:srgbClr val="032044"/>
+                </a:solidFill>
+                <a:latin typeface="Courier New"/>
+                <a:ea typeface="Courier New"/>
+                <a:cs typeface="Courier New"/>
+                <a:sym typeface="Courier New"/>
+              </a:rPr>
+              <a:t>bjobs</a:t>
+            </a:r>
+            <a:endParaRPr b="1" dirty="0">
+              <a:solidFill>
+                <a:srgbClr val="032044"/>
+              </a:solidFill>
+            </a:endParaRPr>
+          </a:p>
+          <a:p>
+            <a:pPr marL="0" lvl="0" indent="0" algn="l" rtl="0">
+              <a:lnSpc>
+                <a:spcPct val="80000"/>
+              </a:lnSpc>
+              <a:spcBef>
+                <a:spcPts val="400"/>
+              </a:spcBef>
+              <a:spcAft>
+                <a:spcPts val="0"/>
+              </a:spcAft>
+              <a:buClr>
+                <a:srgbClr val="032044"/>
+              </a:buClr>
+              <a:buSzPts val="2000"/>
+              <a:buNone/>
+            </a:pPr>
+            <a:r>
+              <a:rPr lang="en-GB" sz="1679" dirty="0" smtClean="0">
+                <a:solidFill>
+                  <a:srgbClr val="032044"/>
+                </a:solidFill>
+              </a:rPr>
+              <a:t> </a:t>
+            </a:r>
+            <a:endParaRPr sz="1040" dirty="0">
+              <a:solidFill>
+                <a:srgbClr val="032044"/>
+              </a:solidFill>
+            </a:endParaRPr>
+          </a:p>
+          <a:p>
+            <a:pPr marL="0" lvl="0" indent="0" rtl="0">
+              <a:lnSpc>
+                <a:spcPct val="80000"/>
+              </a:lnSpc>
+              <a:spcBef>
+                <a:spcPts val="304"/>
+              </a:spcBef>
+              <a:spcAft>
+                <a:spcPts val="0"/>
+              </a:spcAft>
+              <a:buNone/>
+            </a:pPr>
+            <a:r>
+              <a:rPr lang="en-GB" sz="1800" dirty="0" smtClean="0">
+                <a:solidFill>
+                  <a:srgbClr val="032044"/>
+                </a:solidFill>
+                <a:latin typeface="Courier New"/>
+                <a:ea typeface="Courier New"/>
+                <a:cs typeface="Courier New"/>
+                <a:sym typeface="Courier New"/>
+              </a:rPr>
+              <a:t>  $ </a:t>
+            </a:r>
+            <a:r>
+              <a:rPr lang="en-GB" sz="1800" b="1" dirty="0" err="1">
+                <a:solidFill>
+                  <a:srgbClr val="032044"/>
+                </a:solidFill>
+                <a:latin typeface="Courier New"/>
+                <a:ea typeface="Courier New"/>
+                <a:cs typeface="Courier New"/>
+                <a:sym typeface="Courier New"/>
+              </a:rPr>
+              <a:t>bjobs</a:t>
+            </a:r>
+            <a:endParaRPr sz="1800" b="1" dirty="0">
+              <a:solidFill>
+                <a:srgbClr val="032044"/>
+              </a:solidFill>
+              <a:latin typeface="Courier New"/>
+              <a:ea typeface="Courier New"/>
+              <a:cs typeface="Courier New"/>
+              <a:sym typeface="Courier New"/>
+            </a:endParaRPr>
+          </a:p>
+          <a:p>
+            <a:pPr marL="0" lvl="0" indent="0" rtl="0">
+              <a:lnSpc>
+                <a:spcPct val="80000"/>
+              </a:lnSpc>
+              <a:spcBef>
+                <a:spcPts val="264"/>
+              </a:spcBef>
+              <a:spcAft>
+                <a:spcPts val="0"/>
+              </a:spcAft>
+              <a:buClr>
+                <a:srgbClr val="032044"/>
+              </a:buClr>
+              <a:buSzPts val="1320"/>
+              <a:buFont typeface="Arial"/>
+              <a:buNone/>
+            </a:pPr>
+            <a:r>
+              <a:rPr lang="en-GB" sz="1400" dirty="0" smtClean="0">
+                <a:solidFill>
+                  <a:srgbClr val="032044"/>
+                </a:solidFill>
+                <a:latin typeface="Courier New"/>
+                <a:ea typeface="Courier New"/>
+                <a:cs typeface="Courier New"/>
+                <a:sym typeface="Courier New"/>
+              </a:rPr>
+              <a:t>  JOBID     </a:t>
+            </a:r>
+            <a:r>
+              <a:rPr lang="en-GB" sz="1400" dirty="0">
+                <a:solidFill>
+                  <a:srgbClr val="032044"/>
+                </a:solidFill>
+                <a:latin typeface="Courier New"/>
+                <a:ea typeface="Courier New"/>
+                <a:cs typeface="Courier New"/>
+                <a:sym typeface="Courier New"/>
+              </a:rPr>
+              <a:t>USER  </a:t>
+            </a:r>
+            <a:r>
+              <a:rPr lang="en-GB" sz="1400" dirty="0" smtClean="0">
+                <a:solidFill>
+                  <a:srgbClr val="032044"/>
+                </a:solidFill>
+                <a:latin typeface="Courier New"/>
+                <a:ea typeface="Courier New"/>
+                <a:cs typeface="Courier New"/>
+                <a:sym typeface="Courier New"/>
+              </a:rPr>
+              <a:t>STAT  </a:t>
+            </a:r>
+            <a:r>
+              <a:rPr lang="en-GB" sz="1400" dirty="0">
+                <a:solidFill>
+                  <a:srgbClr val="032044"/>
+                </a:solidFill>
+                <a:latin typeface="Courier New"/>
+                <a:ea typeface="Courier New"/>
+                <a:cs typeface="Courier New"/>
+                <a:sym typeface="Courier New"/>
+              </a:rPr>
+              <a:t>QUEUE      </a:t>
+            </a:r>
+            <a:r>
+              <a:rPr lang="en-GB" sz="1400" dirty="0" smtClean="0">
+                <a:solidFill>
+                  <a:srgbClr val="032044"/>
+                </a:solidFill>
+                <a:latin typeface="Courier New"/>
+                <a:ea typeface="Courier New"/>
+                <a:cs typeface="Courier New"/>
+                <a:sym typeface="Courier New"/>
+              </a:rPr>
+              <a:t>  FROM_HOST    </a:t>
+            </a:r>
+            <a:r>
+              <a:rPr lang="en-GB" sz="1400" dirty="0">
+                <a:solidFill>
+                  <a:srgbClr val="032044"/>
+                </a:solidFill>
+                <a:latin typeface="Courier New"/>
+                <a:ea typeface="Courier New"/>
+                <a:cs typeface="Courier New"/>
+                <a:sym typeface="Courier New"/>
+              </a:rPr>
+              <a:t>EXEC_HOST </a:t>
+            </a:r>
+            <a:r>
+              <a:rPr lang="en-GB" sz="1400" dirty="0" smtClean="0">
+                <a:solidFill>
+                  <a:srgbClr val="032044"/>
+                </a:solidFill>
+                <a:latin typeface="Courier New"/>
+                <a:ea typeface="Courier New"/>
+                <a:cs typeface="Courier New"/>
+                <a:sym typeface="Courier New"/>
+              </a:rPr>
+              <a:t>  JOB_NAME SUBMIT_TIME</a:t>
+            </a:r>
+            <a:endParaRPr lang="en-GB" sz="1400" dirty="0">
+              <a:solidFill>
+                <a:srgbClr val="032044"/>
+              </a:solidFill>
+              <a:ea typeface="Courier New"/>
+            </a:endParaRPr>
+          </a:p>
+          <a:p>
+            <a:pPr marL="0" lvl="0" indent="0" rtl="0">
+              <a:lnSpc>
+                <a:spcPct val="80000"/>
+              </a:lnSpc>
+              <a:spcBef>
+                <a:spcPts val="264"/>
+              </a:spcBef>
+              <a:spcAft>
+                <a:spcPts val="0"/>
+              </a:spcAft>
+              <a:buClr>
+                <a:srgbClr val="032044"/>
+              </a:buClr>
+              <a:buSzPts val="1320"/>
+              <a:buFont typeface="Arial"/>
+              <a:buNone/>
+            </a:pPr>
+            <a:r>
+              <a:rPr lang="en-GB" sz="1400" dirty="0" smtClean="0">
+                <a:solidFill>
+                  <a:srgbClr val="032044"/>
+                </a:solidFill>
+                <a:latin typeface="Courier New"/>
+                <a:ea typeface="Courier New"/>
+                <a:cs typeface="Courier New"/>
+                <a:sym typeface="Courier New"/>
+              </a:rPr>
+              <a:t>  6485340   </a:t>
+            </a:r>
+            <a:r>
+              <a:rPr lang="en-GB" sz="1400" dirty="0" err="1">
+                <a:solidFill>
+                  <a:srgbClr val="032044"/>
+                </a:solidFill>
+                <a:latin typeface="Courier New"/>
+                <a:ea typeface="Courier New"/>
+                <a:cs typeface="Courier New"/>
+                <a:sym typeface="Courier New"/>
+              </a:rPr>
+              <a:t>msmiz</a:t>
+            </a:r>
+            <a:r>
+              <a:rPr lang="en-GB" sz="1400" dirty="0">
+                <a:solidFill>
+                  <a:srgbClr val="032044"/>
+                </a:solidFill>
+                <a:latin typeface="Courier New"/>
+                <a:ea typeface="Courier New"/>
+                <a:cs typeface="Courier New"/>
+                <a:sym typeface="Courier New"/>
+              </a:rPr>
+              <a:t> </a:t>
+            </a:r>
+            <a:r>
+              <a:rPr lang="en-GB" sz="1400" dirty="0" smtClean="0">
+                <a:solidFill>
+                  <a:srgbClr val="032044"/>
+                </a:solidFill>
+                <a:latin typeface="Courier New"/>
+                <a:ea typeface="Courier New"/>
+                <a:cs typeface="Courier New"/>
+                <a:sym typeface="Courier New"/>
+              </a:rPr>
+              <a:t> RUN  </a:t>
+            </a:r>
+            <a:r>
+              <a:rPr lang="en-GB" sz="1400" dirty="0">
+                <a:solidFill>
+                  <a:srgbClr val="032044"/>
+                </a:solidFill>
+                <a:latin typeface="Courier New"/>
+                <a:ea typeface="Courier New"/>
+                <a:cs typeface="Courier New"/>
+                <a:sym typeface="Courier New"/>
+              </a:rPr>
+              <a:t>short-serial jasmin-sci1 </a:t>
+            </a:r>
+            <a:r>
+              <a:rPr lang="en-GB" sz="1400" dirty="0" smtClean="0">
+                <a:solidFill>
+                  <a:srgbClr val="032044"/>
+                </a:solidFill>
+                <a:latin typeface="Courier New"/>
+                <a:ea typeface="Courier New"/>
+                <a:cs typeface="Courier New"/>
+                <a:sym typeface="Courier New"/>
+              </a:rPr>
+              <a:t> host177.jc</a:t>
+            </a:r>
+            <a:r>
+              <a:rPr lang="en-GB" sz="1400" dirty="0">
+                <a:solidFill>
+                  <a:srgbClr val="032044"/>
+                </a:solidFill>
+                <a:latin typeface="Courier New"/>
+                <a:ea typeface="Courier New"/>
+                <a:cs typeface="Courier New"/>
+                <a:sym typeface="Courier New"/>
+              </a:rPr>
+              <a:t>. Myjob1  </a:t>
+            </a:r>
+            <a:r>
+              <a:rPr lang="en-GB" sz="1400" dirty="0" smtClean="0">
+                <a:solidFill>
+                  <a:srgbClr val="032044"/>
+                </a:solidFill>
+                <a:latin typeface="Courier New"/>
+                <a:ea typeface="Courier New"/>
+                <a:cs typeface="Courier New"/>
+                <a:sym typeface="Courier New"/>
+              </a:rPr>
+              <a:t> Jul </a:t>
+            </a:r>
+            <a:r>
+              <a:rPr lang="en-GB" sz="1400" dirty="0">
+                <a:solidFill>
+                  <a:srgbClr val="032044"/>
+                </a:solidFill>
+                <a:latin typeface="Courier New"/>
+                <a:ea typeface="Courier New"/>
+                <a:cs typeface="Courier New"/>
+                <a:sym typeface="Courier New"/>
+              </a:rPr>
+              <a:t>21 11:46</a:t>
+            </a:r>
+            <a:endParaRPr sz="1400" dirty="0">
+              <a:solidFill>
+                <a:srgbClr val="032044"/>
+              </a:solidFill>
+            </a:endParaRPr>
+          </a:p>
+          <a:p>
+            <a:pPr marL="0" lvl="0" indent="0" rtl="0">
+              <a:lnSpc>
+                <a:spcPct val="80000"/>
+              </a:lnSpc>
+              <a:spcBef>
+                <a:spcPts val="264"/>
+              </a:spcBef>
+              <a:spcAft>
+                <a:spcPts val="0"/>
+              </a:spcAft>
+              <a:buClr>
+                <a:srgbClr val="032044"/>
+              </a:buClr>
+              <a:buSzPts val="1320"/>
+              <a:buFont typeface="Arial"/>
+              <a:buNone/>
+            </a:pPr>
+            <a:r>
+              <a:rPr lang="en-GB" sz="1400" dirty="0" smtClean="0">
+                <a:solidFill>
+                  <a:srgbClr val="032044"/>
+                </a:solidFill>
+                <a:latin typeface="Courier New"/>
+                <a:ea typeface="Courier New"/>
+                <a:cs typeface="Courier New"/>
+                <a:sym typeface="Courier New"/>
+              </a:rPr>
+              <a:t>  6485346   </a:t>
+            </a:r>
+            <a:r>
+              <a:rPr lang="en-GB" sz="1400" dirty="0" err="1">
+                <a:solidFill>
+                  <a:srgbClr val="032044"/>
+                </a:solidFill>
+                <a:latin typeface="Courier New"/>
+                <a:ea typeface="Courier New"/>
+                <a:cs typeface="Courier New"/>
+                <a:sym typeface="Courier New"/>
+              </a:rPr>
+              <a:t>msmiz</a:t>
+            </a:r>
+            <a:r>
+              <a:rPr lang="en-GB" sz="1400" dirty="0">
+                <a:solidFill>
+                  <a:srgbClr val="032044"/>
+                </a:solidFill>
+                <a:latin typeface="Courier New"/>
+                <a:ea typeface="Courier New"/>
+                <a:cs typeface="Courier New"/>
+                <a:sym typeface="Courier New"/>
+              </a:rPr>
+              <a:t> </a:t>
+            </a:r>
+            <a:r>
+              <a:rPr lang="en-GB" sz="1400" dirty="0" smtClean="0">
+                <a:solidFill>
+                  <a:srgbClr val="032044"/>
+                </a:solidFill>
+                <a:latin typeface="Courier New"/>
+                <a:ea typeface="Courier New"/>
+                <a:cs typeface="Courier New"/>
+                <a:sym typeface="Courier New"/>
+              </a:rPr>
+              <a:t> RUN  </a:t>
+            </a:r>
+            <a:r>
+              <a:rPr lang="en-GB" sz="1400" dirty="0">
+                <a:solidFill>
+                  <a:srgbClr val="032044"/>
+                </a:solidFill>
+                <a:latin typeface="Courier New"/>
+                <a:ea typeface="Courier New"/>
+                <a:cs typeface="Courier New"/>
+                <a:sym typeface="Courier New"/>
+              </a:rPr>
+              <a:t>short-serial jasmin-sci1 </a:t>
+            </a:r>
+            <a:r>
+              <a:rPr lang="en-GB" sz="1400" dirty="0" smtClean="0">
+                <a:solidFill>
+                  <a:srgbClr val="032044"/>
+                </a:solidFill>
+                <a:latin typeface="Courier New"/>
+                <a:ea typeface="Courier New"/>
+                <a:cs typeface="Courier New"/>
+                <a:sym typeface="Courier New"/>
+              </a:rPr>
+              <a:t> host232.jc</a:t>
+            </a:r>
+            <a:r>
+              <a:rPr lang="en-GB" sz="1400" dirty="0">
+                <a:solidFill>
+                  <a:srgbClr val="032044"/>
+                </a:solidFill>
+                <a:latin typeface="Courier New"/>
+                <a:ea typeface="Courier New"/>
+                <a:cs typeface="Courier New"/>
+                <a:sym typeface="Courier New"/>
+              </a:rPr>
+              <a:t>. Myjob2  </a:t>
+            </a:r>
+            <a:r>
+              <a:rPr lang="en-GB" sz="1400" dirty="0" smtClean="0">
+                <a:solidFill>
+                  <a:srgbClr val="032044"/>
+                </a:solidFill>
+                <a:latin typeface="Courier New"/>
+                <a:ea typeface="Courier New"/>
+                <a:cs typeface="Courier New"/>
+                <a:sym typeface="Courier New"/>
+              </a:rPr>
+              <a:t> Jul </a:t>
+            </a:r>
+            <a:r>
+              <a:rPr lang="en-GB" sz="1400" dirty="0">
+                <a:solidFill>
+                  <a:srgbClr val="032044"/>
+                </a:solidFill>
+                <a:latin typeface="Courier New"/>
+                <a:ea typeface="Courier New"/>
+                <a:cs typeface="Courier New"/>
+                <a:sym typeface="Courier New"/>
+              </a:rPr>
+              <a:t>21 </a:t>
+            </a:r>
+            <a:r>
+              <a:rPr lang="en-GB" sz="1400" dirty="0" smtClean="0">
+                <a:solidFill>
+                  <a:srgbClr val="032044"/>
+                </a:solidFill>
+                <a:latin typeface="Courier New"/>
+                <a:ea typeface="Courier New"/>
+                <a:cs typeface="Courier New"/>
+                <a:sym typeface="Courier New"/>
+              </a:rPr>
+              <a:t>11:46</a:t>
+            </a:r>
+          </a:p>
+          <a:p>
+            <a:pPr marL="0" lvl="0" indent="0" rtl="0">
+              <a:lnSpc>
+                <a:spcPct val="80000"/>
+              </a:lnSpc>
+              <a:spcBef>
+                <a:spcPts val="264"/>
+              </a:spcBef>
+              <a:spcAft>
+                <a:spcPts val="0"/>
+              </a:spcAft>
+              <a:buClr>
+                <a:srgbClr val="032044"/>
+              </a:buClr>
+              <a:buSzPts val="1320"/>
+              <a:buFont typeface="Arial"/>
+              <a:buNone/>
+            </a:pPr>
+            <a:endParaRPr sz="800" dirty="0">
+              <a:solidFill>
+                <a:srgbClr val="000000"/>
+              </a:solidFill>
+            </a:endParaRPr>
+          </a:p>
+          <a:p>
+            <a:pPr marL="0" lvl="0" indent="0" algn="l" rtl="0">
+              <a:lnSpc>
+                <a:spcPct val="90000"/>
+              </a:lnSpc>
+              <a:spcBef>
+                <a:spcPts val="1000"/>
+              </a:spcBef>
+              <a:spcAft>
+                <a:spcPts val="0"/>
+              </a:spcAft>
+              <a:buClr>
+                <a:srgbClr val="000000"/>
+              </a:buClr>
+              <a:buSzPts val="2800"/>
+              <a:buFont typeface="Arial"/>
+              <a:buNone/>
+            </a:pPr>
+            <a:r>
+              <a:rPr lang="en-GB" b="1" dirty="0">
+                <a:solidFill>
+                  <a:srgbClr val="000000"/>
+                </a:solidFill>
+              </a:rPr>
+              <a:t>Cancel a job: </a:t>
+            </a:r>
+            <a:r>
+              <a:rPr lang="en-GB" b="1" dirty="0" err="1">
+                <a:solidFill>
+                  <a:srgbClr val="032044"/>
+                </a:solidFill>
+                <a:latin typeface="Courier New"/>
+                <a:ea typeface="Courier New"/>
+                <a:cs typeface="Courier New"/>
+                <a:sym typeface="Courier New"/>
+              </a:rPr>
+              <a:t>bkill</a:t>
+            </a:r>
+            <a:r>
+              <a:rPr lang="en-GB" b="1" dirty="0">
+                <a:solidFill>
+                  <a:srgbClr val="032044"/>
+                </a:solidFill>
+                <a:latin typeface="Courier New"/>
+                <a:ea typeface="Courier New"/>
+                <a:cs typeface="Courier New"/>
+                <a:sym typeface="Courier New"/>
+              </a:rPr>
+              <a:t> &lt;</a:t>
+            </a:r>
+            <a:r>
+              <a:rPr lang="en-GB" b="1" dirty="0" err="1">
+                <a:solidFill>
+                  <a:srgbClr val="032044"/>
+                </a:solidFill>
+                <a:latin typeface="Courier New"/>
+                <a:ea typeface="Courier New"/>
+                <a:cs typeface="Courier New"/>
+                <a:sym typeface="Courier New"/>
+              </a:rPr>
+              <a:t>job_id</a:t>
+            </a:r>
+            <a:r>
+              <a:rPr lang="en-GB" b="1" dirty="0">
+                <a:solidFill>
+                  <a:srgbClr val="032044"/>
+                </a:solidFill>
+                <a:latin typeface="Courier New"/>
+                <a:ea typeface="Courier New"/>
+                <a:cs typeface="Courier New"/>
+                <a:sym typeface="Courier New"/>
+              </a:rPr>
+              <a:t>&gt; </a:t>
+            </a:r>
+            <a:endParaRPr sz="2800" b="1" dirty="0">
+              <a:solidFill>
+                <a:srgbClr val="000000"/>
+              </a:solidFill>
+            </a:endParaRPr>
+          </a:p>
+          <a:p>
+            <a:pPr marL="0" lvl="0" indent="0" algn="l" rtl="0">
+              <a:lnSpc>
+                <a:spcPct val="100000"/>
+              </a:lnSpc>
+              <a:spcBef>
+                <a:spcPts val="360"/>
+              </a:spcBef>
+              <a:spcAft>
+                <a:spcPts val="0"/>
+              </a:spcAft>
+              <a:buClr>
+                <a:schemeClr val="dk1"/>
+              </a:buClr>
+              <a:buSzPts val="1100"/>
+              <a:buFont typeface="Arial"/>
+              <a:buNone/>
+            </a:pPr>
+            <a:r>
+              <a:rPr lang="en-GB" sz="1400" dirty="0" smtClean="0">
+                <a:latin typeface="Courier New"/>
+                <a:ea typeface="Courier New"/>
+                <a:cs typeface="Courier New"/>
+                <a:sym typeface="Courier New"/>
+              </a:rPr>
+              <a:t>   </a:t>
+            </a:r>
+            <a:r>
+              <a:rPr lang="en-GB" sz="1800" dirty="0" smtClean="0">
+                <a:latin typeface="Courier New"/>
+                <a:ea typeface="Courier New"/>
+                <a:cs typeface="Courier New"/>
+                <a:sym typeface="Courier New"/>
+              </a:rPr>
+              <a:t>$ </a:t>
+            </a:r>
+            <a:r>
+              <a:rPr lang="en-GB" sz="1800" b="1" dirty="0" err="1">
+                <a:latin typeface="Courier New"/>
+                <a:ea typeface="Courier New"/>
+                <a:cs typeface="Courier New"/>
+                <a:sym typeface="Courier New"/>
+              </a:rPr>
+              <a:t>bkill</a:t>
+            </a:r>
+            <a:r>
+              <a:rPr lang="en-GB" sz="1800" b="1" dirty="0">
+                <a:latin typeface="Courier New"/>
+                <a:ea typeface="Courier New"/>
+                <a:cs typeface="Courier New"/>
+                <a:sym typeface="Courier New"/>
+              </a:rPr>
+              <a:t> </a:t>
+            </a:r>
+            <a:r>
+              <a:rPr lang="en-GB" sz="1800" b="1" dirty="0">
+                <a:solidFill>
+                  <a:srgbClr val="032044"/>
+                </a:solidFill>
+                <a:latin typeface="Courier New"/>
+                <a:ea typeface="Courier New"/>
+                <a:cs typeface="Courier New"/>
+                <a:sym typeface="Courier New"/>
+              </a:rPr>
+              <a:t>6485346</a:t>
+            </a:r>
+            <a:endParaRPr sz="1800" b="1" dirty="0">
+              <a:latin typeface="Courier New"/>
+              <a:ea typeface="Courier New"/>
+              <a:cs typeface="Courier New"/>
+              <a:sym typeface="Courier New"/>
+            </a:endParaRPr>
+          </a:p>
+          <a:p>
+            <a:pPr marL="0" lvl="0" indent="0" algn="l" rtl="0">
+              <a:lnSpc>
+                <a:spcPct val="100000"/>
+              </a:lnSpc>
+              <a:spcBef>
+                <a:spcPts val="360"/>
+              </a:spcBef>
+              <a:spcAft>
+                <a:spcPts val="0"/>
+              </a:spcAft>
+              <a:buClr>
+                <a:schemeClr val="dk1"/>
+              </a:buClr>
+              <a:buSzPts val="1100"/>
+              <a:buFont typeface="Arial"/>
+              <a:buNone/>
+            </a:pPr>
+            <a:r>
+              <a:rPr lang="en-GB" sz="1800" dirty="0" smtClean="0">
+                <a:latin typeface="Courier New"/>
+                <a:ea typeface="Courier New"/>
+                <a:cs typeface="Courier New"/>
+                <a:sym typeface="Courier New"/>
+              </a:rPr>
+              <a:t>   Job </a:t>
+            </a:r>
+            <a:r>
+              <a:rPr lang="en-GB" sz="1800" dirty="0">
+                <a:latin typeface="Courier New"/>
+                <a:ea typeface="Courier New"/>
+                <a:cs typeface="Courier New"/>
+                <a:sym typeface="Courier New"/>
+              </a:rPr>
+              <a:t>&lt;</a:t>
+            </a:r>
+            <a:r>
+              <a:rPr lang="en-GB" sz="1800" dirty="0">
+                <a:solidFill>
+                  <a:srgbClr val="032044"/>
+                </a:solidFill>
+                <a:latin typeface="Courier New"/>
+                <a:ea typeface="Courier New"/>
+                <a:cs typeface="Courier New"/>
+                <a:sym typeface="Courier New"/>
+              </a:rPr>
+              <a:t>6485346</a:t>
+            </a:r>
+            <a:r>
+              <a:rPr lang="en-GB" sz="1800" dirty="0">
+                <a:latin typeface="Courier New"/>
+                <a:ea typeface="Courier New"/>
+                <a:cs typeface="Courier New"/>
+                <a:sym typeface="Courier New"/>
+              </a:rPr>
+              <a:t>&gt; is being killed</a:t>
+            </a:r>
+            <a:endParaRPr sz="1800" dirty="0">
+              <a:latin typeface="Courier New"/>
+              <a:ea typeface="Courier New"/>
+              <a:cs typeface="Courier New"/>
+              <a:sym typeface="Courier New"/>
+            </a:endParaRPr>
+          </a:p>
+          <a:p>
+            <a:pPr marL="228600" lvl="0" indent="-228600" algn="l" rtl="0">
+              <a:lnSpc>
+                <a:spcPct val="90000"/>
+              </a:lnSpc>
+              <a:spcBef>
+                <a:spcPts val="1000"/>
+              </a:spcBef>
+              <a:spcAft>
+                <a:spcPts val="0"/>
+              </a:spcAft>
+              <a:buClr>
+                <a:schemeClr val="dk1"/>
+              </a:buClr>
+              <a:buSzPts val="800"/>
+              <a:buFont typeface="Arial"/>
+              <a:buNone/>
+            </a:pPr>
+            <a:endParaRPr sz="800" b="1" dirty="0"/>
+          </a:p>
+          <a:p>
+            <a:pPr marL="228600" lvl="0" indent="-228600" algn="ctr" rtl="0">
+              <a:lnSpc>
+                <a:spcPct val="90000"/>
+              </a:lnSpc>
+              <a:spcBef>
+                <a:spcPts val="1000"/>
+              </a:spcBef>
+              <a:spcAft>
+                <a:spcPts val="0"/>
+              </a:spcAft>
+              <a:buClr>
+                <a:schemeClr val="dk1"/>
+              </a:buClr>
+              <a:buSzPts val="2800"/>
+              <a:buFont typeface="Arial"/>
+              <a:buNone/>
+            </a:pPr>
+            <a:endParaRPr sz="2800" b="1" dirty="0"/>
+          </a:p>
+          <a:p>
+            <a:pPr marL="228600" lvl="0" indent="-228600" algn="l" rtl="0">
+              <a:lnSpc>
+                <a:spcPct val="90000"/>
+              </a:lnSpc>
+              <a:spcBef>
+                <a:spcPts val="1000"/>
+              </a:spcBef>
+              <a:spcAft>
+                <a:spcPts val="0"/>
+              </a:spcAft>
+              <a:buClr>
+                <a:schemeClr val="dk1"/>
+              </a:buClr>
+              <a:buSzPts val="2400"/>
+              <a:buFont typeface="Arial"/>
+              <a:buNone/>
+            </a:pPr>
+            <a:endParaRPr dirty="0"/>
+          </a:p>
+        </p:txBody>
+      </p:sp>
+      <p:sp>
+        <p:nvSpPr>
+          <p:cNvPr id="2" name="Rectangle 1"/>
+          <p:cNvSpPr/>
+          <p:nvPr/>
+        </p:nvSpPr>
+        <p:spPr>
+          <a:xfrm>
+            <a:off x="138545" y="3726870"/>
+            <a:ext cx="8894619" cy="1094510"/>
+          </a:xfrm>
+          <a:prstGeom prst="rect">
+            <a:avLst/>
+          </a:prstGeom>
+          <a:noFill/>
+          <a:ln w="19050">
+            <a:solidFill>
+              <a:schemeClr val="tx1"/>
+            </a:solidFill>
+          </a:ln>
+        </p:spPr>
+        <p:style>
+          <a:lnRef idx="2">
+            <a:schemeClr val="accent1">
+              <a:shade val="50000"/>
+            </a:schemeClr>
+          </a:lnRef>
+          <a:fillRef idx="1">
+            <a:schemeClr val="accent1"/>
+          </a:fillRef>
+          <a:effectRef idx="0">
+            <a:schemeClr val="accent1"/>
+          </a:effectRef>
+          <a:fontRef idx="minor">
+            <a:schemeClr val="lt1"/>
+          </a:fontRef>
+        </p:style>
+        <p:txBody>
+          <a:bodyPr rtlCol="0" anchor="ctr"/>
+          <a:lstStyle/>
+          <a:p>
+            <a:pPr algn="ctr"/>
+            <a:endParaRPr lang="en-GB"/>
+          </a:p>
+        </p:txBody>
+      </p:sp>
+      <p:sp>
+        <p:nvSpPr>
+          <p:cNvPr id="5" name="Rectangle 4"/>
+          <p:cNvSpPr/>
+          <p:nvPr/>
+        </p:nvSpPr>
+        <p:spPr>
+          <a:xfrm>
+            <a:off x="138545" y="5306290"/>
+            <a:ext cx="8894619" cy="723312"/>
+          </a:xfrm>
+          <a:prstGeom prst="rect">
+            <a:avLst/>
+          </a:prstGeom>
+          <a:noFill/>
+          <a:ln w="19050">
+            <a:solidFill>
+              <a:schemeClr val="tx1"/>
+            </a:solidFill>
+          </a:ln>
+        </p:spPr>
+        <p:style>
+          <a:lnRef idx="2">
+            <a:schemeClr val="accent1">
+              <a:shade val="50000"/>
+            </a:schemeClr>
+          </a:lnRef>
+          <a:fillRef idx="1">
+            <a:schemeClr val="accent1"/>
+          </a:fillRef>
+          <a:effectRef idx="0">
+            <a:schemeClr val="accent1"/>
+          </a:effectRef>
+          <a:fontRef idx="minor">
+            <a:schemeClr val="lt1"/>
+          </a:fontRef>
+        </p:style>
+        <p:txBody>
+          <a:bodyPr rtlCol="0" anchor="ctr"/>
+          <a:lstStyle/>
+          <a:p>
+            <a:pPr algn="ctr"/>
+            <a:endParaRPr lang="en-GB"/>
+          </a:p>
+        </p:txBody>
+      </p:sp>
+      <p:sp>
+        <p:nvSpPr>
+          <p:cNvPr id="6" name="Rectangle 5"/>
+          <p:cNvSpPr/>
+          <p:nvPr/>
+        </p:nvSpPr>
+        <p:spPr>
+          <a:xfrm>
+            <a:off x="138545" y="2285998"/>
+            <a:ext cx="8894619" cy="900543"/>
+          </a:xfrm>
+          <a:prstGeom prst="rect">
+            <a:avLst/>
+          </a:prstGeom>
+          <a:noFill/>
+          <a:ln w="19050">
+            <a:solidFill>
+              <a:schemeClr val="tx1"/>
+            </a:solidFill>
+          </a:ln>
+        </p:spPr>
+        <p:style>
+          <a:lnRef idx="2">
+            <a:schemeClr val="accent1">
+              <a:shade val="50000"/>
+            </a:schemeClr>
+          </a:lnRef>
+          <a:fillRef idx="1">
+            <a:schemeClr val="accent1"/>
+          </a:fillRef>
+          <a:effectRef idx="0">
+            <a:schemeClr val="accent1"/>
+          </a:effectRef>
+          <a:fontRef idx="minor">
+            <a:schemeClr val="lt1"/>
+          </a:fontRef>
+        </p:style>
+        <p:txBody>
+          <a:bodyPr rtlCol="0" anchor="ctr"/>
+          <a:lstStyle/>
+          <a:p>
+            <a:pPr algn="ctr"/>
+            <a:endParaRPr lang="en-GB"/>
+          </a:p>
+        </p:txBody>
+      </p:sp>
+    </p:spTree>
+  </p:cSld>
+  <p:clrMapOvr>
+    <a:masterClrMapping/>
+  </p:clrMapOvr>
+  <p:timing>
+    <p:tnLst>
+      <p:par>
+        <p:cTn id="1" dur="indefinite" restart="never" nodeType="tmRoot"/>
+      </p:par>
+    </p:tnLst>
+  </p:timing>
+</p:sld>
+</file>
+
+<file path=ppt/slides/slide21.xml><?xml version="1.0" encoding="utf-8"?>
 <p:sld xmlns:a="http://schemas.openxmlformats.org/drawingml/2006/main" xmlns:r="http://schemas.openxmlformats.org/officeDocument/2006/relationships" xmlns:p="http://schemas.openxmlformats.org/presentationml/2006/main">
   <p:cSld>
     <p:spTree>
@@ -19475,7 +19801,7 @@
 </p:sld>
 </file>
 
-<file path=ppt/slides/slide21.xml><?xml version="1.0" encoding="utf-8"?>
+<file path=ppt/slides/slide22.xml><?xml version="1.0" encoding="utf-8"?>
 <p:sld xmlns:a="http://schemas.openxmlformats.org/drawingml/2006/main" xmlns:r="http://schemas.openxmlformats.org/officeDocument/2006/relationships" xmlns:p="http://schemas.openxmlformats.org/presentationml/2006/main" show="0">
   <p:cSld>
     <p:spTree>
@@ -19925,11 +20251,11 @@
   <p:clrMapOvr>
     <a:masterClrMapping/>
   </p:clrMapOvr>
-  <mc:AlternateContent xmlns:mc="http://schemas.openxmlformats.org/markup-compatibility/2006">
-    <mc:Choice xmlns:p14="http://schemas.microsoft.com/office/powerpoint/2010/main" Requires="p14">
+  <mc:AlternateContent xmlns:mc="http://schemas.openxmlformats.org/markup-compatibility/2006" xmlns:p14="http://schemas.microsoft.com/office/powerpoint/2010/main">
+    <mc:Choice Requires="p14">
       <p:transition spd="slow" p14:dur="2000"/>
     </mc:Choice>
-    <mc:Fallback>
+    <mc:Fallback xmlns="">
       <p:transition spd="slow"/>
     </mc:Fallback>
   </mc:AlternateContent>
@@ -19943,7 +20269,7 @@
 </p:sld>
 </file>
 
-<file path=ppt/slides/slide22.xml><?xml version="1.0" encoding="utf-8"?>
+<file path=ppt/slides/slide23.xml><?xml version="1.0" encoding="utf-8"?>
 <p:sld xmlns:a="http://schemas.openxmlformats.org/drawingml/2006/main" xmlns:r="http://schemas.openxmlformats.org/officeDocument/2006/relationships" xmlns:p="http://schemas.openxmlformats.org/presentationml/2006/main">
   <p:cSld>
     <p:spTree>
@@ -20359,7 +20685,7 @@
 </p:sld>
 </file>
 
-<file path=ppt/slides/slide23.xml><?xml version="1.0" encoding="utf-8"?>
+<file path=ppt/slides/slide24.xml><?xml version="1.0" encoding="utf-8"?>
 <p:sld xmlns:a="http://schemas.openxmlformats.org/drawingml/2006/main" xmlns:r="http://schemas.openxmlformats.org/officeDocument/2006/relationships" xmlns:p="http://schemas.openxmlformats.org/presentationml/2006/main">
   <p:cSld>
     <p:spTree>
@@ -21332,7 +21658,7 @@
 </p:sld>
 </file>
 
-<file path=ppt/slides/slide24.xml><?xml version="1.0" encoding="utf-8"?>
+<file path=ppt/slides/slide25.xml><?xml version="1.0" encoding="utf-8"?>
 <p:sld xmlns:a="http://schemas.openxmlformats.org/drawingml/2006/main" xmlns:r="http://schemas.openxmlformats.org/officeDocument/2006/relationships" xmlns:p="http://schemas.openxmlformats.org/presentationml/2006/main">
   <p:cSld>
     <p:spTree>
@@ -21962,7 +22288,7 @@
 </p:sld>
 </file>
 
-<file path=ppt/slides/slide25.xml><?xml version="1.0" encoding="utf-8"?>
+<file path=ppt/slides/slide26.xml><?xml version="1.0" encoding="utf-8"?>
 <p:sld xmlns:a="http://schemas.openxmlformats.org/drawingml/2006/main" xmlns:r="http://schemas.openxmlformats.org/officeDocument/2006/relationships" xmlns:p="http://schemas.openxmlformats.org/presentationml/2006/main">
   <p:cSld>
     <p:spTree>
@@ -22409,7 +22735,7 @@
 </p:sld>
 </file>
 
-<file path=ppt/slides/slide26.xml><?xml version="1.0" encoding="utf-8"?>
+<file path=ppt/slides/slide27.xml><?xml version="1.0" encoding="utf-8"?>
 <p:sld xmlns:a="http://schemas.openxmlformats.org/drawingml/2006/main" xmlns:r="http://schemas.openxmlformats.org/officeDocument/2006/relationships" xmlns:p="http://schemas.openxmlformats.org/presentationml/2006/main">
   <p:cSld>
     <p:spTree>
@@ -23467,11 +23793,11 @@
   <p:clrMapOvr>
     <a:masterClrMapping/>
   </p:clrMapOvr>
-  <mc:AlternateContent xmlns:mc="http://schemas.openxmlformats.org/markup-compatibility/2006">
-    <mc:Choice xmlns:p14="http://schemas.microsoft.com/office/powerpoint/2010/main" Requires="p14">
+  <mc:AlternateContent xmlns:mc="http://schemas.openxmlformats.org/markup-compatibility/2006" xmlns:p14="http://schemas.microsoft.com/office/powerpoint/2010/main">
+    <mc:Choice Requires="p14">
       <p:transition spd="slow" p14:dur="2000"/>
     </mc:Choice>
-    <mc:Fallback>
+    <mc:Fallback xmlns="">
       <p:transition spd="slow"/>
     </mc:Fallback>
   </mc:AlternateContent>
@@ -23485,7 +23811,7 @@
 </p:sld>
 </file>
 
-<file path=ppt/slides/slide27.xml><?xml version="1.0" encoding="utf-8"?>
+<file path=ppt/slides/slide28.xml><?xml version="1.0" encoding="utf-8"?>
 <p:sld xmlns:a="http://schemas.openxmlformats.org/drawingml/2006/main" xmlns:r="http://schemas.openxmlformats.org/officeDocument/2006/relationships" xmlns:p="http://schemas.openxmlformats.org/presentationml/2006/main">
   <p:cSld>
     <p:spTree>
@@ -23802,7 +24128,7 @@
 </p:sld>
 </file>
 
-<file path=ppt/slides/slide28.xml><?xml version="1.0" encoding="utf-8"?>
+<file path=ppt/slides/slide29.xml><?xml version="1.0" encoding="utf-8"?>
 <p:sld xmlns:a="http://schemas.openxmlformats.org/drawingml/2006/main" xmlns:r="http://schemas.openxmlformats.org/officeDocument/2006/relationships" xmlns:p="http://schemas.openxmlformats.org/presentationml/2006/main">
   <p:cSld>
     <p:spTree>
@@ -24265,16 +24591,12 @@
               <a:t>. </a:t>
             </a:r>
             <a:r>
-              <a:rPr lang="en-GB" dirty="0" err="1"/>
-              <a:t>nc</a:t>
-            </a:r>
-            <a:r>
-              <a:rPr lang="en-GB" sz="2400" dirty="0" err="1">
+              <a:rPr lang="en-GB" sz="2400" dirty="0" smtClean="0">
                 <a:solidFill>
                   <a:srgbClr val="000000"/>
                 </a:solidFill>
               </a:rPr>
-              <a:t>Reduce</a:t>
+              <a:t>Reduce </a:t>
             </a:r>
             <a:r>
               <a:rPr lang="en-GB" sz="2400" dirty="0">
@@ -24282,7 +24604,7 @@
                   <a:srgbClr val="000000"/>
                 </a:solidFill>
               </a:rPr>
-              <a:t> the number of files (i.e. years) processed each time:</a:t>
+              <a:t>the number of files (i.e. years) processed each time:</a:t>
             </a:r>
             <a:endParaRPr sz="2400" dirty="0"/>
           </a:p>
@@ -24653,7 +24975,367 @@
 </p:sld>
 </file>
 
-<file path=ppt/slides/slide29.xml><?xml version="1.0" encoding="utf-8"?>
+<file path=ppt/slides/slide3.xml><?xml version="1.0" encoding="utf-8"?>
+<p:sld xmlns:a="http://schemas.openxmlformats.org/drawingml/2006/main" xmlns:r="http://schemas.openxmlformats.org/officeDocument/2006/relationships" xmlns:p="http://schemas.openxmlformats.org/presentationml/2006/main">
+  <p:cSld>
+    <p:spTree>
+      <p:nvGrpSpPr>
+        <p:cNvPr id="1" name="Shape 129"/>
+        <p:cNvGrpSpPr/>
+        <p:nvPr/>
+      </p:nvGrpSpPr>
+      <p:grpSpPr>
+        <a:xfrm>
+          <a:off x="0" y="0"/>
+          <a:ext cx="0" cy="0"/>
+          <a:chOff x="0" y="0"/>
+          <a:chExt cx="0" cy="0"/>
+        </a:xfrm>
+      </p:grpSpPr>
+      <p:sp>
+        <p:nvSpPr>
+          <p:cNvPr id="130" name="Google Shape;130;p24"/>
+          <p:cNvSpPr txBox="1">
+            <a:spLocks noGrp="1"/>
+          </p:cNvSpPr>
+          <p:nvPr>
+            <p:ph type="title"/>
+          </p:nvPr>
+        </p:nvSpPr>
+        <p:spPr>
+          <a:xfrm>
+            <a:off x="457200" y="274638"/>
+            <a:ext cx="8229600" cy="562074"/>
+          </a:xfrm>
+          <a:prstGeom prst="rect">
+            <a:avLst/>
+          </a:prstGeom>
+          <a:noFill/>
+          <a:ln>
+            <a:noFill/>
+          </a:ln>
+        </p:spPr>
+        <p:txBody>
+          <a:bodyPr spcFirstLastPara="1" wrap="square" lIns="91425" tIns="45700" rIns="91425" bIns="45700" anchor="ctr" anchorCtr="0">
+            <a:noAutofit/>
+          </a:bodyPr>
+          <a:lstStyle/>
+          <a:p>
+            <a:pPr marL="0" lvl="0" indent="0" algn="ctr" rtl="0">
+              <a:lnSpc>
+                <a:spcPct val="90000"/>
+              </a:lnSpc>
+              <a:spcBef>
+                <a:spcPts val="0"/>
+              </a:spcBef>
+              <a:spcAft>
+                <a:spcPts val="0"/>
+              </a:spcAft>
+              <a:buClr>
+                <a:schemeClr val="dk1"/>
+              </a:buClr>
+              <a:buSzPts val="3200"/>
+              <a:buFont typeface="Nunito"/>
+              <a:buNone/>
+            </a:pPr>
+            <a:r>
+              <a:rPr lang="en-GB" sz="3200" b="1" dirty="0">
+                <a:latin typeface="Arial Rounded MT Bold" panose="020F0704030504030204" pitchFamily="34" charset="0"/>
+                <a:ea typeface="Nunito"/>
+                <a:cs typeface="Nunito"/>
+                <a:sym typeface="Nunito"/>
+              </a:rPr>
+              <a:t>Processing big data: the issues</a:t>
+            </a:r>
+            <a:endParaRPr dirty="0">
+              <a:latin typeface="Arial Rounded MT Bold" panose="020F0704030504030204" pitchFamily="34" charset="0"/>
+            </a:endParaRPr>
+          </a:p>
+        </p:txBody>
+      </p:sp>
+      <p:sp>
+        <p:nvSpPr>
+          <p:cNvPr id="131" name="Google Shape;131;p24"/>
+          <p:cNvSpPr txBox="1">
+            <a:spLocks noGrp="1"/>
+          </p:cNvSpPr>
+          <p:nvPr>
+            <p:ph type="body" idx="1"/>
+          </p:nvPr>
+        </p:nvSpPr>
+        <p:spPr>
+          <a:xfrm>
+            <a:off x="457200" y="980728"/>
+            <a:ext cx="8229600" cy="4824536"/>
+          </a:xfrm>
+          <a:prstGeom prst="rect">
+            <a:avLst/>
+          </a:prstGeom>
+          <a:noFill/>
+          <a:ln>
+            <a:noFill/>
+          </a:ln>
+        </p:spPr>
+        <p:txBody>
+          <a:bodyPr spcFirstLastPara="1" wrap="square" lIns="91425" tIns="45700" rIns="91425" bIns="45700" anchor="t" anchorCtr="0">
+            <a:noAutofit/>
+          </a:bodyPr>
+          <a:lstStyle/>
+          <a:p>
+            <a:pPr marL="228600" lvl="0" indent="-228600" algn="l" rtl="0">
+              <a:lnSpc>
+                <a:spcPct val="80000"/>
+              </a:lnSpc>
+              <a:spcBef>
+                <a:spcPts val="0"/>
+              </a:spcBef>
+              <a:spcAft>
+                <a:spcPts val="0"/>
+              </a:spcAft>
+              <a:buClr>
+                <a:srgbClr val="000000"/>
+              </a:buClr>
+              <a:buSzPts val="2800"/>
+              <a:buChar char="•"/>
+            </a:pPr>
+            <a:r>
+              <a:rPr lang="en-GB" sz="2800" dirty="0">
+                <a:solidFill>
+                  <a:srgbClr val="000000"/>
+                </a:solidFill>
+              </a:rPr>
+              <a:t>Parallel processing in the Environmental Sciences has historically focussed on running highly-parallelised models.</a:t>
+            </a:r>
+            <a:endParaRPr dirty="0"/>
+          </a:p>
+          <a:p>
+            <a:pPr marL="228600" lvl="0" indent="-228600" algn="l" rtl="0">
+              <a:lnSpc>
+                <a:spcPct val="80000"/>
+              </a:lnSpc>
+              <a:spcBef>
+                <a:spcPts val="1000"/>
+              </a:spcBef>
+              <a:spcAft>
+                <a:spcPts val="0"/>
+              </a:spcAft>
+              <a:buClr>
+                <a:srgbClr val="000000"/>
+              </a:buClr>
+              <a:buSzPts val="2800"/>
+              <a:buChar char="•"/>
+            </a:pPr>
+            <a:r>
+              <a:rPr lang="en-GB" sz="2800" dirty="0">
+                <a:solidFill>
+                  <a:srgbClr val="000000"/>
+                </a:solidFill>
+              </a:rPr>
+              <a:t>Data analysis was typically run sequentially because:</a:t>
+            </a:r>
+            <a:endParaRPr dirty="0"/>
+          </a:p>
+          <a:p>
+            <a:pPr marL="800100" lvl="1" algn="l" rtl="0">
+              <a:lnSpc>
+                <a:spcPct val="80000"/>
+              </a:lnSpc>
+              <a:spcBef>
+                <a:spcPts val="500"/>
+              </a:spcBef>
+              <a:spcAft>
+                <a:spcPts val="0"/>
+              </a:spcAft>
+              <a:buClr>
+                <a:srgbClr val="000000"/>
+              </a:buClr>
+              <a:buSzPts val="2400"/>
+              <a:buFont typeface="Calibri" panose="020F0502020204030204" pitchFamily="34" charset="0"/>
+              <a:buChar char="̶"/>
+            </a:pPr>
+            <a:r>
+              <a:rPr lang="en-GB" sz="2400" dirty="0">
+                <a:solidFill>
+                  <a:srgbClr val="000000"/>
+                </a:solidFill>
+              </a:rPr>
+              <a:t>It was a smaller problem</a:t>
+            </a:r>
+            <a:endParaRPr dirty="0"/>
+          </a:p>
+          <a:p>
+            <a:pPr marL="800100" lvl="1" algn="l" rtl="0">
+              <a:lnSpc>
+                <a:spcPct val="80000"/>
+              </a:lnSpc>
+              <a:spcBef>
+                <a:spcPts val="500"/>
+              </a:spcBef>
+              <a:spcAft>
+                <a:spcPts val="0"/>
+              </a:spcAft>
+              <a:buClr>
+                <a:srgbClr val="000000"/>
+              </a:buClr>
+              <a:buSzPts val="2400"/>
+              <a:buFont typeface="Calibri" panose="020F0502020204030204" pitchFamily="34" charset="0"/>
+              <a:buChar char="̶"/>
+            </a:pPr>
+            <a:r>
+              <a:rPr lang="en-GB" sz="2400" dirty="0">
+                <a:solidFill>
+                  <a:srgbClr val="000000"/>
+                </a:solidFill>
+              </a:rPr>
+              <a:t>It didn’t have parallel resources available</a:t>
+            </a:r>
+            <a:endParaRPr dirty="0"/>
+          </a:p>
+          <a:p>
+            <a:pPr marL="800100" lvl="1" algn="l" rtl="0">
+              <a:lnSpc>
+                <a:spcPct val="80000"/>
+              </a:lnSpc>
+              <a:spcBef>
+                <a:spcPts val="500"/>
+              </a:spcBef>
+              <a:spcAft>
+                <a:spcPts val="0"/>
+              </a:spcAft>
+              <a:buClr>
+                <a:srgbClr val="000000"/>
+              </a:buClr>
+              <a:buSzPts val="2400"/>
+              <a:buFont typeface="Calibri" panose="020F0502020204030204" pitchFamily="34" charset="0"/>
+              <a:buChar char="̶"/>
+            </a:pPr>
+            <a:r>
+              <a:rPr lang="en-GB" sz="2400" dirty="0">
+                <a:solidFill>
+                  <a:srgbClr val="000000"/>
+                </a:solidFill>
+              </a:rPr>
+              <a:t>The software/scientists were not equipped to work in parallel</a:t>
+            </a:r>
+            <a:endParaRPr dirty="0"/>
+          </a:p>
+          <a:p>
+            <a:pPr marL="228600" lvl="0" indent="-228600" algn="l" rtl="0">
+              <a:lnSpc>
+                <a:spcPct val="80000"/>
+              </a:lnSpc>
+              <a:spcBef>
+                <a:spcPts val="1000"/>
+              </a:spcBef>
+              <a:spcAft>
+                <a:spcPts val="0"/>
+              </a:spcAft>
+              <a:buClr>
+                <a:srgbClr val="000000"/>
+              </a:buClr>
+              <a:buSzPts val="2800"/>
+              <a:buChar char="•"/>
+            </a:pPr>
+            <a:r>
+              <a:rPr lang="en-GB" sz="2800" dirty="0">
+                <a:solidFill>
+                  <a:srgbClr val="000000"/>
+                </a:solidFill>
+              </a:rPr>
+              <a:t>The generation of enormous datasets (e.g. UPSCALE – around 300Tb) means that:</a:t>
+            </a:r>
+            <a:endParaRPr dirty="0"/>
+          </a:p>
+          <a:p>
+            <a:pPr marL="800100" lvl="1" algn="l" rtl="0">
+              <a:lnSpc>
+                <a:spcPct val="80000"/>
+              </a:lnSpc>
+              <a:spcBef>
+                <a:spcPts val="500"/>
+              </a:spcBef>
+              <a:spcAft>
+                <a:spcPts val="0"/>
+              </a:spcAft>
+              <a:buClr>
+                <a:srgbClr val="000000"/>
+              </a:buClr>
+              <a:buSzPts val="2400"/>
+              <a:buFont typeface="Calibri" panose="020F0502020204030204" pitchFamily="34" charset="0"/>
+              <a:buChar char="̶"/>
+            </a:pPr>
+            <a:r>
+              <a:rPr lang="en-GB" sz="2400" dirty="0">
+                <a:solidFill>
+                  <a:srgbClr val="000000"/>
+                </a:solidFill>
+              </a:rPr>
+              <a:t>Processing big data </a:t>
+            </a:r>
+            <a:r>
+              <a:rPr lang="en-GB" sz="2400" b="1" dirty="0">
+                <a:solidFill>
+                  <a:srgbClr val="000000"/>
+                </a:solidFill>
+              </a:rPr>
+              <a:t>requires</a:t>
+            </a:r>
+            <a:r>
+              <a:rPr lang="en-GB" sz="2400" dirty="0">
+                <a:solidFill>
+                  <a:srgbClr val="000000"/>
+                </a:solidFill>
+              </a:rPr>
+              <a:t> a parallel approach</a:t>
+            </a:r>
+            <a:endParaRPr dirty="0"/>
+          </a:p>
+          <a:p>
+            <a:pPr marL="800100" lvl="1" algn="l" rtl="0">
+              <a:lnSpc>
+                <a:spcPct val="80000"/>
+              </a:lnSpc>
+              <a:spcBef>
+                <a:spcPts val="500"/>
+              </a:spcBef>
+              <a:spcAft>
+                <a:spcPts val="0"/>
+              </a:spcAft>
+              <a:buClr>
+                <a:srgbClr val="000000"/>
+              </a:buClr>
+              <a:buSzPts val="2400"/>
+              <a:buFont typeface="Calibri" panose="020F0502020204030204" pitchFamily="34" charset="0"/>
+              <a:buChar char="̶"/>
+            </a:pPr>
+            <a:r>
+              <a:rPr lang="en-GB" sz="2400" dirty="0">
+                <a:solidFill>
+                  <a:srgbClr val="000000"/>
+                </a:solidFill>
+              </a:rPr>
+              <a:t>Fortunately, platforms, tools, and programmers are becoming better equipped</a:t>
+            </a:r>
+            <a:endParaRPr sz="2400" dirty="0"/>
+          </a:p>
+        </p:txBody>
+      </p:sp>
+    </p:spTree>
+  </p:cSld>
+  <p:clrMapOvr>
+    <a:masterClrMapping/>
+  </p:clrMapOvr>
+  <p:timing>
+    <p:tnLst>
+      <p:par>
+        <p:cTn id="1" dur="indefinite" restart="never" nodeType="tmRoot"/>
+      </p:par>
+    </p:tnLst>
+  </p:timing>
+</p:sld>
+</file>
+
+<file path=ppt/slides/slide30.xml><?xml version="1.0" encoding="utf-8"?>
 <p:sld xmlns:a="http://schemas.openxmlformats.org/drawingml/2006/main" xmlns:r="http://schemas.openxmlformats.org/officeDocument/2006/relationships" xmlns:p="http://schemas.openxmlformats.org/presentationml/2006/main">
   <p:cSld>
     <p:spTree>
@@ -25650,367 +26332,7 @@
 </p:sld>
 </file>
 
-<file path=ppt/slides/slide3.xml><?xml version="1.0" encoding="utf-8"?>
-<p:sld xmlns:a="http://schemas.openxmlformats.org/drawingml/2006/main" xmlns:r="http://schemas.openxmlformats.org/officeDocument/2006/relationships" xmlns:p="http://schemas.openxmlformats.org/presentationml/2006/main">
-  <p:cSld>
-    <p:spTree>
-      <p:nvGrpSpPr>
-        <p:cNvPr id="1" name="Shape 129"/>
-        <p:cNvGrpSpPr/>
-        <p:nvPr/>
-      </p:nvGrpSpPr>
-      <p:grpSpPr>
-        <a:xfrm>
-          <a:off x="0" y="0"/>
-          <a:ext cx="0" cy="0"/>
-          <a:chOff x="0" y="0"/>
-          <a:chExt cx="0" cy="0"/>
-        </a:xfrm>
-      </p:grpSpPr>
-      <p:sp>
-        <p:nvSpPr>
-          <p:cNvPr id="130" name="Google Shape;130;p24"/>
-          <p:cNvSpPr txBox="1">
-            <a:spLocks noGrp="1"/>
-          </p:cNvSpPr>
-          <p:nvPr>
-            <p:ph type="title"/>
-          </p:nvPr>
-        </p:nvSpPr>
-        <p:spPr>
-          <a:xfrm>
-            <a:off x="457200" y="274638"/>
-            <a:ext cx="8229600" cy="562074"/>
-          </a:xfrm>
-          <a:prstGeom prst="rect">
-            <a:avLst/>
-          </a:prstGeom>
-          <a:noFill/>
-          <a:ln>
-            <a:noFill/>
-          </a:ln>
-        </p:spPr>
-        <p:txBody>
-          <a:bodyPr spcFirstLastPara="1" wrap="square" lIns="91425" tIns="45700" rIns="91425" bIns="45700" anchor="ctr" anchorCtr="0">
-            <a:noAutofit/>
-          </a:bodyPr>
-          <a:lstStyle/>
-          <a:p>
-            <a:pPr marL="0" lvl="0" indent="0" algn="ctr" rtl="0">
-              <a:lnSpc>
-                <a:spcPct val="90000"/>
-              </a:lnSpc>
-              <a:spcBef>
-                <a:spcPts val="0"/>
-              </a:spcBef>
-              <a:spcAft>
-                <a:spcPts val="0"/>
-              </a:spcAft>
-              <a:buClr>
-                <a:schemeClr val="dk1"/>
-              </a:buClr>
-              <a:buSzPts val="3200"/>
-              <a:buFont typeface="Nunito"/>
-              <a:buNone/>
-            </a:pPr>
-            <a:r>
-              <a:rPr lang="en-GB" sz="3200" b="1" dirty="0">
-                <a:latin typeface="Arial Rounded MT Bold" panose="020F0704030504030204" pitchFamily="34" charset="0"/>
-                <a:ea typeface="Nunito"/>
-                <a:cs typeface="Nunito"/>
-                <a:sym typeface="Nunito"/>
-              </a:rPr>
-              <a:t>Processing big data: the issues</a:t>
-            </a:r>
-            <a:endParaRPr dirty="0">
-              <a:latin typeface="Arial Rounded MT Bold" panose="020F0704030504030204" pitchFamily="34" charset="0"/>
-            </a:endParaRPr>
-          </a:p>
-        </p:txBody>
-      </p:sp>
-      <p:sp>
-        <p:nvSpPr>
-          <p:cNvPr id="131" name="Google Shape;131;p24"/>
-          <p:cNvSpPr txBox="1">
-            <a:spLocks noGrp="1"/>
-          </p:cNvSpPr>
-          <p:nvPr>
-            <p:ph type="body" idx="1"/>
-          </p:nvPr>
-        </p:nvSpPr>
-        <p:spPr>
-          <a:xfrm>
-            <a:off x="457200" y="980728"/>
-            <a:ext cx="8229600" cy="4824536"/>
-          </a:xfrm>
-          <a:prstGeom prst="rect">
-            <a:avLst/>
-          </a:prstGeom>
-          <a:noFill/>
-          <a:ln>
-            <a:noFill/>
-          </a:ln>
-        </p:spPr>
-        <p:txBody>
-          <a:bodyPr spcFirstLastPara="1" wrap="square" lIns="91425" tIns="45700" rIns="91425" bIns="45700" anchor="t" anchorCtr="0">
-            <a:noAutofit/>
-          </a:bodyPr>
-          <a:lstStyle/>
-          <a:p>
-            <a:pPr marL="228600" lvl="0" indent="-228600" algn="l" rtl="0">
-              <a:lnSpc>
-                <a:spcPct val="80000"/>
-              </a:lnSpc>
-              <a:spcBef>
-                <a:spcPts val="0"/>
-              </a:spcBef>
-              <a:spcAft>
-                <a:spcPts val="0"/>
-              </a:spcAft>
-              <a:buClr>
-                <a:srgbClr val="000000"/>
-              </a:buClr>
-              <a:buSzPts val="2800"/>
-              <a:buChar char="•"/>
-            </a:pPr>
-            <a:r>
-              <a:rPr lang="en-GB" sz="2800" dirty="0">
-                <a:solidFill>
-                  <a:srgbClr val="000000"/>
-                </a:solidFill>
-              </a:rPr>
-              <a:t>Parallel processing in the Environmental Sciences has historically focussed on running highly-parallelised models.</a:t>
-            </a:r>
-            <a:endParaRPr dirty="0"/>
-          </a:p>
-          <a:p>
-            <a:pPr marL="228600" lvl="0" indent="-228600" algn="l" rtl="0">
-              <a:lnSpc>
-                <a:spcPct val="80000"/>
-              </a:lnSpc>
-              <a:spcBef>
-                <a:spcPts val="1000"/>
-              </a:spcBef>
-              <a:spcAft>
-                <a:spcPts val="0"/>
-              </a:spcAft>
-              <a:buClr>
-                <a:srgbClr val="000000"/>
-              </a:buClr>
-              <a:buSzPts val="2800"/>
-              <a:buChar char="•"/>
-            </a:pPr>
-            <a:r>
-              <a:rPr lang="en-GB" sz="2800" dirty="0">
-                <a:solidFill>
-                  <a:srgbClr val="000000"/>
-                </a:solidFill>
-              </a:rPr>
-              <a:t>Data analysis was typically run sequentially because:</a:t>
-            </a:r>
-            <a:endParaRPr dirty="0"/>
-          </a:p>
-          <a:p>
-            <a:pPr marL="800100" lvl="1" algn="l" rtl="0">
-              <a:lnSpc>
-                <a:spcPct val="80000"/>
-              </a:lnSpc>
-              <a:spcBef>
-                <a:spcPts val="500"/>
-              </a:spcBef>
-              <a:spcAft>
-                <a:spcPts val="0"/>
-              </a:spcAft>
-              <a:buClr>
-                <a:srgbClr val="000000"/>
-              </a:buClr>
-              <a:buSzPts val="2400"/>
-              <a:buFont typeface="Calibri" panose="020F0502020204030204" pitchFamily="34" charset="0"/>
-              <a:buChar char="̶"/>
-            </a:pPr>
-            <a:r>
-              <a:rPr lang="en-GB" sz="2400" dirty="0">
-                <a:solidFill>
-                  <a:srgbClr val="000000"/>
-                </a:solidFill>
-              </a:rPr>
-              <a:t>It was a smaller problem</a:t>
-            </a:r>
-            <a:endParaRPr dirty="0"/>
-          </a:p>
-          <a:p>
-            <a:pPr marL="800100" lvl="1" algn="l" rtl="0">
-              <a:lnSpc>
-                <a:spcPct val="80000"/>
-              </a:lnSpc>
-              <a:spcBef>
-                <a:spcPts val="500"/>
-              </a:spcBef>
-              <a:spcAft>
-                <a:spcPts val="0"/>
-              </a:spcAft>
-              <a:buClr>
-                <a:srgbClr val="000000"/>
-              </a:buClr>
-              <a:buSzPts val="2400"/>
-              <a:buFont typeface="Calibri" panose="020F0502020204030204" pitchFamily="34" charset="0"/>
-              <a:buChar char="̶"/>
-            </a:pPr>
-            <a:r>
-              <a:rPr lang="en-GB" sz="2400" dirty="0">
-                <a:solidFill>
-                  <a:srgbClr val="000000"/>
-                </a:solidFill>
-              </a:rPr>
-              <a:t>It didn’t have parallel resources available</a:t>
-            </a:r>
-            <a:endParaRPr dirty="0"/>
-          </a:p>
-          <a:p>
-            <a:pPr marL="800100" lvl="1" algn="l" rtl="0">
-              <a:lnSpc>
-                <a:spcPct val="80000"/>
-              </a:lnSpc>
-              <a:spcBef>
-                <a:spcPts val="500"/>
-              </a:spcBef>
-              <a:spcAft>
-                <a:spcPts val="0"/>
-              </a:spcAft>
-              <a:buClr>
-                <a:srgbClr val="000000"/>
-              </a:buClr>
-              <a:buSzPts val="2400"/>
-              <a:buFont typeface="Calibri" panose="020F0502020204030204" pitchFamily="34" charset="0"/>
-              <a:buChar char="̶"/>
-            </a:pPr>
-            <a:r>
-              <a:rPr lang="en-GB" sz="2400" dirty="0">
-                <a:solidFill>
-                  <a:srgbClr val="000000"/>
-                </a:solidFill>
-              </a:rPr>
-              <a:t>The software/scientists were not equipped to work in parallel</a:t>
-            </a:r>
-            <a:endParaRPr dirty="0"/>
-          </a:p>
-          <a:p>
-            <a:pPr marL="228600" lvl="0" indent="-228600" algn="l" rtl="0">
-              <a:lnSpc>
-                <a:spcPct val="80000"/>
-              </a:lnSpc>
-              <a:spcBef>
-                <a:spcPts val="1000"/>
-              </a:spcBef>
-              <a:spcAft>
-                <a:spcPts val="0"/>
-              </a:spcAft>
-              <a:buClr>
-                <a:srgbClr val="000000"/>
-              </a:buClr>
-              <a:buSzPts val="2800"/>
-              <a:buChar char="•"/>
-            </a:pPr>
-            <a:r>
-              <a:rPr lang="en-GB" sz="2800" dirty="0">
-                <a:solidFill>
-                  <a:srgbClr val="000000"/>
-                </a:solidFill>
-              </a:rPr>
-              <a:t>The generation of enormous datasets (e.g. UPSCALE – around 300Tb) means that:</a:t>
-            </a:r>
-            <a:endParaRPr dirty="0"/>
-          </a:p>
-          <a:p>
-            <a:pPr marL="800100" lvl="1" algn="l" rtl="0">
-              <a:lnSpc>
-                <a:spcPct val="80000"/>
-              </a:lnSpc>
-              <a:spcBef>
-                <a:spcPts val="500"/>
-              </a:spcBef>
-              <a:spcAft>
-                <a:spcPts val="0"/>
-              </a:spcAft>
-              <a:buClr>
-                <a:srgbClr val="000000"/>
-              </a:buClr>
-              <a:buSzPts val="2400"/>
-              <a:buFont typeface="Calibri" panose="020F0502020204030204" pitchFamily="34" charset="0"/>
-              <a:buChar char="̶"/>
-            </a:pPr>
-            <a:r>
-              <a:rPr lang="en-GB" sz="2400" dirty="0">
-                <a:solidFill>
-                  <a:srgbClr val="000000"/>
-                </a:solidFill>
-              </a:rPr>
-              <a:t>Processing big data </a:t>
-            </a:r>
-            <a:r>
-              <a:rPr lang="en-GB" sz="2400" b="1" dirty="0">
-                <a:solidFill>
-                  <a:srgbClr val="000000"/>
-                </a:solidFill>
-              </a:rPr>
-              <a:t>requires</a:t>
-            </a:r>
-            <a:r>
-              <a:rPr lang="en-GB" sz="2400" dirty="0">
-                <a:solidFill>
-                  <a:srgbClr val="000000"/>
-                </a:solidFill>
-              </a:rPr>
-              <a:t> a parallel approach</a:t>
-            </a:r>
-            <a:endParaRPr dirty="0"/>
-          </a:p>
-          <a:p>
-            <a:pPr marL="800100" lvl="1" algn="l" rtl="0">
-              <a:lnSpc>
-                <a:spcPct val="80000"/>
-              </a:lnSpc>
-              <a:spcBef>
-                <a:spcPts val="500"/>
-              </a:spcBef>
-              <a:spcAft>
-                <a:spcPts val="0"/>
-              </a:spcAft>
-              <a:buClr>
-                <a:srgbClr val="000000"/>
-              </a:buClr>
-              <a:buSzPts val="2400"/>
-              <a:buFont typeface="Calibri" panose="020F0502020204030204" pitchFamily="34" charset="0"/>
-              <a:buChar char="̶"/>
-            </a:pPr>
-            <a:r>
-              <a:rPr lang="en-GB" sz="2400" dirty="0">
-                <a:solidFill>
-                  <a:srgbClr val="000000"/>
-                </a:solidFill>
-              </a:rPr>
-              <a:t>Fortunately, platforms, tools, and programmers are becoming better equipped</a:t>
-            </a:r>
-            <a:endParaRPr sz="2400" dirty="0"/>
-          </a:p>
-        </p:txBody>
-      </p:sp>
-    </p:spTree>
-  </p:cSld>
-  <p:clrMapOvr>
-    <a:masterClrMapping/>
-  </p:clrMapOvr>
-  <p:timing>
-    <p:tnLst>
-      <p:par>
-        <p:cTn id="1" dur="indefinite" restart="never" nodeType="tmRoot"/>
-      </p:par>
-    </p:tnLst>
-  </p:timing>
-</p:sld>
-</file>
-
-<file path=ppt/slides/slide30.xml><?xml version="1.0" encoding="utf-8"?>
+<file path=ppt/slides/slide31.xml><?xml version="1.0" encoding="utf-8"?>
 <p:sld xmlns:a="http://schemas.openxmlformats.org/drawingml/2006/main" xmlns:r="http://schemas.openxmlformats.org/officeDocument/2006/relationships" xmlns:p="http://schemas.openxmlformats.org/presentationml/2006/main">
   <p:cSld>
     <p:spTree>
@@ -26608,7 +26930,7 @@
 </p:sld>
 </file>
 
-<file path=ppt/slides/slide31.xml><?xml version="1.0" encoding="utf-8"?>
+<file path=ppt/slides/slide32.xml><?xml version="1.0" encoding="utf-8"?>
 <p:sld xmlns:a="http://schemas.openxmlformats.org/drawingml/2006/main" xmlns:r="http://schemas.openxmlformats.org/officeDocument/2006/relationships" xmlns:p="http://schemas.openxmlformats.org/presentationml/2006/main">
   <p:cSld>
     <p:spTree>
@@ -26888,7 +27210,7 @@
 </p:sld>
 </file>
 
-<file path=ppt/slides/slide32.xml><?xml version="1.0" encoding="utf-8"?>
+<file path=ppt/slides/slide33.xml><?xml version="1.0" encoding="utf-8"?>
 <p:sld xmlns:a="http://schemas.openxmlformats.org/drawingml/2006/main" xmlns:r="http://schemas.openxmlformats.org/officeDocument/2006/relationships" xmlns:p="http://schemas.openxmlformats.org/presentationml/2006/main">
   <p:cSld>
     <p:spTree>
